--- a/01_documentation/nps_poster.pptx
+++ b/01_documentation/nps_poster.pptx
@@ -1419,7 +1419,10 @@
           <c:spPr>
             <a:ln w="28575" cap="rnd">
               <a:solidFill>
-                <a:schemeClr val="accent2"/>
+                <a:schemeClr val="accent2">
+                  <a:lumMod val="90000"/>
+                  <a:lumOff val="10000"/>
+                </a:schemeClr>
               </a:solidFill>
               <a:round/>
             </a:ln>
@@ -1541,7 +1544,10 @@
           <c:spPr>
             <a:ln w="28575" cap="rnd">
               <a:solidFill>
-                <a:schemeClr val="accent5"/>
+                <a:schemeClr val="accent5">
+                  <a:lumMod val="90000"/>
+                  <a:lumOff val="10000"/>
+                </a:schemeClr>
               </a:solidFill>
               <a:round/>
             </a:ln>
@@ -2341,6 +2347,115 @@
             <a:sp3d/>
           </c:spPr>
           <c:invertIfNegative val="0"/>
+          <c:dPt>
+            <c:idx val="0"/>
+            <c:invertIfNegative val="0"/>
+            <c:bubble3D val="0"/>
+            <c:spPr>
+              <a:solidFill>
+                <a:schemeClr val="accent1">
+                  <a:lumMod val="90000"/>
+                </a:schemeClr>
+              </a:solidFill>
+              <a:ln>
+                <a:noFill/>
+              </a:ln>
+              <a:effectLst/>
+              <a:sp3d/>
+            </c:spPr>
+            <c:extLst>
+              <c:ext xmlns:c16="http://schemas.microsoft.com/office/drawing/2014/chart" uri="{C3380CC4-5D6E-409C-BE32-E72D297353CC}">
+                <c16:uniqueId val="{00000005-00A7-494A-8AAB-86AF9DBD761F}"/>
+              </c:ext>
+            </c:extLst>
+          </c:dPt>
+          <c:dPt>
+            <c:idx val="1"/>
+            <c:invertIfNegative val="0"/>
+            <c:bubble3D val="0"/>
+            <c:spPr>
+              <a:solidFill>
+                <a:schemeClr val="accent3">
+                  <a:lumMod val="50000"/>
+                </a:schemeClr>
+              </a:solidFill>
+              <a:ln>
+                <a:noFill/>
+              </a:ln>
+              <a:effectLst/>
+              <a:sp3d/>
+            </c:spPr>
+            <c:extLst>
+              <c:ext xmlns:c16="http://schemas.microsoft.com/office/drawing/2014/chart" uri="{C3380CC4-5D6E-409C-BE32-E72D297353CC}">
+                <c16:uniqueId val="{00000004-00A7-494A-8AAB-86AF9DBD761F}"/>
+              </c:ext>
+            </c:extLst>
+          </c:dPt>
+          <c:dPt>
+            <c:idx val="2"/>
+            <c:invertIfNegative val="0"/>
+            <c:bubble3D val="0"/>
+            <c:spPr>
+              <a:solidFill>
+                <a:schemeClr val="accent4"/>
+              </a:solidFill>
+              <a:ln>
+                <a:noFill/>
+              </a:ln>
+              <a:effectLst/>
+              <a:sp3d/>
+            </c:spPr>
+            <c:extLst>
+              <c:ext xmlns:c16="http://schemas.microsoft.com/office/drawing/2014/chart" uri="{C3380CC4-5D6E-409C-BE32-E72D297353CC}">
+                <c16:uniqueId val="{00000003-00A7-494A-8AAB-86AF9DBD761F}"/>
+              </c:ext>
+            </c:extLst>
+          </c:dPt>
+          <c:dPt>
+            <c:idx val="3"/>
+            <c:invertIfNegative val="0"/>
+            <c:bubble3D val="0"/>
+            <c:spPr>
+              <a:solidFill>
+                <a:schemeClr val="accent1">
+                  <a:lumMod val="75000"/>
+                </a:schemeClr>
+              </a:solidFill>
+              <a:ln>
+                <a:noFill/>
+              </a:ln>
+              <a:effectLst/>
+              <a:sp3d/>
+            </c:spPr>
+            <c:extLst>
+              <c:ext xmlns:c16="http://schemas.microsoft.com/office/drawing/2014/chart" uri="{C3380CC4-5D6E-409C-BE32-E72D297353CC}">
+                <c16:uniqueId val="{00000002-00A7-494A-8AAB-86AF9DBD761F}"/>
+              </c:ext>
+            </c:extLst>
+          </c:dPt>
+          <c:dPt>
+            <c:idx val="4"/>
+            <c:invertIfNegative val="0"/>
+            <c:bubble3D val="0"/>
+            <c:spPr>
+              <a:solidFill>
+                <a:schemeClr val="accent6">
+                  <a:lumMod val="60000"/>
+                  <a:lumOff val="40000"/>
+                </a:schemeClr>
+              </a:solidFill>
+              <a:ln>
+                <a:noFill/>
+              </a:ln>
+              <a:effectLst/>
+              <a:sp3d/>
+            </c:spPr>
+            <c:extLst>
+              <c:ext xmlns:c16="http://schemas.microsoft.com/office/drawing/2014/chart" uri="{C3380CC4-5D6E-409C-BE32-E72D297353CC}">
+                <c16:uniqueId val="{00000001-00A7-494A-8AAB-86AF9DBD761F}"/>
+              </c:ext>
+            </c:extLst>
+          </c:dPt>
           <c:cat>
             <c:strRef>
               <c:f>nps_top_parks!$A$2:$A$6</c:f>
@@ -2433,9 +2548,9 @@
             <a:pPr>
               <a:defRPr sz="1050" b="0" i="0" u="none" strike="noStrike" kern="1200" cap="none" spc="0" normalizeH="0" baseline="0">
                 <a:solidFill>
-                  <a:schemeClr val="bg1">
-                    <a:lumMod val="90000"/>
-                    <a:lumOff val="10000"/>
+                  <a:schemeClr val="accent2">
+                    <a:lumMod val="10000"/>
+                    <a:lumOff val="90000"/>
                   </a:schemeClr>
                 </a:solidFill>
                 <a:latin typeface="+mn-lt"/>
@@ -2506,9 +2621,9 @@
             <a:pPr>
               <a:defRPr sz="1197" b="0" i="0" u="none" strike="noStrike" kern="1200" baseline="0">
                 <a:solidFill>
-                  <a:schemeClr val="tx1">
-                    <a:lumMod val="65000"/>
-                    <a:lumOff val="35000"/>
+                  <a:schemeClr val="accent2">
+                    <a:lumMod val="10000"/>
+                    <a:lumOff val="90000"/>
                   </a:schemeClr>
                 </a:solidFill>
                 <a:latin typeface="+mn-lt"/>
@@ -2525,6 +2640,14 @@
         <c:dispUnits>
           <c:builtInUnit val="millions"/>
           <c:dispUnitsLbl>
+            <c:layout>
+              <c:manualLayout>
+                <c:xMode val="edge"/>
+                <c:yMode val="edge"/>
+                <c:x val="0.45167692283668487"/>
+                <c:y val="0.83229867181340778"/>
+              </c:manualLayout>
+            </c:layout>
             <c:tx>
               <c:rich>
                 <a:bodyPr rot="0" spcFirstLastPara="1" vertOverflow="ellipsis" vert="horz" wrap="square" anchor="ctr" anchorCtr="1"/>
@@ -2533,9 +2656,9 @@
                   <a:pPr>
                     <a:defRPr sz="1197" b="0" i="0" u="none" strike="noStrike" kern="1200" cap="all" baseline="0">
                       <a:solidFill>
-                        <a:schemeClr val="tx1">
-                          <a:lumMod val="65000"/>
-                          <a:lumOff val="35000"/>
+                        <a:schemeClr val="accent2">
+                          <a:lumMod val="10000"/>
+                          <a:lumOff val="90000"/>
                         </a:schemeClr>
                       </a:solidFill>
                       <a:latin typeface="+mn-lt"/>
@@ -2544,7 +2667,14 @@
                     </a:defRPr>
                   </a:pPr>
                   <a:r>
-                    <a:rPr lang="en-US"/>
+                    <a:rPr lang="en-US" dirty="0">
+                      <a:solidFill>
+                        <a:schemeClr val="accent2">
+                          <a:lumMod val="10000"/>
+                          <a:lumOff val="90000"/>
+                        </a:schemeClr>
+                      </a:solidFill>
+                    </a:rPr>
                     <a:t>Visits (Millions)</a:t>
                   </a:r>
                 </a:p>
@@ -2564,9 +2694,9 @@
                 <a:pPr>
                   <a:defRPr sz="1197" b="0" i="0" u="none" strike="noStrike" kern="1200" cap="all" baseline="0">
                     <a:solidFill>
-                      <a:schemeClr val="tx1">
-                        <a:lumMod val="65000"/>
-                        <a:lumOff val="35000"/>
+                      <a:schemeClr val="accent2">
+                        <a:lumMod val="10000"/>
+                        <a:lumOff val="90000"/>
                       </a:schemeClr>
                     </a:solidFill>
                     <a:latin typeface="+mn-lt"/>
@@ -5419,6 +5549,183 @@
           <a:chExt cx="0" cy="0"/>
         </a:xfrm>
       </p:grpSpPr>
+      <p:sp>
+        <p:nvSpPr>
+          <p:cNvPr id="113" name="Rectangle: Rounded Corners 112">
+            <a:extLst>
+              <a:ext uri="{FF2B5EF4-FFF2-40B4-BE49-F238E27FC236}">
+                <a16:creationId xmlns:a16="http://schemas.microsoft.com/office/drawing/2014/main" id="{688EFBAD-F1A3-6BF4-975D-90B79EFE2328}"/>
+              </a:ext>
+            </a:extLst>
+          </p:cNvPr>
+          <p:cNvSpPr/>
+          <p:nvPr/>
+        </p:nvSpPr>
+        <p:spPr>
+          <a:xfrm>
+            <a:off x="3659095" y="7505706"/>
+            <a:ext cx="3874524" cy="2307657"/>
+          </a:xfrm>
+          <a:prstGeom prst="roundRect">
+            <a:avLst>
+              <a:gd name="adj" fmla="val 0"/>
+            </a:avLst>
+          </a:prstGeom>
+          <a:solidFill>
+            <a:srgbClr val="284A00"/>
+          </a:solidFill>
+          <a:ln>
+            <a:noFill/>
+          </a:ln>
+        </p:spPr>
+        <p:style>
+          <a:lnRef idx="0">
+            <a:scrgbClr r="0" g="0" b="0"/>
+          </a:lnRef>
+          <a:fillRef idx="0">
+            <a:scrgbClr r="0" g="0" b="0"/>
+          </a:fillRef>
+          <a:effectRef idx="0">
+            <a:scrgbClr r="0" g="0" b="0"/>
+          </a:effectRef>
+          <a:fontRef idx="minor">
+            <a:schemeClr val="lt1"/>
+          </a:fontRef>
+        </p:style>
+        <p:txBody>
+          <a:bodyPr rtlCol="0" anchor="ctr"/>
+          <a:lstStyle/>
+          <a:p>
+            <a:pPr algn="ctr"/>
+            <a:endParaRPr lang="en-US" sz="1050" dirty="0">
+              <a:solidFill>
+                <a:schemeClr val="accent1"/>
+              </a:solidFill>
+              <a:latin typeface="+mj-lt"/>
+            </a:endParaRPr>
+          </a:p>
+          <a:p>
+            <a:pPr algn="ctr"/>
+            <a:endParaRPr lang="en-US" sz="1050" dirty="0">
+              <a:solidFill>
+                <a:schemeClr val="accent1"/>
+              </a:solidFill>
+              <a:latin typeface="+mj-lt"/>
+            </a:endParaRPr>
+          </a:p>
+        </p:txBody>
+      </p:sp>
+      <p:grpSp>
+        <p:nvGrpSpPr>
+          <p:cNvPr id="34" name="Group 33">
+            <a:extLst>
+              <a:ext uri="{FF2B5EF4-FFF2-40B4-BE49-F238E27FC236}">
+                <a16:creationId xmlns:a16="http://schemas.microsoft.com/office/drawing/2014/main" id="{721F412C-52E1-41CC-9338-529ED7464434}"/>
+              </a:ext>
+            </a:extLst>
+          </p:cNvPr>
+          <p:cNvGrpSpPr/>
+          <p:nvPr/>
+        </p:nvGrpSpPr>
+        <p:grpSpPr>
+          <a:xfrm>
+            <a:off x="3669287" y="4695825"/>
+            <a:ext cx="3853589" cy="2798656"/>
+            <a:chOff x="3669287" y="657225"/>
+            <a:chExt cx="3853589" cy="2798656"/>
+          </a:xfrm>
+        </p:grpSpPr>
+        <p:sp>
+          <p:nvSpPr>
+            <p:cNvPr id="18" name="Rectangle: Rounded Corners 17">
+              <a:extLst>
+                <a:ext uri="{FF2B5EF4-FFF2-40B4-BE49-F238E27FC236}">
+                  <a16:creationId xmlns:a16="http://schemas.microsoft.com/office/drawing/2014/main" id="{652101FE-8FCB-B3F5-954F-EF6F125E8744}"/>
+                </a:ext>
+              </a:extLst>
+            </p:cNvPr>
+            <p:cNvSpPr/>
+            <p:nvPr/>
+          </p:nvSpPr>
+          <p:spPr>
+            <a:xfrm>
+              <a:off x="6335455" y="766921"/>
+              <a:ext cx="1169979" cy="1014288"/>
+            </a:xfrm>
+            <a:prstGeom prst="roundRect">
+              <a:avLst/>
+            </a:prstGeom>
+            <a:solidFill>
+              <a:srgbClr val="223140">
+                <a:alpha val="89804"/>
+              </a:srgbClr>
+            </a:solidFill>
+          </p:spPr>
+          <p:style>
+            <a:lnRef idx="2">
+              <a:schemeClr val="accent1">
+                <a:shade val="15000"/>
+              </a:schemeClr>
+            </a:lnRef>
+            <a:fillRef idx="1">
+              <a:schemeClr val="accent1"/>
+            </a:fillRef>
+            <a:effectRef idx="0">
+              <a:schemeClr val="accent1"/>
+            </a:effectRef>
+            <a:fontRef idx="minor">
+              <a:schemeClr val="lt1"/>
+            </a:fontRef>
+          </p:style>
+          <p:txBody>
+            <a:bodyPr rtlCol="0" anchor="ctr"/>
+            <a:lstStyle/>
+            <a:p>
+              <a:pPr algn="ctr"/>
+              <a:endParaRPr lang="en-US">
+                <a:ln>
+                  <a:solidFill>
+                    <a:schemeClr val="accent6">
+                      <a:lumMod val="60000"/>
+                      <a:lumOff val="40000"/>
+                    </a:schemeClr>
+                  </a:solidFill>
+                </a:ln>
+              </a:endParaRPr>
+            </a:p>
+          </p:txBody>
+        </p:sp>
+        <p:graphicFrame>
+          <p:nvGraphicFramePr>
+            <p:cNvPr id="15" name="Chart 14">
+              <a:extLst>
+                <a:ext uri="{FF2B5EF4-FFF2-40B4-BE49-F238E27FC236}">
+                  <a16:creationId xmlns:a16="http://schemas.microsoft.com/office/drawing/2014/main" id="{800FAAB9-4B4A-9FD5-E4E0-FEB8D5D07866}"/>
+                </a:ext>
+              </a:extLst>
+            </p:cNvPr>
+            <p:cNvGraphicFramePr>
+              <a:graphicFrameLocks/>
+            </p:cNvGraphicFramePr>
+            <p:nvPr>
+              <p:extLst>
+                <p:ext uri="{D42A27DB-BD31-4B8C-83A1-F6EECF244321}">
+                  <p14:modId xmlns:p14="http://schemas.microsoft.com/office/powerpoint/2010/main" val="1966781254"/>
+                </p:ext>
+              </p:extLst>
+            </p:nvPr>
+          </p:nvGraphicFramePr>
+          <p:xfrm>
+            <a:off x="3669287" y="657225"/>
+            <a:ext cx="3853589" cy="2798656"/>
+          </p:xfrm>
+          <a:graphic>
+            <a:graphicData uri="http://schemas.openxmlformats.org/drawingml/2006/chart">
+              <c:chart xmlns:c="http://schemas.openxmlformats.org/drawingml/2006/chart" xmlns:r="http://schemas.openxmlformats.org/officeDocument/2006/relationships" r:id="rId2"/>
+            </a:graphicData>
+          </a:graphic>
+        </p:graphicFrame>
+      </p:grpSp>
       <p:pic>
         <p:nvPicPr>
           <p:cNvPr id="33" name="Picture 32">
@@ -5434,18 +5741,29 @@
           <p:nvPr/>
         </p:nvPicPr>
         <p:blipFill rotWithShape="1">
-          <a:blip r:embed="rId2"/>
+          <a:blip r:embed="rId3"/>
           <a:srcRect l="4612" r="1733"/>
           <a:stretch/>
         </p:blipFill>
         <p:spPr>
           <a:xfrm>
-            <a:off x="4278420" y="1327835"/>
+            <a:off x="3725711" y="1298644"/>
             <a:ext cx="2680132" cy="3679381"/>
           </a:xfrm>
-          <a:prstGeom prst="rect">
-            <a:avLst/>
+          <a:prstGeom prst="roundRect">
+            <a:avLst>
+              <a:gd name="adj" fmla="val 8594"/>
+            </a:avLst>
           </a:prstGeom>
+          <a:solidFill>
+            <a:srgbClr val="FFFFFF">
+              <a:shade val="85000"/>
+            </a:srgbClr>
+          </a:solidFill>
+          <a:ln>
+            <a:noFill/>
+          </a:ln>
+          <a:effectLst/>
         </p:spPr>
       </p:pic>
       <p:sp>
@@ -5497,7 +5815,7 @@
             <a:avLst/>
           </a:prstGeom>
           <a:blipFill dpi="0" rotWithShape="1">
-            <a:blip r:embed="rId3">
+            <a:blip r:embed="rId4">
               <a:extLst>
                 <a:ext uri="{28A0092B-C50C-407E-A947-70E740481C1C}">
                   <a14:useLocalDpi xmlns:a14="http://schemas.microsoft.com/office/drawing/2010/main" val="0"/>
@@ -5538,12 +5856,51 @@
           </a:p>
         </p:txBody>
       </p:sp>
+      <p:pic>
+        <p:nvPicPr>
+          <p:cNvPr id="137" name="Graphic 136" descr="Icon Map and Location">
+            <a:extLst>
+              <a:ext uri="{FF2B5EF4-FFF2-40B4-BE49-F238E27FC236}">
+                <a16:creationId xmlns:a16="http://schemas.microsoft.com/office/drawing/2014/main" id="{0960335E-DCB4-4825-B3B1-3C310CE24F45}"/>
+              </a:ext>
+            </a:extLst>
+          </p:cNvPr>
+          <p:cNvPicPr>
+            <a:picLocks noChangeAspect="1"/>
+          </p:cNvPicPr>
+          <p:nvPr/>
+        </p:nvPicPr>
+        <p:blipFill>
+          <a:blip r:embed="rId5">
+            <a:extLst>
+              <a:ext uri="{28A0092B-C50C-407E-A947-70E740481C1C}">
+                <a14:useLocalDpi xmlns:a14="http://schemas.microsoft.com/office/drawing/2010/main"/>
+              </a:ext>
+              <a:ext uri="{96DAC541-7B7A-43D3-8B79-37D633B846F1}">
+                <asvg:svgBlip xmlns:asvg="http://schemas.microsoft.com/office/drawing/2016/SVG/main" r:embed="rId6"/>
+              </a:ext>
+            </a:extLst>
+          </a:blip>
+          <a:stretch>
+            <a:fillRect/>
+          </a:stretch>
+        </p:blipFill>
+        <p:spPr>
+          <a:xfrm>
+            <a:off x="277949" y="3538048"/>
+            <a:ext cx="315208" cy="329116"/>
+          </a:xfrm>
+          <a:prstGeom prst="rect">
+            <a:avLst/>
+          </a:prstGeom>
+        </p:spPr>
+      </p:pic>
       <p:sp>
         <p:nvSpPr>
-          <p:cNvPr id="150" name="TextBox 149">
+          <p:cNvPr id="154" name="TextBox 153">
             <a:extLst>
               <a:ext uri="{FF2B5EF4-FFF2-40B4-BE49-F238E27FC236}">
-                <a16:creationId xmlns:a16="http://schemas.microsoft.com/office/drawing/2014/main" id="{9B807505-5272-4289-9CD5-C8D2A0BC61F3}"/>
+                <a16:creationId xmlns:a16="http://schemas.microsoft.com/office/drawing/2014/main" id="{3A0518D1-D37C-415C-A198-CC8AD3DD187F}"/>
               </a:ext>
             </a:extLst>
           </p:cNvPr>
@@ -5552,8 +5909,63 @@
         </p:nvSpPr>
         <p:spPr>
           <a:xfrm>
-            <a:off x="608070" y="1668350"/>
-            <a:ext cx="1178637" cy="469135"/>
+            <a:off x="238781" y="7482112"/>
+            <a:ext cx="1547926" cy="646331"/>
+          </a:xfrm>
+          <a:prstGeom prst="rect">
+            <a:avLst/>
+          </a:prstGeom>
+          <a:noFill/>
+        </p:spPr>
+        <p:txBody>
+          <a:bodyPr wrap="square" rtlCol="0">
+            <a:spAutoFit/>
+          </a:bodyPr>
+          <a:lstStyle/>
+          <a:p>
+            <a:r>
+              <a:rPr lang="en-US" dirty="0">
+                <a:solidFill>
+                  <a:schemeClr val="accent2">
+                    <a:lumMod val="10000"/>
+                    <a:lumOff val="90000"/>
+                  </a:schemeClr>
+                </a:solidFill>
+                <a:latin typeface="+mj-lt"/>
+              </a:rPr>
+              <a:t>Model</a:t>
+            </a:r>
+            <a:r>
+              <a:rPr lang="en-US" b="1" dirty="0">
+                <a:solidFill>
+                  <a:schemeClr val="accent2">
+                    <a:lumMod val="10000"/>
+                    <a:lumOff val="90000"/>
+                  </a:schemeClr>
+                </a:solidFill>
+                <a:latin typeface="+mj-lt"/>
+              </a:rPr>
+              <a:t> Evaluation</a:t>
+            </a:r>
+          </a:p>
+        </p:txBody>
+      </p:sp>
+      <p:sp>
+        <p:nvSpPr>
+          <p:cNvPr id="155" name="TextBox 154">
+            <a:extLst>
+              <a:ext uri="{FF2B5EF4-FFF2-40B4-BE49-F238E27FC236}">
+                <a16:creationId xmlns:a16="http://schemas.microsoft.com/office/drawing/2014/main" id="{F72E8BDC-963B-4314-A5C6-F387147AE54C}"/>
+              </a:ext>
+            </a:extLst>
+          </p:cNvPr>
+          <p:cNvSpPr txBox="1"/>
+          <p:nvPr/>
+        </p:nvSpPr>
+        <p:spPr>
+          <a:xfrm>
+            <a:off x="317717" y="8110356"/>
+            <a:ext cx="1403610" cy="1615105"/>
           </a:xfrm>
           <a:prstGeom prst="rect">
             <a:avLst/>
@@ -5572,403 +5984,7 @@
                   <a:schemeClr val="bg1"/>
                 </a:solidFill>
               </a:rPr>
-              <a:t>Nicole </a:t>
-            </a:r>
-            <a:r>
-              <a:rPr lang="en-US" sz="900" b="1" dirty="0" err="1">
-                <a:solidFill>
-                  <a:schemeClr val="bg1"/>
-                </a:solidFill>
-              </a:rPr>
-              <a:t>Blakkan-Esser</a:t>
-            </a:r>
-            <a:endParaRPr lang="en-US" sz="900" b="1" dirty="0">
-              <a:solidFill>
-                <a:schemeClr val="bg1"/>
-              </a:solidFill>
-            </a:endParaRPr>
-          </a:p>
-          <a:p>
-            <a:r>
-              <a:rPr lang="en-US" sz="900" b="1" dirty="0" err="1">
-                <a:solidFill>
-                  <a:schemeClr val="bg1"/>
-                </a:solidFill>
-              </a:rPr>
-              <a:t>Lauralyn</a:t>
-            </a:r>
-            <a:r>
-              <a:rPr lang="en-US" sz="900" b="1" dirty="0">
-                <a:solidFill>
-                  <a:schemeClr val="bg1"/>
-                </a:solidFill>
-              </a:rPr>
-              <a:t> Curry-Leech Courtney Gibson</a:t>
-            </a:r>
-            <a:endParaRPr lang="en-US" sz="1600" b="1" noProof="1">
-              <a:solidFill>
-                <a:schemeClr val="bg1"/>
-              </a:solidFill>
-            </a:endParaRPr>
-          </a:p>
-        </p:txBody>
-      </p:sp>
-      <p:sp>
-        <p:nvSpPr>
-          <p:cNvPr id="115" name="TextBox 114">
-            <a:extLst>
-              <a:ext uri="{FF2B5EF4-FFF2-40B4-BE49-F238E27FC236}">
-                <a16:creationId xmlns:a16="http://schemas.microsoft.com/office/drawing/2014/main" id="{F9D7F3CC-0927-4309-8780-07862B295094}"/>
-              </a:ext>
-            </a:extLst>
-          </p:cNvPr>
-          <p:cNvSpPr txBox="1"/>
-          <p:nvPr/>
-        </p:nvSpPr>
-        <p:spPr>
-          <a:xfrm>
-            <a:off x="370743" y="3000286"/>
-            <a:ext cx="1367188" cy="1250268"/>
-          </a:xfrm>
-          <a:prstGeom prst="rect">
-            <a:avLst/>
-          </a:prstGeom>
-          <a:noFill/>
-        </p:spPr>
-        <p:txBody>
-          <a:bodyPr wrap="square" lIns="0" tIns="0" rIns="0" bIns="0" rtlCol="0">
-            <a:noAutofit/>
-          </a:bodyPr>
-          <a:lstStyle/>
-          <a:p>
-            <a:pPr>
-              <a:lnSpc>
-                <a:spcPts val="10500"/>
-              </a:lnSpc>
-            </a:pPr>
-            <a:r>
-              <a:rPr lang="en-US" sz="11500" b="1" spc="-150" dirty="0">
-                <a:solidFill>
-                  <a:schemeClr val="accent2"/>
-                </a:solidFill>
-                <a:latin typeface="+mj-lt"/>
-              </a:rPr>
-              <a:t>7 </a:t>
-            </a:r>
-          </a:p>
-        </p:txBody>
-      </p:sp>
-      <p:sp>
-        <p:nvSpPr>
-          <p:cNvPr id="116" name="TextBox 115">
-            <a:extLst>
-              <a:ext uri="{FF2B5EF4-FFF2-40B4-BE49-F238E27FC236}">
-                <a16:creationId xmlns:a16="http://schemas.microsoft.com/office/drawing/2014/main" id="{86392FE2-A06D-447C-9081-19BD97EBEBD9}"/>
-              </a:ext>
-            </a:extLst>
-          </p:cNvPr>
-          <p:cNvSpPr txBox="1"/>
-          <p:nvPr/>
-        </p:nvSpPr>
-        <p:spPr>
-          <a:xfrm rot="5400000">
-            <a:off x="638331" y="3118066"/>
-            <a:ext cx="1001921" cy="785823"/>
-          </a:xfrm>
-          <a:prstGeom prst="rect">
-            <a:avLst/>
-          </a:prstGeom>
-          <a:noFill/>
-        </p:spPr>
-        <p:txBody>
-          <a:bodyPr wrap="square" lIns="0" tIns="0" rIns="0" bIns="0" rtlCol="0">
-            <a:noAutofit/>
-          </a:bodyPr>
-          <a:lstStyle/>
-          <a:p>
-            <a:r>
-              <a:rPr lang="en-US" sz="3200" b="1" spc="-150" dirty="0">
-                <a:solidFill>
-                  <a:schemeClr val="accent2"/>
-                </a:solidFill>
-                <a:latin typeface="+mj-lt"/>
-              </a:rPr>
-              <a:t>Years</a:t>
-            </a:r>
-          </a:p>
-        </p:txBody>
-      </p:sp>
-      <p:sp>
-        <p:nvSpPr>
-          <p:cNvPr id="117" name="TextBox 116">
-            <a:extLst>
-              <a:ext uri="{FF2B5EF4-FFF2-40B4-BE49-F238E27FC236}">
-                <a16:creationId xmlns:a16="http://schemas.microsoft.com/office/drawing/2014/main" id="{4AB30B9C-4189-4072-A73F-B125AA0660CC}"/>
-              </a:ext>
-            </a:extLst>
-          </p:cNvPr>
-          <p:cNvSpPr txBox="1"/>
-          <p:nvPr/>
-        </p:nvSpPr>
-        <p:spPr>
-          <a:xfrm>
-            <a:off x="434079" y="4134869"/>
-            <a:ext cx="1222904" cy="1250268"/>
-          </a:xfrm>
-          <a:prstGeom prst="rect">
-            <a:avLst/>
-          </a:prstGeom>
-          <a:noFill/>
-        </p:spPr>
-        <p:txBody>
-          <a:bodyPr wrap="square" lIns="0" tIns="0" rIns="0" bIns="0" rtlCol="0">
-            <a:noAutofit/>
-          </a:bodyPr>
-          <a:lstStyle/>
-          <a:p>
-            <a:r>
-              <a:rPr lang="en-US" sz="1000" dirty="0">
-                <a:solidFill>
-                  <a:schemeClr val="bg1"/>
-                </a:solidFill>
-              </a:rPr>
-              <a:t>Use this to enter information about your experience.</a:t>
-            </a:r>
-          </a:p>
-          <a:p>
-            <a:endParaRPr lang="en-US" sz="1000" noProof="1">
-              <a:solidFill>
-                <a:schemeClr val="bg1"/>
-              </a:solidFill>
-            </a:endParaRPr>
-          </a:p>
-          <a:p>
-            <a:r>
-              <a:rPr lang="en-US" sz="1000" noProof="1">
-                <a:solidFill>
-                  <a:schemeClr val="bg1"/>
-                </a:solidFill>
-              </a:rPr>
-              <a:t>Want to change the image?  Right click, choose Fill, then choose Picture.</a:t>
-            </a:r>
-          </a:p>
-        </p:txBody>
-      </p:sp>
-      <p:pic>
-        <p:nvPicPr>
-          <p:cNvPr id="137" name="Graphic 136" descr="Icon Map and Location">
-            <a:extLst>
-              <a:ext uri="{FF2B5EF4-FFF2-40B4-BE49-F238E27FC236}">
-                <a16:creationId xmlns:a16="http://schemas.microsoft.com/office/drawing/2014/main" id="{0960335E-DCB4-4825-B3B1-3C310CE24F45}"/>
-              </a:ext>
-            </a:extLst>
-          </p:cNvPr>
-          <p:cNvPicPr>
-            <a:picLocks noChangeAspect="1"/>
-          </p:cNvPicPr>
-          <p:nvPr/>
-        </p:nvPicPr>
-        <p:blipFill>
-          <a:blip r:embed="rId4">
-            <a:extLst>
-              <a:ext uri="{28A0092B-C50C-407E-A947-70E740481C1C}">
-                <a14:useLocalDpi xmlns:a14="http://schemas.microsoft.com/office/drawing/2010/main"/>
-              </a:ext>
-              <a:ext uri="{96DAC541-7B7A-43D3-8B79-37D633B846F1}">
-                <asvg:svgBlip xmlns:asvg="http://schemas.microsoft.com/office/drawing/2016/SVG/main" r:embed="rId5"/>
-              </a:ext>
-            </a:extLst>
-          </a:blip>
-          <a:stretch>
-            <a:fillRect/>
-          </a:stretch>
-        </p:blipFill>
-        <p:spPr>
-          <a:xfrm>
-            <a:off x="622354" y="5489209"/>
-            <a:ext cx="737356" cy="769889"/>
-          </a:xfrm>
-          <a:prstGeom prst="rect">
-            <a:avLst/>
-          </a:prstGeom>
-        </p:spPr>
-      </p:pic>
-      <p:sp>
-        <p:nvSpPr>
-          <p:cNvPr id="136" name="TextBox 135">
-            <a:extLst>
-              <a:ext uri="{FF2B5EF4-FFF2-40B4-BE49-F238E27FC236}">
-                <a16:creationId xmlns:a16="http://schemas.microsoft.com/office/drawing/2014/main" id="{DD006F3B-FEFF-4DDF-93AA-B443AF5B2E4D}"/>
-              </a:ext>
-            </a:extLst>
-          </p:cNvPr>
-          <p:cNvSpPr txBox="1"/>
-          <p:nvPr/>
-        </p:nvSpPr>
-        <p:spPr>
-          <a:xfrm>
-            <a:off x="434079" y="6417374"/>
-            <a:ext cx="1222904" cy="769889"/>
-          </a:xfrm>
-          <a:prstGeom prst="rect">
-            <a:avLst/>
-          </a:prstGeom>
-          <a:noFill/>
-        </p:spPr>
-        <p:txBody>
-          <a:bodyPr wrap="square" lIns="0" tIns="0" rIns="0" bIns="0" rtlCol="0">
-            <a:noAutofit/>
-          </a:bodyPr>
-          <a:lstStyle/>
-          <a:p>
-            <a:r>
-              <a:rPr lang="en-US" sz="1600" dirty="0">
-                <a:solidFill>
-                  <a:schemeClr val="bg1"/>
-                </a:solidFill>
-              </a:rPr>
-              <a:t>Live in </a:t>
-            </a:r>
-            <a:br>
-              <a:rPr lang="en-US" sz="1600" dirty="0">
-                <a:solidFill>
-                  <a:schemeClr val="bg1"/>
-                </a:solidFill>
-              </a:rPr>
-            </a:br>
-            <a:r>
-              <a:rPr lang="en-US" sz="1600" b="1" dirty="0">
-                <a:solidFill>
-                  <a:schemeClr val="bg1"/>
-                </a:solidFill>
-              </a:rPr>
-              <a:t>New York </a:t>
-            </a:r>
-            <a:r>
-              <a:rPr lang="en-US" sz="1600" dirty="0">
-                <a:solidFill>
-                  <a:schemeClr val="bg1"/>
-                </a:solidFill>
-              </a:rPr>
-              <a:t>Since 2015</a:t>
-            </a:r>
-            <a:endParaRPr lang="en-US" sz="1600" noProof="1">
-              <a:solidFill>
-                <a:schemeClr val="bg1"/>
-              </a:solidFill>
-            </a:endParaRPr>
-          </a:p>
-        </p:txBody>
-      </p:sp>
-      <p:sp>
-        <p:nvSpPr>
-          <p:cNvPr id="154" name="TextBox 153">
-            <a:extLst>
-              <a:ext uri="{FF2B5EF4-FFF2-40B4-BE49-F238E27FC236}">
-                <a16:creationId xmlns:a16="http://schemas.microsoft.com/office/drawing/2014/main" id="{3A0518D1-D37C-415C-A198-CC8AD3DD187F}"/>
-              </a:ext>
-            </a:extLst>
-          </p:cNvPr>
-          <p:cNvSpPr txBox="1"/>
-          <p:nvPr/>
-        </p:nvSpPr>
-        <p:spPr>
-          <a:xfrm>
-            <a:off x="238781" y="7482112"/>
-            <a:ext cx="1547926" cy="400110"/>
-          </a:xfrm>
-          <a:prstGeom prst="rect">
-            <a:avLst/>
-          </a:prstGeom>
-          <a:noFill/>
-        </p:spPr>
-        <p:txBody>
-          <a:bodyPr wrap="square" rtlCol="0">
-            <a:spAutoFit/>
-          </a:bodyPr>
-          <a:lstStyle/>
-          <a:p>
-            <a:r>
-              <a:rPr lang="en-US" sz="2000" dirty="0">
-                <a:solidFill>
-                  <a:schemeClr val="bg1"/>
-                </a:solidFill>
-                <a:latin typeface="+mj-lt"/>
-              </a:rPr>
-              <a:t>PERSONAL</a:t>
-            </a:r>
-          </a:p>
-        </p:txBody>
-      </p:sp>
-      <p:sp>
-        <p:nvSpPr>
-          <p:cNvPr id="155" name="TextBox 154">
-            <a:extLst>
-              <a:ext uri="{FF2B5EF4-FFF2-40B4-BE49-F238E27FC236}">
-                <a16:creationId xmlns:a16="http://schemas.microsoft.com/office/drawing/2014/main" id="{F72E8BDC-963B-4314-A5C6-F387147AE54C}"/>
-              </a:ext>
-            </a:extLst>
-          </p:cNvPr>
-          <p:cNvSpPr txBox="1"/>
-          <p:nvPr/>
-        </p:nvSpPr>
-        <p:spPr>
-          <a:xfrm>
-            <a:off x="317717" y="7911224"/>
-            <a:ext cx="1403610" cy="1814237"/>
-          </a:xfrm>
-          <a:prstGeom prst="rect">
-            <a:avLst/>
-          </a:prstGeom>
-          <a:noFill/>
-        </p:spPr>
-        <p:txBody>
-          <a:bodyPr wrap="square" lIns="0" tIns="0" rIns="0" bIns="0" rtlCol="0">
-            <a:noAutofit/>
-          </a:bodyPr>
-          <a:lstStyle/>
-          <a:p>
-            <a:r>
-              <a:rPr lang="en-US" sz="900" dirty="0">
-                <a:solidFill>
-                  <a:schemeClr val="bg1"/>
-                </a:solidFill>
-              </a:rPr>
-              <a:t>On weekends I like spending time with my family.</a:t>
-            </a:r>
-          </a:p>
-          <a:p>
-            <a:endParaRPr lang="en-US" sz="900" dirty="0">
-              <a:solidFill>
-                <a:schemeClr val="bg1"/>
-              </a:solidFill>
-            </a:endParaRPr>
-          </a:p>
-          <a:p>
-            <a:r>
-              <a:rPr lang="en-US" sz="900" dirty="0">
-                <a:solidFill>
-                  <a:schemeClr val="bg1"/>
-                </a:solidFill>
-              </a:rPr>
-              <a:t>When I have some time for myself, I enjoy my Xbox and reading science fiction. If I had a hero it would be Shakespeare.</a:t>
-            </a:r>
-          </a:p>
-          <a:p>
-            <a:endParaRPr lang="en-US" sz="900" dirty="0">
-              <a:solidFill>
-                <a:schemeClr val="bg1"/>
-              </a:solidFill>
-            </a:endParaRPr>
-          </a:p>
-          <a:p>
-            <a:r>
-              <a:rPr lang="en-US" sz="900" dirty="0">
-                <a:solidFill>
-                  <a:schemeClr val="bg1"/>
-                </a:solidFill>
-              </a:rPr>
-              <a:t>To change icons, follow steps under Education.</a:t>
+              <a:t>Evaluation methodology</a:t>
             </a:r>
           </a:p>
           <a:p>
@@ -5980,123 +5996,6 @@
           </a:p>
         </p:txBody>
       </p:sp>
-      <p:pic>
-        <p:nvPicPr>
-          <p:cNvPr id="7" name="Graphic 6" descr="Hiker icon">
-            <a:extLst>
-              <a:ext uri="{FF2B5EF4-FFF2-40B4-BE49-F238E27FC236}">
-                <a16:creationId xmlns:a16="http://schemas.microsoft.com/office/drawing/2014/main" id="{197056E8-F093-46AB-89E7-7E26124ED8D5}"/>
-              </a:ext>
-            </a:extLst>
-          </p:cNvPr>
-          <p:cNvPicPr>
-            <a:picLocks noChangeAspect="1"/>
-          </p:cNvPicPr>
-          <p:nvPr/>
-        </p:nvPicPr>
-        <p:blipFill>
-          <a:blip r:embed="rId6">
-            <a:extLst>
-              <a:ext uri="{28A0092B-C50C-407E-A947-70E740481C1C}">
-                <a14:useLocalDpi xmlns:a14="http://schemas.microsoft.com/office/drawing/2010/main" val="0"/>
-              </a:ext>
-              <a:ext uri="{96DAC541-7B7A-43D3-8B79-37D633B846F1}">
-                <asvg:svgBlip xmlns:asvg="http://schemas.microsoft.com/office/drawing/2016/SVG/main" r:embed="rId7"/>
-              </a:ext>
-            </a:extLst>
-          </a:blip>
-          <a:stretch>
-            <a:fillRect/>
-          </a:stretch>
-        </p:blipFill>
-        <p:spPr>
-          <a:xfrm flipH="1">
-            <a:off x="238781" y="1686499"/>
-            <a:ext cx="358408" cy="358408"/>
-          </a:xfrm>
-          <a:prstGeom prst="rect">
-            <a:avLst/>
-          </a:prstGeom>
-        </p:spPr>
-      </p:pic>
-      <p:pic>
-        <p:nvPicPr>
-          <p:cNvPr id="14" name="Graphic 13" descr="Game controller icon">
-            <a:extLst>
-              <a:ext uri="{FF2B5EF4-FFF2-40B4-BE49-F238E27FC236}">
-                <a16:creationId xmlns:a16="http://schemas.microsoft.com/office/drawing/2014/main" id="{284BBC0A-6B25-4E44-8A38-910CA2147ACE}"/>
-              </a:ext>
-            </a:extLst>
-          </p:cNvPr>
-          <p:cNvPicPr>
-            <a:picLocks/>
-          </p:cNvPicPr>
-          <p:nvPr/>
-        </p:nvPicPr>
-        <p:blipFill>
-          <a:blip r:embed="rId8">
-            <a:extLst>
-              <a:ext uri="{28A0092B-C50C-407E-A947-70E740481C1C}">
-                <a14:useLocalDpi xmlns:a14="http://schemas.microsoft.com/office/drawing/2010/main" val="0"/>
-              </a:ext>
-              <a:ext uri="{96DAC541-7B7A-43D3-8B79-37D633B846F1}">
-                <asvg:svgBlip xmlns:asvg="http://schemas.microsoft.com/office/drawing/2016/SVG/main" r:embed="rId9"/>
-              </a:ext>
-            </a:extLst>
-          </a:blip>
-          <a:stretch>
-            <a:fillRect/>
-          </a:stretch>
-        </p:blipFill>
-        <p:spPr>
-          <a:xfrm>
-            <a:off x="836642" y="9439971"/>
-            <a:ext cx="320040" cy="274320"/>
-          </a:xfrm>
-          <a:prstGeom prst="rect">
-            <a:avLst/>
-          </a:prstGeom>
-        </p:spPr>
-      </p:pic>
-      <p:pic>
-        <p:nvPicPr>
-          <p:cNvPr id="16" name="Graphic 15" descr="stack of books icon">
-            <a:extLst>
-              <a:ext uri="{FF2B5EF4-FFF2-40B4-BE49-F238E27FC236}">
-                <a16:creationId xmlns:a16="http://schemas.microsoft.com/office/drawing/2014/main" id="{DD199C15-19E1-435A-9E03-9C6B222F9F60}"/>
-              </a:ext>
-            </a:extLst>
-          </p:cNvPr>
-          <p:cNvPicPr>
-            <a:picLocks noChangeAspect="1"/>
-          </p:cNvPicPr>
-          <p:nvPr/>
-        </p:nvPicPr>
-        <p:blipFill>
-          <a:blip r:embed="rId10">
-            <a:extLst>
-              <a:ext uri="{28A0092B-C50C-407E-A947-70E740481C1C}">
-                <a14:useLocalDpi xmlns:a14="http://schemas.microsoft.com/office/drawing/2010/main" val="0"/>
-              </a:ext>
-              <a:ext uri="{96DAC541-7B7A-43D3-8B79-37D633B846F1}">
-                <asvg:svgBlip xmlns:asvg="http://schemas.microsoft.com/office/drawing/2016/SVG/main" r:embed="rId11"/>
-              </a:ext>
-            </a:extLst>
-          </a:blip>
-          <a:stretch>
-            <a:fillRect/>
-          </a:stretch>
-        </p:blipFill>
-        <p:spPr>
-          <a:xfrm>
-            <a:off x="1447007" y="9462831"/>
-            <a:ext cx="228600" cy="228600"/>
-          </a:xfrm>
-          <a:prstGeom prst="rect">
-            <a:avLst/>
-          </a:prstGeom>
-        </p:spPr>
-      </p:pic>
       <p:sp>
         <p:nvSpPr>
           <p:cNvPr id="8" name="TextBox 7">
@@ -6191,7 +6090,7 @@
           <p:nvPr/>
         </p:nvPicPr>
         <p:blipFill>
-          <a:blip r:embed="rId12">
+          <a:blip r:embed="rId7">
             <a:extLst>
               <a:ext uri="{28A0092B-C50C-407E-A947-70E740481C1C}">
                 <a14:useLocalDpi xmlns:a14="http://schemas.microsoft.com/office/drawing/2010/main" val="0"/>
@@ -6204,8 +6103,8 @@
         </p:blipFill>
         <p:spPr>
           <a:xfrm>
-            <a:off x="626962" y="2126531"/>
-            <a:ext cx="785119" cy="785119"/>
+            <a:off x="6736745" y="374819"/>
+            <a:ext cx="695051" cy="695051"/>
           </a:xfrm>
           <a:prstGeom prst="rect">
             <a:avLst/>
@@ -6244,6 +6143,7 @@
           </a:bodyPr>
           <a:lstStyle/>
           <a:p>
+            <a:pPr algn="ctr"/>
             <a:r>
               <a:rPr lang="en-US" sz="1400" dirty="0">
                 <a:solidFill>
@@ -6251,87 +6151,8 @@
                 </a:solidFill>
                 <a:latin typeface="+mj-lt"/>
               </a:rPr>
-              <a:t>Education</a:t>
+              <a:t>NLTK</a:t>
             </a:r>
-          </a:p>
-        </p:txBody>
-      </p:sp>
-      <p:sp>
-        <p:nvSpPr>
-          <p:cNvPr id="141" name="TextBox 140">
-            <a:extLst>
-              <a:ext uri="{FF2B5EF4-FFF2-40B4-BE49-F238E27FC236}">
-                <a16:creationId xmlns:a16="http://schemas.microsoft.com/office/drawing/2014/main" id="{17E2A6C1-E5EE-4471-8A30-44C3098D8F2D}"/>
-              </a:ext>
-            </a:extLst>
-          </p:cNvPr>
-          <p:cNvSpPr txBox="1"/>
-          <p:nvPr/>
-        </p:nvSpPr>
-        <p:spPr>
-          <a:xfrm>
-            <a:off x="2044544" y="7879957"/>
-            <a:ext cx="1404000" cy="504000"/>
-          </a:xfrm>
-          <a:prstGeom prst="rect">
-            <a:avLst/>
-          </a:prstGeom>
-          <a:noFill/>
-        </p:spPr>
-        <p:txBody>
-          <a:bodyPr wrap="square" lIns="0" tIns="0" rIns="0" bIns="0" rtlCol="0">
-            <a:noAutofit/>
-          </a:bodyPr>
-          <a:lstStyle/>
-          <a:p>
-            <a:r>
-              <a:rPr lang="en-US" sz="900" b="1" dirty="0">
-                <a:solidFill>
-                  <a:schemeClr val="bg1"/>
-                </a:solidFill>
-                <a:latin typeface="+mj-lt"/>
-              </a:rPr>
-              <a:t>2010</a:t>
-            </a:r>
-          </a:p>
-          <a:p>
-            <a:r>
-              <a:rPr lang="en-US" sz="1000" b="1" dirty="0">
-                <a:solidFill>
-                  <a:schemeClr val="accent2"/>
-                </a:solidFill>
-              </a:rPr>
-              <a:t>School ABC</a:t>
-            </a:r>
-            <a:br>
-              <a:rPr lang="en-US" sz="900" dirty="0">
-                <a:solidFill>
-                  <a:schemeClr val="bg1"/>
-                </a:solidFill>
-              </a:rPr>
-            </a:br>
-            <a:r>
-              <a:rPr lang="en-US" sz="900" dirty="0">
-                <a:solidFill>
-                  <a:schemeClr val="bg1"/>
-                </a:solidFill>
-              </a:rPr>
-              <a:t>D</a:t>
-            </a:r>
-            <a:r>
-              <a:rPr lang="en-US" sz="900" noProof="1">
-                <a:solidFill>
-                  <a:schemeClr val="bg1"/>
-                </a:solidFill>
-              </a:rPr>
-              <a:t>o a right mouse click on icon.</a:t>
-            </a:r>
-            <a:endParaRPr lang="en-US" sz="900" b="1" noProof="1">
-              <a:solidFill>
-                <a:schemeClr val="bg1"/>
-              </a:solidFill>
-              <a:latin typeface="+mj-lt"/>
-            </a:endParaRPr>
           </a:p>
         </p:txBody>
       </p:sp>
@@ -6349,7 +6170,7 @@
         </p:nvSpPr>
         <p:spPr>
           <a:xfrm>
-            <a:off x="2044544" y="8509446"/>
+            <a:off x="2044544" y="7972209"/>
             <a:ext cx="1404000" cy="504000"/>
           </a:xfrm>
           <a:prstGeom prst="rect">
@@ -6410,66 +6231,6 @@
       </p:sp>
       <p:sp>
         <p:nvSpPr>
-          <p:cNvPr id="148" name="TextBox 147">
-            <a:extLst>
-              <a:ext uri="{FF2B5EF4-FFF2-40B4-BE49-F238E27FC236}">
-                <a16:creationId xmlns:a16="http://schemas.microsoft.com/office/drawing/2014/main" id="{92D64CB3-E32A-4A6F-BC80-387971F8F849}"/>
-              </a:ext>
-            </a:extLst>
-          </p:cNvPr>
-          <p:cNvSpPr txBox="1"/>
-          <p:nvPr/>
-        </p:nvSpPr>
-        <p:spPr>
-          <a:xfrm>
-            <a:off x="2044544" y="9138935"/>
-            <a:ext cx="1404000" cy="504000"/>
-          </a:xfrm>
-          <a:prstGeom prst="rect">
-            <a:avLst/>
-          </a:prstGeom>
-          <a:noFill/>
-        </p:spPr>
-        <p:txBody>
-          <a:bodyPr wrap="square" lIns="0" tIns="0" rIns="0" bIns="0" rtlCol="0">
-            <a:noAutofit/>
-          </a:bodyPr>
-          <a:lstStyle/>
-          <a:p>
-            <a:r>
-              <a:rPr lang="en-US" sz="900" b="1" dirty="0">
-                <a:solidFill>
-                  <a:schemeClr val="bg1"/>
-                </a:solidFill>
-                <a:latin typeface="+mj-lt"/>
-              </a:rPr>
-              <a:t>2012</a:t>
-            </a:r>
-          </a:p>
-          <a:p>
-            <a:r>
-              <a:rPr lang="en-US" sz="1000" b="1" dirty="0">
-                <a:solidFill>
-                  <a:schemeClr val="accent2"/>
-                </a:solidFill>
-              </a:rPr>
-              <a:t>Studying at ABC</a:t>
-            </a:r>
-          </a:p>
-          <a:p>
-            <a:r>
-              <a:rPr lang="en-US" sz="900" noProof="1">
-                <a:solidFill>
-                  <a:schemeClr val="bg1"/>
-                </a:solidFill>
-              </a:rPr>
-              <a:t>Choose icon from the options and then select icon.</a:t>
-            </a:r>
-          </a:p>
-        </p:txBody>
-      </p:sp>
-      <p:sp>
-        <p:nvSpPr>
           <p:cNvPr id="13" name="TextBox 12">
             <a:extLst>
               <a:ext uri="{FF2B5EF4-FFF2-40B4-BE49-F238E27FC236}">
@@ -6499,7 +6260,9 @@
             <a:r>
               <a:rPr lang="en-US" sz="1400" dirty="0">
                 <a:solidFill>
-                  <a:schemeClr val="bg1"/>
+                  <a:schemeClr val="accent4">
+                    <a:lumMod val="50000"/>
+                  </a:schemeClr>
                 </a:solidFill>
                 <a:latin typeface="+mj-lt"/>
               </a:rPr>
@@ -6539,7 +6302,10 @@
             <a:r>
               <a:rPr lang="en-US" sz="1400" dirty="0">
                 <a:solidFill>
-                  <a:schemeClr val="bg1"/>
+                  <a:schemeClr val="accent2">
+                    <a:lumMod val="10000"/>
+                    <a:lumOff val="90000"/>
+                  </a:schemeClr>
                 </a:solidFill>
                 <a:latin typeface="+mj-lt"/>
               </a:rPr>
@@ -6569,7 +6335,7 @@
             <a:avLst/>
           </a:prstGeom>
           <a:blipFill dpi="0" rotWithShape="1">
-            <a:blip r:embed="rId3">
+            <a:blip r:embed="rId4">
               <a:extLst>
                 <a:ext uri="{28A0092B-C50C-407E-A947-70E740481C1C}">
                   <a14:useLocalDpi xmlns:a14="http://schemas.microsoft.com/office/drawing/2010/main" val="0"/>
@@ -6625,7 +6391,7 @@
           <p:nvPr/>
         </p:nvPicPr>
         <p:blipFill rotWithShape="1">
-          <a:blip r:embed="rId13">
+          <a:blip r:embed="rId8">
             <a:extLst>
               <a:ext uri="{28A0092B-C50C-407E-A947-70E740481C1C}">
                 <a14:useLocalDpi xmlns:a14="http://schemas.microsoft.com/office/drawing/2010/main" val="0"/>
@@ -6655,117 +6421,6 @@
           </a:extLst>
         </p:spPr>
       </p:pic>
-      <p:grpSp>
-        <p:nvGrpSpPr>
-          <p:cNvPr id="34" name="Group 33">
-            <a:extLst>
-              <a:ext uri="{FF2B5EF4-FFF2-40B4-BE49-F238E27FC236}">
-                <a16:creationId xmlns:a16="http://schemas.microsoft.com/office/drawing/2014/main" id="{721F412C-52E1-41CC-9338-529ED7464434}"/>
-              </a:ext>
-            </a:extLst>
-          </p:cNvPr>
-          <p:cNvGrpSpPr/>
-          <p:nvPr/>
-        </p:nvGrpSpPr>
-        <p:grpSpPr>
-          <a:xfrm>
-            <a:off x="3669287" y="4695825"/>
-            <a:ext cx="3853589" cy="2798656"/>
-            <a:chOff x="3669287" y="657225"/>
-            <a:chExt cx="3853589" cy="2798656"/>
-          </a:xfrm>
-        </p:grpSpPr>
-        <p:sp>
-          <p:nvSpPr>
-            <p:cNvPr id="18" name="Rectangle: Rounded Corners 17">
-              <a:extLst>
-                <a:ext uri="{FF2B5EF4-FFF2-40B4-BE49-F238E27FC236}">
-                  <a16:creationId xmlns:a16="http://schemas.microsoft.com/office/drawing/2014/main" id="{652101FE-8FCB-B3F5-954F-EF6F125E8744}"/>
-                </a:ext>
-              </a:extLst>
-            </p:cNvPr>
-            <p:cNvSpPr/>
-            <p:nvPr/>
-          </p:nvSpPr>
-          <p:spPr>
-            <a:xfrm>
-              <a:off x="6335455" y="766921"/>
-              <a:ext cx="1169979" cy="1014288"/>
-            </a:xfrm>
-            <a:prstGeom prst="roundRect">
-              <a:avLst/>
-            </a:prstGeom>
-            <a:solidFill>
-              <a:schemeClr val="accent6">
-                <a:lumMod val="75000"/>
-              </a:schemeClr>
-            </a:solidFill>
-          </p:spPr>
-          <p:style>
-            <a:lnRef idx="2">
-              <a:schemeClr val="accent1">
-                <a:shade val="15000"/>
-              </a:schemeClr>
-            </a:lnRef>
-            <a:fillRef idx="1">
-              <a:schemeClr val="accent1"/>
-            </a:fillRef>
-            <a:effectRef idx="0">
-              <a:schemeClr val="accent1"/>
-            </a:effectRef>
-            <a:fontRef idx="minor">
-              <a:schemeClr val="lt1"/>
-            </a:fontRef>
-          </p:style>
-          <p:txBody>
-            <a:bodyPr rtlCol="0" anchor="ctr"/>
-            <a:lstStyle/>
-            <a:p>
-              <a:pPr algn="ctr"/>
-              <a:endParaRPr lang="en-US">
-                <a:ln>
-                  <a:solidFill>
-                    <a:schemeClr val="accent6">
-                      <a:lumMod val="60000"/>
-                      <a:lumOff val="40000"/>
-                    </a:schemeClr>
-                  </a:solidFill>
-                </a:ln>
-              </a:endParaRPr>
-            </a:p>
-          </p:txBody>
-        </p:sp>
-        <p:graphicFrame>
-          <p:nvGraphicFramePr>
-            <p:cNvPr id="15" name="Chart 14">
-              <a:extLst>
-                <a:ext uri="{FF2B5EF4-FFF2-40B4-BE49-F238E27FC236}">
-                  <a16:creationId xmlns:a16="http://schemas.microsoft.com/office/drawing/2014/main" id="{800FAAB9-4B4A-9FD5-E4E0-FEB8D5D07866}"/>
-                </a:ext>
-              </a:extLst>
-            </p:cNvPr>
-            <p:cNvGraphicFramePr>
-              <a:graphicFrameLocks/>
-            </p:cNvGraphicFramePr>
-            <p:nvPr>
-              <p:extLst>
-                <p:ext uri="{D42A27DB-BD31-4B8C-83A1-F6EECF244321}">
-                  <p14:modId xmlns:p14="http://schemas.microsoft.com/office/powerpoint/2010/main" val="1905580490"/>
-                </p:ext>
-              </p:extLst>
-            </p:nvPr>
-          </p:nvGraphicFramePr>
-          <p:xfrm>
-            <a:off x="3669287" y="657225"/>
-            <a:ext cx="3853589" cy="2798656"/>
-          </p:xfrm>
-          <a:graphic>
-            <a:graphicData uri="http://schemas.openxmlformats.org/drawingml/2006/chart">
-              <c:chart xmlns:c="http://schemas.openxmlformats.org/drawingml/2006/chart" xmlns:r="http://schemas.openxmlformats.org/officeDocument/2006/relationships" r:id="rId14"/>
-            </a:graphicData>
-          </a:graphic>
-        </p:graphicFrame>
-      </p:grpSp>
       <p:graphicFrame>
         <p:nvGraphicFramePr>
           <p:cNvPr id="31" name="Chart 30">
@@ -6781,7 +6436,7 @@
           <p:nvPr>
             <p:extLst>
               <p:ext uri="{D42A27DB-BD31-4B8C-83A1-F6EECF244321}">
-                <p14:modId xmlns:p14="http://schemas.microsoft.com/office/powerpoint/2010/main" val="1379240728"/>
+                <p14:modId xmlns:p14="http://schemas.microsoft.com/office/powerpoint/2010/main" val="1458966595"/>
               </p:ext>
             </p:extLst>
           </p:nvPr>
@@ -6792,53 +6447,10 @@
         </p:xfrm>
         <a:graphic>
           <a:graphicData uri="http://schemas.openxmlformats.org/drawingml/2006/chart">
-            <c:chart xmlns:c="http://schemas.openxmlformats.org/drawingml/2006/chart" xmlns:r="http://schemas.openxmlformats.org/officeDocument/2006/relationships" r:id="rId15"/>
+            <c:chart xmlns:c="http://schemas.openxmlformats.org/drawingml/2006/chart" xmlns:r="http://schemas.openxmlformats.org/officeDocument/2006/relationships" r:id="rId9"/>
           </a:graphicData>
         </a:graphic>
       </p:graphicFrame>
-      <p:sp>
-        <p:nvSpPr>
-          <p:cNvPr id="46" name="TextBox 45">
-            <a:extLst>
-              <a:ext uri="{FF2B5EF4-FFF2-40B4-BE49-F238E27FC236}">
-                <a16:creationId xmlns:a16="http://schemas.microsoft.com/office/drawing/2014/main" id="{8F06AA08-F13E-7C66-31AC-129E82518FB8}"/>
-              </a:ext>
-            </a:extLst>
-          </p:cNvPr>
-          <p:cNvSpPr txBox="1"/>
-          <p:nvPr/>
-        </p:nvSpPr>
-        <p:spPr>
-          <a:xfrm>
-            <a:off x="1797137" y="1239964"/>
-            <a:ext cx="1828800" cy="307777"/>
-          </a:xfrm>
-          <a:prstGeom prst="rect">
-            <a:avLst/>
-          </a:prstGeom>
-          <a:solidFill>
-            <a:schemeClr val="accent2"/>
-          </a:solidFill>
-        </p:spPr>
-        <p:txBody>
-          <a:bodyPr wrap="square" lIns="108000" rtlCol="0">
-            <a:spAutoFit/>
-          </a:bodyPr>
-          <a:lstStyle/>
-          <a:p>
-            <a:pPr algn="ctr"/>
-            <a:r>
-              <a:rPr lang="en-US" sz="1400" dirty="0">
-                <a:solidFill>
-                  <a:schemeClr val="accent1"/>
-                </a:solidFill>
-                <a:latin typeface="+mj-lt"/>
-              </a:rPr>
-              <a:t>Chatbot Creation</a:t>
-            </a:r>
-          </a:p>
-        </p:txBody>
-      </p:sp>
       <p:sp>
         <p:nvSpPr>
           <p:cNvPr id="55" name="TextBox 54">
@@ -6889,23 +6501,7 @@
                   <a:schemeClr val="bg1"/>
                 </a:solidFill>
               </a:rPr>
-              <a:t>, a chatbot based on the National Park Service’s (NPS) API data. The data provided by NPS is publicly available and includes information on a variety of park related topics such as addresses, fees, park alerts, amenities and activities. Our team will be utilizing five separate endpoints as the basis for our chatbot and we have trained the chatbot to recognize all 500 national park entities. We have created three models to service the chatbot API calls. We will compare the performance of the NLTK, </a:t>
-            </a:r>
-            <a:r>
-              <a:rPr lang="en-US" sz="900" dirty="0" err="1">
-                <a:solidFill>
-                  <a:schemeClr val="bg1"/>
-                </a:solidFill>
-              </a:rPr>
-              <a:t>SpaCy</a:t>
-            </a:r>
-            <a:r>
-              <a:rPr lang="en-US" sz="900" dirty="0">
-                <a:solidFill>
-                  <a:schemeClr val="bg1"/>
-                </a:solidFill>
-              </a:rPr>
-              <a:t>, and GPT models before deciding which model to host using AWS.</a:t>
+              <a:t>, a chatbot based on the National Park Service’s (NPS) API data. The data provided by NPS is publicly available and includes information on a variety of park related topics such as addresses, fees, park alerts, amenities and activities. </a:t>
             </a:r>
             <a:endParaRPr lang="en-US" sz="900" noProof="1">
               <a:solidFill>
@@ -6915,6 +6511,1702 @@
           </a:p>
         </p:txBody>
       </p:sp>
+      <p:sp>
+        <p:nvSpPr>
+          <p:cNvPr id="6" name="TextBox 5">
+            <a:extLst>
+              <a:ext uri="{FF2B5EF4-FFF2-40B4-BE49-F238E27FC236}">
+                <a16:creationId xmlns:a16="http://schemas.microsoft.com/office/drawing/2014/main" id="{0801842D-AB79-DB7C-3AF1-DC98D3550A0E}"/>
+              </a:ext>
+            </a:extLst>
+          </p:cNvPr>
+          <p:cNvSpPr txBox="1"/>
+          <p:nvPr/>
+        </p:nvSpPr>
+        <p:spPr>
+          <a:xfrm>
+            <a:off x="1797137" y="1239964"/>
+            <a:ext cx="1828800" cy="307777"/>
+          </a:xfrm>
+          <a:prstGeom prst="rect">
+            <a:avLst/>
+          </a:prstGeom>
+          <a:solidFill>
+            <a:schemeClr val="accent2"/>
+          </a:solidFill>
+        </p:spPr>
+        <p:txBody>
+          <a:bodyPr wrap="square" lIns="108000" rtlCol="0">
+            <a:spAutoFit/>
+          </a:bodyPr>
+          <a:lstStyle/>
+          <a:p>
+            <a:pPr algn="ctr"/>
+            <a:r>
+              <a:rPr lang="en-US" sz="1400" dirty="0">
+                <a:solidFill>
+                  <a:schemeClr val="accent1"/>
+                </a:solidFill>
+                <a:latin typeface="+mj-lt"/>
+              </a:rPr>
+              <a:t>OpenAI GPT</a:t>
+            </a:r>
+          </a:p>
+        </p:txBody>
+      </p:sp>
+      <p:sp>
+        <p:nvSpPr>
+          <p:cNvPr id="12" name="TextBox 11">
+            <a:extLst>
+              <a:ext uri="{FF2B5EF4-FFF2-40B4-BE49-F238E27FC236}">
+                <a16:creationId xmlns:a16="http://schemas.microsoft.com/office/drawing/2014/main" id="{A696564C-93BE-06BB-1860-8F4F630CEA96}"/>
+              </a:ext>
+            </a:extLst>
+          </p:cNvPr>
+          <p:cNvSpPr txBox="1"/>
+          <p:nvPr/>
+        </p:nvSpPr>
+        <p:spPr>
+          <a:xfrm>
+            <a:off x="1797137" y="5106598"/>
+            <a:ext cx="1828800" cy="307777"/>
+          </a:xfrm>
+          <a:prstGeom prst="rect">
+            <a:avLst/>
+          </a:prstGeom>
+          <a:solidFill>
+            <a:schemeClr val="accent1">
+              <a:lumMod val="50000"/>
+            </a:schemeClr>
+          </a:solidFill>
+        </p:spPr>
+        <p:txBody>
+          <a:bodyPr wrap="square" lIns="108000" rtlCol="0">
+            <a:spAutoFit/>
+          </a:bodyPr>
+          <a:lstStyle/>
+          <a:p>
+            <a:pPr algn="ctr"/>
+            <a:r>
+              <a:rPr lang="en-US" sz="1400" dirty="0" err="1">
+                <a:solidFill>
+                  <a:schemeClr val="accent2">
+                    <a:lumMod val="10000"/>
+                    <a:lumOff val="90000"/>
+                  </a:schemeClr>
+                </a:solidFill>
+                <a:latin typeface="+mj-lt"/>
+              </a:rPr>
+              <a:t>SpaCy</a:t>
+            </a:r>
+            <a:endParaRPr lang="en-US" sz="1400" dirty="0">
+              <a:solidFill>
+                <a:schemeClr val="accent2">
+                  <a:lumMod val="10000"/>
+                  <a:lumOff val="90000"/>
+                </a:schemeClr>
+              </a:solidFill>
+              <a:latin typeface="+mj-lt"/>
+            </a:endParaRPr>
+          </a:p>
+        </p:txBody>
+      </p:sp>
+      <p:sp>
+        <p:nvSpPr>
+          <p:cNvPr id="17" name="TextBox 16">
+            <a:extLst>
+              <a:ext uri="{FF2B5EF4-FFF2-40B4-BE49-F238E27FC236}">
+                <a16:creationId xmlns:a16="http://schemas.microsoft.com/office/drawing/2014/main" id="{37A25968-C5DF-565A-F866-97DB5FFBB9AA}"/>
+              </a:ext>
+            </a:extLst>
+          </p:cNvPr>
+          <p:cNvSpPr txBox="1"/>
+          <p:nvPr/>
+        </p:nvSpPr>
+        <p:spPr>
+          <a:xfrm rot="21244942">
+            <a:off x="5494367" y="286327"/>
+            <a:ext cx="1074781" cy="714107"/>
+          </a:xfrm>
+          <a:prstGeom prst="wedgeEllipseCallout">
+            <a:avLst>
+              <a:gd name="adj1" fmla="val 59555"/>
+              <a:gd name="adj2" fmla="val 37905"/>
+            </a:avLst>
+          </a:prstGeom>
+          <a:solidFill>
+            <a:srgbClr val="E4B798">
+              <a:alpha val="69804"/>
+            </a:srgbClr>
+          </a:solidFill>
+        </p:spPr>
+        <p:txBody>
+          <a:bodyPr wrap="square" lIns="108000" rtlCol="0">
+            <a:spAutoFit/>
+          </a:bodyPr>
+          <a:lstStyle/>
+          <a:p>
+            <a:pPr algn="ctr"/>
+            <a:r>
+              <a:rPr lang="en-US" sz="900" b="1" dirty="0">
+                <a:solidFill>
+                  <a:schemeClr val="accent5"/>
+                </a:solidFill>
+                <a:latin typeface="+mj-lt"/>
+              </a:rPr>
+              <a:t>Chat with </a:t>
+            </a:r>
+          </a:p>
+          <a:p>
+            <a:pPr algn="ctr"/>
+            <a:r>
+              <a:rPr lang="en-US" sz="900" b="1" dirty="0">
+                <a:solidFill>
+                  <a:schemeClr val="accent5"/>
+                </a:solidFill>
+                <a:latin typeface="+mj-lt"/>
+              </a:rPr>
+              <a:t>Park Pal Today!</a:t>
+            </a:r>
+            <a:endParaRPr lang="en-US" sz="1200" b="1" dirty="0">
+              <a:solidFill>
+                <a:schemeClr val="accent5"/>
+              </a:solidFill>
+              <a:latin typeface="+mj-lt"/>
+            </a:endParaRPr>
+          </a:p>
+        </p:txBody>
+      </p:sp>
+      <p:sp>
+        <p:nvSpPr>
+          <p:cNvPr id="21" name="TextBox 20">
+            <a:extLst>
+              <a:ext uri="{FF2B5EF4-FFF2-40B4-BE49-F238E27FC236}">
+                <a16:creationId xmlns:a16="http://schemas.microsoft.com/office/drawing/2014/main" id="{947B5AD9-4F0D-7A02-67B4-F9E23F7900DF}"/>
+              </a:ext>
+            </a:extLst>
+          </p:cNvPr>
+          <p:cNvSpPr txBox="1"/>
+          <p:nvPr/>
+        </p:nvSpPr>
+        <p:spPr>
+          <a:xfrm>
+            <a:off x="238780" y="2601238"/>
+            <a:ext cx="1514391" cy="307777"/>
+          </a:xfrm>
+          <a:prstGeom prst="rect">
+            <a:avLst/>
+          </a:prstGeom>
+          <a:noFill/>
+        </p:spPr>
+        <p:txBody>
+          <a:bodyPr wrap="square">
+            <a:spAutoFit/>
+          </a:bodyPr>
+          <a:lstStyle/>
+          <a:p>
+            <a:pPr algn="ctr"/>
+            <a:r>
+              <a:rPr lang="en-US" sz="1400" b="1" dirty="0">
+                <a:solidFill>
+                  <a:schemeClr val="accent4">
+                    <a:lumMod val="50000"/>
+                  </a:schemeClr>
+                </a:solidFill>
+                <a:latin typeface="+mj-lt"/>
+              </a:rPr>
+              <a:t>GitHub</a:t>
+            </a:r>
+            <a:r>
+              <a:rPr lang="en-US" sz="1100" b="1" dirty="0">
+                <a:solidFill>
+                  <a:schemeClr val="accent4">
+                    <a:lumMod val="50000"/>
+                  </a:schemeClr>
+                </a:solidFill>
+                <a:latin typeface="+mj-lt"/>
+              </a:rPr>
+              <a:t>: </a:t>
+            </a:r>
+            <a:endParaRPr lang="en-US" sz="1100" dirty="0">
+              <a:solidFill>
+                <a:schemeClr val="accent4">
+                  <a:lumMod val="50000"/>
+                </a:schemeClr>
+              </a:solidFill>
+              <a:latin typeface="+mj-lt"/>
+            </a:endParaRPr>
+          </a:p>
+        </p:txBody>
+      </p:sp>
+      <p:sp>
+        <p:nvSpPr>
+          <p:cNvPr id="23" name="TextBox 22">
+            <a:extLst>
+              <a:ext uri="{FF2B5EF4-FFF2-40B4-BE49-F238E27FC236}">
+                <a16:creationId xmlns:a16="http://schemas.microsoft.com/office/drawing/2014/main" id="{9A199F04-619B-662C-B577-048A6E482974}"/>
+              </a:ext>
+            </a:extLst>
+          </p:cNvPr>
+          <p:cNvSpPr txBox="1"/>
+          <p:nvPr/>
+        </p:nvSpPr>
+        <p:spPr>
+          <a:xfrm>
+            <a:off x="246401" y="1668519"/>
+            <a:ext cx="1506771" cy="307777"/>
+          </a:xfrm>
+          <a:prstGeom prst="rect">
+            <a:avLst/>
+          </a:prstGeom>
+          <a:noFill/>
+        </p:spPr>
+        <p:txBody>
+          <a:bodyPr wrap="square">
+            <a:spAutoFit/>
+          </a:bodyPr>
+          <a:lstStyle/>
+          <a:p>
+            <a:pPr algn="ctr"/>
+            <a:r>
+              <a:rPr lang="en-US" sz="1400" b="1" dirty="0">
+                <a:solidFill>
+                  <a:schemeClr val="accent4">
+                    <a:lumMod val="50000"/>
+                  </a:schemeClr>
+                </a:solidFill>
+                <a:latin typeface="+mj-lt"/>
+              </a:rPr>
+              <a:t>Designers</a:t>
+            </a:r>
+            <a:r>
+              <a:rPr lang="en-US" sz="1400" b="1" dirty="0">
+                <a:solidFill>
+                  <a:schemeClr val="accent5">
+                    <a:lumMod val="90000"/>
+                    <a:lumOff val="10000"/>
+                  </a:schemeClr>
+                </a:solidFill>
+                <a:latin typeface="+mj-lt"/>
+              </a:rPr>
+              <a:t>: </a:t>
+            </a:r>
+          </a:p>
+        </p:txBody>
+      </p:sp>
+      <p:pic>
+        <p:nvPicPr>
+          <p:cNvPr id="7" name="Graphic 6" descr="Hiker icon">
+            <a:extLst>
+              <a:ext uri="{FF2B5EF4-FFF2-40B4-BE49-F238E27FC236}">
+                <a16:creationId xmlns:a16="http://schemas.microsoft.com/office/drawing/2014/main" id="{197056E8-F093-46AB-89E7-7E26124ED8D5}"/>
+              </a:ext>
+            </a:extLst>
+          </p:cNvPr>
+          <p:cNvPicPr>
+            <a:picLocks noChangeAspect="1"/>
+          </p:cNvPicPr>
+          <p:nvPr/>
+        </p:nvPicPr>
+        <p:blipFill>
+          <a:blip r:embed="rId10">
+            <a:extLst>
+              <a:ext uri="{28A0092B-C50C-407E-A947-70E740481C1C}">
+                <a14:useLocalDpi xmlns:a14="http://schemas.microsoft.com/office/drawing/2010/main" val="0"/>
+              </a:ext>
+              <a:ext uri="{96DAC541-7B7A-43D3-8B79-37D633B846F1}">
+                <asvg:svgBlip xmlns:asvg="http://schemas.microsoft.com/office/drawing/2016/SVG/main" r:embed="rId11"/>
+              </a:ext>
+            </a:extLst>
+          </a:blip>
+          <a:stretch>
+            <a:fillRect/>
+          </a:stretch>
+        </p:blipFill>
+        <p:spPr>
+          <a:xfrm flipH="1">
+            <a:off x="266528" y="1673810"/>
+            <a:ext cx="281167" cy="281167"/>
+          </a:xfrm>
+          <a:prstGeom prst="rect">
+            <a:avLst/>
+          </a:prstGeom>
+        </p:spPr>
+      </p:pic>
+      <p:sp>
+        <p:nvSpPr>
+          <p:cNvPr id="28" name="TextBox 27">
+            <a:extLst>
+              <a:ext uri="{FF2B5EF4-FFF2-40B4-BE49-F238E27FC236}">
+                <a16:creationId xmlns:a16="http://schemas.microsoft.com/office/drawing/2014/main" id="{9EF03004-FE29-7AD9-0A5B-6D14A212130E}"/>
+              </a:ext>
+            </a:extLst>
+          </p:cNvPr>
+          <p:cNvSpPr txBox="1"/>
+          <p:nvPr/>
+        </p:nvSpPr>
+        <p:spPr>
+          <a:xfrm>
+            <a:off x="227347" y="2869588"/>
+            <a:ext cx="1514390" cy="369332"/>
+          </a:xfrm>
+          <a:prstGeom prst="rect">
+            <a:avLst/>
+          </a:prstGeom>
+          <a:noFill/>
+        </p:spPr>
+        <p:txBody>
+          <a:bodyPr wrap="square" rtlCol="0">
+            <a:spAutoFit/>
+          </a:bodyPr>
+          <a:lstStyle/>
+          <a:p>
+            <a:r>
+              <a:rPr lang="en-US" sz="900" b="1" dirty="0">
+                <a:solidFill>
+                  <a:schemeClr val="accent2"/>
+                </a:solidFill>
+              </a:rPr>
+              <a:t>https://github.com/nblakkanesser/MADS_Capstone</a:t>
+            </a:r>
+            <a:endParaRPr lang="en-US" sz="1000" b="1" dirty="0">
+              <a:solidFill>
+                <a:schemeClr val="accent2"/>
+              </a:solidFill>
+            </a:endParaRPr>
+          </a:p>
+        </p:txBody>
+      </p:sp>
+      <p:sp>
+        <p:nvSpPr>
+          <p:cNvPr id="29" name="TextBox 28">
+            <a:extLst>
+              <a:ext uri="{FF2B5EF4-FFF2-40B4-BE49-F238E27FC236}">
+                <a16:creationId xmlns:a16="http://schemas.microsoft.com/office/drawing/2014/main" id="{5413694A-DB8C-C369-BEF5-36BE30E50A0C}"/>
+              </a:ext>
+            </a:extLst>
+          </p:cNvPr>
+          <p:cNvSpPr txBox="1"/>
+          <p:nvPr/>
+        </p:nvSpPr>
+        <p:spPr>
+          <a:xfrm>
+            <a:off x="246401" y="1971551"/>
+            <a:ext cx="1514391" cy="553998"/>
+          </a:xfrm>
+          <a:prstGeom prst="rect">
+            <a:avLst/>
+          </a:prstGeom>
+          <a:noFill/>
+        </p:spPr>
+        <p:txBody>
+          <a:bodyPr wrap="square" rtlCol="0">
+            <a:spAutoFit/>
+          </a:bodyPr>
+          <a:lstStyle/>
+          <a:p>
+            <a:r>
+              <a:rPr lang="en-US" sz="1000" b="1" dirty="0">
+                <a:solidFill>
+                  <a:schemeClr val="accent2"/>
+                </a:solidFill>
+              </a:rPr>
+              <a:t>Nicole </a:t>
+            </a:r>
+            <a:r>
+              <a:rPr lang="en-US" sz="1000" b="1" dirty="0" err="1">
+                <a:solidFill>
+                  <a:schemeClr val="accent2"/>
+                </a:solidFill>
+              </a:rPr>
+              <a:t>Blakkan-Esser</a:t>
+            </a:r>
+            <a:endParaRPr lang="en-US" sz="1000" b="1" dirty="0">
+              <a:solidFill>
+                <a:schemeClr val="accent2"/>
+              </a:solidFill>
+            </a:endParaRPr>
+          </a:p>
+          <a:p>
+            <a:r>
+              <a:rPr lang="en-US" sz="1000" b="1" dirty="0" err="1">
+                <a:solidFill>
+                  <a:schemeClr val="accent2"/>
+                </a:solidFill>
+              </a:rPr>
+              <a:t>Lauralyn</a:t>
+            </a:r>
+            <a:r>
+              <a:rPr lang="en-US" sz="1000" b="1" dirty="0">
+                <a:solidFill>
+                  <a:schemeClr val="accent2"/>
+                </a:solidFill>
+              </a:rPr>
+              <a:t> Curry-Leech Courtney Gibson</a:t>
+            </a:r>
+          </a:p>
+        </p:txBody>
+      </p:sp>
+      <p:pic>
+        <p:nvPicPr>
+          <p:cNvPr id="1032" name="Picture 8" descr="Github - Github Icon - CleanPNG / KissPNG">
+            <a:extLst>
+              <a:ext uri="{FF2B5EF4-FFF2-40B4-BE49-F238E27FC236}">
+                <a16:creationId xmlns:a16="http://schemas.microsoft.com/office/drawing/2014/main" id="{6B576ABB-8976-4B60-C09A-1AF49D11062C}"/>
+              </a:ext>
+            </a:extLst>
+          </p:cNvPr>
+          <p:cNvPicPr>
+            <a:picLocks noChangeAspect="1" noChangeArrowheads="1"/>
+          </p:cNvPicPr>
+          <p:nvPr/>
+        </p:nvPicPr>
+        <p:blipFill rotWithShape="1">
+          <a:blip r:embed="rId12">
+            <a:duotone>
+              <a:schemeClr val="accent5">
+                <a:shade val="45000"/>
+                <a:satMod val="135000"/>
+              </a:schemeClr>
+              <a:prstClr val="white"/>
+            </a:duotone>
+            <a:extLst>
+              <a:ext uri="{BEBA8EAE-BF5A-486C-A8C5-ECC9F3942E4B}">
+                <a14:imgProps xmlns:a14="http://schemas.microsoft.com/office/drawing/2010/main">
+                  <a14:imgLayer r:embed="rId13">
+                    <a14:imgEffect>
+                      <a14:backgroundRemoval t="6731" b="95385" l="10000" r="90000">
+                        <a14:foregroundMark x1="46444" y1="6923" x2="46444" y2="6923"/>
+                        <a14:foregroundMark x1="40889" y1="90962" x2="40889" y2="90962"/>
+                        <a14:foregroundMark x1="61444" y1="93077" x2="61444" y2="93077"/>
+                        <a14:foregroundMark x1="41556" y1="95192" x2="41556" y2="95192"/>
+                        <a14:foregroundMark x1="58222" y1="95385" x2="58222" y2="95385"/>
+                        <a14:backgroundMark x1="39889" y1="82115" x2="39889" y2="82115"/>
+                      </a14:backgroundRemoval>
+                    </a14:imgEffect>
+                  </a14:imgLayer>
+                </a14:imgProps>
+              </a:ext>
+              <a:ext uri="{28A0092B-C50C-407E-A947-70E740481C1C}">
+                <a14:useLocalDpi xmlns:a14="http://schemas.microsoft.com/office/drawing/2010/main" val="0"/>
+              </a:ext>
+            </a:extLst>
+          </a:blip>
+          <a:srcRect l="21423" r="16391"/>
+          <a:stretch/>
+        </p:blipFill>
+        <p:spPr bwMode="auto">
+          <a:xfrm>
+            <a:off x="318049" y="2621775"/>
+            <a:ext cx="270159" cy="254489"/>
+          </a:xfrm>
+          <a:prstGeom prst="rect">
+            <a:avLst/>
+          </a:prstGeom>
+          <a:noFill/>
+          <a:extLst>
+            <a:ext uri="{909E8E84-426E-40DD-AFC4-6F175D3DCCD1}">
+              <a14:hiddenFill xmlns:a14="http://schemas.microsoft.com/office/drawing/2010/main">
+                <a:solidFill>
+                  <a:srgbClr val="FFFFFF"/>
+                </a:solidFill>
+              </a14:hiddenFill>
+            </a:ext>
+          </a:extLst>
+        </p:spPr>
+      </p:pic>
+      <p:sp>
+        <p:nvSpPr>
+          <p:cNvPr id="32" name="TextBox 31">
+            <a:extLst>
+              <a:ext uri="{FF2B5EF4-FFF2-40B4-BE49-F238E27FC236}">
+                <a16:creationId xmlns:a16="http://schemas.microsoft.com/office/drawing/2014/main" id="{CA0269E9-7B45-B8C3-9854-AA26482ED34D}"/>
+              </a:ext>
+            </a:extLst>
+          </p:cNvPr>
+          <p:cNvSpPr txBox="1"/>
+          <p:nvPr/>
+        </p:nvSpPr>
+        <p:spPr>
+          <a:xfrm>
+            <a:off x="588208" y="3422519"/>
+            <a:ext cx="1172583" cy="584775"/>
+          </a:xfrm>
+          <a:prstGeom prst="rect">
+            <a:avLst/>
+          </a:prstGeom>
+          <a:noFill/>
+        </p:spPr>
+        <p:txBody>
+          <a:bodyPr wrap="square">
+            <a:spAutoFit/>
+          </a:bodyPr>
+          <a:lstStyle/>
+          <a:p>
+            <a:r>
+              <a:rPr lang="en-US" sz="1600" b="1" dirty="0">
+                <a:solidFill>
+                  <a:schemeClr val="accent4">
+                    <a:lumMod val="50000"/>
+                  </a:schemeClr>
+                </a:solidFill>
+                <a:latin typeface="+mj-lt"/>
+              </a:rPr>
+              <a:t>Project </a:t>
+            </a:r>
+          </a:p>
+          <a:p>
+            <a:pPr algn="ctr"/>
+            <a:r>
+              <a:rPr lang="en-US" sz="1600" b="1" dirty="0">
+                <a:solidFill>
+                  <a:schemeClr val="accent4">
+                    <a:lumMod val="50000"/>
+                  </a:schemeClr>
+                </a:solidFill>
+                <a:latin typeface="+mj-lt"/>
+              </a:rPr>
+              <a:t>Roadmap</a:t>
+            </a:r>
+          </a:p>
+        </p:txBody>
+      </p:sp>
+      <p:sp>
+        <p:nvSpPr>
+          <p:cNvPr id="50" name="Rectangle: Rounded Corners 49">
+            <a:extLst>
+              <a:ext uri="{FF2B5EF4-FFF2-40B4-BE49-F238E27FC236}">
+                <a16:creationId xmlns:a16="http://schemas.microsoft.com/office/drawing/2014/main" id="{0C1DA6E0-7BC1-E36D-6000-4D61CA2835BA}"/>
+              </a:ext>
+            </a:extLst>
+          </p:cNvPr>
+          <p:cNvSpPr/>
+          <p:nvPr/>
+        </p:nvSpPr>
+        <p:spPr>
+          <a:xfrm>
+            <a:off x="311669" y="6235158"/>
+            <a:ext cx="1373568" cy="1146155"/>
+          </a:xfrm>
+          <a:prstGeom prst="roundRect">
+            <a:avLst/>
+          </a:prstGeom>
+          <a:solidFill>
+            <a:schemeClr val="accent3">
+              <a:lumMod val="50000"/>
+              <a:alpha val="50000"/>
+            </a:schemeClr>
+          </a:solidFill>
+          <a:ln>
+            <a:noFill/>
+          </a:ln>
+        </p:spPr>
+        <p:style>
+          <a:lnRef idx="0">
+            <a:scrgbClr r="0" g="0" b="0"/>
+          </a:lnRef>
+          <a:fillRef idx="0">
+            <a:scrgbClr r="0" g="0" b="0"/>
+          </a:fillRef>
+          <a:effectRef idx="0">
+            <a:scrgbClr r="0" g="0" b="0"/>
+          </a:effectRef>
+          <a:fontRef idx="minor">
+            <a:schemeClr val="lt1"/>
+          </a:fontRef>
+        </p:style>
+        <p:txBody>
+          <a:bodyPr rtlCol="0" anchor="ctr"/>
+          <a:lstStyle/>
+          <a:p>
+            <a:pPr algn="ctr"/>
+            <a:r>
+              <a:rPr lang="en-US" sz="1050" b="1" dirty="0">
+                <a:solidFill>
+                  <a:schemeClr val="accent1"/>
+                </a:solidFill>
+                <a:latin typeface="+mj-lt"/>
+              </a:rPr>
+              <a:t>Host Park Pal</a:t>
+            </a:r>
+          </a:p>
+          <a:p>
+            <a:pPr algn="ctr"/>
+            <a:endParaRPr lang="en-US" sz="1050" dirty="0">
+              <a:solidFill>
+                <a:schemeClr val="accent1"/>
+              </a:solidFill>
+              <a:latin typeface="+mj-lt"/>
+            </a:endParaRPr>
+          </a:p>
+          <a:p>
+            <a:pPr algn="ctr"/>
+            <a:endParaRPr lang="en-US" sz="1050" dirty="0">
+              <a:solidFill>
+                <a:schemeClr val="accent1"/>
+              </a:solidFill>
+              <a:latin typeface="+mj-lt"/>
+            </a:endParaRPr>
+          </a:p>
+          <a:p>
+            <a:pPr algn="ctr"/>
+            <a:r>
+              <a:rPr lang="en-US" sz="1050" dirty="0">
+                <a:solidFill>
+                  <a:schemeClr val="accent1"/>
+                </a:solidFill>
+                <a:latin typeface="+mj-lt"/>
+              </a:rPr>
+              <a:t> </a:t>
+            </a:r>
+          </a:p>
+          <a:p>
+            <a:pPr algn="ctr"/>
+            <a:endParaRPr lang="en-US" sz="1050" dirty="0">
+              <a:solidFill>
+                <a:schemeClr val="accent1"/>
+              </a:solidFill>
+              <a:latin typeface="+mj-lt"/>
+            </a:endParaRPr>
+          </a:p>
+          <a:p>
+            <a:pPr algn="ctr"/>
+            <a:endParaRPr lang="en-US" sz="1050" dirty="0">
+              <a:solidFill>
+                <a:schemeClr val="accent1"/>
+              </a:solidFill>
+              <a:latin typeface="+mj-lt"/>
+            </a:endParaRPr>
+          </a:p>
+        </p:txBody>
+      </p:sp>
+      <p:sp>
+        <p:nvSpPr>
+          <p:cNvPr id="51" name="Rectangle: Rounded Corners 50">
+            <a:extLst>
+              <a:ext uri="{FF2B5EF4-FFF2-40B4-BE49-F238E27FC236}">
+                <a16:creationId xmlns:a16="http://schemas.microsoft.com/office/drawing/2014/main" id="{DEB9F799-8A60-4875-6208-0D17EDFEC954}"/>
+              </a:ext>
+            </a:extLst>
+          </p:cNvPr>
+          <p:cNvSpPr/>
+          <p:nvPr/>
+        </p:nvSpPr>
+        <p:spPr>
+          <a:xfrm>
+            <a:off x="311669" y="5119095"/>
+            <a:ext cx="1367189" cy="748824"/>
+          </a:xfrm>
+          <a:prstGeom prst="roundRect">
+            <a:avLst/>
+          </a:prstGeom>
+          <a:solidFill>
+            <a:schemeClr val="accent5">
+              <a:alpha val="50000"/>
+            </a:schemeClr>
+          </a:solidFill>
+          <a:ln>
+            <a:noFill/>
+          </a:ln>
+        </p:spPr>
+        <p:style>
+          <a:lnRef idx="0">
+            <a:scrgbClr r="0" g="0" b="0"/>
+          </a:lnRef>
+          <a:fillRef idx="0">
+            <a:scrgbClr r="0" g="0" b="0"/>
+          </a:fillRef>
+          <a:effectRef idx="0">
+            <a:scrgbClr r="0" g="0" b="0"/>
+          </a:effectRef>
+          <a:fontRef idx="minor">
+            <a:schemeClr val="lt1"/>
+          </a:fontRef>
+        </p:style>
+        <p:txBody>
+          <a:bodyPr rtlCol="0" anchor="ctr"/>
+          <a:lstStyle/>
+          <a:p>
+            <a:pPr algn="ctr"/>
+            <a:r>
+              <a:rPr lang="en-US" sz="1000" b="1" dirty="0">
+                <a:solidFill>
+                  <a:schemeClr val="accent1"/>
+                </a:solidFill>
+                <a:latin typeface="+mj-lt"/>
+              </a:rPr>
+              <a:t>Train LLM &amp; NLP Models</a:t>
+            </a:r>
+          </a:p>
+          <a:p>
+            <a:pPr algn="ctr"/>
+            <a:endParaRPr lang="en-US" sz="1050" dirty="0">
+              <a:solidFill>
+                <a:schemeClr val="accent1"/>
+              </a:solidFill>
+              <a:latin typeface="+mj-lt"/>
+            </a:endParaRPr>
+          </a:p>
+          <a:p>
+            <a:pPr algn="ctr"/>
+            <a:endParaRPr lang="en-US" sz="1050" dirty="0">
+              <a:solidFill>
+                <a:schemeClr val="accent1"/>
+              </a:solidFill>
+              <a:latin typeface="+mj-lt"/>
+            </a:endParaRPr>
+          </a:p>
+        </p:txBody>
+      </p:sp>
+      <p:sp>
+        <p:nvSpPr>
+          <p:cNvPr id="52" name="Rectangle: Rounded Corners 51">
+            <a:extLst>
+              <a:ext uri="{FF2B5EF4-FFF2-40B4-BE49-F238E27FC236}">
+                <a16:creationId xmlns:a16="http://schemas.microsoft.com/office/drawing/2014/main" id="{3FBE0CBE-AE2E-DEB1-3AA0-DEE67B48E556}"/>
+              </a:ext>
+            </a:extLst>
+          </p:cNvPr>
+          <p:cNvSpPr/>
+          <p:nvPr/>
+        </p:nvSpPr>
+        <p:spPr>
+          <a:xfrm>
+            <a:off x="317717" y="4119605"/>
+            <a:ext cx="1367188" cy="647700"/>
+          </a:xfrm>
+          <a:prstGeom prst="roundRect">
+            <a:avLst/>
+          </a:prstGeom>
+          <a:solidFill>
+            <a:schemeClr val="accent2">
+              <a:alpha val="50000"/>
+            </a:schemeClr>
+          </a:solidFill>
+          <a:ln>
+            <a:noFill/>
+          </a:ln>
+        </p:spPr>
+        <p:style>
+          <a:lnRef idx="0">
+            <a:scrgbClr r="0" g="0" b="0"/>
+          </a:lnRef>
+          <a:fillRef idx="0">
+            <a:scrgbClr r="0" g="0" b="0"/>
+          </a:fillRef>
+          <a:effectRef idx="0">
+            <a:scrgbClr r="0" g="0" b="0"/>
+          </a:effectRef>
+          <a:fontRef idx="minor">
+            <a:schemeClr val="lt1"/>
+          </a:fontRef>
+        </p:style>
+        <p:txBody>
+          <a:bodyPr rtlCol="0" anchor="ctr"/>
+          <a:lstStyle/>
+          <a:p>
+            <a:pPr algn="ctr"/>
+            <a:r>
+              <a:rPr lang="en-US" sz="1050" b="1" dirty="0">
+                <a:solidFill>
+                  <a:schemeClr val="accent1"/>
+                </a:solidFill>
+                <a:latin typeface="+mj-lt"/>
+              </a:rPr>
+              <a:t>Prepare </a:t>
+            </a:r>
+          </a:p>
+          <a:p>
+            <a:pPr algn="ctr"/>
+            <a:r>
+              <a:rPr lang="en-US" sz="1050" b="1" dirty="0">
+                <a:solidFill>
+                  <a:schemeClr val="accent1"/>
+                </a:solidFill>
+                <a:latin typeface="+mj-lt"/>
+              </a:rPr>
+              <a:t>Synthetic Data</a:t>
+            </a:r>
+          </a:p>
+          <a:p>
+            <a:pPr algn="ctr"/>
+            <a:endParaRPr lang="en-US" sz="1050" b="1" dirty="0">
+              <a:solidFill>
+                <a:schemeClr val="accent1"/>
+              </a:solidFill>
+              <a:latin typeface="+mj-lt"/>
+            </a:endParaRPr>
+          </a:p>
+          <a:p>
+            <a:pPr algn="ctr"/>
+            <a:endParaRPr lang="en-US" sz="1050" dirty="0">
+              <a:solidFill>
+                <a:schemeClr val="accent1"/>
+              </a:solidFill>
+              <a:latin typeface="+mj-lt"/>
+            </a:endParaRPr>
+          </a:p>
+        </p:txBody>
+      </p:sp>
+      <p:pic>
+        <p:nvPicPr>
+          <p:cNvPr id="53" name="Picture 10" descr="Python - Python Logo - CleanPNG / KissPNG">
+            <a:extLst>
+              <a:ext uri="{FF2B5EF4-FFF2-40B4-BE49-F238E27FC236}">
+                <a16:creationId xmlns:a16="http://schemas.microsoft.com/office/drawing/2014/main" id="{40DECA7E-C5A6-4913-16AC-DC7A115C81C9}"/>
+              </a:ext>
+            </a:extLst>
+          </p:cNvPr>
+          <p:cNvPicPr>
+            <a:picLocks noChangeAspect="1" noChangeArrowheads="1"/>
+          </p:cNvPicPr>
+          <p:nvPr/>
+        </p:nvPicPr>
+        <p:blipFill>
+          <a:blip r:embed="rId14">
+            <a:duotone>
+              <a:prstClr val="black"/>
+              <a:schemeClr val="accent5">
+                <a:tint val="45000"/>
+                <a:satMod val="400000"/>
+              </a:schemeClr>
+            </a:duotone>
+            <a:extLst>
+              <a:ext uri="{BEBA8EAE-BF5A-486C-A8C5-ECC9F3942E4B}">
+                <a14:imgProps xmlns:a14="http://schemas.microsoft.com/office/drawing/2010/main">
+                  <a14:imgLayer r:embed="rId15">
+                    <a14:imgEffect>
+                      <a14:backgroundRemoval t="7927" b="89024" l="9416" r="89610">
+                        <a14:foregroundMark x1="53571" y1="8537" x2="53571" y2="8537"/>
+                        <a14:foregroundMark x1="50649" y1="7927" x2="50649" y2="7927"/>
+                        <a14:backgroundMark x1="50000" y1="43293" x2="50000" y2="43293"/>
+                        <a14:backgroundMark x1="41558" y1="45732" x2="41558" y2="45732"/>
+                        <a14:backgroundMark x1="57143" y1="64634" x2="57143" y2="64634"/>
+                        <a14:backgroundMark x1="56494" y1="74390" x2="56494" y2="74390"/>
+                      </a14:backgroundRemoval>
+                    </a14:imgEffect>
+                  </a14:imgLayer>
+                </a14:imgProps>
+              </a:ext>
+              <a:ext uri="{28A0092B-C50C-407E-A947-70E740481C1C}">
+                <a14:useLocalDpi xmlns:a14="http://schemas.microsoft.com/office/drawing/2010/main" val="0"/>
+              </a:ext>
+            </a:extLst>
+          </a:blip>
+          <a:srcRect/>
+          <a:stretch>
+            <a:fillRect/>
+          </a:stretch>
+        </p:blipFill>
+        <p:spPr bwMode="auto">
+          <a:xfrm>
+            <a:off x="631146" y="4418055"/>
+            <a:ext cx="751427" cy="400110"/>
+          </a:xfrm>
+          <a:prstGeom prst="rect">
+            <a:avLst/>
+          </a:prstGeom>
+          <a:noFill/>
+          <a:extLst>
+            <a:ext uri="{909E8E84-426E-40DD-AFC4-6F175D3DCCD1}">
+              <a14:hiddenFill xmlns:a14="http://schemas.microsoft.com/office/drawing/2010/main">
+                <a:solidFill>
+                  <a:srgbClr val="FFFFFF"/>
+                </a:solidFill>
+              </a14:hiddenFill>
+            </a:ext>
+          </a:extLst>
+        </p:spPr>
+      </p:pic>
+      <p:pic>
+        <p:nvPicPr>
+          <p:cNvPr id="54" name="Picture 12" descr="Openai png images | PNGWing">
+            <a:extLst>
+              <a:ext uri="{FF2B5EF4-FFF2-40B4-BE49-F238E27FC236}">
+                <a16:creationId xmlns:a16="http://schemas.microsoft.com/office/drawing/2014/main" id="{9B033876-DBF8-6D71-DA81-F82F3E460F44}"/>
+              </a:ext>
+            </a:extLst>
+          </p:cNvPr>
+          <p:cNvPicPr>
+            <a:picLocks noChangeAspect="1" noChangeArrowheads="1"/>
+          </p:cNvPicPr>
+          <p:nvPr/>
+        </p:nvPicPr>
+        <p:blipFill rotWithShape="1">
+          <a:blip r:embed="rId16">
+            <a:clrChange>
+              <a:clrFrom>
+                <a:srgbClr val="000000">
+                  <a:alpha val="0"/>
+                </a:srgbClr>
+              </a:clrFrom>
+              <a:clrTo>
+                <a:srgbClr val="000000">
+                  <a:alpha val="0"/>
+                </a:srgbClr>
+              </a:clrTo>
+            </a:clrChange>
+            <a:duotone>
+              <a:schemeClr val="accent5">
+                <a:shade val="45000"/>
+                <a:satMod val="135000"/>
+              </a:schemeClr>
+              <a:prstClr val="white"/>
+            </a:duotone>
+            <a:alphaModFix amt="85000"/>
+            <a:extLst>
+              <a:ext uri="{BEBA8EAE-BF5A-486C-A8C5-ECC9F3942E4B}">
+                <a14:imgProps xmlns:a14="http://schemas.microsoft.com/office/drawing/2010/main">
+                  <a14:imgLayer r:embed="rId17">
+                    <a14:imgEffect>
+                      <a14:backgroundRemoval t="3667" b="95333" l="10000" r="90000">
+                        <a14:foregroundMark x1="49022" y1="3667" x2="49022" y2="3667"/>
+                        <a14:foregroundMark x1="48913" y1="95333" x2="48913" y2="95333"/>
+                      </a14:backgroundRemoval>
+                    </a14:imgEffect>
+                  </a14:imgLayer>
+                </a14:imgProps>
+              </a:ext>
+              <a:ext uri="{28A0092B-C50C-407E-A947-70E740481C1C}">
+                <a14:useLocalDpi xmlns:a14="http://schemas.microsoft.com/office/drawing/2010/main" val="0"/>
+              </a:ext>
+            </a:extLst>
+          </a:blip>
+          <a:srcRect l="33389" r="33222"/>
+          <a:stretch/>
+        </p:blipFill>
+        <p:spPr bwMode="auto">
+          <a:xfrm>
+            <a:off x="427620" y="5452735"/>
+            <a:ext cx="409562" cy="400110"/>
+          </a:xfrm>
+          <a:prstGeom prst="rect">
+            <a:avLst/>
+          </a:prstGeom>
+          <a:noFill/>
+          <a:extLst>
+            <a:ext uri="{909E8E84-426E-40DD-AFC4-6F175D3DCCD1}">
+              <a14:hiddenFill xmlns:a14="http://schemas.microsoft.com/office/drawing/2010/main">
+                <a:solidFill>
+                  <a:srgbClr val="FFFFFF"/>
+                </a:solidFill>
+              </a14:hiddenFill>
+            </a:ext>
+          </a:extLst>
+        </p:spPr>
+      </p:pic>
+      <p:pic>
+        <p:nvPicPr>
+          <p:cNvPr id="56" name="Picture 22" descr="Natural language processing - Free electronics icons">
+            <a:extLst>
+              <a:ext uri="{FF2B5EF4-FFF2-40B4-BE49-F238E27FC236}">
+                <a16:creationId xmlns:a16="http://schemas.microsoft.com/office/drawing/2014/main" id="{FB593177-AD76-B21C-7C67-E41E4050AEC7}"/>
+              </a:ext>
+            </a:extLst>
+          </p:cNvPr>
+          <p:cNvPicPr>
+            <a:picLocks noChangeAspect="1" noChangeArrowheads="1"/>
+          </p:cNvPicPr>
+          <p:nvPr/>
+        </p:nvPicPr>
+        <p:blipFill>
+          <a:blip r:embed="rId18">
+            <a:duotone>
+              <a:schemeClr val="accent5">
+                <a:shade val="45000"/>
+                <a:satMod val="135000"/>
+              </a:schemeClr>
+              <a:prstClr val="white"/>
+            </a:duotone>
+            <a:alphaModFix amt="85000"/>
+            <a:extLst>
+              <a:ext uri="{28A0092B-C50C-407E-A947-70E740481C1C}">
+                <a14:useLocalDpi xmlns:a14="http://schemas.microsoft.com/office/drawing/2010/main" val="0"/>
+              </a:ext>
+            </a:extLst>
+          </a:blip>
+          <a:srcRect/>
+          <a:stretch>
+            <a:fillRect/>
+          </a:stretch>
+        </p:blipFill>
+        <p:spPr bwMode="auto">
+          <a:xfrm>
+            <a:off x="1150432" y="5368649"/>
+            <a:ext cx="484840" cy="484840"/>
+          </a:xfrm>
+          <a:prstGeom prst="rect">
+            <a:avLst/>
+          </a:prstGeom>
+          <a:noFill/>
+          <a:extLst>
+            <a:ext uri="{909E8E84-426E-40DD-AFC4-6F175D3DCCD1}">
+              <a14:hiddenFill xmlns:a14="http://schemas.microsoft.com/office/drawing/2010/main">
+                <a:solidFill>
+                  <a:srgbClr val="FFFFFF"/>
+                </a:solidFill>
+              </a14:hiddenFill>
+            </a:ext>
+          </a:extLst>
+        </p:spPr>
+      </p:pic>
+      <p:pic>
+        <p:nvPicPr>
+          <p:cNvPr id="57" name="Picture 24" descr="Amazon aws logo, png | PNGWing">
+            <a:extLst>
+              <a:ext uri="{FF2B5EF4-FFF2-40B4-BE49-F238E27FC236}">
+                <a16:creationId xmlns:a16="http://schemas.microsoft.com/office/drawing/2014/main" id="{C20D14E9-7429-897E-3122-ADFF162BB15A}"/>
+              </a:ext>
+            </a:extLst>
+          </p:cNvPr>
+          <p:cNvPicPr>
+            <a:picLocks noChangeAspect="1" noChangeArrowheads="1"/>
+          </p:cNvPicPr>
+          <p:nvPr/>
+        </p:nvPicPr>
+        <p:blipFill rotWithShape="1">
+          <a:blip r:embed="rId19">
+            <a:duotone>
+              <a:schemeClr val="accent5">
+                <a:shade val="45000"/>
+                <a:satMod val="135000"/>
+              </a:schemeClr>
+              <a:prstClr val="white"/>
+            </a:duotone>
+            <a:alphaModFix amt="85000"/>
+            <a:extLst>
+              <a:ext uri="{BEBA8EAE-BF5A-486C-A8C5-ECC9F3942E4B}">
+                <a14:imgProps xmlns:a14="http://schemas.microsoft.com/office/drawing/2010/main">
+                  <a14:imgLayer r:embed="rId20">
+                    <a14:imgEffect>
+                      <a14:backgroundRemoval t="10000" b="90000" l="10000" r="90000">
+                        <a14:foregroundMark x1="32222" y1="38333" x2="32222" y2="38333"/>
+                        <a14:foregroundMark x1="69444" y1="36944" x2="69444" y2="36944"/>
+                        <a14:foregroundMark x1="70000" y1="65278" x2="70000" y2="65278"/>
+                        <a14:foregroundMark x1="81667" y1="59722" x2="81667" y2="59722"/>
+                      </a14:backgroundRemoval>
+                    </a14:imgEffect>
+                  </a14:imgLayer>
+                </a14:imgProps>
+              </a:ext>
+              <a:ext uri="{28A0092B-C50C-407E-A947-70E740481C1C}">
+                <a14:useLocalDpi xmlns:a14="http://schemas.microsoft.com/office/drawing/2010/main" val="0"/>
+              </a:ext>
+            </a:extLst>
+          </a:blip>
+          <a:srcRect l="13111" t="27364" r="13750" b="25334"/>
+          <a:stretch/>
+        </p:blipFill>
+        <p:spPr bwMode="auto">
+          <a:xfrm>
+            <a:off x="776034" y="6576558"/>
+            <a:ext cx="480696" cy="310894"/>
+          </a:xfrm>
+          <a:prstGeom prst="rect">
+            <a:avLst/>
+          </a:prstGeom>
+          <a:noFill/>
+          <a:extLst>
+            <a:ext uri="{909E8E84-426E-40DD-AFC4-6F175D3DCCD1}">
+              <a14:hiddenFill xmlns:a14="http://schemas.microsoft.com/office/drawing/2010/main">
+                <a:solidFill>
+                  <a:srgbClr val="FFFFFF"/>
+                </a:solidFill>
+              </a14:hiddenFill>
+            </a:ext>
+          </a:extLst>
+        </p:spPr>
+      </p:pic>
+      <p:pic>
+        <p:nvPicPr>
+          <p:cNvPr id="58" name="Picture 26" descr="Aws Lambda - Amazon Logo - CleanPNG / KissPNG">
+            <a:extLst>
+              <a:ext uri="{FF2B5EF4-FFF2-40B4-BE49-F238E27FC236}">
+                <a16:creationId xmlns:a16="http://schemas.microsoft.com/office/drawing/2014/main" id="{DB904853-EF70-BD4C-B4E5-95B405F3218B}"/>
+              </a:ext>
+            </a:extLst>
+          </p:cNvPr>
+          <p:cNvPicPr>
+            <a:picLocks noChangeAspect="1" noChangeArrowheads="1"/>
+          </p:cNvPicPr>
+          <p:nvPr/>
+        </p:nvPicPr>
+        <p:blipFill>
+          <a:blip r:embed="rId21">
+            <a:duotone>
+              <a:prstClr val="black"/>
+              <a:schemeClr val="accent5">
+                <a:tint val="45000"/>
+                <a:satMod val="400000"/>
+              </a:schemeClr>
+            </a:duotone>
+            <a:extLst>
+              <a:ext uri="{BEBA8EAE-BF5A-486C-A8C5-ECC9F3942E4B}">
+                <a14:imgProps xmlns:a14="http://schemas.microsoft.com/office/drawing/2010/main">
+                  <a14:imgLayer r:embed="rId22">
+                    <a14:imgEffect>
+                      <a14:backgroundRemoval t="10000" b="90000" l="9111" r="92667">
+                        <a14:foregroundMark x1="92667" y1="82396" x2="92667" y2="82396"/>
+                        <a14:foregroundMark x1="9111" y1="86667" x2="9111" y2="86667"/>
+                      </a14:backgroundRemoval>
+                    </a14:imgEffect>
+                  </a14:imgLayer>
+                </a14:imgProps>
+              </a:ext>
+              <a:ext uri="{28A0092B-C50C-407E-A947-70E740481C1C}">
+                <a14:useLocalDpi xmlns:a14="http://schemas.microsoft.com/office/drawing/2010/main" val="0"/>
+              </a:ext>
+            </a:extLst>
+          </a:blip>
+          <a:srcRect/>
+          <a:stretch>
+            <a:fillRect/>
+          </a:stretch>
+        </p:blipFill>
+        <p:spPr bwMode="auto">
+          <a:xfrm>
+            <a:off x="331462" y="6853868"/>
+            <a:ext cx="505719" cy="512703"/>
+          </a:xfrm>
+          <a:prstGeom prst="rect">
+            <a:avLst/>
+          </a:prstGeom>
+          <a:noFill/>
+          <a:extLst>
+            <a:ext uri="{909E8E84-426E-40DD-AFC4-6F175D3DCCD1}">
+              <a14:hiddenFill xmlns:a14="http://schemas.microsoft.com/office/drawing/2010/main">
+                <a:solidFill>
+                  <a:srgbClr val="FFFFFF"/>
+                </a:solidFill>
+              </a14:hiddenFill>
+            </a:ext>
+          </a:extLst>
+        </p:spPr>
+      </p:pic>
+      <p:pic>
+        <p:nvPicPr>
+          <p:cNvPr id="59" name="Picture 28" descr="Amazon S3 - Amazon Logo - CleanPNG / KissPNG">
+            <a:extLst>
+              <a:ext uri="{FF2B5EF4-FFF2-40B4-BE49-F238E27FC236}">
+                <a16:creationId xmlns:a16="http://schemas.microsoft.com/office/drawing/2014/main" id="{7E50DEDD-A22A-E87A-72C9-636543609C29}"/>
+              </a:ext>
+            </a:extLst>
+          </p:cNvPr>
+          <p:cNvPicPr>
+            <a:picLocks noChangeAspect="1" noChangeArrowheads="1"/>
+          </p:cNvPicPr>
+          <p:nvPr/>
+        </p:nvPicPr>
+        <p:blipFill rotWithShape="1">
+          <a:blip r:embed="rId23">
+            <a:duotone>
+              <a:schemeClr val="accent5">
+                <a:shade val="45000"/>
+                <a:satMod val="135000"/>
+              </a:schemeClr>
+              <a:prstClr val="white"/>
+            </a:duotone>
+            <a:extLst>
+              <a:ext uri="{BEBA8EAE-BF5A-486C-A8C5-ECC9F3942E4B}">
+                <a14:imgProps xmlns:a14="http://schemas.microsoft.com/office/drawing/2010/main">
+                  <a14:imgLayer r:embed="rId24">
+                    <a14:imgEffect>
+                      <a14:backgroundRemoval t="10000" b="90000" l="10000" r="90000"/>
+                    </a14:imgEffect>
+                  </a14:imgLayer>
+                </a14:imgProps>
+              </a:ext>
+              <a:ext uri="{28A0092B-C50C-407E-A947-70E740481C1C}">
+                <a14:useLocalDpi xmlns:a14="http://schemas.microsoft.com/office/drawing/2010/main" val="0"/>
+              </a:ext>
+            </a:extLst>
+          </a:blip>
+          <a:srcRect l="31789" t="11824" r="31078" b="13349"/>
+          <a:stretch/>
+        </p:blipFill>
+        <p:spPr bwMode="auto">
+          <a:xfrm>
+            <a:off x="1256773" y="6875133"/>
+            <a:ext cx="430905" cy="501735"/>
+          </a:xfrm>
+          <a:prstGeom prst="rect">
+            <a:avLst/>
+          </a:prstGeom>
+          <a:noFill/>
+          <a:extLst>
+            <a:ext uri="{909E8E84-426E-40DD-AFC4-6F175D3DCCD1}">
+              <a14:hiddenFill xmlns:a14="http://schemas.microsoft.com/office/drawing/2010/main">
+                <a:solidFill>
+                  <a:srgbClr val="FFFFFF"/>
+                </a:solidFill>
+              </a14:hiddenFill>
+            </a:ext>
+          </a:extLst>
+        </p:spPr>
+      </p:pic>
+      <p:sp>
+        <p:nvSpPr>
+          <p:cNvPr id="60" name="Arrow: Down 59">
+            <a:extLst>
+              <a:ext uri="{FF2B5EF4-FFF2-40B4-BE49-F238E27FC236}">
+                <a16:creationId xmlns:a16="http://schemas.microsoft.com/office/drawing/2014/main" id="{EBC73530-B553-F636-D15B-F36E5D1138FC}"/>
+              </a:ext>
+            </a:extLst>
+          </p:cNvPr>
+          <p:cNvSpPr/>
+          <p:nvPr/>
+        </p:nvSpPr>
+        <p:spPr>
+          <a:xfrm>
+            <a:off x="814621" y="4786384"/>
+            <a:ext cx="373380" cy="319734"/>
+          </a:xfrm>
+          <a:prstGeom prst="downArrow">
+            <a:avLst/>
+          </a:prstGeom>
+          <a:solidFill>
+            <a:schemeClr val="dk1">
+              <a:alpha val="50000"/>
+            </a:schemeClr>
+          </a:solidFill>
+          <a:ln>
+            <a:noFill/>
+          </a:ln>
+        </p:spPr>
+        <p:style>
+          <a:lnRef idx="0">
+            <a:scrgbClr r="0" g="0" b="0"/>
+          </a:lnRef>
+          <a:fillRef idx="0">
+            <a:scrgbClr r="0" g="0" b="0"/>
+          </a:fillRef>
+          <a:effectRef idx="0">
+            <a:scrgbClr r="0" g="0" b="0"/>
+          </a:effectRef>
+          <a:fontRef idx="minor">
+            <a:schemeClr val="lt1"/>
+          </a:fontRef>
+        </p:style>
+        <p:txBody>
+          <a:bodyPr rtlCol="0" anchor="ctr"/>
+          <a:lstStyle/>
+          <a:p>
+            <a:pPr algn="ctr"/>
+            <a:endParaRPr lang="en-US" sz="1050">
+              <a:solidFill>
+                <a:schemeClr val="accent1"/>
+              </a:solidFill>
+              <a:latin typeface="+mj-lt"/>
+            </a:endParaRPr>
+          </a:p>
+        </p:txBody>
+      </p:sp>
+      <p:sp>
+        <p:nvSpPr>
+          <p:cNvPr id="61" name="Arrow: Down 60">
+            <a:extLst>
+              <a:ext uri="{FF2B5EF4-FFF2-40B4-BE49-F238E27FC236}">
+                <a16:creationId xmlns:a16="http://schemas.microsoft.com/office/drawing/2014/main" id="{F22ABF95-6D82-AC88-30D0-54A8E916E3FB}"/>
+              </a:ext>
+            </a:extLst>
+          </p:cNvPr>
+          <p:cNvSpPr/>
+          <p:nvPr/>
+        </p:nvSpPr>
+        <p:spPr>
+          <a:xfrm>
+            <a:off x="826054" y="5888921"/>
+            <a:ext cx="373380" cy="319734"/>
+          </a:xfrm>
+          <a:prstGeom prst="downArrow">
+            <a:avLst/>
+          </a:prstGeom>
+          <a:solidFill>
+            <a:schemeClr val="dk1">
+              <a:alpha val="50000"/>
+            </a:schemeClr>
+          </a:solidFill>
+          <a:ln>
+            <a:noFill/>
+          </a:ln>
+        </p:spPr>
+        <p:style>
+          <a:lnRef idx="0">
+            <a:scrgbClr r="0" g="0" b="0"/>
+          </a:lnRef>
+          <a:fillRef idx="0">
+            <a:scrgbClr r="0" g="0" b="0"/>
+          </a:fillRef>
+          <a:effectRef idx="0">
+            <a:scrgbClr r="0" g="0" b="0"/>
+          </a:effectRef>
+          <a:fontRef idx="minor">
+            <a:schemeClr val="lt1"/>
+          </a:fontRef>
+        </p:style>
+        <p:txBody>
+          <a:bodyPr rtlCol="0" anchor="ctr"/>
+          <a:lstStyle/>
+          <a:p>
+            <a:pPr algn="ctr"/>
+            <a:endParaRPr lang="en-US" sz="1050">
+              <a:solidFill>
+                <a:schemeClr val="accent1"/>
+              </a:solidFill>
+              <a:latin typeface="+mj-lt"/>
+            </a:endParaRPr>
+          </a:p>
+        </p:txBody>
+      </p:sp>
+      <p:cxnSp>
+        <p:nvCxnSpPr>
+          <p:cNvPr id="63" name="Straight Arrow Connector 62">
+            <a:extLst>
+              <a:ext uri="{FF2B5EF4-FFF2-40B4-BE49-F238E27FC236}">
+                <a16:creationId xmlns:a16="http://schemas.microsoft.com/office/drawing/2014/main" id="{55BBFEFF-A39B-B1E9-8443-1BE779E8B45B}"/>
+              </a:ext>
+            </a:extLst>
+          </p:cNvPr>
+          <p:cNvCxnSpPr>
+            <a:cxnSpLocks/>
+            <a:stCxn id="57" idx="2"/>
+            <a:endCxn id="59" idx="1"/>
+          </p:cNvCxnSpPr>
+          <p:nvPr/>
+        </p:nvCxnSpPr>
+        <p:spPr>
+          <a:xfrm>
+            <a:off x="1016382" y="6887452"/>
+            <a:ext cx="240391" cy="238549"/>
+          </a:xfrm>
+          <a:prstGeom prst="straightConnector1">
+            <a:avLst/>
+          </a:prstGeom>
+          <a:ln>
+            <a:solidFill>
+              <a:srgbClr val="5C3E00">
+                <a:alpha val="69804"/>
+              </a:srgbClr>
+            </a:solidFill>
+            <a:tailEnd type="triangle"/>
+          </a:ln>
+        </p:spPr>
+        <p:style>
+          <a:lnRef idx="3">
+            <a:schemeClr val="dk1"/>
+          </a:lnRef>
+          <a:fillRef idx="0">
+            <a:schemeClr val="dk1"/>
+          </a:fillRef>
+          <a:effectRef idx="2">
+            <a:schemeClr val="dk1"/>
+          </a:effectRef>
+          <a:fontRef idx="minor">
+            <a:schemeClr val="tx1"/>
+          </a:fontRef>
+        </p:style>
+      </p:cxnSp>
+      <p:sp>
+        <p:nvSpPr>
+          <p:cNvPr id="111" name="TextBox 110">
+            <a:extLst>
+              <a:ext uri="{FF2B5EF4-FFF2-40B4-BE49-F238E27FC236}">
+                <a16:creationId xmlns:a16="http://schemas.microsoft.com/office/drawing/2014/main" id="{0C35CCC5-1431-E880-A8AA-C2F7B72C8CBA}"/>
+              </a:ext>
+            </a:extLst>
+          </p:cNvPr>
+          <p:cNvSpPr txBox="1"/>
+          <p:nvPr/>
+        </p:nvSpPr>
+        <p:spPr>
+          <a:xfrm>
+            <a:off x="2017762" y="5536684"/>
+            <a:ext cx="1404000" cy="504000"/>
+          </a:xfrm>
+          <a:prstGeom prst="rect">
+            <a:avLst/>
+          </a:prstGeom>
+          <a:noFill/>
+        </p:spPr>
+        <p:txBody>
+          <a:bodyPr wrap="square" lIns="0" tIns="0" rIns="0" bIns="0" rtlCol="0">
+            <a:noAutofit/>
+          </a:bodyPr>
+          <a:lstStyle/>
+          <a:p>
+            <a:r>
+              <a:rPr lang="en-US" sz="900" b="1" dirty="0">
+                <a:solidFill>
+                  <a:schemeClr val="bg1"/>
+                </a:solidFill>
+                <a:latin typeface="+mj-lt"/>
+              </a:rPr>
+              <a:t>2012</a:t>
+            </a:r>
+          </a:p>
+          <a:p>
+            <a:r>
+              <a:rPr lang="en-US" sz="1000" b="1" dirty="0">
+                <a:solidFill>
+                  <a:schemeClr val="accent2"/>
+                </a:solidFill>
+              </a:rPr>
+              <a:t>Studying at ABC</a:t>
+            </a:r>
+            <a:br>
+              <a:rPr lang="en-US" sz="900" dirty="0">
+                <a:solidFill>
+                  <a:schemeClr val="bg1"/>
+                </a:solidFill>
+              </a:rPr>
+            </a:br>
+            <a:r>
+              <a:rPr lang="en-US" sz="900" noProof="1">
+                <a:solidFill>
+                  <a:schemeClr val="bg1"/>
+                </a:solidFill>
+              </a:rPr>
+              <a:t>Choose Change Graphic from the options.</a:t>
+            </a:r>
+          </a:p>
+          <a:p>
+            <a:endParaRPr lang="en-US" sz="900" b="1" noProof="1">
+              <a:solidFill>
+                <a:schemeClr val="bg1"/>
+              </a:solidFill>
+              <a:latin typeface="+mj-lt"/>
+            </a:endParaRPr>
+          </a:p>
+        </p:txBody>
+      </p:sp>
+      <p:sp>
+        <p:nvSpPr>
+          <p:cNvPr id="112" name="Rectangle: Rounded Corners 111">
+            <a:extLst>
+              <a:ext uri="{FF2B5EF4-FFF2-40B4-BE49-F238E27FC236}">
+                <a16:creationId xmlns:a16="http://schemas.microsoft.com/office/drawing/2014/main" id="{F8638273-21DB-BD0A-674C-B534B2AE97C6}"/>
+              </a:ext>
+            </a:extLst>
+          </p:cNvPr>
+          <p:cNvSpPr/>
+          <p:nvPr/>
+        </p:nvSpPr>
+        <p:spPr>
+          <a:xfrm>
+            <a:off x="6462267" y="1298644"/>
+            <a:ext cx="1032185" cy="3468661"/>
+          </a:xfrm>
+          <a:prstGeom prst="roundRect">
+            <a:avLst/>
+          </a:prstGeom>
+          <a:solidFill>
+            <a:schemeClr val="accent5">
+              <a:alpha val="50000"/>
+            </a:schemeClr>
+          </a:solidFill>
+          <a:ln>
+            <a:noFill/>
+          </a:ln>
+        </p:spPr>
+        <p:style>
+          <a:lnRef idx="0">
+            <a:scrgbClr r="0" g="0" b="0"/>
+          </a:lnRef>
+          <a:fillRef idx="0">
+            <a:scrgbClr r="0" g="0" b="0"/>
+          </a:fillRef>
+          <a:effectRef idx="0">
+            <a:scrgbClr r="0" g="0" b="0"/>
+          </a:effectRef>
+          <a:fontRef idx="minor">
+            <a:schemeClr val="lt1"/>
+          </a:fontRef>
+        </p:style>
+        <p:txBody>
+          <a:bodyPr rtlCol="0" anchor="ctr"/>
+          <a:lstStyle/>
+          <a:p>
+            <a:pPr algn="ctr"/>
+            <a:endParaRPr lang="en-US" sz="1050" dirty="0">
+              <a:solidFill>
+                <a:schemeClr val="accent1"/>
+              </a:solidFill>
+              <a:latin typeface="+mj-lt"/>
+            </a:endParaRPr>
+          </a:p>
+          <a:p>
+            <a:pPr algn="ctr"/>
+            <a:endParaRPr lang="en-US" sz="1050" dirty="0">
+              <a:solidFill>
+                <a:schemeClr val="accent1"/>
+              </a:solidFill>
+              <a:latin typeface="+mj-lt"/>
+            </a:endParaRPr>
+          </a:p>
+        </p:txBody>
+      </p:sp>
+      <p:sp>
+        <p:nvSpPr>
+          <p:cNvPr id="114" name="TextBox 113">
+            <a:extLst>
+              <a:ext uri="{FF2B5EF4-FFF2-40B4-BE49-F238E27FC236}">
+                <a16:creationId xmlns:a16="http://schemas.microsoft.com/office/drawing/2014/main" id="{C6B508F5-DFBF-7C22-4253-4C1567F2C219}"/>
+              </a:ext>
+            </a:extLst>
+          </p:cNvPr>
+          <p:cNvSpPr txBox="1"/>
+          <p:nvPr/>
+        </p:nvSpPr>
+        <p:spPr>
+          <a:xfrm>
+            <a:off x="6462267" y="1280357"/>
+            <a:ext cx="1547926" cy="646331"/>
+          </a:xfrm>
+          <a:prstGeom prst="rect">
+            <a:avLst/>
+          </a:prstGeom>
+          <a:noFill/>
+        </p:spPr>
+        <p:txBody>
+          <a:bodyPr wrap="square" rtlCol="0">
+            <a:spAutoFit/>
+          </a:bodyPr>
+          <a:lstStyle/>
+          <a:p>
+            <a:r>
+              <a:rPr lang="en-US" b="1" dirty="0">
+                <a:solidFill>
+                  <a:schemeClr val="accent2">
+                    <a:lumMod val="10000"/>
+                    <a:lumOff val="90000"/>
+                  </a:schemeClr>
+                </a:solidFill>
+                <a:latin typeface="+mj-lt"/>
+              </a:rPr>
+              <a:t>NPS</a:t>
+            </a:r>
+            <a:r>
+              <a:rPr lang="en-US" dirty="0">
+                <a:solidFill>
+                  <a:schemeClr val="accent2">
+                    <a:lumMod val="10000"/>
+                    <a:lumOff val="90000"/>
+                  </a:schemeClr>
+                </a:solidFill>
+                <a:latin typeface="+mj-lt"/>
+              </a:rPr>
+              <a:t> </a:t>
+            </a:r>
+          </a:p>
+          <a:p>
+            <a:r>
+              <a:rPr lang="en-US" dirty="0">
+                <a:solidFill>
+                  <a:schemeClr val="accent2">
+                    <a:lumMod val="10000"/>
+                    <a:lumOff val="90000"/>
+                  </a:schemeClr>
+                </a:solidFill>
+                <a:latin typeface="+mj-lt"/>
+              </a:rPr>
+              <a:t>Chatbot</a:t>
+            </a:r>
+          </a:p>
+        </p:txBody>
+      </p:sp>
+      <p:sp>
+        <p:nvSpPr>
+          <p:cNvPr id="118" name="TextBox 117">
+            <a:extLst>
+              <a:ext uri="{FF2B5EF4-FFF2-40B4-BE49-F238E27FC236}">
+                <a16:creationId xmlns:a16="http://schemas.microsoft.com/office/drawing/2014/main" id="{0A947CEA-E506-B40D-1126-836142A345EB}"/>
+              </a:ext>
+            </a:extLst>
+          </p:cNvPr>
+          <p:cNvSpPr txBox="1"/>
+          <p:nvPr/>
+        </p:nvSpPr>
+        <p:spPr>
+          <a:xfrm>
+            <a:off x="6462267" y="1903651"/>
+            <a:ext cx="1043167" cy="1814237"/>
+          </a:xfrm>
+          <a:prstGeom prst="rect">
+            <a:avLst/>
+          </a:prstGeom>
+          <a:noFill/>
+        </p:spPr>
+        <p:txBody>
+          <a:bodyPr wrap="square" lIns="0" tIns="0" rIns="0" bIns="0" rtlCol="0">
+            <a:noAutofit/>
+          </a:bodyPr>
+          <a:lstStyle/>
+          <a:p>
+            <a:pPr algn="ctr"/>
+            <a:r>
+              <a:rPr lang="en-US" sz="900" dirty="0">
+                <a:solidFill>
+                  <a:schemeClr val="bg1"/>
+                </a:solidFill>
+              </a:rPr>
+              <a:t>PROJECT STATEMENT</a:t>
+            </a:r>
+          </a:p>
+          <a:p>
+            <a:endParaRPr lang="en-US" sz="900" noProof="1">
+              <a:solidFill>
+                <a:schemeClr val="bg1"/>
+              </a:solidFill>
+            </a:endParaRPr>
+          </a:p>
+        </p:txBody>
+      </p:sp>
+      <p:cxnSp>
+        <p:nvCxnSpPr>
+          <p:cNvPr id="123" name="Straight Arrow Connector 122">
+            <a:extLst>
+              <a:ext uri="{FF2B5EF4-FFF2-40B4-BE49-F238E27FC236}">
+                <a16:creationId xmlns:a16="http://schemas.microsoft.com/office/drawing/2014/main" id="{F5661005-45AF-9CE2-C26F-0B25E8693CBD}"/>
+              </a:ext>
+            </a:extLst>
+          </p:cNvPr>
+          <p:cNvCxnSpPr>
+            <a:cxnSpLocks/>
+          </p:cNvCxnSpPr>
+          <p:nvPr/>
+        </p:nvCxnSpPr>
+        <p:spPr>
+          <a:xfrm flipH="1">
+            <a:off x="736229" y="6885822"/>
+            <a:ext cx="275783" cy="237744"/>
+          </a:xfrm>
+          <a:prstGeom prst="straightConnector1">
+            <a:avLst/>
+          </a:prstGeom>
+          <a:ln>
+            <a:solidFill>
+              <a:srgbClr val="5C3E00">
+                <a:alpha val="69804"/>
+              </a:srgbClr>
+            </a:solidFill>
+            <a:tailEnd type="triangle"/>
+          </a:ln>
+        </p:spPr>
+        <p:style>
+          <a:lnRef idx="3">
+            <a:schemeClr val="dk1"/>
+          </a:lnRef>
+          <a:fillRef idx="0">
+            <a:schemeClr val="dk1"/>
+          </a:fillRef>
+          <a:effectRef idx="2">
+            <a:schemeClr val="dk1"/>
+          </a:effectRef>
+          <a:fontRef idx="minor">
+            <a:schemeClr val="tx1"/>
+          </a:fontRef>
+        </p:style>
+      </p:cxnSp>
     </p:spTree>
     <p:extLst>
       <p:ext uri="{BB962C8B-B14F-4D97-AF65-F5344CB8AC3E}">
@@ -6931,7 +8223,7 @@
 <file path=ppt/theme/theme1.xml><?xml version="1.0" encoding="utf-8"?>
 <a:theme xmlns:a="http://schemas.openxmlformats.org/drawingml/2006/main" name="Resume">
   <a:themeElements>
-    <a:clrScheme name="Custom 19">
+    <a:clrScheme name="Custom 21">
       <a:dk1>
         <a:srgbClr val="000000"/>
       </a:dk1>
@@ -6945,7 +8237,7 @@
         <a:srgbClr val="FFFFFF"/>
       </a:lt2>
       <a:accent1>
-        <a:srgbClr val="D8EDCF"/>
+        <a:srgbClr val="DBE8D4"/>
       </a:accent1>
       <a:accent2>
         <a:srgbClr val="284A00"/>
@@ -7720,6 +9012,15 @@
 </file>
 
 <file path=customXml/item1.xml><?xml version="1.0" encoding="utf-8"?>
+<?mso-contentType ?>
+<FormTemplates xmlns="http://schemas.microsoft.com/sharepoint/v3/contenttype/forms">
+  <Display>DocumentLibraryForm</Display>
+  <Edit>DocumentLibraryForm</Edit>
+  <New>DocumentLibraryForm</New>
+</FormTemplates>
+</file>
+
+<file path=customXml/item2.xml><?xml version="1.0" encoding="utf-8"?>
 <p:properties xmlns:p="http://schemas.microsoft.com/office/2006/metadata/properties" xmlns:xsi="http://www.w3.org/2001/XMLSchema-instance" xmlns:pc="http://schemas.microsoft.com/office/infopath/2007/PartnerControls">
   <documentManagement>
     <_ip_UnifiedCompliancePolicyUIAction xmlns="http://schemas.microsoft.com/sharepoint/v3" xsi:nil="true"/>
@@ -7737,15 +9038,6 @@
     <MediaServiceKeyPoints xmlns="71af3243-3dd4-4a8d-8c0d-dd76da1f02a5" xsi:nil="true"/>
   </documentManagement>
 </p:properties>
-</file>
-
-<file path=customXml/item2.xml><?xml version="1.0" encoding="utf-8"?>
-<?mso-contentType ?>
-<FormTemplates xmlns="http://schemas.microsoft.com/sharepoint/v3/contenttype/forms">
-  <Display>DocumentLibraryForm</Display>
-  <Edit>DocumentLibraryForm</Edit>
-  <New>DocumentLibraryForm</New>
-</FormTemplates>
 </file>
 
 <file path=customXml/item3.xml><?xml version="1.0" encoding="utf-8"?>
@@ -8037,6 +9329,14 @@
 </file>
 
 <file path=customXml/itemProps1.xml><?xml version="1.0" encoding="utf-8"?>
+<ds:datastoreItem xmlns:ds="http://schemas.openxmlformats.org/officeDocument/2006/customXml" ds:itemID="{ED504F61-D355-45F4-88A1-A506DA0E4DAD}">
+  <ds:schemaRefs>
+    <ds:schemaRef ds:uri="http://schemas.microsoft.com/sharepoint/v3/contenttype/forms"/>
+  </ds:schemaRefs>
+</ds:datastoreItem>
+</file>
+
+<file path=customXml/itemProps2.xml><?xml version="1.0" encoding="utf-8"?>
 <ds:datastoreItem xmlns:ds="http://schemas.openxmlformats.org/officeDocument/2006/customXml" ds:itemID="{903CCD5C-1585-4363-9EFD-3AF69BA56376}">
   <ds:schemaRefs>
     <ds:schemaRef ds:uri="http://schemas.microsoft.com/office/2006/metadata/properties"/>
@@ -8044,14 +9344,6 @@
     <ds:schemaRef ds:uri="http://schemas.microsoft.com/sharepoint/v3"/>
     <ds:schemaRef ds:uri="71af3243-3dd4-4a8d-8c0d-dd76da1f02a5"/>
     <ds:schemaRef ds:uri="230e9df3-be65-4c73-a93b-d1236ebd677e"/>
-  </ds:schemaRefs>
-</ds:datastoreItem>
-</file>
-
-<file path=customXml/itemProps2.xml><?xml version="1.0" encoding="utf-8"?>
-<ds:datastoreItem xmlns:ds="http://schemas.openxmlformats.org/officeDocument/2006/customXml" ds:itemID="{ED504F61-D355-45F4-88A1-A506DA0E4DAD}">
-  <ds:schemaRefs>
-    <ds:schemaRef ds:uri="http://schemas.microsoft.com/sharepoint/v3/contenttype/forms"/>
   </ds:schemaRefs>
 </ds:datastoreItem>
 </file>

--- a/01_documentation/nps_poster.pptx
+++ b/01_documentation/nps_poster.pptx
@@ -1669,7 +1669,7 @@
           <c:spPr>
             <a:ln w="28575" cap="rnd">
               <a:solidFill>
-                <a:schemeClr val="accent3"/>
+                <a:schemeClr val="bg1"/>
               </a:solidFill>
               <a:round/>
             </a:ln>
@@ -5551,6 +5551,74 @@
       </p:grpSpPr>
       <p:sp>
         <p:nvSpPr>
+          <p:cNvPr id="5" name="Rectangle: Rounded Corners 4">
+            <a:extLst>
+              <a:ext uri="{FF2B5EF4-FFF2-40B4-BE49-F238E27FC236}">
+                <a16:creationId xmlns:a16="http://schemas.microsoft.com/office/drawing/2014/main" id="{513C2097-B737-9E49-9609-F27FEABC1522}"/>
+              </a:ext>
+            </a:extLst>
+          </p:cNvPr>
+          <p:cNvSpPr/>
+          <p:nvPr/>
+        </p:nvSpPr>
+        <p:spPr>
+          <a:xfrm>
+            <a:off x="1797136" y="5139923"/>
+            <a:ext cx="1828801" cy="2321210"/>
+          </a:xfrm>
+          <a:prstGeom prst="roundRect">
+            <a:avLst>
+              <a:gd name="adj" fmla="val 0"/>
+            </a:avLst>
+          </a:prstGeom>
+          <a:solidFill>
+            <a:srgbClr val="5C3D00">
+              <a:alpha val="40000"/>
+            </a:srgbClr>
+          </a:solidFill>
+          <a:ln>
+            <a:noFill/>
+          </a:ln>
+        </p:spPr>
+        <p:style>
+          <a:lnRef idx="0">
+            <a:scrgbClr r="0" g="0" b="0"/>
+          </a:lnRef>
+          <a:fillRef idx="0">
+            <a:scrgbClr r="0" g="0" b="0"/>
+          </a:fillRef>
+          <a:effectRef idx="0">
+            <a:scrgbClr r="0" g="0" b="0"/>
+          </a:effectRef>
+          <a:fontRef idx="minor">
+            <a:schemeClr val="lt1"/>
+          </a:fontRef>
+        </p:style>
+        <p:txBody>
+          <a:bodyPr rtlCol="0" anchor="ctr"/>
+          <a:lstStyle/>
+          <a:p>
+            <a:pPr algn="ctr"/>
+            <a:endParaRPr lang="en-US" sz="1050" dirty="0">
+              <a:solidFill>
+                <a:schemeClr val="accent1"/>
+              </a:solidFill>
+              <a:latin typeface="+mj-lt"/>
+            </a:endParaRPr>
+          </a:p>
+          <a:p>
+            <a:pPr algn="ctr"/>
+            <a:endParaRPr lang="en-US" sz="1050" dirty="0">
+              <a:solidFill>
+                <a:schemeClr val="accent1"/>
+              </a:solidFill>
+              <a:latin typeface="+mj-lt"/>
+            </a:endParaRPr>
+          </a:p>
+        </p:txBody>
+      </p:sp>
+      <p:sp>
+        <p:nvSpPr>
           <p:cNvPr id="113" name="Rectangle: Rounded Corners 112">
             <a:extLst>
               <a:ext uri="{FF2B5EF4-FFF2-40B4-BE49-F238E27FC236}">
@@ -5563,8 +5631,8 @@
         </p:nvSpPr>
         <p:spPr>
           <a:xfrm>
-            <a:off x="3659095" y="7505706"/>
-            <a:ext cx="3874524" cy="2307657"/>
+            <a:off x="3668620" y="7496181"/>
+            <a:ext cx="3874524" cy="2321210"/>
           </a:xfrm>
           <a:prstGeom prst="roundRect">
             <a:avLst>
@@ -5710,7 +5778,7 @@
             <p:nvPr>
               <p:extLst>
                 <p:ext uri="{D42A27DB-BD31-4B8C-83A1-F6EECF244321}">
-                  <p14:modId xmlns:p14="http://schemas.microsoft.com/office/powerpoint/2010/main" val="1966781254"/>
+                  <p14:modId xmlns:p14="http://schemas.microsoft.com/office/powerpoint/2010/main" val="398764298"/>
                 </p:ext>
               </p:extLst>
             </p:nvPr>
@@ -8207,6 +8275,237 @@
           </a:fontRef>
         </p:style>
       </p:cxnSp>
+      <p:sp>
+        <p:nvSpPr>
+          <p:cNvPr id="22" name="TextBox 21">
+            <a:extLst>
+              <a:ext uri="{FF2B5EF4-FFF2-40B4-BE49-F238E27FC236}">
+                <a16:creationId xmlns:a16="http://schemas.microsoft.com/office/drawing/2014/main" id="{F38C92AA-E76F-5FA1-25EB-FA3D999972D0}"/>
+              </a:ext>
+            </a:extLst>
+          </p:cNvPr>
+          <p:cNvSpPr txBox="1"/>
+          <p:nvPr/>
+        </p:nvSpPr>
+        <p:spPr>
+          <a:xfrm>
+            <a:off x="243652" y="3278080"/>
+            <a:ext cx="1505705" cy="4185761"/>
+          </a:xfrm>
+          <a:prstGeom prst="rect">
+            <a:avLst/>
+          </a:prstGeom>
+          <a:solidFill>
+            <a:schemeClr val="accent1"/>
+          </a:solidFill>
+        </p:spPr>
+        <p:txBody>
+          <a:bodyPr wrap="square" lIns="108000" rtlCol="0">
+            <a:spAutoFit/>
+          </a:bodyPr>
+          <a:lstStyle/>
+          <a:p>
+            <a:pPr algn="ctr"/>
+            <a:endParaRPr lang="en-US" sz="1400" dirty="0">
+              <a:solidFill>
+                <a:srgbClr val="DBE8D4"/>
+              </a:solidFill>
+              <a:latin typeface="+mj-lt"/>
+            </a:endParaRPr>
+          </a:p>
+          <a:p>
+            <a:pPr algn="ctr"/>
+            <a:endParaRPr lang="en-US" sz="1400" dirty="0">
+              <a:solidFill>
+                <a:srgbClr val="DBE8D4"/>
+              </a:solidFill>
+              <a:latin typeface="+mj-lt"/>
+            </a:endParaRPr>
+          </a:p>
+          <a:p>
+            <a:pPr algn="ctr"/>
+            <a:endParaRPr lang="en-US" sz="1400" dirty="0">
+              <a:solidFill>
+                <a:srgbClr val="DBE8D4"/>
+              </a:solidFill>
+              <a:latin typeface="+mj-lt"/>
+            </a:endParaRPr>
+          </a:p>
+          <a:p>
+            <a:pPr algn="ctr"/>
+            <a:endParaRPr lang="en-US" sz="1400" dirty="0">
+              <a:solidFill>
+                <a:srgbClr val="DBE8D4"/>
+              </a:solidFill>
+              <a:latin typeface="+mj-lt"/>
+            </a:endParaRPr>
+          </a:p>
+          <a:p>
+            <a:pPr algn="ctr"/>
+            <a:endParaRPr lang="en-US" sz="1400" dirty="0">
+              <a:solidFill>
+                <a:srgbClr val="DBE8D4"/>
+              </a:solidFill>
+              <a:latin typeface="+mj-lt"/>
+            </a:endParaRPr>
+          </a:p>
+          <a:p>
+            <a:pPr algn="ctr"/>
+            <a:endParaRPr lang="en-US" sz="1400" dirty="0">
+              <a:solidFill>
+                <a:srgbClr val="DBE8D4"/>
+              </a:solidFill>
+              <a:latin typeface="+mj-lt"/>
+            </a:endParaRPr>
+          </a:p>
+          <a:p>
+            <a:pPr algn="ctr"/>
+            <a:endParaRPr lang="en-US" sz="1400" dirty="0">
+              <a:solidFill>
+                <a:srgbClr val="DBE8D4"/>
+              </a:solidFill>
+              <a:latin typeface="+mj-lt"/>
+            </a:endParaRPr>
+          </a:p>
+          <a:p>
+            <a:pPr algn="ctr"/>
+            <a:endParaRPr lang="en-US" sz="1400" dirty="0">
+              <a:solidFill>
+                <a:srgbClr val="DBE8D4"/>
+              </a:solidFill>
+              <a:latin typeface="+mj-lt"/>
+            </a:endParaRPr>
+          </a:p>
+          <a:p>
+            <a:pPr algn="ctr"/>
+            <a:endParaRPr lang="en-US" sz="1400" dirty="0">
+              <a:solidFill>
+                <a:srgbClr val="DBE8D4"/>
+              </a:solidFill>
+              <a:latin typeface="+mj-lt"/>
+            </a:endParaRPr>
+          </a:p>
+          <a:p>
+            <a:pPr algn="ctr"/>
+            <a:endParaRPr lang="en-US" sz="1400" dirty="0">
+              <a:solidFill>
+                <a:srgbClr val="DBE8D4"/>
+              </a:solidFill>
+              <a:latin typeface="+mj-lt"/>
+            </a:endParaRPr>
+          </a:p>
+          <a:p>
+            <a:pPr algn="ctr"/>
+            <a:endParaRPr lang="en-US" sz="1400" dirty="0">
+              <a:solidFill>
+                <a:srgbClr val="DBE8D4"/>
+              </a:solidFill>
+              <a:latin typeface="+mj-lt"/>
+            </a:endParaRPr>
+          </a:p>
+          <a:p>
+            <a:pPr algn="ctr"/>
+            <a:endParaRPr lang="en-US" sz="1400" dirty="0">
+              <a:solidFill>
+                <a:srgbClr val="DBE8D4"/>
+              </a:solidFill>
+              <a:latin typeface="+mj-lt"/>
+            </a:endParaRPr>
+          </a:p>
+          <a:p>
+            <a:pPr algn="ctr"/>
+            <a:endParaRPr lang="en-US" sz="1400" dirty="0">
+              <a:solidFill>
+                <a:srgbClr val="DBE8D4"/>
+              </a:solidFill>
+              <a:latin typeface="+mj-lt"/>
+            </a:endParaRPr>
+          </a:p>
+          <a:p>
+            <a:pPr algn="ctr"/>
+            <a:endParaRPr lang="en-US" sz="1400" dirty="0">
+              <a:solidFill>
+                <a:srgbClr val="DBE8D4"/>
+              </a:solidFill>
+              <a:latin typeface="+mj-lt"/>
+            </a:endParaRPr>
+          </a:p>
+          <a:p>
+            <a:pPr algn="ctr"/>
+            <a:endParaRPr lang="en-US" sz="1400" dirty="0">
+              <a:solidFill>
+                <a:srgbClr val="DBE8D4"/>
+              </a:solidFill>
+              <a:latin typeface="+mj-lt"/>
+            </a:endParaRPr>
+          </a:p>
+          <a:p>
+            <a:pPr algn="ctr"/>
+            <a:endParaRPr lang="en-US" sz="1400" dirty="0">
+              <a:solidFill>
+                <a:srgbClr val="DBE8D4"/>
+              </a:solidFill>
+              <a:latin typeface="+mj-lt"/>
+            </a:endParaRPr>
+          </a:p>
+          <a:p>
+            <a:pPr algn="ctr"/>
+            <a:endParaRPr lang="en-US" sz="1400" dirty="0">
+              <a:solidFill>
+                <a:srgbClr val="DBE8D4"/>
+              </a:solidFill>
+              <a:latin typeface="+mj-lt"/>
+            </a:endParaRPr>
+          </a:p>
+          <a:p>
+            <a:pPr algn="ctr"/>
+            <a:endParaRPr lang="en-US" sz="1400" dirty="0">
+              <a:solidFill>
+                <a:srgbClr val="DBE8D4"/>
+              </a:solidFill>
+              <a:latin typeface="+mj-lt"/>
+            </a:endParaRPr>
+          </a:p>
+          <a:p>
+            <a:pPr algn="ctr"/>
+            <a:endParaRPr lang="en-US" sz="1400" dirty="0">
+              <a:solidFill>
+                <a:srgbClr val="DBE8D4"/>
+              </a:solidFill>
+              <a:latin typeface="+mj-lt"/>
+            </a:endParaRPr>
+          </a:p>
+        </p:txBody>
+      </p:sp>
+      <p:pic>
+        <p:nvPicPr>
+          <p:cNvPr id="20" name="Picture 19">
+            <a:extLst>
+              <a:ext uri="{FF2B5EF4-FFF2-40B4-BE49-F238E27FC236}">
+                <a16:creationId xmlns:a16="http://schemas.microsoft.com/office/drawing/2014/main" id="{3C682BCB-6604-5FAA-D8E5-D38EFDB8A58C}"/>
+              </a:ext>
+            </a:extLst>
+          </p:cNvPr>
+          <p:cNvPicPr>
+            <a:picLocks noChangeAspect="1"/>
+          </p:cNvPicPr>
+          <p:nvPr/>
+        </p:nvPicPr>
+        <p:blipFill rotWithShape="1">
+          <a:blip r:embed="rId25"/>
+          <a:srcRect l="1776"/>
+          <a:stretch/>
+        </p:blipFill>
+        <p:spPr>
+          <a:xfrm>
+            <a:off x="254020" y="3245329"/>
+            <a:ext cx="1497064" cy="4215804"/>
+          </a:xfrm>
+          <a:prstGeom prst="rect">
+            <a:avLst/>
+          </a:prstGeom>
+        </p:spPr>
+      </p:pic>
     </p:spTree>
     <p:extLst>
       <p:ext uri="{BB962C8B-B14F-4D97-AF65-F5344CB8AC3E}">

--- a/01_documentation/nps_poster.pptx
+++ b/01_documentation/nps_poster.pptx
@@ -8506,6 +8506,35 @@
           </a:prstGeom>
         </p:spPr>
       </p:pic>
+      <p:pic>
+        <p:nvPicPr>
+          <p:cNvPr id="14" name="Picture 13">
+            <a:extLst>
+              <a:ext uri="{FF2B5EF4-FFF2-40B4-BE49-F238E27FC236}">
+                <a16:creationId xmlns:a16="http://schemas.microsoft.com/office/drawing/2014/main" id="{B52ADDFC-43BB-86BE-7327-9AB1B0CDC3D5}"/>
+              </a:ext>
+            </a:extLst>
+          </p:cNvPr>
+          <p:cNvPicPr>
+            <a:picLocks noChangeAspect="1"/>
+          </p:cNvPicPr>
+          <p:nvPr/>
+        </p:nvPicPr>
+        <p:blipFill rotWithShape="1">
+          <a:blip r:embed="rId26"/>
+          <a:srcRect l="2580" t="275"/>
+          <a:stretch/>
+        </p:blipFill>
+        <p:spPr>
+          <a:xfrm>
+            <a:off x="260401" y="3257190"/>
+            <a:ext cx="1492213" cy="4185761"/>
+          </a:xfrm>
+          <a:prstGeom prst="rect">
+            <a:avLst/>
+          </a:prstGeom>
+        </p:spPr>
+      </p:pic>
     </p:spTree>
     <p:extLst>
       <p:ext uri="{BB962C8B-B14F-4D97-AF65-F5344CB8AC3E}">
@@ -9311,35 +9340,6 @@
 </file>
 
 <file path=customXml/item1.xml><?xml version="1.0" encoding="utf-8"?>
-<?mso-contentType ?>
-<FormTemplates xmlns="http://schemas.microsoft.com/sharepoint/v3/contenttype/forms">
-  <Display>DocumentLibraryForm</Display>
-  <Edit>DocumentLibraryForm</Edit>
-  <New>DocumentLibraryForm</New>
-</FormTemplates>
-</file>
-
-<file path=customXml/item2.xml><?xml version="1.0" encoding="utf-8"?>
-<p:properties xmlns:p="http://schemas.microsoft.com/office/2006/metadata/properties" xmlns:xsi="http://www.w3.org/2001/XMLSchema-instance" xmlns:pc="http://schemas.microsoft.com/office/infopath/2007/PartnerControls">
-  <documentManagement>
-    <_ip_UnifiedCompliancePolicyUIAction xmlns="http://schemas.microsoft.com/sharepoint/v3" xsi:nil="true"/>
-    <Image xmlns="71af3243-3dd4-4a8d-8c0d-dd76da1f02a5">
-      <Url xsi:nil="true"/>
-      <Description xsi:nil="true"/>
-    </Image>
-    <Status xmlns="71af3243-3dd4-4a8d-8c0d-dd76da1f02a5">Not started</Status>
-    <Background xmlns="71af3243-3dd4-4a8d-8c0d-dd76da1f02a5">false</Background>
-    <_ip_UnifiedCompliancePolicyProperties xmlns="http://schemas.microsoft.com/sharepoint/v3" xsi:nil="true"/>
-    <ImageTagsTaxHTField xmlns="71af3243-3dd4-4a8d-8c0d-dd76da1f02a5">
-      <Terms xmlns="http://schemas.microsoft.com/office/infopath/2007/PartnerControls"/>
-    </ImageTagsTaxHTField>
-    <TaxCatchAll xmlns="230e9df3-be65-4c73-a93b-d1236ebd677e" xsi:nil="true"/>
-    <MediaServiceKeyPoints xmlns="71af3243-3dd4-4a8d-8c0d-dd76da1f02a5" xsi:nil="true"/>
-  </documentManagement>
-</p:properties>
-</file>
-
-<file path=customXml/item3.xml><?xml version="1.0" encoding="utf-8"?>
 <ct:contentTypeSchema xmlns:ct="http://schemas.microsoft.com/office/2006/metadata/contentType" xmlns:ma="http://schemas.microsoft.com/office/2006/metadata/properties/metaAttributes" ct:_="" ma:_="" ma:contentTypeName="Document" ma:contentTypeID="0x01010079F111ED35F8CC479449609E8A0923A6" ma:contentTypeVersion="24" ma:contentTypeDescription="Create a new document." ma:contentTypeScope="" ma:versionID="2d714a3296df14eba7a100bb665443ca">
   <xsd:schema xmlns:xsd="http://www.w3.org/2001/XMLSchema" xmlns:xs="http://www.w3.org/2001/XMLSchema" xmlns:p="http://schemas.microsoft.com/office/2006/metadata/properties" xmlns:ns1="http://schemas.microsoft.com/sharepoint/v3" xmlns:ns2="71af3243-3dd4-4a8d-8c0d-dd76da1f02a5" xmlns:ns3="16c05727-aa75-4e4a-9b5f-8a80a1165891" xmlns:ns4="230e9df3-be65-4c73-a93b-d1236ebd677e" targetNamespace="http://schemas.microsoft.com/office/2006/metadata/properties" ma:root="true" ma:fieldsID="49549bf45bfbbfb6cffed527380e77e1" ns1:_="" ns2:_="" ns3:_="" ns4:_="">
     <xsd:import namespace="http://schemas.microsoft.com/sharepoint/v3"/>
@@ -9627,27 +9627,36 @@
 </ct:contentTypeSchema>
 </file>
 
-<file path=customXml/itemProps1.xml><?xml version="1.0" encoding="utf-8"?>
-<ds:datastoreItem xmlns:ds="http://schemas.openxmlformats.org/officeDocument/2006/customXml" ds:itemID="{ED504F61-D355-45F4-88A1-A506DA0E4DAD}">
-  <ds:schemaRefs>
-    <ds:schemaRef ds:uri="http://schemas.microsoft.com/sharepoint/v3/contenttype/forms"/>
-  </ds:schemaRefs>
-</ds:datastoreItem>
+<file path=customXml/item2.xml><?xml version="1.0" encoding="utf-8"?>
+<p:properties xmlns:p="http://schemas.microsoft.com/office/2006/metadata/properties" xmlns:xsi="http://www.w3.org/2001/XMLSchema-instance" xmlns:pc="http://schemas.microsoft.com/office/infopath/2007/PartnerControls">
+  <documentManagement>
+    <_ip_UnifiedCompliancePolicyUIAction xmlns="http://schemas.microsoft.com/sharepoint/v3" xsi:nil="true"/>
+    <Image xmlns="71af3243-3dd4-4a8d-8c0d-dd76da1f02a5">
+      <Url xsi:nil="true"/>
+      <Description xsi:nil="true"/>
+    </Image>
+    <Status xmlns="71af3243-3dd4-4a8d-8c0d-dd76da1f02a5">Not started</Status>
+    <Background xmlns="71af3243-3dd4-4a8d-8c0d-dd76da1f02a5">false</Background>
+    <_ip_UnifiedCompliancePolicyProperties xmlns="http://schemas.microsoft.com/sharepoint/v3" xsi:nil="true"/>
+    <ImageTagsTaxHTField xmlns="71af3243-3dd4-4a8d-8c0d-dd76da1f02a5">
+      <Terms xmlns="http://schemas.microsoft.com/office/infopath/2007/PartnerControls"/>
+    </ImageTagsTaxHTField>
+    <TaxCatchAll xmlns="230e9df3-be65-4c73-a93b-d1236ebd677e" xsi:nil="true"/>
+    <MediaServiceKeyPoints xmlns="71af3243-3dd4-4a8d-8c0d-dd76da1f02a5" xsi:nil="true"/>
+  </documentManagement>
+</p:properties>
 </file>
 
-<file path=customXml/itemProps2.xml><?xml version="1.0" encoding="utf-8"?>
-<ds:datastoreItem xmlns:ds="http://schemas.openxmlformats.org/officeDocument/2006/customXml" ds:itemID="{903CCD5C-1585-4363-9EFD-3AF69BA56376}">
-  <ds:schemaRefs>
-    <ds:schemaRef ds:uri="http://schemas.microsoft.com/office/2006/metadata/properties"/>
-    <ds:schemaRef ds:uri="http://schemas.microsoft.com/office/infopath/2007/PartnerControls"/>
-    <ds:schemaRef ds:uri="http://schemas.microsoft.com/sharepoint/v3"/>
-    <ds:schemaRef ds:uri="71af3243-3dd4-4a8d-8c0d-dd76da1f02a5"/>
-    <ds:schemaRef ds:uri="230e9df3-be65-4c73-a93b-d1236ebd677e"/>
-  </ds:schemaRefs>
-</ds:datastoreItem>
+<file path=customXml/item3.xml><?xml version="1.0" encoding="utf-8"?>
+<?mso-contentType ?>
+<FormTemplates xmlns="http://schemas.microsoft.com/sharepoint/v3/contenttype/forms">
+  <Display>DocumentLibraryForm</Display>
+  <Edit>DocumentLibraryForm</Edit>
+  <New>DocumentLibraryForm</New>
+</FormTemplates>
 </file>
 
-<file path=customXml/itemProps3.xml><?xml version="1.0" encoding="utf-8"?>
+<file path=customXml/itemProps1.xml><?xml version="1.0" encoding="utf-8"?>
 <ds:datastoreItem xmlns:ds="http://schemas.openxmlformats.org/officeDocument/2006/customXml" ds:itemID="{8966904C-BAED-4465-825E-748ECDB3F628}">
   <ds:schemaRefs>
     <ds:schemaRef ds:uri="http://schemas.microsoft.com/office/2006/metadata/contentType"/>
@@ -9666,4 +9675,24 @@
     <ds:schemaRef ds:uri="http://schemas.microsoft.com/internal/obd"/>
   </ds:schemaRefs>
 </ds:datastoreItem>
+</file>
+
+<file path=customXml/itemProps2.xml><?xml version="1.0" encoding="utf-8"?>
+<ds:datastoreItem xmlns:ds="http://schemas.openxmlformats.org/officeDocument/2006/customXml" ds:itemID="{903CCD5C-1585-4363-9EFD-3AF69BA56376}">
+  <ds:schemaRefs>
+    <ds:schemaRef ds:uri="http://schemas.microsoft.com/office/2006/metadata/properties"/>
+    <ds:schemaRef ds:uri="http://schemas.microsoft.com/office/infopath/2007/PartnerControls"/>
+    <ds:schemaRef ds:uri="http://schemas.microsoft.com/sharepoint/v3"/>
+    <ds:schemaRef ds:uri="71af3243-3dd4-4a8d-8c0d-dd76da1f02a5"/>
+    <ds:schemaRef ds:uri="230e9df3-be65-4c73-a93b-d1236ebd677e"/>
+  </ds:schemaRefs>
+</ds:datastoreItem>
+</file>
+
+<file path=customXml/itemProps3.xml><?xml version="1.0" encoding="utf-8"?>
+<ds:datastoreItem xmlns:ds="http://schemas.openxmlformats.org/officeDocument/2006/customXml" ds:itemID="{ED504F61-D355-45F4-88A1-A506DA0E4DAD}">
+  <ds:schemaRefs>
+    <ds:schemaRef ds:uri="http://schemas.microsoft.com/sharepoint/v3/contenttype/forms"/>
+  </ds:schemaRefs>
+</ds:datastoreItem>
 </file>
--- a/01_documentation/nps_poster.pptx
+++ b/01_documentation/nps_poster.pptx
@@ -3931,7 +3931,7 @@
           <a:p>
             <a:fld id="{BD56B3A9-68BD-4D54-A0BB-B455B6E4AFF4}" type="datetimeFigureOut">
               <a:rPr lang="en-US" smtClean="0"/>
-              <a:t>7/10/2024</a:t>
+              <a:t>7/11/2024</a:t>
             </a:fld>
             <a:endParaRPr lang="en-US" dirty="0"/>
           </a:p>
@@ -4108,7 +4108,7 @@
           <a:p>
             <a:fld id="{C55816F1-3F18-45AF-B31A-ADFF417588A1}" type="datetimeFigureOut">
               <a:rPr lang="en-US" smtClean="0"/>
-              <a:t>7/10/2024</a:t>
+              <a:t>7/11/2024</a:t>
             </a:fld>
             <a:endParaRPr lang="en-US" dirty="0"/>
           </a:p>
@@ -4915,7 +4915,7 @@
           <a:p>
             <a:fld id="{A8FAED0E-297D-480F-9176-00B6D6CDE081}" type="datetimeFigureOut">
               <a:rPr lang="en-US" noProof="0" smtClean="0"/>
-              <a:t>7/10/2024</a:t>
+              <a:t>7/11/2024</a:t>
             </a:fld>
             <a:endParaRPr lang="en-US" noProof="0" dirty="0"/>
           </a:p>
@@ -5551,72 +5551,470 @@
       </p:grpSpPr>
       <p:sp>
         <p:nvSpPr>
-          <p:cNvPr id="5" name="Rectangle: Rounded Corners 4">
+          <p:cNvPr id="104" name="TextBox 103">
             <a:extLst>
               <a:ext uri="{FF2B5EF4-FFF2-40B4-BE49-F238E27FC236}">
-                <a16:creationId xmlns:a16="http://schemas.microsoft.com/office/drawing/2014/main" id="{513C2097-B737-9E49-9609-F27FEABC1522}"/>
+                <a16:creationId xmlns:a16="http://schemas.microsoft.com/office/drawing/2014/main" id="{E42C462A-BB44-0343-DEDE-C36E1605FFD1}"/>
               </a:ext>
             </a:extLst>
           </p:cNvPr>
-          <p:cNvSpPr/>
+          <p:cNvSpPr txBox="1"/>
           <p:nvPr/>
         </p:nvSpPr>
         <p:spPr>
           <a:xfrm>
-            <a:off x="1797136" y="5139923"/>
-            <a:ext cx="1828801" cy="2321210"/>
+            <a:off x="1797136" y="7393779"/>
+            <a:ext cx="1828800" cy="307777"/>
           </a:xfrm>
-          <a:prstGeom prst="roundRect">
-            <a:avLst>
-              <a:gd name="adj" fmla="val 0"/>
-            </a:avLst>
+          <a:prstGeom prst="rect">
+            <a:avLst/>
           </a:prstGeom>
           <a:solidFill>
-            <a:srgbClr val="5C3D00">
-              <a:alpha val="40000"/>
-            </a:srgbClr>
+            <a:srgbClr val="65914D"/>
           </a:solidFill>
-          <a:ln>
-            <a:noFill/>
-          </a:ln>
         </p:spPr>
-        <p:style>
-          <a:lnRef idx="0">
-            <a:scrgbClr r="0" g="0" b="0"/>
-          </a:lnRef>
-          <a:fillRef idx="0">
-            <a:scrgbClr r="0" g="0" b="0"/>
-          </a:fillRef>
-          <a:effectRef idx="0">
-            <a:scrgbClr r="0" g="0" b="0"/>
-          </a:effectRef>
-          <a:fontRef idx="minor">
-            <a:schemeClr val="lt1"/>
-          </a:fontRef>
-        </p:style>
         <p:txBody>
-          <a:bodyPr rtlCol="0" anchor="ctr"/>
+          <a:bodyPr wrap="square" lIns="108000" rtlCol="0">
+            <a:spAutoFit/>
+          </a:bodyPr>
           <a:lstStyle/>
           <a:p>
             <a:pPr algn="ctr"/>
-            <a:endParaRPr lang="en-US" sz="1050" dirty="0">
+            <a:endParaRPr lang="en-US" sz="1400" dirty="0">
               <a:solidFill>
                 <a:schemeClr val="accent1"/>
               </a:solidFill>
               <a:latin typeface="+mj-lt"/>
             </a:endParaRPr>
           </a:p>
+        </p:txBody>
+      </p:sp>
+      <p:sp>
+        <p:nvSpPr>
+          <p:cNvPr id="103" name="TextBox 102">
+            <a:extLst>
+              <a:ext uri="{FF2B5EF4-FFF2-40B4-BE49-F238E27FC236}">
+                <a16:creationId xmlns:a16="http://schemas.microsoft.com/office/drawing/2014/main" id="{1DD52137-8DC2-0D0B-0AAB-80B0C2A9C6F7}"/>
+              </a:ext>
+            </a:extLst>
+          </p:cNvPr>
+          <p:cNvSpPr txBox="1"/>
+          <p:nvPr/>
+        </p:nvSpPr>
+        <p:spPr>
+          <a:xfrm>
+            <a:off x="1797136" y="4778230"/>
+            <a:ext cx="1828800" cy="2677656"/>
+          </a:xfrm>
+          <a:prstGeom prst="rect">
+            <a:avLst/>
+          </a:prstGeom>
+          <a:solidFill>
+            <a:srgbClr val="9EC18C"/>
+          </a:solidFill>
+        </p:spPr>
+        <p:txBody>
+          <a:bodyPr wrap="square" lIns="108000" rtlCol="0">
+            <a:spAutoFit/>
+          </a:bodyPr>
+          <a:lstStyle/>
           <a:p>
             <a:pPr algn="ctr"/>
-            <a:endParaRPr lang="en-US" sz="1050" dirty="0">
+            <a:endParaRPr lang="en-US" sz="1400" dirty="0">
               <a:solidFill>
                 <a:schemeClr val="accent1"/>
               </a:solidFill>
               <a:latin typeface="+mj-lt"/>
             </a:endParaRPr>
           </a:p>
+          <a:p>
+            <a:pPr algn="ctr"/>
+            <a:endParaRPr lang="en-US" sz="1400" dirty="0">
+              <a:solidFill>
+                <a:schemeClr val="accent1"/>
+              </a:solidFill>
+              <a:latin typeface="+mj-lt"/>
+            </a:endParaRPr>
+          </a:p>
+          <a:p>
+            <a:pPr algn="ctr"/>
+            <a:endParaRPr lang="en-US" sz="1400" dirty="0">
+              <a:solidFill>
+                <a:schemeClr val="accent1"/>
+              </a:solidFill>
+              <a:latin typeface="+mj-lt"/>
+            </a:endParaRPr>
+          </a:p>
+          <a:p>
+            <a:pPr algn="ctr"/>
+            <a:endParaRPr lang="en-US" sz="1400" dirty="0">
+              <a:solidFill>
+                <a:schemeClr val="accent1"/>
+              </a:solidFill>
+              <a:latin typeface="+mj-lt"/>
+            </a:endParaRPr>
+          </a:p>
+          <a:p>
+            <a:pPr algn="ctr"/>
+            <a:endParaRPr lang="en-US" sz="1400" dirty="0">
+              <a:solidFill>
+                <a:schemeClr val="accent1"/>
+              </a:solidFill>
+              <a:latin typeface="+mj-lt"/>
+            </a:endParaRPr>
+          </a:p>
+          <a:p>
+            <a:pPr algn="ctr"/>
+            <a:endParaRPr lang="en-US" sz="1400" dirty="0">
+              <a:solidFill>
+                <a:schemeClr val="accent1"/>
+              </a:solidFill>
+              <a:latin typeface="+mj-lt"/>
+            </a:endParaRPr>
+          </a:p>
+          <a:p>
+            <a:pPr algn="ctr"/>
+            <a:endParaRPr lang="en-US" sz="1400" dirty="0">
+              <a:solidFill>
+                <a:schemeClr val="accent1"/>
+              </a:solidFill>
+              <a:latin typeface="+mj-lt"/>
+            </a:endParaRPr>
+          </a:p>
+          <a:p>
+            <a:pPr algn="ctr"/>
+            <a:endParaRPr lang="en-US" sz="1400" dirty="0">
+              <a:solidFill>
+                <a:schemeClr val="accent1"/>
+              </a:solidFill>
+              <a:latin typeface="+mj-lt"/>
+            </a:endParaRPr>
+          </a:p>
+          <a:p>
+            <a:pPr algn="ctr"/>
+            <a:endParaRPr lang="en-US" sz="1400" dirty="0">
+              <a:solidFill>
+                <a:schemeClr val="accent1"/>
+              </a:solidFill>
+              <a:latin typeface="+mj-lt"/>
+            </a:endParaRPr>
+          </a:p>
+          <a:p>
+            <a:pPr algn="ctr"/>
+            <a:endParaRPr lang="en-US" sz="1400" dirty="0">
+              <a:solidFill>
+                <a:schemeClr val="accent1"/>
+              </a:solidFill>
+              <a:latin typeface="+mj-lt"/>
+            </a:endParaRPr>
+          </a:p>
+          <a:p>
+            <a:pPr algn="ctr"/>
+            <a:endParaRPr lang="en-US" sz="1400" dirty="0">
+              <a:solidFill>
+                <a:schemeClr val="accent1"/>
+              </a:solidFill>
+              <a:latin typeface="+mj-lt"/>
+            </a:endParaRPr>
+          </a:p>
+          <a:p>
+            <a:pPr algn="ctr"/>
+            <a:endParaRPr lang="en-US" sz="1400" dirty="0">
+              <a:solidFill>
+                <a:schemeClr val="accent1"/>
+              </a:solidFill>
+              <a:latin typeface="+mj-lt"/>
+            </a:endParaRPr>
+          </a:p>
         </p:txBody>
       </p:sp>
+      <p:sp>
+        <p:nvSpPr>
+          <p:cNvPr id="102" name="TextBox 101">
+            <a:extLst>
+              <a:ext uri="{FF2B5EF4-FFF2-40B4-BE49-F238E27FC236}">
+                <a16:creationId xmlns:a16="http://schemas.microsoft.com/office/drawing/2014/main" id="{3FB461EB-8816-341C-6776-C446B3AD1C78}"/>
+              </a:ext>
+            </a:extLst>
+          </p:cNvPr>
+          <p:cNvSpPr txBox="1"/>
+          <p:nvPr/>
+        </p:nvSpPr>
+        <p:spPr>
+          <a:xfrm>
+            <a:off x="1797136" y="3076179"/>
+            <a:ext cx="1828800" cy="307777"/>
+          </a:xfrm>
+          <a:prstGeom prst="rect">
+            <a:avLst/>
+          </a:prstGeom>
+          <a:solidFill>
+            <a:srgbClr val="65914D"/>
+          </a:solidFill>
+        </p:spPr>
+        <p:txBody>
+          <a:bodyPr wrap="square" lIns="108000" rtlCol="0">
+            <a:spAutoFit/>
+          </a:bodyPr>
+          <a:lstStyle/>
+          <a:p>
+            <a:pPr algn="ctr"/>
+            <a:endParaRPr lang="en-US" sz="1400" dirty="0">
+              <a:solidFill>
+                <a:schemeClr val="accent1"/>
+              </a:solidFill>
+              <a:latin typeface="+mj-lt"/>
+            </a:endParaRPr>
+          </a:p>
+        </p:txBody>
+      </p:sp>
+      <p:sp>
+        <p:nvSpPr>
+          <p:cNvPr id="101" name="TextBox 100">
+            <a:extLst>
+              <a:ext uri="{FF2B5EF4-FFF2-40B4-BE49-F238E27FC236}">
+                <a16:creationId xmlns:a16="http://schemas.microsoft.com/office/drawing/2014/main" id="{07DE1BE9-EA02-637A-6AD0-B974A15D81F9}"/>
+              </a:ext>
+            </a:extLst>
+          </p:cNvPr>
+          <p:cNvSpPr txBox="1"/>
+          <p:nvPr/>
+        </p:nvSpPr>
+        <p:spPr>
+          <a:xfrm>
+            <a:off x="1799642" y="3110990"/>
+            <a:ext cx="1828800" cy="2246769"/>
+          </a:xfrm>
+          <a:prstGeom prst="rect">
+            <a:avLst/>
+          </a:prstGeom>
+          <a:solidFill>
+            <a:srgbClr val="DBE8D4"/>
+          </a:solidFill>
+        </p:spPr>
+        <p:txBody>
+          <a:bodyPr wrap="square" lIns="108000" rtlCol="0">
+            <a:spAutoFit/>
+          </a:bodyPr>
+          <a:lstStyle/>
+          <a:p>
+            <a:pPr algn="ctr"/>
+            <a:endParaRPr lang="en-US" sz="1400" dirty="0">
+              <a:solidFill>
+                <a:schemeClr val="accent1"/>
+              </a:solidFill>
+              <a:latin typeface="+mj-lt"/>
+            </a:endParaRPr>
+          </a:p>
+          <a:p>
+            <a:pPr algn="ctr"/>
+            <a:endParaRPr lang="en-US" sz="1400" dirty="0">
+              <a:solidFill>
+                <a:schemeClr val="accent1"/>
+              </a:solidFill>
+              <a:latin typeface="+mj-lt"/>
+            </a:endParaRPr>
+          </a:p>
+          <a:p>
+            <a:pPr algn="ctr"/>
+            <a:endParaRPr lang="en-US" sz="1400" dirty="0">
+              <a:solidFill>
+                <a:schemeClr val="accent1"/>
+              </a:solidFill>
+              <a:latin typeface="+mj-lt"/>
+            </a:endParaRPr>
+          </a:p>
+          <a:p>
+            <a:pPr algn="ctr"/>
+            <a:endParaRPr lang="en-US" sz="1400" dirty="0">
+              <a:solidFill>
+                <a:schemeClr val="accent1"/>
+              </a:solidFill>
+              <a:latin typeface="+mj-lt"/>
+            </a:endParaRPr>
+          </a:p>
+          <a:p>
+            <a:pPr algn="ctr"/>
+            <a:endParaRPr lang="en-US" sz="1400" dirty="0">
+              <a:solidFill>
+                <a:schemeClr val="accent1"/>
+              </a:solidFill>
+              <a:latin typeface="+mj-lt"/>
+            </a:endParaRPr>
+          </a:p>
+          <a:p>
+            <a:pPr algn="ctr"/>
+            <a:endParaRPr lang="en-US" sz="1400" dirty="0">
+              <a:solidFill>
+                <a:schemeClr val="accent1"/>
+              </a:solidFill>
+              <a:latin typeface="+mj-lt"/>
+            </a:endParaRPr>
+          </a:p>
+          <a:p>
+            <a:pPr algn="ctr"/>
+            <a:endParaRPr lang="en-US" sz="1400" dirty="0">
+              <a:solidFill>
+                <a:schemeClr val="accent1"/>
+              </a:solidFill>
+              <a:latin typeface="+mj-lt"/>
+            </a:endParaRPr>
+          </a:p>
+          <a:p>
+            <a:pPr algn="ctr"/>
+            <a:endParaRPr lang="en-US" sz="1400" dirty="0">
+              <a:solidFill>
+                <a:schemeClr val="accent1"/>
+              </a:solidFill>
+              <a:latin typeface="+mj-lt"/>
+            </a:endParaRPr>
+          </a:p>
+          <a:p>
+            <a:pPr algn="ctr"/>
+            <a:endParaRPr lang="en-US" sz="1400" dirty="0">
+              <a:solidFill>
+                <a:schemeClr val="accent1"/>
+              </a:solidFill>
+              <a:latin typeface="+mj-lt"/>
+            </a:endParaRPr>
+          </a:p>
+          <a:p>
+            <a:pPr algn="ctr"/>
+            <a:endParaRPr lang="en-US" sz="1400" dirty="0">
+              <a:solidFill>
+                <a:schemeClr val="accent1"/>
+              </a:solidFill>
+              <a:latin typeface="+mj-lt"/>
+            </a:endParaRPr>
+          </a:p>
+        </p:txBody>
+      </p:sp>
+      <p:grpSp>
+        <p:nvGrpSpPr>
+          <p:cNvPr id="41" name="Group 40">
+            <a:extLst>
+              <a:ext uri="{FF2B5EF4-FFF2-40B4-BE49-F238E27FC236}">
+                <a16:creationId xmlns:a16="http://schemas.microsoft.com/office/drawing/2014/main" id="{BCE3E5E6-573C-AC2D-3734-D764325C5830}"/>
+              </a:ext>
+            </a:extLst>
+          </p:cNvPr>
+          <p:cNvGrpSpPr/>
+          <p:nvPr/>
+        </p:nvGrpSpPr>
+        <p:grpSpPr>
+          <a:xfrm>
+            <a:off x="4317645" y="2709280"/>
+            <a:ext cx="1357337" cy="1385340"/>
+            <a:chOff x="1979259" y="3440671"/>
+            <a:chExt cx="1357337" cy="1385340"/>
+          </a:xfrm>
+        </p:grpSpPr>
+        <p:sp>
+          <p:nvSpPr>
+            <p:cNvPr id="115" name="TextBox 114">
+              <a:extLst>
+                <a:ext uri="{FF2B5EF4-FFF2-40B4-BE49-F238E27FC236}">
+                  <a16:creationId xmlns:a16="http://schemas.microsoft.com/office/drawing/2014/main" id="{F9D7F3CC-0927-4309-8780-07862B295094}"/>
+                </a:ext>
+              </a:extLst>
+            </p:cNvPr>
+            <p:cNvSpPr txBox="1"/>
+            <p:nvPr/>
+          </p:nvSpPr>
+          <p:spPr>
+            <a:xfrm>
+              <a:off x="2059237" y="3440671"/>
+              <a:ext cx="1172583" cy="1001871"/>
+            </a:xfrm>
+            <a:prstGeom prst="rect">
+              <a:avLst/>
+            </a:prstGeom>
+            <a:noFill/>
+          </p:spPr>
+          <p:txBody>
+            <a:bodyPr wrap="square" lIns="0" tIns="0" rIns="0" bIns="0" rtlCol="0">
+              <a:noAutofit/>
+            </a:bodyPr>
+            <a:lstStyle/>
+            <a:p>
+              <a:pPr>
+                <a:lnSpc>
+                  <a:spcPts val="10500"/>
+                </a:lnSpc>
+              </a:pPr>
+              <a:r>
+                <a:rPr lang="en-US" sz="6600" b="1" spc="-150" dirty="0">
+                  <a:solidFill>
+                    <a:schemeClr val="accent2"/>
+                  </a:solidFill>
+                  <a:latin typeface="+mj-lt"/>
+                </a:rPr>
+                <a:t>82</a:t>
+              </a:r>
+              <a:r>
+                <a:rPr lang="en-US" sz="3200" b="1" spc="-150" dirty="0">
+                  <a:solidFill>
+                    <a:schemeClr val="accent2"/>
+                  </a:solidFill>
+                  <a:latin typeface="+mj-lt"/>
+                </a:rPr>
+                <a:t>k</a:t>
+              </a:r>
+              <a:r>
+                <a:rPr lang="en-US" sz="6600" b="1" spc="-150" dirty="0">
+                  <a:solidFill>
+                    <a:schemeClr val="accent2"/>
+                  </a:solidFill>
+                  <a:latin typeface="+mj-lt"/>
+                </a:rPr>
+                <a:t> </a:t>
+              </a:r>
+            </a:p>
+          </p:txBody>
+        </p:sp>
+        <p:sp>
+          <p:nvSpPr>
+            <p:cNvPr id="38" name="TextBox 37">
+              <a:extLst>
+                <a:ext uri="{FF2B5EF4-FFF2-40B4-BE49-F238E27FC236}">
+                  <a16:creationId xmlns:a16="http://schemas.microsoft.com/office/drawing/2014/main" id="{54692157-A406-37E1-0BCE-5ED54D74D482}"/>
+                </a:ext>
+              </a:extLst>
+            </p:cNvPr>
+            <p:cNvSpPr txBox="1"/>
+            <p:nvPr/>
+          </p:nvSpPr>
+          <p:spPr>
+            <a:xfrm>
+              <a:off x="1979259" y="4364346"/>
+              <a:ext cx="1357337" cy="461665"/>
+            </a:xfrm>
+            <a:prstGeom prst="rect">
+              <a:avLst/>
+            </a:prstGeom>
+            <a:noFill/>
+          </p:spPr>
+          <p:txBody>
+            <a:bodyPr wrap="square">
+              <a:spAutoFit/>
+            </a:bodyPr>
+            <a:lstStyle/>
+            <a:p>
+              <a:pPr algn="ctr"/>
+              <a:r>
+                <a:rPr lang="en-US" sz="2400" b="1" spc="-150" dirty="0">
+                  <a:solidFill>
+                    <a:schemeClr val="accent2"/>
+                  </a:solidFill>
+                  <a:latin typeface="+mj-lt"/>
+                </a:rPr>
+                <a:t>Queries</a:t>
+              </a:r>
+              <a:endParaRPr lang="en-US" dirty="0"/>
+            </a:p>
+          </p:txBody>
+        </p:sp>
+      </p:grpSp>
       <p:sp>
         <p:nvSpPr>
           <p:cNvPr id="113" name="Rectangle: Rounded Corners 112">
@@ -6533,8 +6931,8 @@
         </p:nvSpPr>
         <p:spPr>
           <a:xfrm>
-            <a:off x="1903329" y="1636745"/>
-            <a:ext cx="1571276" cy="1814237"/>
+            <a:off x="1885482" y="1554196"/>
+            <a:ext cx="1700299" cy="590643"/>
           </a:xfrm>
           <a:prstGeom prst="rect">
             <a:avLst/>
@@ -6553,128 +6951,35 @@
                   <a:schemeClr val="bg1"/>
                 </a:solidFill>
               </a:rPr>
-              <a:t>[Filler text]Our group has begun the process of creating </a:t>
+              <a:t>Synthetic queries were developed to represent questions that users may ask in association with five NPS API endpoint. </a:t>
             </a:r>
-            <a:r>
-              <a:rPr lang="en-US" sz="900" dirty="0" err="1">
-                <a:solidFill>
-                  <a:schemeClr val="bg1"/>
-                </a:solidFill>
-              </a:rPr>
-              <a:t>ParkPal</a:t>
-            </a:r>
-            <a:r>
-              <a:rPr lang="en-US" sz="900" dirty="0">
-                <a:solidFill>
-                  <a:schemeClr val="bg1"/>
-                </a:solidFill>
-              </a:rPr>
-              <a:t>, a chatbot based on the National Park Service’s (NPS) API data. The data provided by NPS is publicly available and includes information on a variety of park related topics such as addresses, fees, park alerts, amenities and activities. </a:t>
-            </a:r>
+          </a:p>
+          <a:p>
+            <a:endParaRPr lang="en-US" sz="900" dirty="0">
+              <a:solidFill>
+                <a:schemeClr val="bg1"/>
+              </a:solidFill>
+            </a:endParaRPr>
+          </a:p>
+          <a:p>
+            <a:endParaRPr lang="en-US" sz="900" dirty="0">
+              <a:solidFill>
+                <a:schemeClr val="bg1"/>
+              </a:solidFill>
+            </a:endParaRPr>
+          </a:p>
+          <a:p>
+            <a:endParaRPr lang="en-US" sz="900" dirty="0">
+              <a:solidFill>
+                <a:schemeClr val="bg1"/>
+              </a:solidFill>
+            </a:endParaRPr>
+          </a:p>
+          <a:p>
             <a:endParaRPr lang="en-US" sz="900" noProof="1">
               <a:solidFill>
                 <a:schemeClr val="bg1"/>
               </a:solidFill>
-            </a:endParaRPr>
-          </a:p>
-        </p:txBody>
-      </p:sp>
-      <p:sp>
-        <p:nvSpPr>
-          <p:cNvPr id="6" name="TextBox 5">
-            <a:extLst>
-              <a:ext uri="{FF2B5EF4-FFF2-40B4-BE49-F238E27FC236}">
-                <a16:creationId xmlns:a16="http://schemas.microsoft.com/office/drawing/2014/main" id="{0801842D-AB79-DB7C-3AF1-DC98D3550A0E}"/>
-              </a:ext>
-            </a:extLst>
-          </p:cNvPr>
-          <p:cNvSpPr txBox="1"/>
-          <p:nvPr/>
-        </p:nvSpPr>
-        <p:spPr>
-          <a:xfrm>
-            <a:off x="1797137" y="1239964"/>
-            <a:ext cx="1828800" cy="307777"/>
-          </a:xfrm>
-          <a:prstGeom prst="rect">
-            <a:avLst/>
-          </a:prstGeom>
-          <a:solidFill>
-            <a:schemeClr val="accent2"/>
-          </a:solidFill>
-        </p:spPr>
-        <p:txBody>
-          <a:bodyPr wrap="square" lIns="108000" rtlCol="0">
-            <a:spAutoFit/>
-          </a:bodyPr>
-          <a:lstStyle/>
-          <a:p>
-            <a:pPr algn="ctr"/>
-            <a:r>
-              <a:rPr lang="en-US" sz="1400" dirty="0">
-                <a:solidFill>
-                  <a:schemeClr val="accent1"/>
-                </a:solidFill>
-                <a:latin typeface="+mj-lt"/>
-              </a:rPr>
-              <a:t>OpenAI GPT</a:t>
-            </a:r>
-          </a:p>
-        </p:txBody>
-      </p:sp>
-      <p:sp>
-        <p:nvSpPr>
-          <p:cNvPr id="12" name="TextBox 11">
-            <a:extLst>
-              <a:ext uri="{FF2B5EF4-FFF2-40B4-BE49-F238E27FC236}">
-                <a16:creationId xmlns:a16="http://schemas.microsoft.com/office/drawing/2014/main" id="{A696564C-93BE-06BB-1860-8F4F630CEA96}"/>
-              </a:ext>
-            </a:extLst>
-          </p:cNvPr>
-          <p:cNvSpPr txBox="1"/>
-          <p:nvPr/>
-        </p:nvSpPr>
-        <p:spPr>
-          <a:xfrm>
-            <a:off x="1797137" y="5106598"/>
-            <a:ext cx="1828800" cy="307777"/>
-          </a:xfrm>
-          <a:prstGeom prst="rect">
-            <a:avLst/>
-          </a:prstGeom>
-          <a:solidFill>
-            <a:schemeClr val="accent1">
-              <a:lumMod val="50000"/>
-            </a:schemeClr>
-          </a:solidFill>
-        </p:spPr>
-        <p:txBody>
-          <a:bodyPr wrap="square" lIns="108000" rtlCol="0">
-            <a:spAutoFit/>
-          </a:bodyPr>
-          <a:lstStyle/>
-          <a:p>
-            <a:pPr algn="ctr"/>
-            <a:r>
-              <a:rPr lang="en-US" sz="1400" dirty="0" err="1">
-                <a:solidFill>
-                  <a:schemeClr val="accent2">
-                    <a:lumMod val="10000"/>
-                    <a:lumOff val="90000"/>
-                  </a:schemeClr>
-                </a:solidFill>
-                <a:latin typeface="+mj-lt"/>
-              </a:rPr>
-              <a:t>SpaCy</a:t>
-            </a:r>
-            <a:endParaRPr lang="en-US" sz="1400" dirty="0">
-              <a:solidFill>
-                <a:schemeClr val="accent2">
-                  <a:lumMod val="10000"/>
-                  <a:lumOff val="90000"/>
-                </a:schemeClr>
-              </a:solidFill>
-              <a:latin typeface="+mj-lt"/>
             </a:endParaRPr>
           </a:p>
         </p:txBody>
@@ -7988,7 +8293,7 @@
         </p:nvSpPr>
         <p:spPr>
           <a:xfrm>
-            <a:off x="2017762" y="5536684"/>
+            <a:off x="1993268" y="5716124"/>
             <a:ext cx="1404000" cy="504000"/>
           </a:xfrm>
           <a:prstGeom prst="rect">
@@ -8535,6 +8840,298 @@
           </a:prstGeom>
         </p:spPr>
       </p:pic>
+      <p:sp>
+        <p:nvSpPr>
+          <p:cNvPr id="46" name="TextBox 45">
+            <a:extLst>
+              <a:ext uri="{FF2B5EF4-FFF2-40B4-BE49-F238E27FC236}">
+                <a16:creationId xmlns:a16="http://schemas.microsoft.com/office/drawing/2014/main" id="{79F938FD-6A13-C577-E29D-3145BACE8D41}"/>
+              </a:ext>
+            </a:extLst>
+          </p:cNvPr>
+          <p:cNvSpPr txBox="1"/>
+          <p:nvPr/>
+        </p:nvSpPr>
+        <p:spPr>
+          <a:xfrm>
+            <a:off x="1797134" y="2040719"/>
+            <a:ext cx="1060365" cy="784830"/>
+          </a:xfrm>
+          <a:prstGeom prst="rect">
+            <a:avLst/>
+          </a:prstGeom>
+          <a:noFill/>
+        </p:spPr>
+        <p:txBody>
+          <a:bodyPr wrap="square" rtlCol="0">
+            <a:spAutoFit/>
+          </a:bodyPr>
+          <a:lstStyle/>
+          <a:p>
+            <a:r>
+              <a:rPr lang="en-US" sz="900" dirty="0">
+                <a:solidFill>
+                  <a:schemeClr val="bg1"/>
+                </a:solidFill>
+              </a:rPr>
+              <a:t>The team used an 80/20 split to create test &amp; validation data. Separate queries</a:t>
+            </a:r>
+            <a:endParaRPr lang="en-US" dirty="0"/>
+          </a:p>
+        </p:txBody>
+      </p:sp>
+      <p:sp>
+        <p:nvSpPr>
+          <p:cNvPr id="48" name="TextBox 47">
+            <a:extLst>
+              <a:ext uri="{FF2B5EF4-FFF2-40B4-BE49-F238E27FC236}">
+                <a16:creationId xmlns:a16="http://schemas.microsoft.com/office/drawing/2014/main" id="{DF4C6C33-D5C6-3910-64CA-5A3DB139DEFA}"/>
+              </a:ext>
+            </a:extLst>
+          </p:cNvPr>
+          <p:cNvSpPr txBox="1"/>
+          <p:nvPr/>
+        </p:nvSpPr>
+        <p:spPr>
+          <a:xfrm>
+            <a:off x="1797135" y="2723449"/>
+            <a:ext cx="1796266" cy="369332"/>
+          </a:xfrm>
+          <a:prstGeom prst="rect">
+            <a:avLst/>
+          </a:prstGeom>
+          <a:noFill/>
+        </p:spPr>
+        <p:txBody>
+          <a:bodyPr wrap="square">
+            <a:spAutoFit/>
+          </a:bodyPr>
+          <a:lstStyle/>
+          <a:p>
+            <a:r>
+              <a:rPr lang="en-US" sz="900" dirty="0">
+                <a:solidFill>
+                  <a:schemeClr val="bg1"/>
+                </a:solidFill>
+              </a:rPr>
+              <a:t>were developed for evaluating the models to prevent data leakage.</a:t>
+            </a:r>
+          </a:p>
+        </p:txBody>
+      </p:sp>
+      <p:pic>
+        <p:nvPicPr>
+          <p:cNvPr id="62" name="Picture 61">
+            <a:extLst>
+              <a:ext uri="{FF2B5EF4-FFF2-40B4-BE49-F238E27FC236}">
+                <a16:creationId xmlns:a16="http://schemas.microsoft.com/office/drawing/2014/main" id="{8A6CFBE3-C564-621E-D86F-8393D0918BE6}"/>
+              </a:ext>
+            </a:extLst>
+          </p:cNvPr>
+          <p:cNvPicPr>
+            <a:picLocks noChangeAspect="1"/>
+          </p:cNvPicPr>
+          <p:nvPr/>
+        </p:nvPicPr>
+        <p:blipFill>
+          <a:blip r:embed="rId27"/>
+          <a:stretch>
+            <a:fillRect/>
+          </a:stretch>
+        </p:blipFill>
+        <p:spPr>
+          <a:xfrm>
+            <a:off x="2752725" y="2025254"/>
+            <a:ext cx="872983" cy="695546"/>
+          </a:xfrm>
+          <a:prstGeom prst="rect">
+            <a:avLst/>
+          </a:prstGeom>
+        </p:spPr>
+      </p:pic>
+      <p:sp>
+        <p:nvSpPr>
+          <p:cNvPr id="98" name="TextBox 97">
+            <a:extLst>
+              <a:ext uri="{FF2B5EF4-FFF2-40B4-BE49-F238E27FC236}">
+                <a16:creationId xmlns:a16="http://schemas.microsoft.com/office/drawing/2014/main" id="{21B91271-2857-BF00-2301-54308BFE8EB9}"/>
+              </a:ext>
+            </a:extLst>
+          </p:cNvPr>
+          <p:cNvSpPr txBox="1"/>
+          <p:nvPr/>
+        </p:nvSpPr>
+        <p:spPr>
+          <a:xfrm>
+            <a:off x="1797136" y="3112573"/>
+            <a:ext cx="1828800" cy="307777"/>
+          </a:xfrm>
+          <a:prstGeom prst="rect">
+            <a:avLst/>
+          </a:prstGeom>
+          <a:solidFill>
+            <a:schemeClr val="accent1">
+              <a:lumMod val="75000"/>
+            </a:schemeClr>
+          </a:solidFill>
+        </p:spPr>
+        <p:txBody>
+          <a:bodyPr wrap="square" lIns="108000" rtlCol="0">
+            <a:spAutoFit/>
+          </a:bodyPr>
+          <a:lstStyle/>
+          <a:p>
+            <a:pPr algn="ctr"/>
+            <a:r>
+              <a:rPr lang="en-US" sz="1400" dirty="0">
+                <a:solidFill>
+                  <a:schemeClr val="accent2"/>
+                </a:solidFill>
+                <a:latin typeface="+mj-lt"/>
+              </a:rPr>
+              <a:t>OpenAI GPT</a:t>
+            </a:r>
+          </a:p>
+        </p:txBody>
+      </p:sp>
+      <p:sp>
+        <p:nvSpPr>
+          <p:cNvPr id="105" name="TextBox 104">
+            <a:extLst>
+              <a:ext uri="{FF2B5EF4-FFF2-40B4-BE49-F238E27FC236}">
+                <a16:creationId xmlns:a16="http://schemas.microsoft.com/office/drawing/2014/main" id="{7A3CFEA0-47C5-DC52-B269-1249EAC0137B}"/>
+              </a:ext>
+            </a:extLst>
+          </p:cNvPr>
+          <p:cNvSpPr txBox="1"/>
+          <p:nvPr/>
+        </p:nvSpPr>
+        <p:spPr>
+          <a:xfrm>
+            <a:off x="1797136" y="5266451"/>
+            <a:ext cx="1828800" cy="307777"/>
+          </a:xfrm>
+          <a:prstGeom prst="rect">
+            <a:avLst/>
+          </a:prstGeom>
+          <a:solidFill>
+            <a:srgbClr val="65914D"/>
+          </a:solidFill>
+        </p:spPr>
+        <p:txBody>
+          <a:bodyPr wrap="square" lIns="108000" rtlCol="0">
+            <a:spAutoFit/>
+          </a:bodyPr>
+          <a:lstStyle/>
+          <a:p>
+            <a:pPr algn="ctr"/>
+            <a:endParaRPr lang="en-US" sz="1400" dirty="0">
+              <a:solidFill>
+                <a:schemeClr val="accent1"/>
+              </a:solidFill>
+              <a:latin typeface="+mj-lt"/>
+            </a:endParaRPr>
+          </a:p>
+        </p:txBody>
+      </p:sp>
+      <p:sp>
+        <p:nvSpPr>
+          <p:cNvPr id="99" name="TextBox 98">
+            <a:extLst>
+              <a:ext uri="{FF2B5EF4-FFF2-40B4-BE49-F238E27FC236}">
+                <a16:creationId xmlns:a16="http://schemas.microsoft.com/office/drawing/2014/main" id="{42743997-3378-A0A7-A67F-A2B17CA854DA}"/>
+              </a:ext>
+            </a:extLst>
+          </p:cNvPr>
+          <p:cNvSpPr txBox="1"/>
+          <p:nvPr/>
+        </p:nvSpPr>
+        <p:spPr>
+          <a:xfrm>
+            <a:off x="1797136" y="1239139"/>
+            <a:ext cx="1828800" cy="307777"/>
+          </a:xfrm>
+          <a:prstGeom prst="rect">
+            <a:avLst/>
+          </a:prstGeom>
+          <a:solidFill>
+            <a:schemeClr val="accent2"/>
+          </a:solidFill>
+        </p:spPr>
+        <p:txBody>
+          <a:bodyPr wrap="square" lIns="108000" rtlCol="0">
+            <a:spAutoFit/>
+          </a:bodyPr>
+          <a:lstStyle/>
+          <a:p>
+            <a:pPr algn="ctr"/>
+            <a:r>
+              <a:rPr lang="en-US" sz="1400" dirty="0">
+                <a:solidFill>
+                  <a:schemeClr val="accent2">
+                    <a:lumMod val="10000"/>
+                    <a:lumOff val="90000"/>
+                  </a:schemeClr>
+                </a:solidFill>
+                <a:latin typeface="+mj-lt"/>
+              </a:rPr>
+              <a:t>Synthetic Data</a:t>
+            </a:r>
+          </a:p>
+        </p:txBody>
+      </p:sp>
+      <p:sp>
+        <p:nvSpPr>
+          <p:cNvPr id="6" name="TextBox 5">
+            <a:extLst>
+              <a:ext uri="{FF2B5EF4-FFF2-40B4-BE49-F238E27FC236}">
+                <a16:creationId xmlns:a16="http://schemas.microsoft.com/office/drawing/2014/main" id="{0801842D-AB79-DB7C-3AF1-DC98D3550A0E}"/>
+              </a:ext>
+            </a:extLst>
+          </p:cNvPr>
+          <p:cNvSpPr txBox="1"/>
+          <p:nvPr/>
+        </p:nvSpPr>
+        <p:spPr>
+          <a:xfrm>
+            <a:off x="1798033" y="5305162"/>
+            <a:ext cx="1828800" cy="307777"/>
+          </a:xfrm>
+          <a:prstGeom prst="rect">
+            <a:avLst/>
+          </a:prstGeom>
+          <a:solidFill>
+            <a:schemeClr val="accent2"/>
+          </a:solidFill>
+        </p:spPr>
+        <p:txBody>
+          <a:bodyPr wrap="square" lIns="108000" rtlCol="0">
+            <a:spAutoFit/>
+          </a:bodyPr>
+          <a:lstStyle/>
+          <a:p>
+            <a:pPr algn="ctr"/>
+            <a:r>
+              <a:rPr lang="en-US" sz="1400" dirty="0" err="1">
+                <a:solidFill>
+                  <a:schemeClr val="accent2">
+                    <a:lumMod val="10000"/>
+                    <a:lumOff val="90000"/>
+                  </a:schemeClr>
+                </a:solidFill>
+                <a:latin typeface="+mj-lt"/>
+              </a:rPr>
+              <a:t>SpaCy</a:t>
+            </a:r>
+            <a:endParaRPr lang="en-US" sz="1400" dirty="0">
+              <a:solidFill>
+                <a:schemeClr val="accent1"/>
+              </a:solidFill>
+              <a:latin typeface="+mj-lt"/>
+            </a:endParaRPr>
+          </a:p>
+        </p:txBody>
+      </p:sp>
     </p:spTree>
     <p:extLst>
       <p:ext uri="{BB962C8B-B14F-4D97-AF65-F5344CB8AC3E}">
@@ -9340,6 +9937,26 @@
 </file>
 
 <file path=customXml/item1.xml><?xml version="1.0" encoding="utf-8"?>
+<p:properties xmlns:p="http://schemas.microsoft.com/office/2006/metadata/properties" xmlns:xsi="http://www.w3.org/2001/XMLSchema-instance" xmlns:pc="http://schemas.microsoft.com/office/infopath/2007/PartnerControls">
+  <documentManagement>
+    <_ip_UnifiedCompliancePolicyUIAction xmlns="http://schemas.microsoft.com/sharepoint/v3" xsi:nil="true"/>
+    <Image xmlns="71af3243-3dd4-4a8d-8c0d-dd76da1f02a5">
+      <Url xsi:nil="true"/>
+      <Description xsi:nil="true"/>
+    </Image>
+    <Status xmlns="71af3243-3dd4-4a8d-8c0d-dd76da1f02a5">Not started</Status>
+    <Background xmlns="71af3243-3dd4-4a8d-8c0d-dd76da1f02a5">false</Background>
+    <_ip_UnifiedCompliancePolicyProperties xmlns="http://schemas.microsoft.com/sharepoint/v3" xsi:nil="true"/>
+    <ImageTagsTaxHTField xmlns="71af3243-3dd4-4a8d-8c0d-dd76da1f02a5">
+      <Terms xmlns="http://schemas.microsoft.com/office/infopath/2007/PartnerControls"/>
+    </ImageTagsTaxHTField>
+    <TaxCatchAll xmlns="230e9df3-be65-4c73-a93b-d1236ebd677e" xsi:nil="true"/>
+    <MediaServiceKeyPoints xmlns="71af3243-3dd4-4a8d-8c0d-dd76da1f02a5" xsi:nil="true"/>
+  </documentManagement>
+</p:properties>
+</file>
+
+<file path=customXml/item2.xml><?xml version="1.0" encoding="utf-8"?>
 <ct:contentTypeSchema xmlns:ct="http://schemas.microsoft.com/office/2006/metadata/contentType" xmlns:ma="http://schemas.microsoft.com/office/2006/metadata/properties/metaAttributes" ct:_="" ma:_="" ma:contentTypeName="Document" ma:contentTypeID="0x01010079F111ED35F8CC479449609E8A0923A6" ma:contentTypeVersion="24" ma:contentTypeDescription="Create a new document." ma:contentTypeScope="" ma:versionID="2d714a3296df14eba7a100bb665443ca">
   <xsd:schema xmlns:xsd="http://www.w3.org/2001/XMLSchema" xmlns:xs="http://www.w3.org/2001/XMLSchema" xmlns:p="http://schemas.microsoft.com/office/2006/metadata/properties" xmlns:ns1="http://schemas.microsoft.com/sharepoint/v3" xmlns:ns2="71af3243-3dd4-4a8d-8c0d-dd76da1f02a5" xmlns:ns3="16c05727-aa75-4e4a-9b5f-8a80a1165891" xmlns:ns4="230e9df3-be65-4c73-a93b-d1236ebd677e" targetNamespace="http://schemas.microsoft.com/office/2006/metadata/properties" ma:root="true" ma:fieldsID="49549bf45bfbbfb6cffed527380e77e1" ns1:_="" ns2:_="" ns3:_="" ns4:_="">
     <xsd:import namespace="http://schemas.microsoft.com/sharepoint/v3"/>
@@ -9627,26 +10244,6 @@
 </ct:contentTypeSchema>
 </file>
 
-<file path=customXml/item2.xml><?xml version="1.0" encoding="utf-8"?>
-<p:properties xmlns:p="http://schemas.microsoft.com/office/2006/metadata/properties" xmlns:xsi="http://www.w3.org/2001/XMLSchema-instance" xmlns:pc="http://schemas.microsoft.com/office/infopath/2007/PartnerControls">
-  <documentManagement>
-    <_ip_UnifiedCompliancePolicyUIAction xmlns="http://schemas.microsoft.com/sharepoint/v3" xsi:nil="true"/>
-    <Image xmlns="71af3243-3dd4-4a8d-8c0d-dd76da1f02a5">
-      <Url xsi:nil="true"/>
-      <Description xsi:nil="true"/>
-    </Image>
-    <Status xmlns="71af3243-3dd4-4a8d-8c0d-dd76da1f02a5">Not started</Status>
-    <Background xmlns="71af3243-3dd4-4a8d-8c0d-dd76da1f02a5">false</Background>
-    <_ip_UnifiedCompliancePolicyProperties xmlns="http://schemas.microsoft.com/sharepoint/v3" xsi:nil="true"/>
-    <ImageTagsTaxHTField xmlns="71af3243-3dd4-4a8d-8c0d-dd76da1f02a5">
-      <Terms xmlns="http://schemas.microsoft.com/office/infopath/2007/PartnerControls"/>
-    </ImageTagsTaxHTField>
-    <TaxCatchAll xmlns="230e9df3-be65-4c73-a93b-d1236ebd677e" xsi:nil="true"/>
-    <MediaServiceKeyPoints xmlns="71af3243-3dd4-4a8d-8c0d-dd76da1f02a5" xsi:nil="true"/>
-  </documentManagement>
-</p:properties>
-</file>
-
 <file path=customXml/item3.xml><?xml version="1.0" encoding="utf-8"?>
 <?mso-contentType ?>
 <FormTemplates xmlns="http://schemas.microsoft.com/sharepoint/v3/contenttype/forms">
@@ -9657,6 +10254,18 @@
 </file>
 
 <file path=customXml/itemProps1.xml><?xml version="1.0" encoding="utf-8"?>
+<ds:datastoreItem xmlns:ds="http://schemas.openxmlformats.org/officeDocument/2006/customXml" ds:itemID="{903CCD5C-1585-4363-9EFD-3AF69BA56376}">
+  <ds:schemaRefs>
+    <ds:schemaRef ds:uri="http://schemas.microsoft.com/office/2006/metadata/properties"/>
+    <ds:schemaRef ds:uri="http://schemas.microsoft.com/office/infopath/2007/PartnerControls"/>
+    <ds:schemaRef ds:uri="http://schemas.microsoft.com/sharepoint/v3"/>
+    <ds:schemaRef ds:uri="71af3243-3dd4-4a8d-8c0d-dd76da1f02a5"/>
+    <ds:schemaRef ds:uri="230e9df3-be65-4c73-a93b-d1236ebd677e"/>
+  </ds:schemaRefs>
+</ds:datastoreItem>
+</file>
+
+<file path=customXml/itemProps2.xml><?xml version="1.0" encoding="utf-8"?>
 <ds:datastoreItem xmlns:ds="http://schemas.openxmlformats.org/officeDocument/2006/customXml" ds:itemID="{8966904C-BAED-4465-825E-748ECDB3F628}">
   <ds:schemaRefs>
     <ds:schemaRef ds:uri="http://schemas.microsoft.com/office/2006/metadata/contentType"/>
@@ -9677,18 +10286,6 @@
 </ds:datastoreItem>
 </file>
 
-<file path=customXml/itemProps2.xml><?xml version="1.0" encoding="utf-8"?>
-<ds:datastoreItem xmlns:ds="http://schemas.openxmlformats.org/officeDocument/2006/customXml" ds:itemID="{903CCD5C-1585-4363-9EFD-3AF69BA56376}">
-  <ds:schemaRefs>
-    <ds:schemaRef ds:uri="http://schemas.microsoft.com/office/2006/metadata/properties"/>
-    <ds:schemaRef ds:uri="http://schemas.microsoft.com/office/infopath/2007/PartnerControls"/>
-    <ds:schemaRef ds:uri="http://schemas.microsoft.com/sharepoint/v3"/>
-    <ds:schemaRef ds:uri="71af3243-3dd4-4a8d-8c0d-dd76da1f02a5"/>
-    <ds:schemaRef ds:uri="230e9df3-be65-4c73-a93b-d1236ebd677e"/>
-  </ds:schemaRefs>
-</ds:datastoreItem>
-</file>
-
 <file path=customXml/itemProps3.xml><?xml version="1.0" encoding="utf-8"?>
 <ds:datastoreItem xmlns:ds="http://schemas.openxmlformats.org/officeDocument/2006/customXml" ds:itemID="{ED504F61-D355-45F4-88A1-A506DA0E4DAD}">
   <ds:schemaRefs>

--- a/01_documentation/nps_poster.pptx
+++ b/01_documentation/nps_poster.pptx
@@ -5,19 +5,20 @@
     <p:sldMasterId id="2147483684" r:id="rId4"/>
   </p:sldMasterIdLst>
   <p:notesMasterIdLst>
-    <p:notesMasterId r:id="rId12"/>
+    <p:notesMasterId r:id="rId13"/>
   </p:notesMasterIdLst>
   <p:handoutMasterIdLst>
-    <p:handoutMasterId r:id="rId13"/>
+    <p:handoutMasterId r:id="rId14"/>
   </p:handoutMasterIdLst>
   <p:sldIdLst>
     <p:sldId id="261" r:id="rId5"/>
-    <p:sldId id="263" r:id="rId6"/>
-    <p:sldId id="262" r:id="rId7"/>
-    <p:sldId id="260" r:id="rId8"/>
-    <p:sldId id="257" r:id="rId9"/>
-    <p:sldId id="258" r:id="rId10"/>
-    <p:sldId id="259" r:id="rId11"/>
+    <p:sldId id="264" r:id="rId6"/>
+    <p:sldId id="263" r:id="rId7"/>
+    <p:sldId id="262" r:id="rId8"/>
+    <p:sldId id="260" r:id="rId9"/>
+    <p:sldId id="257" r:id="rId10"/>
+    <p:sldId id="258" r:id="rId11"/>
+    <p:sldId id="259" r:id="rId12"/>
   </p:sldIdLst>
   <p:sldSz cx="7772400" cy="10058400"/>
   <p:notesSz cx="6858000" cy="9144000"/>
@@ -1301,9 +1302,7 @@
           <c:spPr>
             <a:ln w="28575" cap="rnd">
               <a:solidFill>
-                <a:schemeClr val="accent3">
-                  <a:lumMod val="50000"/>
-                </a:schemeClr>
+                <a:schemeClr val="accent2"/>
               </a:solidFill>
               <a:round/>
             </a:ln>
@@ -1418,6 +1417,250 @@
                 <c:ptCount val="1"/>
                 <c:pt idx="0">
                   <c:v>Midwest </c:v>
+                </c:pt>
+              </c:strCache>
+            </c:strRef>
+          </c:tx>
+          <c:spPr>
+            <a:ln w="28575" cap="rnd">
+              <a:solidFill>
+                <a:schemeClr val="accent6"/>
+              </a:solidFill>
+              <a:round/>
+            </a:ln>
+            <a:effectLst/>
+          </c:spPr>
+          <c:marker>
+            <c:symbol val="none"/>
+          </c:marker>
+          <c:cat>
+            <c:strRef>
+              <c:f>nps_monthly_visits!$E$4:$E$16</c:f>
+              <c:strCache>
+                <c:ptCount val="12"/>
+                <c:pt idx="0">
+                  <c:v>January</c:v>
+                </c:pt>
+                <c:pt idx="1">
+                  <c:v>February</c:v>
+                </c:pt>
+                <c:pt idx="2">
+                  <c:v>March</c:v>
+                </c:pt>
+                <c:pt idx="3">
+                  <c:v>April</c:v>
+                </c:pt>
+                <c:pt idx="4">
+                  <c:v>May</c:v>
+                </c:pt>
+                <c:pt idx="5">
+                  <c:v>June</c:v>
+                </c:pt>
+                <c:pt idx="6">
+                  <c:v>July</c:v>
+                </c:pt>
+                <c:pt idx="7">
+                  <c:v>August</c:v>
+                </c:pt>
+                <c:pt idx="8">
+                  <c:v>September</c:v>
+                </c:pt>
+                <c:pt idx="9">
+                  <c:v>October</c:v>
+                </c:pt>
+                <c:pt idx="10">
+                  <c:v>November</c:v>
+                </c:pt>
+                <c:pt idx="11">
+                  <c:v>December</c:v>
+                </c:pt>
+              </c:strCache>
+            </c:strRef>
+          </c:cat>
+          <c:val>
+            <c:numRef>
+              <c:f>nps_monthly_visits!$G$4:$G$16</c:f>
+              <c:numCache>
+                <c:formatCode>0</c:formatCode>
+                <c:ptCount val="12"/>
+                <c:pt idx="0">
+                  <c:v>652289</c:v>
+                </c:pt>
+                <c:pt idx="1">
+                  <c:v>808000</c:v>
+                </c:pt>
+                <c:pt idx="2">
+                  <c:v>1244696</c:v>
+                </c:pt>
+                <c:pt idx="3">
+                  <c:v>1462887</c:v>
+                </c:pt>
+                <c:pt idx="4">
+                  <c:v>2569181</c:v>
+                </c:pt>
+                <c:pt idx="5">
+                  <c:v>4040237</c:v>
+                </c:pt>
+                <c:pt idx="6">
+                  <c:v>4902933</c:v>
+                </c:pt>
+                <c:pt idx="7">
+                  <c:v>3823649</c:v>
+                </c:pt>
+                <c:pt idx="8">
+                  <c:v>2631784</c:v>
+                </c:pt>
+                <c:pt idx="9">
+                  <c:v>1670428</c:v>
+                </c:pt>
+                <c:pt idx="10">
+                  <c:v>889186</c:v>
+                </c:pt>
+                <c:pt idx="11">
+                  <c:v>687461</c:v>
+                </c:pt>
+              </c:numCache>
+            </c:numRef>
+          </c:val>
+          <c:smooth val="0"/>
+          <c:extLst>
+            <c:ext xmlns:c16="http://schemas.microsoft.com/office/drawing/2014/chart" uri="{C3380CC4-5D6E-409C-BE32-E72D297353CC}">
+              <c16:uniqueId val="{00000001-DB58-4926-80C3-B0907C71B141}"/>
+            </c:ext>
+          </c:extLst>
+        </c:ser>
+        <c:ser>
+          <c:idx val="2"/>
+          <c:order val="2"/>
+          <c:tx>
+            <c:strRef>
+              <c:f>nps_monthly_visits!$H$2:$H$3</c:f>
+              <c:strCache>
+                <c:ptCount val="1"/>
+                <c:pt idx="0">
+                  <c:v>National Capital </c:v>
+                </c:pt>
+              </c:strCache>
+            </c:strRef>
+          </c:tx>
+          <c:spPr>
+            <a:ln w="28575" cap="rnd">
+              <a:solidFill>
+                <a:schemeClr val="accent5"/>
+              </a:solidFill>
+              <a:round/>
+            </a:ln>
+            <a:effectLst/>
+          </c:spPr>
+          <c:marker>
+            <c:symbol val="none"/>
+          </c:marker>
+          <c:cat>
+            <c:strRef>
+              <c:f>nps_monthly_visits!$E$4:$E$16</c:f>
+              <c:strCache>
+                <c:ptCount val="12"/>
+                <c:pt idx="0">
+                  <c:v>January</c:v>
+                </c:pt>
+                <c:pt idx="1">
+                  <c:v>February</c:v>
+                </c:pt>
+                <c:pt idx="2">
+                  <c:v>March</c:v>
+                </c:pt>
+                <c:pt idx="3">
+                  <c:v>April</c:v>
+                </c:pt>
+                <c:pt idx="4">
+                  <c:v>May</c:v>
+                </c:pt>
+                <c:pt idx="5">
+                  <c:v>June</c:v>
+                </c:pt>
+                <c:pt idx="6">
+                  <c:v>July</c:v>
+                </c:pt>
+                <c:pt idx="7">
+                  <c:v>August</c:v>
+                </c:pt>
+                <c:pt idx="8">
+                  <c:v>September</c:v>
+                </c:pt>
+                <c:pt idx="9">
+                  <c:v>October</c:v>
+                </c:pt>
+                <c:pt idx="10">
+                  <c:v>November</c:v>
+                </c:pt>
+                <c:pt idx="11">
+                  <c:v>December</c:v>
+                </c:pt>
+              </c:strCache>
+            </c:strRef>
+          </c:cat>
+          <c:val>
+            <c:numRef>
+              <c:f>nps_monthly_visits!$H$4:$H$16</c:f>
+              <c:numCache>
+                <c:formatCode>0</c:formatCode>
+                <c:ptCount val="12"/>
+                <c:pt idx="0">
+                  <c:v>2326232</c:v>
+                </c:pt>
+                <c:pt idx="1">
+                  <c:v>2664075</c:v>
+                </c:pt>
+                <c:pt idx="2">
+                  <c:v>5621369</c:v>
+                </c:pt>
+                <c:pt idx="3">
+                  <c:v>6373152</c:v>
+                </c:pt>
+                <c:pt idx="4">
+                  <c:v>6188326</c:v>
+                </c:pt>
+                <c:pt idx="5">
+                  <c:v>5910308</c:v>
+                </c:pt>
+                <c:pt idx="6">
+                  <c:v>5561473</c:v>
+                </c:pt>
+                <c:pt idx="7">
+                  <c:v>4981326</c:v>
+                </c:pt>
+                <c:pt idx="8">
+                  <c:v>4266863</c:v>
+                </c:pt>
+                <c:pt idx="9">
+                  <c:v>5143187</c:v>
+                </c:pt>
+                <c:pt idx="10">
+                  <c:v>3904268</c:v>
+                </c:pt>
+                <c:pt idx="11">
+                  <c:v>3229328</c:v>
+                </c:pt>
+              </c:numCache>
+            </c:numRef>
+          </c:val>
+          <c:smooth val="0"/>
+          <c:extLst>
+            <c:ext xmlns:c16="http://schemas.microsoft.com/office/drawing/2014/chart" uri="{C3380CC4-5D6E-409C-BE32-E72D297353CC}">
+              <c16:uniqueId val="{00000002-DB58-4926-80C3-B0907C71B141}"/>
+            </c:ext>
+          </c:extLst>
+        </c:ser>
+        <c:ser>
+          <c:idx val="3"/>
+          <c:order val="3"/>
+          <c:tx>
+            <c:strRef>
+              <c:f>nps_monthly_visits!$I$2:$I$3</c:f>
+              <c:strCache>
+                <c:ptCount val="1"/>
+                <c:pt idx="0">
+                  <c:v>Northeast </c:v>
                 </c:pt>
               </c:strCache>
             </c:strRef>
@@ -1483,253 +1726,6 @@
           </c:cat>
           <c:val>
             <c:numRef>
-              <c:f>nps_monthly_visits!$G$4:$G$16</c:f>
-              <c:numCache>
-                <c:formatCode>0</c:formatCode>
-                <c:ptCount val="12"/>
-                <c:pt idx="0">
-                  <c:v>652289</c:v>
-                </c:pt>
-                <c:pt idx="1">
-                  <c:v>808000</c:v>
-                </c:pt>
-                <c:pt idx="2">
-                  <c:v>1244696</c:v>
-                </c:pt>
-                <c:pt idx="3">
-                  <c:v>1462887</c:v>
-                </c:pt>
-                <c:pt idx="4">
-                  <c:v>2569181</c:v>
-                </c:pt>
-                <c:pt idx="5">
-                  <c:v>4040237</c:v>
-                </c:pt>
-                <c:pt idx="6">
-                  <c:v>4902933</c:v>
-                </c:pt>
-                <c:pt idx="7">
-                  <c:v>3823649</c:v>
-                </c:pt>
-                <c:pt idx="8">
-                  <c:v>2631784</c:v>
-                </c:pt>
-                <c:pt idx="9">
-                  <c:v>1670428</c:v>
-                </c:pt>
-                <c:pt idx="10">
-                  <c:v>889186</c:v>
-                </c:pt>
-                <c:pt idx="11">
-                  <c:v>687461</c:v>
-                </c:pt>
-              </c:numCache>
-            </c:numRef>
-          </c:val>
-          <c:smooth val="0"/>
-          <c:extLst>
-            <c:ext xmlns:c16="http://schemas.microsoft.com/office/drawing/2014/chart" uri="{C3380CC4-5D6E-409C-BE32-E72D297353CC}">
-              <c16:uniqueId val="{00000001-DB58-4926-80C3-B0907C71B141}"/>
-            </c:ext>
-          </c:extLst>
-        </c:ser>
-        <c:ser>
-          <c:idx val="2"/>
-          <c:order val="2"/>
-          <c:tx>
-            <c:strRef>
-              <c:f>nps_monthly_visits!$H$2:$H$3</c:f>
-              <c:strCache>
-                <c:ptCount val="1"/>
-                <c:pt idx="0">
-                  <c:v>National Capital </c:v>
-                </c:pt>
-              </c:strCache>
-            </c:strRef>
-          </c:tx>
-          <c:spPr>
-            <a:ln w="28575" cap="rnd">
-              <a:solidFill>
-                <a:schemeClr val="accent5">
-                  <a:lumMod val="90000"/>
-                  <a:lumOff val="10000"/>
-                </a:schemeClr>
-              </a:solidFill>
-              <a:round/>
-            </a:ln>
-            <a:effectLst/>
-          </c:spPr>
-          <c:marker>
-            <c:symbol val="none"/>
-          </c:marker>
-          <c:cat>
-            <c:strRef>
-              <c:f>nps_monthly_visits!$E$4:$E$16</c:f>
-              <c:strCache>
-                <c:ptCount val="12"/>
-                <c:pt idx="0">
-                  <c:v>January</c:v>
-                </c:pt>
-                <c:pt idx="1">
-                  <c:v>February</c:v>
-                </c:pt>
-                <c:pt idx="2">
-                  <c:v>March</c:v>
-                </c:pt>
-                <c:pt idx="3">
-                  <c:v>April</c:v>
-                </c:pt>
-                <c:pt idx="4">
-                  <c:v>May</c:v>
-                </c:pt>
-                <c:pt idx="5">
-                  <c:v>June</c:v>
-                </c:pt>
-                <c:pt idx="6">
-                  <c:v>July</c:v>
-                </c:pt>
-                <c:pt idx="7">
-                  <c:v>August</c:v>
-                </c:pt>
-                <c:pt idx="8">
-                  <c:v>September</c:v>
-                </c:pt>
-                <c:pt idx="9">
-                  <c:v>October</c:v>
-                </c:pt>
-                <c:pt idx="10">
-                  <c:v>November</c:v>
-                </c:pt>
-                <c:pt idx="11">
-                  <c:v>December</c:v>
-                </c:pt>
-              </c:strCache>
-            </c:strRef>
-          </c:cat>
-          <c:val>
-            <c:numRef>
-              <c:f>nps_monthly_visits!$H$4:$H$16</c:f>
-              <c:numCache>
-                <c:formatCode>0</c:formatCode>
-                <c:ptCount val="12"/>
-                <c:pt idx="0">
-                  <c:v>2326232</c:v>
-                </c:pt>
-                <c:pt idx="1">
-                  <c:v>2664075</c:v>
-                </c:pt>
-                <c:pt idx="2">
-                  <c:v>5621369</c:v>
-                </c:pt>
-                <c:pt idx="3">
-                  <c:v>6373152</c:v>
-                </c:pt>
-                <c:pt idx="4">
-                  <c:v>6188326</c:v>
-                </c:pt>
-                <c:pt idx="5">
-                  <c:v>5910308</c:v>
-                </c:pt>
-                <c:pt idx="6">
-                  <c:v>5561473</c:v>
-                </c:pt>
-                <c:pt idx="7">
-                  <c:v>4981326</c:v>
-                </c:pt>
-                <c:pt idx="8">
-                  <c:v>4266863</c:v>
-                </c:pt>
-                <c:pt idx="9">
-                  <c:v>5143187</c:v>
-                </c:pt>
-                <c:pt idx="10">
-                  <c:v>3904268</c:v>
-                </c:pt>
-                <c:pt idx="11">
-                  <c:v>3229328</c:v>
-                </c:pt>
-              </c:numCache>
-            </c:numRef>
-          </c:val>
-          <c:smooth val="0"/>
-          <c:extLst>
-            <c:ext xmlns:c16="http://schemas.microsoft.com/office/drawing/2014/chart" uri="{C3380CC4-5D6E-409C-BE32-E72D297353CC}">
-              <c16:uniqueId val="{00000002-DB58-4926-80C3-B0907C71B141}"/>
-            </c:ext>
-          </c:extLst>
-        </c:ser>
-        <c:ser>
-          <c:idx val="3"/>
-          <c:order val="3"/>
-          <c:tx>
-            <c:strRef>
-              <c:f>nps_monthly_visits!$I$2:$I$3</c:f>
-              <c:strCache>
-                <c:ptCount val="1"/>
-                <c:pt idx="0">
-                  <c:v>Northeast </c:v>
-                </c:pt>
-              </c:strCache>
-            </c:strRef>
-          </c:tx>
-          <c:spPr>
-            <a:ln w="28575" cap="rnd">
-              <a:solidFill>
-                <a:schemeClr val="bg1"/>
-              </a:solidFill>
-              <a:round/>
-            </a:ln>
-            <a:effectLst/>
-          </c:spPr>
-          <c:marker>
-            <c:symbol val="none"/>
-          </c:marker>
-          <c:cat>
-            <c:strRef>
-              <c:f>nps_monthly_visits!$E$4:$E$16</c:f>
-              <c:strCache>
-                <c:ptCount val="12"/>
-                <c:pt idx="0">
-                  <c:v>January</c:v>
-                </c:pt>
-                <c:pt idx="1">
-                  <c:v>February</c:v>
-                </c:pt>
-                <c:pt idx="2">
-                  <c:v>March</c:v>
-                </c:pt>
-                <c:pt idx="3">
-                  <c:v>April</c:v>
-                </c:pt>
-                <c:pt idx="4">
-                  <c:v>May</c:v>
-                </c:pt>
-                <c:pt idx="5">
-                  <c:v>June</c:v>
-                </c:pt>
-                <c:pt idx="6">
-                  <c:v>July</c:v>
-                </c:pt>
-                <c:pt idx="7">
-                  <c:v>August</c:v>
-                </c:pt>
-                <c:pt idx="8">
-                  <c:v>September</c:v>
-                </c:pt>
-                <c:pt idx="9">
-                  <c:v>October</c:v>
-                </c:pt>
-                <c:pt idx="10">
-                  <c:v>November</c:v>
-                </c:pt>
-                <c:pt idx="11">
-                  <c:v>December</c:v>
-                </c:pt>
-              </c:strCache>
-            </c:strRef>
-          </c:cat>
-          <c:val>
-            <c:numRef>
               <c:f>nps_monthly_visits!$I$4:$I$16</c:f>
               <c:numCache>
                 <c:formatCode>0</c:formatCode>
@@ -1797,9 +1793,8 @@
           <c:spPr>
             <a:ln w="28575" cap="rnd">
               <a:solidFill>
-                <a:schemeClr val="accent2">
-                  <a:lumMod val="10000"/>
-                  <a:lumOff val="90000"/>
+                <a:schemeClr val="accent3">
+                  <a:lumMod val="75000"/>
                 </a:schemeClr>
               </a:solidFill>
               <a:round/>
@@ -1922,7 +1917,10 @@
           <c:spPr>
             <a:ln w="28575" cap="rnd">
               <a:solidFill>
-                <a:schemeClr val="accent4"/>
+                <a:schemeClr val="accent2">
+                  <a:lumMod val="10000"/>
+                  <a:lumOff val="90000"/>
+                </a:schemeClr>
               </a:solidFill>
               <a:round/>
             </a:ln>
@@ -8011,7 +8009,2148 @@
 </c:chartSpace>
 </file>
 
-<file path=ppt/charts/chart2.xml><?xml version="1.0" encoding="utf-8"?>
+<file path=ppt/charts/chart15.xml><?xml version="1.0" encoding="utf-8"?>
+<c:chartSpace xmlns:c="http://schemas.openxmlformats.org/drawingml/2006/chart" xmlns:a="http://schemas.openxmlformats.org/drawingml/2006/main" xmlns:r="http://schemas.openxmlformats.org/officeDocument/2006/relationships" xmlns:c16r2="http://schemas.microsoft.com/office/drawing/2015/06/chart">
+  <c:date1904 val="0"/>
+  <c:lang val="en-US"/>
+  <c:roundedCorners val="0"/>
+  <mc:AlternateContent xmlns:mc="http://schemas.openxmlformats.org/markup-compatibility/2006">
+    <mc:Choice xmlns:c14="http://schemas.microsoft.com/office/drawing/2007/8/2/chart" Requires="c14">
+      <c14:style val="102"/>
+    </mc:Choice>
+    <mc:Fallback>
+      <c:style val="2"/>
+    </mc:Fallback>
+  </mc:AlternateContent>
+  <c:pivotSource>
+    <c:name>[nps_monthly_visits..xlsx]nps_monthly_visits!PivotTable16</c:name>
+    <c:fmtId val="5"/>
+  </c:pivotSource>
+  <c:chart>
+    <c:autoTitleDeleted val="0"/>
+    <c:pivotFmts>
+      <c:pivotFmt>
+        <c:idx val="0"/>
+        <c:spPr>
+          <a:solidFill>
+            <a:schemeClr val="accent1"/>
+          </a:solidFill>
+          <a:ln w="28575" cap="rnd">
+            <a:solidFill>
+              <a:schemeClr val="accent1"/>
+            </a:solidFill>
+            <a:round/>
+          </a:ln>
+          <a:effectLst/>
+        </c:spPr>
+        <c:marker>
+          <c:symbol val="none"/>
+        </c:marker>
+        <c:dLbl>
+          <c:idx val="0"/>
+          <c:spPr>
+            <a:noFill/>
+            <a:ln>
+              <a:noFill/>
+            </a:ln>
+            <a:effectLst/>
+          </c:spPr>
+          <c:txPr>
+            <a:bodyPr rot="0" spcFirstLastPara="1" vertOverflow="ellipsis" vert="horz" wrap="square" lIns="38100" tIns="19050" rIns="38100" bIns="19050" anchor="ctr" anchorCtr="1">
+              <a:spAutoFit/>
+            </a:bodyPr>
+            <a:lstStyle/>
+            <a:p>
+              <a:pPr>
+                <a:defRPr sz="900" b="0" i="0" u="none" strike="noStrike" kern="1200" baseline="0">
+                  <a:solidFill>
+                    <a:schemeClr val="tx1">
+                      <a:lumMod val="75000"/>
+                      <a:lumOff val="25000"/>
+                    </a:schemeClr>
+                  </a:solidFill>
+                  <a:latin typeface="+mn-lt"/>
+                  <a:ea typeface="+mn-ea"/>
+                  <a:cs typeface="+mn-cs"/>
+                </a:defRPr>
+              </a:pPr>
+              <a:endParaRPr lang="en-US"/>
+            </a:p>
+          </c:txPr>
+          <c:showLegendKey val="0"/>
+          <c:showVal val="0"/>
+          <c:showCatName val="0"/>
+          <c:showSerName val="0"/>
+          <c:showPercent val="0"/>
+          <c:showBubbleSize val="0"/>
+          <c:extLst>
+            <c:ext xmlns:c15="http://schemas.microsoft.com/office/drawing/2012/chart" uri="{CE6537A1-D6FC-4f65-9D91-7224C49458BB}"/>
+          </c:extLst>
+        </c:dLbl>
+      </c:pivotFmt>
+      <c:pivotFmt>
+        <c:idx val="1"/>
+        <c:spPr>
+          <a:solidFill>
+            <a:schemeClr val="accent1"/>
+          </a:solidFill>
+          <a:ln w="28575" cap="rnd">
+            <a:solidFill>
+              <a:schemeClr val="accent1"/>
+            </a:solidFill>
+            <a:round/>
+          </a:ln>
+          <a:effectLst/>
+        </c:spPr>
+        <c:marker>
+          <c:symbol val="none"/>
+        </c:marker>
+        <c:dLbl>
+          <c:idx val="0"/>
+          <c:spPr>
+            <a:noFill/>
+            <a:ln>
+              <a:noFill/>
+            </a:ln>
+            <a:effectLst/>
+          </c:spPr>
+          <c:txPr>
+            <a:bodyPr rot="0" spcFirstLastPara="1" vertOverflow="ellipsis" vert="horz" wrap="square" lIns="38100" tIns="19050" rIns="38100" bIns="19050" anchor="ctr" anchorCtr="1">
+              <a:spAutoFit/>
+            </a:bodyPr>
+            <a:lstStyle/>
+            <a:p>
+              <a:pPr>
+                <a:defRPr sz="900" b="0" i="0" u="none" strike="noStrike" kern="1200" baseline="0">
+                  <a:solidFill>
+                    <a:schemeClr val="tx1">
+                      <a:lumMod val="75000"/>
+                      <a:lumOff val="25000"/>
+                    </a:schemeClr>
+                  </a:solidFill>
+                  <a:latin typeface="+mn-lt"/>
+                  <a:ea typeface="+mn-ea"/>
+                  <a:cs typeface="+mn-cs"/>
+                </a:defRPr>
+              </a:pPr>
+              <a:endParaRPr lang="en-US"/>
+            </a:p>
+          </c:txPr>
+          <c:showLegendKey val="0"/>
+          <c:showVal val="0"/>
+          <c:showCatName val="0"/>
+          <c:showSerName val="0"/>
+          <c:showPercent val="0"/>
+          <c:showBubbleSize val="0"/>
+          <c:extLst>
+            <c:ext xmlns:c15="http://schemas.microsoft.com/office/drawing/2012/chart" uri="{CE6537A1-D6FC-4f65-9D91-7224C49458BB}"/>
+          </c:extLst>
+        </c:dLbl>
+      </c:pivotFmt>
+      <c:pivotFmt>
+        <c:idx val="2"/>
+        <c:spPr>
+          <a:solidFill>
+            <a:schemeClr val="accent1"/>
+          </a:solidFill>
+          <a:ln w="28575" cap="rnd">
+            <a:solidFill>
+              <a:schemeClr val="accent1"/>
+            </a:solidFill>
+            <a:round/>
+          </a:ln>
+          <a:effectLst/>
+        </c:spPr>
+        <c:marker>
+          <c:symbol val="none"/>
+        </c:marker>
+        <c:dLbl>
+          <c:idx val="0"/>
+          <c:spPr>
+            <a:noFill/>
+            <a:ln>
+              <a:noFill/>
+            </a:ln>
+            <a:effectLst/>
+          </c:spPr>
+          <c:txPr>
+            <a:bodyPr rot="0" spcFirstLastPara="1" vertOverflow="ellipsis" vert="horz" wrap="square" lIns="38100" tIns="19050" rIns="38100" bIns="19050" anchor="ctr" anchorCtr="1">
+              <a:spAutoFit/>
+            </a:bodyPr>
+            <a:lstStyle/>
+            <a:p>
+              <a:pPr>
+                <a:defRPr sz="900" b="0" i="0" u="none" strike="noStrike" kern="1200" baseline="0">
+                  <a:solidFill>
+                    <a:schemeClr val="tx1">
+                      <a:lumMod val="75000"/>
+                      <a:lumOff val="25000"/>
+                    </a:schemeClr>
+                  </a:solidFill>
+                  <a:latin typeface="+mn-lt"/>
+                  <a:ea typeface="+mn-ea"/>
+                  <a:cs typeface="+mn-cs"/>
+                </a:defRPr>
+              </a:pPr>
+              <a:endParaRPr lang="en-US"/>
+            </a:p>
+          </c:txPr>
+          <c:showLegendKey val="0"/>
+          <c:showVal val="0"/>
+          <c:showCatName val="0"/>
+          <c:showSerName val="0"/>
+          <c:showPercent val="0"/>
+          <c:showBubbleSize val="0"/>
+          <c:extLst>
+            <c:ext xmlns:c15="http://schemas.microsoft.com/office/drawing/2012/chart" uri="{CE6537A1-D6FC-4f65-9D91-7224C49458BB}"/>
+          </c:extLst>
+        </c:dLbl>
+      </c:pivotFmt>
+      <c:pivotFmt>
+        <c:idx val="3"/>
+        <c:spPr>
+          <a:solidFill>
+            <a:schemeClr val="accent1"/>
+          </a:solidFill>
+          <a:ln w="28575" cap="rnd">
+            <a:solidFill>
+              <a:schemeClr val="accent1"/>
+            </a:solidFill>
+            <a:round/>
+          </a:ln>
+          <a:effectLst/>
+        </c:spPr>
+        <c:marker>
+          <c:symbol val="none"/>
+        </c:marker>
+        <c:dLbl>
+          <c:idx val="0"/>
+          <c:spPr>
+            <a:noFill/>
+            <a:ln>
+              <a:noFill/>
+            </a:ln>
+            <a:effectLst/>
+          </c:spPr>
+          <c:txPr>
+            <a:bodyPr rot="0" spcFirstLastPara="1" vertOverflow="ellipsis" vert="horz" wrap="square" lIns="38100" tIns="19050" rIns="38100" bIns="19050" anchor="ctr" anchorCtr="1">
+              <a:spAutoFit/>
+            </a:bodyPr>
+            <a:lstStyle/>
+            <a:p>
+              <a:pPr>
+                <a:defRPr sz="900" b="0" i="0" u="none" strike="noStrike" kern="1200" baseline="0">
+                  <a:solidFill>
+                    <a:schemeClr val="tx1">
+                      <a:lumMod val="75000"/>
+                      <a:lumOff val="25000"/>
+                    </a:schemeClr>
+                  </a:solidFill>
+                  <a:latin typeface="+mn-lt"/>
+                  <a:ea typeface="+mn-ea"/>
+                  <a:cs typeface="+mn-cs"/>
+                </a:defRPr>
+              </a:pPr>
+              <a:endParaRPr lang="en-US"/>
+            </a:p>
+          </c:txPr>
+          <c:showLegendKey val="0"/>
+          <c:showVal val="0"/>
+          <c:showCatName val="0"/>
+          <c:showSerName val="0"/>
+          <c:showPercent val="0"/>
+          <c:showBubbleSize val="0"/>
+          <c:extLst>
+            <c:ext xmlns:c15="http://schemas.microsoft.com/office/drawing/2012/chart" uri="{CE6537A1-D6FC-4f65-9D91-7224C49458BB}"/>
+          </c:extLst>
+        </c:dLbl>
+      </c:pivotFmt>
+      <c:pivotFmt>
+        <c:idx val="4"/>
+        <c:spPr>
+          <a:solidFill>
+            <a:schemeClr val="accent1"/>
+          </a:solidFill>
+          <a:ln w="28575" cap="rnd">
+            <a:solidFill>
+              <a:schemeClr val="accent1"/>
+            </a:solidFill>
+            <a:round/>
+          </a:ln>
+          <a:effectLst/>
+        </c:spPr>
+        <c:marker>
+          <c:symbol val="none"/>
+        </c:marker>
+        <c:dLbl>
+          <c:idx val="0"/>
+          <c:spPr>
+            <a:noFill/>
+            <a:ln>
+              <a:noFill/>
+            </a:ln>
+            <a:effectLst/>
+          </c:spPr>
+          <c:txPr>
+            <a:bodyPr rot="0" spcFirstLastPara="1" vertOverflow="ellipsis" vert="horz" wrap="square" lIns="38100" tIns="19050" rIns="38100" bIns="19050" anchor="ctr" anchorCtr="1">
+              <a:spAutoFit/>
+            </a:bodyPr>
+            <a:lstStyle/>
+            <a:p>
+              <a:pPr>
+                <a:defRPr sz="900" b="0" i="0" u="none" strike="noStrike" kern="1200" baseline="0">
+                  <a:solidFill>
+                    <a:schemeClr val="tx1">
+                      <a:lumMod val="75000"/>
+                      <a:lumOff val="25000"/>
+                    </a:schemeClr>
+                  </a:solidFill>
+                  <a:latin typeface="+mn-lt"/>
+                  <a:ea typeface="+mn-ea"/>
+                  <a:cs typeface="+mn-cs"/>
+                </a:defRPr>
+              </a:pPr>
+              <a:endParaRPr lang="en-US"/>
+            </a:p>
+          </c:txPr>
+          <c:showLegendKey val="0"/>
+          <c:showVal val="0"/>
+          <c:showCatName val="0"/>
+          <c:showSerName val="0"/>
+          <c:showPercent val="0"/>
+          <c:showBubbleSize val="0"/>
+          <c:extLst>
+            <c:ext xmlns:c15="http://schemas.microsoft.com/office/drawing/2012/chart" uri="{CE6537A1-D6FC-4f65-9D91-7224C49458BB}"/>
+          </c:extLst>
+        </c:dLbl>
+      </c:pivotFmt>
+      <c:pivotFmt>
+        <c:idx val="5"/>
+        <c:spPr>
+          <a:solidFill>
+            <a:schemeClr val="accent1"/>
+          </a:solidFill>
+          <a:ln w="28575" cap="rnd">
+            <a:solidFill>
+              <a:schemeClr val="accent1"/>
+            </a:solidFill>
+            <a:round/>
+          </a:ln>
+          <a:effectLst/>
+        </c:spPr>
+        <c:marker>
+          <c:symbol val="none"/>
+        </c:marker>
+        <c:dLbl>
+          <c:idx val="0"/>
+          <c:spPr>
+            <a:noFill/>
+            <a:ln>
+              <a:noFill/>
+            </a:ln>
+            <a:effectLst/>
+          </c:spPr>
+          <c:txPr>
+            <a:bodyPr rot="0" spcFirstLastPara="1" vertOverflow="ellipsis" vert="horz" wrap="square" lIns="38100" tIns="19050" rIns="38100" bIns="19050" anchor="ctr" anchorCtr="1">
+              <a:spAutoFit/>
+            </a:bodyPr>
+            <a:lstStyle/>
+            <a:p>
+              <a:pPr>
+                <a:defRPr sz="900" b="0" i="0" u="none" strike="noStrike" kern="1200" baseline="0">
+                  <a:solidFill>
+                    <a:schemeClr val="tx1">
+                      <a:lumMod val="75000"/>
+                      <a:lumOff val="25000"/>
+                    </a:schemeClr>
+                  </a:solidFill>
+                  <a:latin typeface="+mn-lt"/>
+                  <a:ea typeface="+mn-ea"/>
+                  <a:cs typeface="+mn-cs"/>
+                </a:defRPr>
+              </a:pPr>
+              <a:endParaRPr lang="en-US"/>
+            </a:p>
+          </c:txPr>
+          <c:showLegendKey val="0"/>
+          <c:showVal val="0"/>
+          <c:showCatName val="0"/>
+          <c:showSerName val="0"/>
+          <c:showPercent val="0"/>
+          <c:showBubbleSize val="0"/>
+          <c:extLst>
+            <c:ext xmlns:c15="http://schemas.microsoft.com/office/drawing/2012/chart" uri="{CE6537A1-D6FC-4f65-9D91-7224C49458BB}"/>
+          </c:extLst>
+        </c:dLbl>
+      </c:pivotFmt>
+      <c:pivotFmt>
+        <c:idx val="6"/>
+        <c:spPr>
+          <a:solidFill>
+            <a:schemeClr val="accent1"/>
+          </a:solidFill>
+          <a:ln w="28575" cap="rnd">
+            <a:solidFill>
+              <a:schemeClr val="accent1"/>
+            </a:solidFill>
+            <a:round/>
+          </a:ln>
+          <a:effectLst/>
+        </c:spPr>
+        <c:marker>
+          <c:symbol val="none"/>
+        </c:marker>
+        <c:dLbl>
+          <c:idx val="0"/>
+          <c:spPr>
+            <a:noFill/>
+            <a:ln>
+              <a:noFill/>
+            </a:ln>
+            <a:effectLst/>
+          </c:spPr>
+          <c:txPr>
+            <a:bodyPr rot="0" spcFirstLastPara="1" vertOverflow="ellipsis" vert="horz" wrap="square" lIns="38100" tIns="19050" rIns="38100" bIns="19050" anchor="ctr" anchorCtr="1">
+              <a:spAutoFit/>
+            </a:bodyPr>
+            <a:lstStyle/>
+            <a:p>
+              <a:pPr>
+                <a:defRPr sz="900" b="0" i="0" u="none" strike="noStrike" kern="1200" baseline="0">
+                  <a:solidFill>
+                    <a:schemeClr val="tx1">
+                      <a:lumMod val="75000"/>
+                      <a:lumOff val="25000"/>
+                    </a:schemeClr>
+                  </a:solidFill>
+                  <a:latin typeface="+mn-lt"/>
+                  <a:ea typeface="+mn-ea"/>
+                  <a:cs typeface="+mn-cs"/>
+                </a:defRPr>
+              </a:pPr>
+              <a:endParaRPr lang="en-US"/>
+            </a:p>
+          </c:txPr>
+          <c:showLegendKey val="0"/>
+          <c:showVal val="0"/>
+          <c:showCatName val="0"/>
+          <c:showSerName val="0"/>
+          <c:showPercent val="0"/>
+          <c:showBubbleSize val="0"/>
+          <c:extLst>
+            <c:ext xmlns:c15="http://schemas.microsoft.com/office/drawing/2012/chart" uri="{CE6537A1-D6FC-4f65-9D91-7224C49458BB}"/>
+          </c:extLst>
+        </c:dLbl>
+      </c:pivotFmt>
+      <c:pivotFmt>
+        <c:idx val="7"/>
+        <c:spPr>
+          <a:solidFill>
+            <a:schemeClr val="accent1"/>
+          </a:solidFill>
+          <a:ln w="28575" cap="rnd">
+            <a:solidFill>
+              <a:schemeClr val="accent1"/>
+            </a:solidFill>
+            <a:round/>
+          </a:ln>
+          <a:effectLst/>
+        </c:spPr>
+        <c:marker>
+          <c:symbol val="none"/>
+        </c:marker>
+        <c:dLbl>
+          <c:idx val="0"/>
+          <c:spPr>
+            <a:noFill/>
+            <a:ln>
+              <a:noFill/>
+            </a:ln>
+            <a:effectLst/>
+          </c:spPr>
+          <c:txPr>
+            <a:bodyPr rot="0" spcFirstLastPara="1" vertOverflow="ellipsis" vert="horz" wrap="square" lIns="38100" tIns="19050" rIns="38100" bIns="19050" anchor="ctr" anchorCtr="1">
+              <a:spAutoFit/>
+            </a:bodyPr>
+            <a:lstStyle/>
+            <a:p>
+              <a:pPr>
+                <a:defRPr sz="900" b="0" i="0" u="none" strike="noStrike" kern="1200" baseline="0">
+                  <a:solidFill>
+                    <a:schemeClr val="tx1">
+                      <a:lumMod val="75000"/>
+                      <a:lumOff val="25000"/>
+                    </a:schemeClr>
+                  </a:solidFill>
+                  <a:latin typeface="+mn-lt"/>
+                  <a:ea typeface="+mn-ea"/>
+                  <a:cs typeface="+mn-cs"/>
+                </a:defRPr>
+              </a:pPr>
+              <a:endParaRPr lang="en-US"/>
+            </a:p>
+          </c:txPr>
+          <c:showLegendKey val="0"/>
+          <c:showVal val="0"/>
+          <c:showCatName val="0"/>
+          <c:showSerName val="0"/>
+          <c:showPercent val="0"/>
+          <c:showBubbleSize val="0"/>
+          <c:extLst>
+            <c:ext xmlns:c15="http://schemas.microsoft.com/office/drawing/2012/chart" uri="{CE6537A1-D6FC-4f65-9D91-7224C49458BB}"/>
+          </c:extLst>
+        </c:dLbl>
+      </c:pivotFmt>
+      <c:pivotFmt>
+        <c:idx val="8"/>
+        <c:spPr>
+          <a:solidFill>
+            <a:schemeClr val="accent1"/>
+          </a:solidFill>
+          <a:ln w="28575" cap="rnd">
+            <a:solidFill>
+              <a:schemeClr val="accent1"/>
+            </a:solidFill>
+            <a:round/>
+          </a:ln>
+          <a:effectLst/>
+        </c:spPr>
+        <c:marker>
+          <c:symbol val="none"/>
+        </c:marker>
+        <c:dLbl>
+          <c:idx val="0"/>
+          <c:spPr>
+            <a:noFill/>
+            <a:ln>
+              <a:noFill/>
+            </a:ln>
+            <a:effectLst/>
+          </c:spPr>
+          <c:txPr>
+            <a:bodyPr rot="0" spcFirstLastPara="1" vertOverflow="ellipsis" vert="horz" wrap="square" lIns="38100" tIns="19050" rIns="38100" bIns="19050" anchor="ctr" anchorCtr="1">
+              <a:spAutoFit/>
+            </a:bodyPr>
+            <a:lstStyle/>
+            <a:p>
+              <a:pPr>
+                <a:defRPr sz="900" b="0" i="0" u="none" strike="noStrike" kern="1200" baseline="0">
+                  <a:solidFill>
+                    <a:schemeClr val="tx1">
+                      <a:lumMod val="75000"/>
+                      <a:lumOff val="25000"/>
+                    </a:schemeClr>
+                  </a:solidFill>
+                  <a:latin typeface="+mn-lt"/>
+                  <a:ea typeface="+mn-ea"/>
+                  <a:cs typeface="+mn-cs"/>
+                </a:defRPr>
+              </a:pPr>
+              <a:endParaRPr lang="en-US"/>
+            </a:p>
+          </c:txPr>
+          <c:showLegendKey val="0"/>
+          <c:showVal val="0"/>
+          <c:showCatName val="0"/>
+          <c:showSerName val="0"/>
+          <c:showPercent val="0"/>
+          <c:showBubbleSize val="0"/>
+          <c:extLst>
+            <c:ext xmlns:c15="http://schemas.microsoft.com/office/drawing/2012/chart" uri="{CE6537A1-D6FC-4f65-9D91-7224C49458BB}"/>
+          </c:extLst>
+        </c:dLbl>
+      </c:pivotFmt>
+      <c:pivotFmt>
+        <c:idx val="9"/>
+        <c:spPr>
+          <a:solidFill>
+            <a:schemeClr val="accent1"/>
+          </a:solidFill>
+          <a:ln w="28575" cap="rnd">
+            <a:solidFill>
+              <a:schemeClr val="accent1"/>
+            </a:solidFill>
+            <a:round/>
+          </a:ln>
+          <a:effectLst/>
+        </c:spPr>
+        <c:marker>
+          <c:symbol val="none"/>
+        </c:marker>
+        <c:dLbl>
+          <c:idx val="0"/>
+          <c:spPr>
+            <a:noFill/>
+            <a:ln>
+              <a:noFill/>
+            </a:ln>
+            <a:effectLst/>
+          </c:spPr>
+          <c:txPr>
+            <a:bodyPr rot="0" spcFirstLastPara="1" vertOverflow="ellipsis" vert="horz" wrap="square" lIns="38100" tIns="19050" rIns="38100" bIns="19050" anchor="ctr" anchorCtr="1">
+              <a:spAutoFit/>
+            </a:bodyPr>
+            <a:lstStyle/>
+            <a:p>
+              <a:pPr>
+                <a:defRPr sz="900" b="0" i="0" u="none" strike="noStrike" kern="1200" baseline="0">
+                  <a:solidFill>
+                    <a:schemeClr val="tx1">
+                      <a:lumMod val="75000"/>
+                      <a:lumOff val="25000"/>
+                    </a:schemeClr>
+                  </a:solidFill>
+                  <a:latin typeface="+mn-lt"/>
+                  <a:ea typeface="+mn-ea"/>
+                  <a:cs typeface="+mn-cs"/>
+                </a:defRPr>
+              </a:pPr>
+              <a:endParaRPr lang="en-US"/>
+            </a:p>
+          </c:txPr>
+          <c:showLegendKey val="0"/>
+          <c:showVal val="0"/>
+          <c:showCatName val="0"/>
+          <c:showSerName val="0"/>
+          <c:showPercent val="0"/>
+          <c:showBubbleSize val="0"/>
+          <c:extLst>
+            <c:ext xmlns:c15="http://schemas.microsoft.com/office/drawing/2012/chart" uri="{CE6537A1-D6FC-4f65-9D91-7224C49458BB}"/>
+          </c:extLst>
+        </c:dLbl>
+      </c:pivotFmt>
+      <c:pivotFmt>
+        <c:idx val="10"/>
+        <c:spPr>
+          <a:solidFill>
+            <a:schemeClr val="accent1"/>
+          </a:solidFill>
+          <a:ln w="28575" cap="rnd">
+            <a:solidFill>
+              <a:schemeClr val="accent1"/>
+            </a:solidFill>
+            <a:round/>
+          </a:ln>
+          <a:effectLst/>
+        </c:spPr>
+        <c:marker>
+          <c:symbol val="none"/>
+        </c:marker>
+        <c:dLbl>
+          <c:idx val="0"/>
+          <c:spPr>
+            <a:noFill/>
+            <a:ln>
+              <a:noFill/>
+            </a:ln>
+            <a:effectLst/>
+          </c:spPr>
+          <c:txPr>
+            <a:bodyPr rot="0" spcFirstLastPara="1" vertOverflow="ellipsis" vert="horz" wrap="square" lIns="38100" tIns="19050" rIns="38100" bIns="19050" anchor="ctr" anchorCtr="1">
+              <a:spAutoFit/>
+            </a:bodyPr>
+            <a:lstStyle/>
+            <a:p>
+              <a:pPr>
+                <a:defRPr sz="900" b="0" i="0" u="none" strike="noStrike" kern="1200" baseline="0">
+                  <a:solidFill>
+                    <a:schemeClr val="tx1">
+                      <a:lumMod val="75000"/>
+                      <a:lumOff val="25000"/>
+                    </a:schemeClr>
+                  </a:solidFill>
+                  <a:latin typeface="+mn-lt"/>
+                  <a:ea typeface="+mn-ea"/>
+                  <a:cs typeface="+mn-cs"/>
+                </a:defRPr>
+              </a:pPr>
+              <a:endParaRPr lang="en-US"/>
+            </a:p>
+          </c:txPr>
+          <c:showLegendKey val="0"/>
+          <c:showVal val="0"/>
+          <c:showCatName val="0"/>
+          <c:showSerName val="0"/>
+          <c:showPercent val="0"/>
+          <c:showBubbleSize val="0"/>
+          <c:extLst>
+            <c:ext xmlns:c15="http://schemas.microsoft.com/office/drawing/2012/chart" uri="{CE6537A1-D6FC-4f65-9D91-7224C49458BB}"/>
+          </c:extLst>
+        </c:dLbl>
+      </c:pivotFmt>
+      <c:pivotFmt>
+        <c:idx val="11"/>
+        <c:spPr>
+          <a:solidFill>
+            <a:schemeClr val="accent1"/>
+          </a:solidFill>
+          <a:ln w="28575" cap="rnd">
+            <a:solidFill>
+              <a:schemeClr val="accent1"/>
+            </a:solidFill>
+            <a:round/>
+          </a:ln>
+          <a:effectLst/>
+        </c:spPr>
+        <c:marker>
+          <c:symbol val="none"/>
+        </c:marker>
+        <c:dLbl>
+          <c:idx val="0"/>
+          <c:spPr>
+            <a:noFill/>
+            <a:ln>
+              <a:noFill/>
+            </a:ln>
+            <a:effectLst/>
+          </c:spPr>
+          <c:txPr>
+            <a:bodyPr rot="0" spcFirstLastPara="1" vertOverflow="ellipsis" vert="horz" wrap="square" lIns="38100" tIns="19050" rIns="38100" bIns="19050" anchor="ctr" anchorCtr="1">
+              <a:spAutoFit/>
+            </a:bodyPr>
+            <a:lstStyle/>
+            <a:p>
+              <a:pPr>
+                <a:defRPr sz="900" b="0" i="0" u="none" strike="noStrike" kern="1200" baseline="0">
+                  <a:solidFill>
+                    <a:schemeClr val="tx1">
+                      <a:lumMod val="75000"/>
+                      <a:lumOff val="25000"/>
+                    </a:schemeClr>
+                  </a:solidFill>
+                  <a:latin typeface="+mn-lt"/>
+                  <a:ea typeface="+mn-ea"/>
+                  <a:cs typeface="+mn-cs"/>
+                </a:defRPr>
+              </a:pPr>
+              <a:endParaRPr lang="en-US"/>
+            </a:p>
+          </c:txPr>
+          <c:showLegendKey val="0"/>
+          <c:showVal val="0"/>
+          <c:showCatName val="0"/>
+          <c:showSerName val="0"/>
+          <c:showPercent val="0"/>
+          <c:showBubbleSize val="0"/>
+          <c:extLst>
+            <c:ext xmlns:c15="http://schemas.microsoft.com/office/drawing/2012/chart" uri="{CE6537A1-D6FC-4f65-9D91-7224C49458BB}"/>
+          </c:extLst>
+        </c:dLbl>
+      </c:pivotFmt>
+      <c:pivotFmt>
+        <c:idx val="12"/>
+        <c:spPr>
+          <a:solidFill>
+            <a:schemeClr val="accent1"/>
+          </a:solidFill>
+          <a:ln w="28575" cap="rnd">
+            <a:solidFill>
+              <a:schemeClr val="accent1"/>
+            </a:solidFill>
+            <a:round/>
+          </a:ln>
+          <a:effectLst/>
+        </c:spPr>
+        <c:marker>
+          <c:symbol val="none"/>
+        </c:marker>
+        <c:dLbl>
+          <c:idx val="0"/>
+          <c:spPr>
+            <a:noFill/>
+            <a:ln>
+              <a:noFill/>
+            </a:ln>
+            <a:effectLst/>
+          </c:spPr>
+          <c:txPr>
+            <a:bodyPr rot="0" spcFirstLastPara="1" vertOverflow="ellipsis" vert="horz" wrap="square" lIns="38100" tIns="19050" rIns="38100" bIns="19050" anchor="ctr" anchorCtr="1">
+              <a:spAutoFit/>
+            </a:bodyPr>
+            <a:lstStyle/>
+            <a:p>
+              <a:pPr>
+                <a:defRPr sz="900" b="0" i="0" u="none" strike="noStrike" kern="1200" baseline="0">
+                  <a:solidFill>
+                    <a:schemeClr val="tx1">
+                      <a:lumMod val="75000"/>
+                      <a:lumOff val="25000"/>
+                    </a:schemeClr>
+                  </a:solidFill>
+                  <a:latin typeface="+mn-lt"/>
+                  <a:ea typeface="+mn-ea"/>
+                  <a:cs typeface="+mn-cs"/>
+                </a:defRPr>
+              </a:pPr>
+              <a:endParaRPr lang="en-US"/>
+            </a:p>
+          </c:txPr>
+          <c:showLegendKey val="0"/>
+          <c:showVal val="0"/>
+          <c:showCatName val="0"/>
+          <c:showSerName val="0"/>
+          <c:showPercent val="0"/>
+          <c:showBubbleSize val="0"/>
+          <c:extLst>
+            <c:ext xmlns:c15="http://schemas.microsoft.com/office/drawing/2012/chart" uri="{CE6537A1-D6FC-4f65-9D91-7224C49458BB}"/>
+          </c:extLst>
+        </c:dLbl>
+      </c:pivotFmt>
+      <c:pivotFmt>
+        <c:idx val="13"/>
+        <c:spPr>
+          <a:solidFill>
+            <a:schemeClr val="accent1"/>
+          </a:solidFill>
+          <a:ln w="28575" cap="rnd">
+            <a:solidFill>
+              <a:schemeClr val="accent1"/>
+            </a:solidFill>
+            <a:round/>
+          </a:ln>
+          <a:effectLst/>
+        </c:spPr>
+        <c:marker>
+          <c:symbol val="none"/>
+        </c:marker>
+        <c:dLbl>
+          <c:idx val="0"/>
+          <c:spPr>
+            <a:noFill/>
+            <a:ln>
+              <a:noFill/>
+            </a:ln>
+            <a:effectLst/>
+          </c:spPr>
+          <c:txPr>
+            <a:bodyPr rot="0" spcFirstLastPara="1" vertOverflow="ellipsis" vert="horz" wrap="square" lIns="38100" tIns="19050" rIns="38100" bIns="19050" anchor="ctr" anchorCtr="1">
+              <a:spAutoFit/>
+            </a:bodyPr>
+            <a:lstStyle/>
+            <a:p>
+              <a:pPr>
+                <a:defRPr sz="900" b="0" i="0" u="none" strike="noStrike" kern="1200" baseline="0">
+                  <a:solidFill>
+                    <a:schemeClr val="tx1">
+                      <a:lumMod val="75000"/>
+                      <a:lumOff val="25000"/>
+                    </a:schemeClr>
+                  </a:solidFill>
+                  <a:latin typeface="+mn-lt"/>
+                  <a:ea typeface="+mn-ea"/>
+                  <a:cs typeface="+mn-cs"/>
+                </a:defRPr>
+              </a:pPr>
+              <a:endParaRPr lang="en-US"/>
+            </a:p>
+          </c:txPr>
+          <c:showLegendKey val="0"/>
+          <c:showVal val="0"/>
+          <c:showCatName val="0"/>
+          <c:showSerName val="0"/>
+          <c:showPercent val="0"/>
+          <c:showBubbleSize val="0"/>
+          <c:extLst>
+            <c:ext xmlns:c15="http://schemas.microsoft.com/office/drawing/2012/chart" uri="{CE6537A1-D6FC-4f65-9D91-7224C49458BB}"/>
+          </c:extLst>
+        </c:dLbl>
+      </c:pivotFmt>
+      <c:pivotFmt>
+        <c:idx val="14"/>
+        <c:spPr>
+          <a:solidFill>
+            <a:schemeClr val="accent1"/>
+          </a:solidFill>
+          <a:ln w="28575" cap="rnd">
+            <a:solidFill>
+              <a:schemeClr val="accent1"/>
+            </a:solidFill>
+            <a:round/>
+          </a:ln>
+          <a:effectLst/>
+        </c:spPr>
+        <c:marker>
+          <c:symbol val="none"/>
+        </c:marker>
+        <c:dLbl>
+          <c:idx val="0"/>
+          <c:spPr>
+            <a:noFill/>
+            <a:ln>
+              <a:noFill/>
+            </a:ln>
+            <a:effectLst/>
+          </c:spPr>
+          <c:txPr>
+            <a:bodyPr rot="0" spcFirstLastPara="1" vertOverflow="ellipsis" vert="horz" wrap="square" lIns="38100" tIns="19050" rIns="38100" bIns="19050" anchor="ctr" anchorCtr="1">
+              <a:spAutoFit/>
+            </a:bodyPr>
+            <a:lstStyle/>
+            <a:p>
+              <a:pPr>
+                <a:defRPr sz="900" b="0" i="0" u="none" strike="noStrike" kern="1200" baseline="0">
+                  <a:solidFill>
+                    <a:schemeClr val="tx1">
+                      <a:lumMod val="75000"/>
+                      <a:lumOff val="25000"/>
+                    </a:schemeClr>
+                  </a:solidFill>
+                  <a:latin typeface="+mn-lt"/>
+                  <a:ea typeface="+mn-ea"/>
+                  <a:cs typeface="+mn-cs"/>
+                </a:defRPr>
+              </a:pPr>
+              <a:endParaRPr lang="en-US"/>
+            </a:p>
+          </c:txPr>
+          <c:showLegendKey val="0"/>
+          <c:showVal val="0"/>
+          <c:showCatName val="0"/>
+          <c:showSerName val="0"/>
+          <c:showPercent val="0"/>
+          <c:showBubbleSize val="0"/>
+          <c:extLst>
+            <c:ext xmlns:c15="http://schemas.microsoft.com/office/drawing/2012/chart" uri="{CE6537A1-D6FC-4f65-9D91-7224C49458BB}"/>
+          </c:extLst>
+        </c:dLbl>
+      </c:pivotFmt>
+      <c:pivotFmt>
+        <c:idx val="15"/>
+        <c:spPr>
+          <a:solidFill>
+            <a:schemeClr val="accent1"/>
+          </a:solidFill>
+          <a:ln w="28575" cap="rnd">
+            <a:solidFill>
+              <a:schemeClr val="accent1"/>
+            </a:solidFill>
+            <a:round/>
+          </a:ln>
+          <a:effectLst/>
+        </c:spPr>
+        <c:marker>
+          <c:symbol val="none"/>
+        </c:marker>
+        <c:dLbl>
+          <c:idx val="0"/>
+          <c:spPr>
+            <a:noFill/>
+            <a:ln>
+              <a:noFill/>
+            </a:ln>
+            <a:effectLst/>
+          </c:spPr>
+          <c:txPr>
+            <a:bodyPr rot="0" spcFirstLastPara="1" vertOverflow="ellipsis" vert="horz" wrap="square" lIns="38100" tIns="19050" rIns="38100" bIns="19050" anchor="ctr" anchorCtr="1">
+              <a:spAutoFit/>
+            </a:bodyPr>
+            <a:lstStyle/>
+            <a:p>
+              <a:pPr>
+                <a:defRPr sz="900" b="0" i="0" u="none" strike="noStrike" kern="1200" baseline="0">
+                  <a:solidFill>
+                    <a:schemeClr val="tx1">
+                      <a:lumMod val="75000"/>
+                      <a:lumOff val="25000"/>
+                    </a:schemeClr>
+                  </a:solidFill>
+                  <a:latin typeface="+mn-lt"/>
+                  <a:ea typeface="+mn-ea"/>
+                  <a:cs typeface="+mn-cs"/>
+                </a:defRPr>
+              </a:pPr>
+              <a:endParaRPr lang="en-US"/>
+            </a:p>
+          </c:txPr>
+          <c:showLegendKey val="0"/>
+          <c:showVal val="0"/>
+          <c:showCatName val="0"/>
+          <c:showSerName val="0"/>
+          <c:showPercent val="0"/>
+          <c:showBubbleSize val="0"/>
+          <c:extLst>
+            <c:ext xmlns:c15="http://schemas.microsoft.com/office/drawing/2012/chart" uri="{CE6537A1-D6FC-4f65-9D91-7224C49458BB}"/>
+          </c:extLst>
+        </c:dLbl>
+      </c:pivotFmt>
+      <c:pivotFmt>
+        <c:idx val="16"/>
+        <c:spPr>
+          <a:solidFill>
+            <a:schemeClr val="accent1"/>
+          </a:solidFill>
+          <a:ln w="28575" cap="rnd">
+            <a:solidFill>
+              <a:schemeClr val="accent1"/>
+            </a:solidFill>
+            <a:round/>
+          </a:ln>
+          <a:effectLst/>
+        </c:spPr>
+        <c:marker>
+          <c:symbol val="none"/>
+        </c:marker>
+        <c:dLbl>
+          <c:idx val="0"/>
+          <c:spPr>
+            <a:noFill/>
+            <a:ln>
+              <a:noFill/>
+            </a:ln>
+            <a:effectLst/>
+          </c:spPr>
+          <c:txPr>
+            <a:bodyPr rot="0" spcFirstLastPara="1" vertOverflow="ellipsis" vert="horz" wrap="square" lIns="38100" tIns="19050" rIns="38100" bIns="19050" anchor="ctr" anchorCtr="1">
+              <a:spAutoFit/>
+            </a:bodyPr>
+            <a:lstStyle/>
+            <a:p>
+              <a:pPr>
+                <a:defRPr sz="900" b="0" i="0" u="none" strike="noStrike" kern="1200" baseline="0">
+                  <a:solidFill>
+                    <a:schemeClr val="tx1">
+                      <a:lumMod val="75000"/>
+                      <a:lumOff val="25000"/>
+                    </a:schemeClr>
+                  </a:solidFill>
+                  <a:latin typeface="+mn-lt"/>
+                  <a:ea typeface="+mn-ea"/>
+                  <a:cs typeface="+mn-cs"/>
+                </a:defRPr>
+              </a:pPr>
+              <a:endParaRPr lang="en-US"/>
+            </a:p>
+          </c:txPr>
+          <c:showLegendKey val="0"/>
+          <c:showVal val="0"/>
+          <c:showCatName val="0"/>
+          <c:showSerName val="0"/>
+          <c:showPercent val="0"/>
+          <c:showBubbleSize val="0"/>
+          <c:extLst>
+            <c:ext xmlns:c15="http://schemas.microsoft.com/office/drawing/2012/chart" uri="{CE6537A1-D6FC-4f65-9D91-7224C49458BB}"/>
+          </c:extLst>
+        </c:dLbl>
+      </c:pivotFmt>
+      <c:pivotFmt>
+        <c:idx val="17"/>
+        <c:spPr>
+          <a:solidFill>
+            <a:schemeClr val="accent1"/>
+          </a:solidFill>
+          <a:ln w="28575" cap="rnd">
+            <a:solidFill>
+              <a:schemeClr val="accent1"/>
+            </a:solidFill>
+            <a:round/>
+          </a:ln>
+          <a:effectLst/>
+        </c:spPr>
+        <c:marker>
+          <c:symbol val="none"/>
+        </c:marker>
+        <c:dLbl>
+          <c:idx val="0"/>
+          <c:spPr>
+            <a:noFill/>
+            <a:ln>
+              <a:noFill/>
+            </a:ln>
+            <a:effectLst/>
+          </c:spPr>
+          <c:txPr>
+            <a:bodyPr rot="0" spcFirstLastPara="1" vertOverflow="ellipsis" vert="horz" wrap="square" lIns="38100" tIns="19050" rIns="38100" bIns="19050" anchor="ctr" anchorCtr="1">
+              <a:spAutoFit/>
+            </a:bodyPr>
+            <a:lstStyle/>
+            <a:p>
+              <a:pPr>
+                <a:defRPr sz="900" b="0" i="0" u="none" strike="noStrike" kern="1200" baseline="0">
+                  <a:solidFill>
+                    <a:schemeClr val="tx1">
+                      <a:lumMod val="75000"/>
+                      <a:lumOff val="25000"/>
+                    </a:schemeClr>
+                  </a:solidFill>
+                  <a:latin typeface="+mn-lt"/>
+                  <a:ea typeface="+mn-ea"/>
+                  <a:cs typeface="+mn-cs"/>
+                </a:defRPr>
+              </a:pPr>
+              <a:endParaRPr lang="en-US"/>
+            </a:p>
+          </c:txPr>
+          <c:showLegendKey val="0"/>
+          <c:showVal val="0"/>
+          <c:showCatName val="0"/>
+          <c:showSerName val="0"/>
+          <c:showPercent val="0"/>
+          <c:showBubbleSize val="0"/>
+          <c:extLst>
+            <c:ext xmlns:c15="http://schemas.microsoft.com/office/drawing/2012/chart" uri="{CE6537A1-D6FC-4f65-9D91-7224C49458BB}"/>
+          </c:extLst>
+        </c:dLbl>
+      </c:pivotFmt>
+      <c:pivotFmt>
+        <c:idx val="18"/>
+        <c:spPr>
+          <a:solidFill>
+            <a:schemeClr val="accent1"/>
+          </a:solidFill>
+          <a:ln w="28575" cap="rnd">
+            <a:solidFill>
+              <a:schemeClr val="accent1"/>
+            </a:solidFill>
+            <a:round/>
+          </a:ln>
+          <a:effectLst/>
+        </c:spPr>
+        <c:marker>
+          <c:symbol val="none"/>
+        </c:marker>
+        <c:dLbl>
+          <c:idx val="0"/>
+          <c:spPr>
+            <a:noFill/>
+            <a:ln>
+              <a:noFill/>
+            </a:ln>
+            <a:effectLst/>
+          </c:spPr>
+          <c:txPr>
+            <a:bodyPr rot="0" spcFirstLastPara="1" vertOverflow="ellipsis" vert="horz" wrap="square" lIns="38100" tIns="19050" rIns="38100" bIns="19050" anchor="ctr" anchorCtr="1">
+              <a:spAutoFit/>
+            </a:bodyPr>
+            <a:lstStyle/>
+            <a:p>
+              <a:pPr>
+                <a:defRPr sz="900" b="0" i="0" u="none" strike="noStrike" kern="1200" baseline="0">
+                  <a:solidFill>
+                    <a:schemeClr val="tx1">
+                      <a:lumMod val="75000"/>
+                      <a:lumOff val="25000"/>
+                    </a:schemeClr>
+                  </a:solidFill>
+                  <a:latin typeface="+mn-lt"/>
+                  <a:ea typeface="+mn-ea"/>
+                  <a:cs typeface="+mn-cs"/>
+                </a:defRPr>
+              </a:pPr>
+              <a:endParaRPr lang="en-US"/>
+            </a:p>
+          </c:txPr>
+          <c:showLegendKey val="0"/>
+          <c:showVal val="0"/>
+          <c:showCatName val="0"/>
+          <c:showSerName val="0"/>
+          <c:showPercent val="0"/>
+          <c:showBubbleSize val="0"/>
+          <c:extLst>
+            <c:ext xmlns:c15="http://schemas.microsoft.com/office/drawing/2012/chart" uri="{CE6537A1-D6FC-4f65-9D91-7224C49458BB}"/>
+          </c:extLst>
+        </c:dLbl>
+      </c:pivotFmt>
+    </c:pivotFmts>
+    <c:plotArea>
+      <c:layout>
+        <c:manualLayout>
+          <c:layoutTarget val="inner"/>
+          <c:xMode val="edge"/>
+          <c:yMode val="edge"/>
+          <c:x val="0.10781404036600686"/>
+          <c:y val="0.35069247831496941"/>
+          <c:w val="0.85593403967055126"/>
+          <c:h val="0.41833937432824897"/>
+        </c:manualLayout>
+      </c:layout>
+      <c:lineChart>
+        <c:grouping val="standard"/>
+        <c:varyColors val="0"/>
+        <c:ser>
+          <c:idx val="0"/>
+          <c:order val="0"/>
+          <c:tx>
+            <c:strRef>
+              <c:f>nps_monthly_visits!$F$2:$F$3</c:f>
+              <c:strCache>
+                <c:ptCount val="1"/>
+                <c:pt idx="0">
+                  <c:v>Intermountain </c:v>
+                </c:pt>
+              </c:strCache>
+            </c:strRef>
+          </c:tx>
+          <c:spPr>
+            <a:ln w="28575" cap="rnd">
+              <a:solidFill>
+                <a:schemeClr val="accent3">
+                  <a:lumMod val="50000"/>
+                </a:schemeClr>
+              </a:solidFill>
+              <a:round/>
+            </a:ln>
+            <a:effectLst/>
+          </c:spPr>
+          <c:marker>
+            <c:symbol val="none"/>
+          </c:marker>
+          <c:cat>
+            <c:strRef>
+              <c:f>nps_monthly_visits!$E$4:$E$16</c:f>
+              <c:strCache>
+                <c:ptCount val="12"/>
+                <c:pt idx="0">
+                  <c:v>January</c:v>
+                </c:pt>
+                <c:pt idx="1">
+                  <c:v>February</c:v>
+                </c:pt>
+                <c:pt idx="2">
+                  <c:v>March</c:v>
+                </c:pt>
+                <c:pt idx="3">
+                  <c:v>April</c:v>
+                </c:pt>
+                <c:pt idx="4">
+                  <c:v>May</c:v>
+                </c:pt>
+                <c:pt idx="5">
+                  <c:v>June</c:v>
+                </c:pt>
+                <c:pt idx="6">
+                  <c:v>July</c:v>
+                </c:pt>
+                <c:pt idx="7">
+                  <c:v>August</c:v>
+                </c:pt>
+                <c:pt idx="8">
+                  <c:v>September</c:v>
+                </c:pt>
+                <c:pt idx="9">
+                  <c:v>October</c:v>
+                </c:pt>
+                <c:pt idx="10">
+                  <c:v>November</c:v>
+                </c:pt>
+                <c:pt idx="11">
+                  <c:v>December</c:v>
+                </c:pt>
+              </c:strCache>
+            </c:strRef>
+          </c:cat>
+          <c:val>
+            <c:numRef>
+              <c:f>nps_monthly_visits!$F$4:$F$16</c:f>
+              <c:numCache>
+                <c:formatCode>0</c:formatCode>
+                <c:ptCount val="12"/>
+                <c:pt idx="0">
+                  <c:v>1543550</c:v>
+                </c:pt>
+                <c:pt idx="1">
+                  <c:v>1779714</c:v>
+                </c:pt>
+                <c:pt idx="2">
+                  <c:v>3102198</c:v>
+                </c:pt>
+                <c:pt idx="3">
+                  <c:v>4009751</c:v>
+                </c:pt>
+                <c:pt idx="4">
+                  <c:v>5654854</c:v>
+                </c:pt>
+                <c:pt idx="5">
+                  <c:v>7766566</c:v>
+                </c:pt>
+                <c:pt idx="6">
+                  <c:v>8363181</c:v>
+                </c:pt>
+                <c:pt idx="7">
+                  <c:v>7159873</c:v>
+                </c:pt>
+                <c:pt idx="8">
+                  <c:v>6829884</c:v>
+                </c:pt>
+                <c:pt idx="9">
+                  <c:v>4775800</c:v>
+                </c:pt>
+                <c:pt idx="10">
+                  <c:v>2369396</c:v>
+                </c:pt>
+                <c:pt idx="11">
+                  <c:v>1987478</c:v>
+                </c:pt>
+              </c:numCache>
+            </c:numRef>
+          </c:val>
+          <c:smooth val="0"/>
+          <c:extLst>
+            <c:ext xmlns:c16="http://schemas.microsoft.com/office/drawing/2014/chart" uri="{C3380CC4-5D6E-409C-BE32-E72D297353CC}">
+              <c16:uniqueId val="{00000000-DB58-4926-80C3-B0907C71B141}"/>
+            </c:ext>
+          </c:extLst>
+        </c:ser>
+        <c:ser>
+          <c:idx val="1"/>
+          <c:order val="1"/>
+          <c:tx>
+            <c:strRef>
+              <c:f>nps_monthly_visits!$G$2:$G$3</c:f>
+              <c:strCache>
+                <c:ptCount val="1"/>
+                <c:pt idx="0">
+                  <c:v>Midwest </c:v>
+                </c:pt>
+              </c:strCache>
+            </c:strRef>
+          </c:tx>
+          <c:spPr>
+            <a:ln w="28575" cap="rnd">
+              <a:solidFill>
+                <a:schemeClr val="accent2">
+                  <a:lumMod val="90000"/>
+                  <a:lumOff val="10000"/>
+                </a:schemeClr>
+              </a:solidFill>
+              <a:round/>
+            </a:ln>
+            <a:effectLst/>
+          </c:spPr>
+          <c:marker>
+            <c:symbol val="none"/>
+          </c:marker>
+          <c:cat>
+            <c:strRef>
+              <c:f>nps_monthly_visits!$E$4:$E$16</c:f>
+              <c:strCache>
+                <c:ptCount val="12"/>
+                <c:pt idx="0">
+                  <c:v>January</c:v>
+                </c:pt>
+                <c:pt idx="1">
+                  <c:v>February</c:v>
+                </c:pt>
+                <c:pt idx="2">
+                  <c:v>March</c:v>
+                </c:pt>
+                <c:pt idx="3">
+                  <c:v>April</c:v>
+                </c:pt>
+                <c:pt idx="4">
+                  <c:v>May</c:v>
+                </c:pt>
+                <c:pt idx="5">
+                  <c:v>June</c:v>
+                </c:pt>
+                <c:pt idx="6">
+                  <c:v>July</c:v>
+                </c:pt>
+                <c:pt idx="7">
+                  <c:v>August</c:v>
+                </c:pt>
+                <c:pt idx="8">
+                  <c:v>September</c:v>
+                </c:pt>
+                <c:pt idx="9">
+                  <c:v>October</c:v>
+                </c:pt>
+                <c:pt idx="10">
+                  <c:v>November</c:v>
+                </c:pt>
+                <c:pt idx="11">
+                  <c:v>December</c:v>
+                </c:pt>
+              </c:strCache>
+            </c:strRef>
+          </c:cat>
+          <c:val>
+            <c:numRef>
+              <c:f>nps_monthly_visits!$G$4:$G$16</c:f>
+              <c:numCache>
+                <c:formatCode>0</c:formatCode>
+                <c:ptCount val="12"/>
+                <c:pt idx="0">
+                  <c:v>652289</c:v>
+                </c:pt>
+                <c:pt idx="1">
+                  <c:v>808000</c:v>
+                </c:pt>
+                <c:pt idx="2">
+                  <c:v>1244696</c:v>
+                </c:pt>
+                <c:pt idx="3">
+                  <c:v>1462887</c:v>
+                </c:pt>
+                <c:pt idx="4">
+                  <c:v>2569181</c:v>
+                </c:pt>
+                <c:pt idx="5">
+                  <c:v>4040237</c:v>
+                </c:pt>
+                <c:pt idx="6">
+                  <c:v>4902933</c:v>
+                </c:pt>
+                <c:pt idx="7">
+                  <c:v>3823649</c:v>
+                </c:pt>
+                <c:pt idx="8">
+                  <c:v>2631784</c:v>
+                </c:pt>
+                <c:pt idx="9">
+                  <c:v>1670428</c:v>
+                </c:pt>
+                <c:pt idx="10">
+                  <c:v>889186</c:v>
+                </c:pt>
+                <c:pt idx="11">
+                  <c:v>687461</c:v>
+                </c:pt>
+              </c:numCache>
+            </c:numRef>
+          </c:val>
+          <c:smooth val="0"/>
+          <c:extLst>
+            <c:ext xmlns:c16="http://schemas.microsoft.com/office/drawing/2014/chart" uri="{C3380CC4-5D6E-409C-BE32-E72D297353CC}">
+              <c16:uniqueId val="{00000001-DB58-4926-80C3-B0907C71B141}"/>
+            </c:ext>
+          </c:extLst>
+        </c:ser>
+        <c:ser>
+          <c:idx val="2"/>
+          <c:order val="2"/>
+          <c:tx>
+            <c:strRef>
+              <c:f>nps_monthly_visits!$H$2:$H$3</c:f>
+              <c:strCache>
+                <c:ptCount val="1"/>
+                <c:pt idx="0">
+                  <c:v>National Capital </c:v>
+                </c:pt>
+              </c:strCache>
+            </c:strRef>
+          </c:tx>
+          <c:spPr>
+            <a:ln w="28575" cap="rnd">
+              <a:solidFill>
+                <a:schemeClr val="accent5">
+                  <a:lumMod val="90000"/>
+                  <a:lumOff val="10000"/>
+                </a:schemeClr>
+              </a:solidFill>
+              <a:round/>
+            </a:ln>
+            <a:effectLst/>
+          </c:spPr>
+          <c:marker>
+            <c:symbol val="none"/>
+          </c:marker>
+          <c:cat>
+            <c:strRef>
+              <c:f>nps_monthly_visits!$E$4:$E$16</c:f>
+              <c:strCache>
+                <c:ptCount val="12"/>
+                <c:pt idx="0">
+                  <c:v>January</c:v>
+                </c:pt>
+                <c:pt idx="1">
+                  <c:v>February</c:v>
+                </c:pt>
+                <c:pt idx="2">
+                  <c:v>March</c:v>
+                </c:pt>
+                <c:pt idx="3">
+                  <c:v>April</c:v>
+                </c:pt>
+                <c:pt idx="4">
+                  <c:v>May</c:v>
+                </c:pt>
+                <c:pt idx="5">
+                  <c:v>June</c:v>
+                </c:pt>
+                <c:pt idx="6">
+                  <c:v>July</c:v>
+                </c:pt>
+                <c:pt idx="7">
+                  <c:v>August</c:v>
+                </c:pt>
+                <c:pt idx="8">
+                  <c:v>September</c:v>
+                </c:pt>
+                <c:pt idx="9">
+                  <c:v>October</c:v>
+                </c:pt>
+                <c:pt idx="10">
+                  <c:v>November</c:v>
+                </c:pt>
+                <c:pt idx="11">
+                  <c:v>December</c:v>
+                </c:pt>
+              </c:strCache>
+            </c:strRef>
+          </c:cat>
+          <c:val>
+            <c:numRef>
+              <c:f>nps_monthly_visits!$H$4:$H$16</c:f>
+              <c:numCache>
+                <c:formatCode>0</c:formatCode>
+                <c:ptCount val="12"/>
+                <c:pt idx="0">
+                  <c:v>2326232</c:v>
+                </c:pt>
+                <c:pt idx="1">
+                  <c:v>2664075</c:v>
+                </c:pt>
+                <c:pt idx="2">
+                  <c:v>5621369</c:v>
+                </c:pt>
+                <c:pt idx="3">
+                  <c:v>6373152</c:v>
+                </c:pt>
+                <c:pt idx="4">
+                  <c:v>6188326</c:v>
+                </c:pt>
+                <c:pt idx="5">
+                  <c:v>5910308</c:v>
+                </c:pt>
+                <c:pt idx="6">
+                  <c:v>5561473</c:v>
+                </c:pt>
+                <c:pt idx="7">
+                  <c:v>4981326</c:v>
+                </c:pt>
+                <c:pt idx="8">
+                  <c:v>4266863</c:v>
+                </c:pt>
+                <c:pt idx="9">
+                  <c:v>5143187</c:v>
+                </c:pt>
+                <c:pt idx="10">
+                  <c:v>3904268</c:v>
+                </c:pt>
+                <c:pt idx="11">
+                  <c:v>3229328</c:v>
+                </c:pt>
+              </c:numCache>
+            </c:numRef>
+          </c:val>
+          <c:smooth val="0"/>
+          <c:extLst>
+            <c:ext xmlns:c16="http://schemas.microsoft.com/office/drawing/2014/chart" uri="{C3380CC4-5D6E-409C-BE32-E72D297353CC}">
+              <c16:uniqueId val="{00000002-DB58-4926-80C3-B0907C71B141}"/>
+            </c:ext>
+          </c:extLst>
+        </c:ser>
+        <c:ser>
+          <c:idx val="3"/>
+          <c:order val="3"/>
+          <c:tx>
+            <c:strRef>
+              <c:f>nps_monthly_visits!$I$2:$I$3</c:f>
+              <c:strCache>
+                <c:ptCount val="1"/>
+                <c:pt idx="0">
+                  <c:v>Northeast </c:v>
+                </c:pt>
+              </c:strCache>
+            </c:strRef>
+          </c:tx>
+          <c:spPr>
+            <a:ln w="28575" cap="rnd">
+              <a:solidFill>
+                <a:schemeClr val="bg1"/>
+              </a:solidFill>
+              <a:round/>
+            </a:ln>
+            <a:effectLst/>
+          </c:spPr>
+          <c:marker>
+            <c:symbol val="none"/>
+          </c:marker>
+          <c:cat>
+            <c:strRef>
+              <c:f>nps_monthly_visits!$E$4:$E$16</c:f>
+              <c:strCache>
+                <c:ptCount val="12"/>
+                <c:pt idx="0">
+                  <c:v>January</c:v>
+                </c:pt>
+                <c:pt idx="1">
+                  <c:v>February</c:v>
+                </c:pt>
+                <c:pt idx="2">
+                  <c:v>March</c:v>
+                </c:pt>
+                <c:pt idx="3">
+                  <c:v>April</c:v>
+                </c:pt>
+                <c:pt idx="4">
+                  <c:v>May</c:v>
+                </c:pt>
+                <c:pt idx="5">
+                  <c:v>June</c:v>
+                </c:pt>
+                <c:pt idx="6">
+                  <c:v>July</c:v>
+                </c:pt>
+                <c:pt idx="7">
+                  <c:v>August</c:v>
+                </c:pt>
+                <c:pt idx="8">
+                  <c:v>September</c:v>
+                </c:pt>
+                <c:pt idx="9">
+                  <c:v>October</c:v>
+                </c:pt>
+                <c:pt idx="10">
+                  <c:v>November</c:v>
+                </c:pt>
+                <c:pt idx="11">
+                  <c:v>December</c:v>
+                </c:pt>
+              </c:strCache>
+            </c:strRef>
+          </c:cat>
+          <c:val>
+            <c:numRef>
+              <c:f>nps_monthly_visits!$I$4:$I$16</c:f>
+              <c:numCache>
+                <c:formatCode>0</c:formatCode>
+                <c:ptCount val="12"/>
+                <c:pt idx="0">
+                  <c:v>1947731</c:v>
+                </c:pt>
+                <c:pt idx="1">
+                  <c:v>2005639</c:v>
+                </c:pt>
+                <c:pt idx="2">
+                  <c:v>2869927</c:v>
+                </c:pt>
+                <c:pt idx="3">
+                  <c:v>3980785</c:v>
+                </c:pt>
+                <c:pt idx="4">
+                  <c:v>5071565</c:v>
+                </c:pt>
+                <c:pt idx="5">
+                  <c:v>6692040</c:v>
+                </c:pt>
+                <c:pt idx="6">
+                  <c:v>7635125</c:v>
+                </c:pt>
+                <c:pt idx="7">
+                  <c:v>7179280</c:v>
+                </c:pt>
+                <c:pt idx="8">
+                  <c:v>5641273</c:v>
+                </c:pt>
+                <c:pt idx="9">
+                  <c:v>5435200</c:v>
+                </c:pt>
+                <c:pt idx="10">
+                  <c:v>3166449</c:v>
+                </c:pt>
+                <c:pt idx="11">
+                  <c:v>2454372</c:v>
+                </c:pt>
+              </c:numCache>
+            </c:numRef>
+          </c:val>
+          <c:smooth val="0"/>
+          <c:extLst>
+            <c:ext xmlns:c16="http://schemas.microsoft.com/office/drawing/2014/chart" uri="{C3380CC4-5D6E-409C-BE32-E72D297353CC}">
+              <c16:uniqueId val="{00000003-DB58-4926-80C3-B0907C71B141}"/>
+            </c:ext>
+          </c:extLst>
+        </c:ser>
+        <c:ser>
+          <c:idx val="4"/>
+          <c:order val="4"/>
+          <c:tx>
+            <c:strRef>
+              <c:f>nps_monthly_visits!$J$2:$J$3</c:f>
+              <c:strCache>
+                <c:ptCount val="1"/>
+                <c:pt idx="0">
+                  <c:v>Pacific West </c:v>
+                </c:pt>
+              </c:strCache>
+            </c:strRef>
+          </c:tx>
+          <c:spPr>
+            <a:ln w="28575" cap="rnd">
+              <a:solidFill>
+                <a:schemeClr val="accent2">
+                  <a:lumMod val="10000"/>
+                  <a:lumOff val="90000"/>
+                </a:schemeClr>
+              </a:solidFill>
+              <a:round/>
+            </a:ln>
+            <a:effectLst/>
+          </c:spPr>
+          <c:marker>
+            <c:symbol val="none"/>
+          </c:marker>
+          <c:cat>
+            <c:strRef>
+              <c:f>nps_monthly_visits!$E$4:$E$16</c:f>
+              <c:strCache>
+                <c:ptCount val="12"/>
+                <c:pt idx="0">
+                  <c:v>January</c:v>
+                </c:pt>
+                <c:pt idx="1">
+                  <c:v>February</c:v>
+                </c:pt>
+                <c:pt idx="2">
+                  <c:v>March</c:v>
+                </c:pt>
+                <c:pt idx="3">
+                  <c:v>April</c:v>
+                </c:pt>
+                <c:pt idx="4">
+                  <c:v>May</c:v>
+                </c:pt>
+                <c:pt idx="5">
+                  <c:v>June</c:v>
+                </c:pt>
+                <c:pt idx="6">
+                  <c:v>July</c:v>
+                </c:pt>
+                <c:pt idx="7">
+                  <c:v>August</c:v>
+                </c:pt>
+                <c:pt idx="8">
+                  <c:v>September</c:v>
+                </c:pt>
+                <c:pt idx="9">
+                  <c:v>October</c:v>
+                </c:pt>
+                <c:pt idx="10">
+                  <c:v>November</c:v>
+                </c:pt>
+                <c:pt idx="11">
+                  <c:v>December</c:v>
+                </c:pt>
+              </c:strCache>
+            </c:strRef>
+          </c:cat>
+          <c:val>
+            <c:numRef>
+              <c:f>nps_monthly_visits!$J$4:$J$16</c:f>
+              <c:numCache>
+                <c:formatCode>0</c:formatCode>
+                <c:ptCount val="12"/>
+                <c:pt idx="0">
+                  <c:v>3289726</c:v>
+                </c:pt>
+                <c:pt idx="1">
+                  <c:v>3326524</c:v>
+                </c:pt>
+                <c:pt idx="2">
+                  <c:v>3862484</c:v>
+                </c:pt>
+                <c:pt idx="3">
+                  <c:v>4478699</c:v>
+                </c:pt>
+                <c:pt idx="4">
+                  <c:v>5255040</c:v>
+                </c:pt>
+                <c:pt idx="5">
+                  <c:v>6007259</c:v>
+                </c:pt>
+                <c:pt idx="6">
+                  <c:v>7047450</c:v>
+                </c:pt>
+                <c:pt idx="7">
+                  <c:v>6539480</c:v>
+                </c:pt>
+                <c:pt idx="8">
+                  <c:v>5667241</c:v>
+                </c:pt>
+                <c:pt idx="9">
+                  <c:v>4843488</c:v>
+                </c:pt>
+                <c:pt idx="10">
+                  <c:v>3780221</c:v>
+                </c:pt>
+                <c:pt idx="11">
+                  <c:v>3500677</c:v>
+                </c:pt>
+              </c:numCache>
+            </c:numRef>
+          </c:val>
+          <c:smooth val="0"/>
+          <c:extLst>
+            <c:ext xmlns:c16="http://schemas.microsoft.com/office/drawing/2014/chart" uri="{C3380CC4-5D6E-409C-BE32-E72D297353CC}">
+              <c16:uniqueId val="{00000004-DB58-4926-80C3-B0907C71B141}"/>
+            </c:ext>
+          </c:extLst>
+        </c:ser>
+        <c:ser>
+          <c:idx val="5"/>
+          <c:order val="5"/>
+          <c:tx>
+            <c:strRef>
+              <c:f>nps_monthly_visits!$K$2:$K$3</c:f>
+              <c:strCache>
+                <c:ptCount val="1"/>
+                <c:pt idx="0">
+                  <c:v>Southeast </c:v>
+                </c:pt>
+              </c:strCache>
+            </c:strRef>
+          </c:tx>
+          <c:spPr>
+            <a:ln w="28575" cap="rnd">
+              <a:solidFill>
+                <a:schemeClr val="accent4"/>
+              </a:solidFill>
+              <a:round/>
+            </a:ln>
+            <a:effectLst/>
+          </c:spPr>
+          <c:marker>
+            <c:symbol val="none"/>
+          </c:marker>
+          <c:cat>
+            <c:strRef>
+              <c:f>nps_monthly_visits!$E$4:$E$16</c:f>
+              <c:strCache>
+                <c:ptCount val="12"/>
+                <c:pt idx="0">
+                  <c:v>January</c:v>
+                </c:pt>
+                <c:pt idx="1">
+                  <c:v>February</c:v>
+                </c:pt>
+                <c:pt idx="2">
+                  <c:v>March</c:v>
+                </c:pt>
+                <c:pt idx="3">
+                  <c:v>April</c:v>
+                </c:pt>
+                <c:pt idx="4">
+                  <c:v>May</c:v>
+                </c:pt>
+                <c:pt idx="5">
+                  <c:v>June</c:v>
+                </c:pt>
+                <c:pt idx="6">
+                  <c:v>July</c:v>
+                </c:pt>
+                <c:pt idx="7">
+                  <c:v>August</c:v>
+                </c:pt>
+                <c:pt idx="8">
+                  <c:v>September</c:v>
+                </c:pt>
+                <c:pt idx="9">
+                  <c:v>October</c:v>
+                </c:pt>
+                <c:pt idx="10">
+                  <c:v>November</c:v>
+                </c:pt>
+                <c:pt idx="11">
+                  <c:v>December</c:v>
+                </c:pt>
+              </c:strCache>
+            </c:strRef>
+          </c:cat>
+          <c:val>
+            <c:numRef>
+              <c:f>nps_monthly_visits!$K$4:$K$16</c:f>
+              <c:numCache>
+                <c:formatCode>0</c:formatCode>
+                <c:ptCount val="12"/>
+                <c:pt idx="0">
+                  <c:v>3869641</c:v>
+                </c:pt>
+                <c:pt idx="1">
+                  <c:v>4305044</c:v>
+                </c:pt>
+                <c:pt idx="2">
+                  <c:v>5503244</c:v>
+                </c:pt>
+                <c:pt idx="3">
+                  <c:v>6039671</c:v>
+                </c:pt>
+                <c:pt idx="4">
+                  <c:v>6731886</c:v>
+                </c:pt>
+                <c:pt idx="5">
+                  <c:v>7660278</c:v>
+                </c:pt>
+                <c:pt idx="6">
+                  <c:v>8163640</c:v>
+                </c:pt>
+                <c:pt idx="7">
+                  <c:v>7075229</c:v>
+                </c:pt>
+                <c:pt idx="8">
+                  <c:v>6933121</c:v>
+                </c:pt>
+                <c:pt idx="9">
+                  <c:v>7644941</c:v>
+                </c:pt>
+                <c:pt idx="10">
+                  <c:v>5320518</c:v>
+                </c:pt>
+                <c:pt idx="11">
+                  <c:v>4424066</c:v>
+                </c:pt>
+              </c:numCache>
+            </c:numRef>
+          </c:val>
+          <c:smooth val="0"/>
+          <c:extLst>
+            <c:ext xmlns:c16="http://schemas.microsoft.com/office/drawing/2014/chart" uri="{C3380CC4-5D6E-409C-BE32-E72D297353CC}">
+              <c16:uniqueId val="{00000005-DB58-4926-80C3-B0907C71B141}"/>
+            </c:ext>
+          </c:extLst>
+        </c:ser>
+        <c:dLbls>
+          <c:showLegendKey val="0"/>
+          <c:showVal val="0"/>
+          <c:showCatName val="0"/>
+          <c:showSerName val="0"/>
+          <c:showPercent val="0"/>
+          <c:showBubbleSize val="0"/>
+        </c:dLbls>
+        <c:smooth val="0"/>
+        <c:axId val="553715248"/>
+        <c:axId val="553717768"/>
+      </c:lineChart>
+      <c:dateAx>
+        <c:axId val="553715248"/>
+        <c:scaling>
+          <c:orientation val="minMax"/>
+        </c:scaling>
+        <c:delete val="0"/>
+        <c:axPos val="b"/>
+        <c:numFmt formatCode="General" sourceLinked="1"/>
+        <c:majorTickMark val="none"/>
+        <c:minorTickMark val="none"/>
+        <c:tickLblPos val="nextTo"/>
+        <c:spPr>
+          <a:noFill/>
+          <a:ln w="9525" cap="flat" cmpd="sng" algn="ctr">
+            <a:solidFill>
+              <a:schemeClr val="tx1">
+                <a:lumMod val="15000"/>
+                <a:lumOff val="85000"/>
+              </a:schemeClr>
+            </a:solidFill>
+            <a:round/>
+          </a:ln>
+          <a:effectLst/>
+        </c:spPr>
+        <c:txPr>
+          <a:bodyPr rot="-5400000" spcFirstLastPara="1" vertOverflow="ellipsis" wrap="square" anchor="ctr" anchorCtr="1"/>
+          <a:lstStyle/>
+          <a:p>
+            <a:pPr>
+              <a:defRPr sz="900" b="0" i="0" u="none" strike="noStrike" kern="1200" baseline="0">
+                <a:solidFill>
+                  <a:schemeClr val="tx1">
+                    <a:lumMod val="65000"/>
+                    <a:lumOff val="35000"/>
+                  </a:schemeClr>
+                </a:solidFill>
+                <a:latin typeface="+mn-lt"/>
+                <a:ea typeface="+mn-ea"/>
+                <a:cs typeface="+mn-cs"/>
+              </a:defRPr>
+            </a:pPr>
+            <a:endParaRPr lang="en-US"/>
+          </a:p>
+        </c:txPr>
+        <c:crossAx val="553717768"/>
+        <c:crosses val="autoZero"/>
+        <c:auto val="0"/>
+        <c:lblOffset val="100"/>
+        <c:baseTimeUnit val="days"/>
+      </c:dateAx>
+      <c:valAx>
+        <c:axId val="553717768"/>
+        <c:scaling>
+          <c:orientation val="minMax"/>
+        </c:scaling>
+        <c:delete val="0"/>
+        <c:axPos val="l"/>
+        <c:majorGridlines>
+          <c:spPr>
+            <a:ln w="9525" cap="flat" cmpd="sng" algn="ctr">
+              <a:noFill/>
+              <a:round/>
+            </a:ln>
+            <a:effectLst/>
+          </c:spPr>
+        </c:majorGridlines>
+        <c:numFmt formatCode="0" sourceLinked="1"/>
+        <c:majorTickMark val="none"/>
+        <c:minorTickMark val="none"/>
+        <c:tickLblPos val="nextTo"/>
+        <c:spPr>
+          <a:noFill/>
+          <a:ln>
+            <a:noFill/>
+          </a:ln>
+          <a:effectLst/>
+        </c:spPr>
+        <c:txPr>
+          <a:bodyPr rot="-60000000" spcFirstLastPara="1" vertOverflow="ellipsis" vert="horz" wrap="square" anchor="ctr" anchorCtr="1"/>
+          <a:lstStyle/>
+          <a:p>
+            <a:pPr>
+              <a:defRPr sz="900" b="0" i="0" u="none" strike="noStrike" kern="1200" baseline="0">
+                <a:solidFill>
+                  <a:schemeClr val="tx1">
+                    <a:lumMod val="65000"/>
+                    <a:lumOff val="35000"/>
+                  </a:schemeClr>
+                </a:solidFill>
+                <a:latin typeface="+mn-lt"/>
+                <a:ea typeface="+mn-ea"/>
+                <a:cs typeface="+mn-cs"/>
+              </a:defRPr>
+            </a:pPr>
+            <a:endParaRPr lang="en-US"/>
+          </a:p>
+        </c:txPr>
+        <c:crossAx val="553715248"/>
+        <c:crosses val="autoZero"/>
+        <c:crossBetween val="between"/>
+        <c:dispUnits>
+          <c:builtInUnit val="millions"/>
+          <c:dispUnitsLbl>
+            <c:spPr>
+              <a:noFill/>
+              <a:ln>
+                <a:noFill/>
+              </a:ln>
+              <a:effectLst/>
+            </c:spPr>
+            <c:txPr>
+              <a:bodyPr rot="-5400000" spcFirstLastPara="1" vertOverflow="ellipsis" vert="horz" wrap="square" anchor="ctr" anchorCtr="1"/>
+              <a:lstStyle/>
+              <a:p>
+                <a:pPr>
+                  <a:defRPr sz="1000" b="0" i="0" u="none" strike="noStrike" kern="1200" baseline="0">
+                    <a:solidFill>
+                      <a:schemeClr val="tx1">
+                        <a:lumMod val="65000"/>
+                        <a:lumOff val="35000"/>
+                      </a:schemeClr>
+                    </a:solidFill>
+                    <a:latin typeface="+mn-lt"/>
+                    <a:ea typeface="+mn-ea"/>
+                    <a:cs typeface="+mn-cs"/>
+                  </a:defRPr>
+                </a:pPr>
+                <a:endParaRPr lang="en-US"/>
+              </a:p>
+            </c:txPr>
+          </c:dispUnitsLbl>
+        </c:dispUnits>
+      </c:valAx>
+      <c:spPr>
+        <a:noFill/>
+        <a:ln>
+          <a:noFill/>
+        </a:ln>
+        <a:effectLst/>
+      </c:spPr>
+    </c:plotArea>
+    <c:legend>
+      <c:legendPos val="t"/>
+      <c:layout>
+        <c:manualLayout>
+          <c:xMode val="edge"/>
+          <c:yMode val="edge"/>
+          <c:x val="0.69297530172522293"/>
+          <c:y val="5.8992602163324109E-2"/>
+          <c:w val="0.30702469827477707"/>
+          <c:h val="0.3415478715497724"/>
+        </c:manualLayout>
+      </c:layout>
+      <c:overlay val="0"/>
+      <c:spPr>
+        <a:noFill/>
+        <a:ln>
+          <a:noFill/>
+        </a:ln>
+        <a:effectLst/>
+      </c:spPr>
+      <c:txPr>
+        <a:bodyPr rot="0" spcFirstLastPara="1" vertOverflow="ellipsis" vert="horz" wrap="square" anchor="ctr" anchorCtr="1"/>
+        <a:lstStyle/>
+        <a:p>
+          <a:pPr>
+            <a:defRPr sz="800" b="0" i="0" u="none" strike="noStrike" kern="1200" baseline="0">
+              <a:solidFill>
+                <a:schemeClr val="bg2"/>
+              </a:solidFill>
+              <a:latin typeface="+mn-lt"/>
+              <a:ea typeface="+mn-ea"/>
+              <a:cs typeface="+mn-cs"/>
+            </a:defRPr>
+          </a:pPr>
+          <a:endParaRPr lang="en-US"/>
+        </a:p>
+      </c:txPr>
+    </c:legend>
+    <c:plotVisOnly val="1"/>
+    <c:dispBlanksAs val="gap"/>
+    <c:extLst>
+      <c:ext xmlns:c16r3="http://schemas.microsoft.com/office/drawing/2017/03/chart" uri="{56B9EC1D-385E-4148-901F-78D8002777C0}">
+        <c16r3:dataDisplayOptions16>
+          <c16r3:dispNaAsBlank val="1"/>
+        </c16r3:dataDisplayOptions16>
+      </c:ext>
+    </c:extLst>
+    <c:showDLblsOverMax val="0"/>
+  </c:chart>
+  <c:spPr>
+    <a:noFill/>
+    <a:ln>
+      <a:noFill/>
+    </a:ln>
+    <a:effectLst/>
+  </c:spPr>
+  <c:txPr>
+    <a:bodyPr/>
+    <a:lstStyle/>
+    <a:p>
+      <a:pPr>
+        <a:defRPr/>
+      </a:pPr>
+      <a:endParaRPr lang="en-US"/>
+    </a:p>
+  </c:txPr>
+  <c:externalData r:id="rId3">
+    <c:autoUpdate val="0"/>
+  </c:externalData>
+  <c:extLst>
+    <c:ext xmlns:c14="http://schemas.microsoft.com/office/drawing/2007/8/2/chart" uri="{781A3756-C4B2-4CAC-9D66-4F8BD8637D16}">
+      <c14:pivotOptions>
+        <c14:dropZoneFilter val="1"/>
+        <c14:dropZoneCategories val="1"/>
+        <c14:dropZoneData val="1"/>
+        <c14:dropZoneSeries val="1"/>
+        <c14:dropZonesVisible val="1"/>
+      </c14:pivotOptions>
+    </c:ext>
+    <c:ext xmlns:c16="http://schemas.microsoft.com/office/drawing/2014/chart" uri="{E28EC0CA-F0BB-4C9C-879D-F8772B89E7AC}">
+      <c16:pivotOptions16>
+        <c16:showExpandCollapseFieldButtons val="1"/>
+      </c16:pivotOptions16>
+    </c:ext>
+  </c:extLst>
+</c:chartSpace>
+</file>
+
+<file path=ppt/charts/chart16.xml><?xml version="1.0" encoding="utf-8"?>
 <c:chartSpace xmlns:c="http://schemas.openxmlformats.org/drawingml/2006/chart" xmlns:a="http://schemas.openxmlformats.org/drawingml/2006/main" xmlns:r="http://schemas.openxmlformats.org/officeDocument/2006/relationships" xmlns:c16r2="http://schemas.microsoft.com/office/drawing/2015/06/chart">
   <c:date1904 val="0"/>
   <c:lang val="en-US"/>
@@ -8192,6 +10331,492 @@
                   <a:lumMod val="60000"/>
                   <a:lumOff val="40000"/>
                 </a:schemeClr>
+              </a:solidFill>
+              <a:ln>
+                <a:noFill/>
+              </a:ln>
+              <a:effectLst/>
+              <a:sp3d/>
+            </c:spPr>
+            <c:extLst>
+              <c:ext xmlns:c16="http://schemas.microsoft.com/office/drawing/2014/chart" uri="{C3380CC4-5D6E-409C-BE32-E72D297353CC}">
+                <c16:uniqueId val="{00000001-00A7-494A-8AAB-86AF9DBD761F}"/>
+              </c:ext>
+            </c:extLst>
+          </c:dPt>
+          <c:cat>
+            <c:strRef>
+              <c:f>nps_top_parks!$A$2:$A$6</c:f>
+              <c:strCache>
+                <c:ptCount val="5"/>
+                <c:pt idx="0">
+                  <c:v>Rocky Mountain</c:v>
+                </c:pt>
+                <c:pt idx="1">
+                  <c:v>Yellowstone</c:v>
+                </c:pt>
+                <c:pt idx="2">
+                  <c:v>Zion</c:v>
+                </c:pt>
+                <c:pt idx="3">
+                  <c:v>Grand Canyon</c:v>
+                </c:pt>
+                <c:pt idx="4">
+                  <c:v>Great Smoky Mountains</c:v>
+                </c:pt>
+              </c:strCache>
+            </c:strRef>
+          </c:cat>
+          <c:val>
+            <c:numRef>
+              <c:f>nps_top_parks!$B$2:$B$6</c:f>
+              <c:numCache>
+                <c:formatCode>General</c:formatCode>
+                <c:ptCount val="5"/>
+                <c:pt idx="0">
+                  <c:v>4115837</c:v>
+                </c:pt>
+                <c:pt idx="1">
+                  <c:v>4501382</c:v>
+                </c:pt>
+                <c:pt idx="2">
+                  <c:v>4623238</c:v>
+                </c:pt>
+                <c:pt idx="3">
+                  <c:v>4733705</c:v>
+                </c:pt>
+                <c:pt idx="4">
+                  <c:v>13297647</c:v>
+                </c:pt>
+              </c:numCache>
+            </c:numRef>
+          </c:val>
+          <c:extLst>
+            <c:ext xmlns:c16="http://schemas.microsoft.com/office/drawing/2014/chart" uri="{C3380CC4-5D6E-409C-BE32-E72D297353CC}">
+              <c16:uniqueId val="{00000000-D440-44AA-B150-AEBB373228E8}"/>
+            </c:ext>
+          </c:extLst>
+        </c:ser>
+        <c:dLbls>
+          <c:showLegendKey val="0"/>
+          <c:showVal val="0"/>
+          <c:showCatName val="0"/>
+          <c:showSerName val="0"/>
+          <c:showPercent val="0"/>
+          <c:showBubbleSize val="0"/>
+        </c:dLbls>
+        <c:gapWidth val="150"/>
+        <c:shape val="box"/>
+        <c:axId val="782632592"/>
+        <c:axId val="782632952"/>
+        <c:axId val="0"/>
+      </c:bar3DChart>
+      <c:catAx>
+        <c:axId val="782632592"/>
+        <c:scaling>
+          <c:orientation val="minMax"/>
+        </c:scaling>
+        <c:delete val="0"/>
+        <c:axPos val="l"/>
+        <c:numFmt formatCode="General" sourceLinked="1"/>
+        <c:majorTickMark val="none"/>
+        <c:minorTickMark val="none"/>
+        <c:tickLblPos val="nextTo"/>
+        <c:spPr>
+          <a:noFill/>
+          <a:ln>
+            <a:noFill/>
+          </a:ln>
+          <a:effectLst/>
+        </c:spPr>
+        <c:txPr>
+          <a:bodyPr rot="-60000000" spcFirstLastPara="1" vertOverflow="ellipsis" vert="horz" wrap="square" anchor="ctr" anchorCtr="1"/>
+          <a:lstStyle/>
+          <a:p>
+            <a:pPr>
+              <a:defRPr sz="1050" b="0" i="0" u="none" strike="noStrike" kern="1200" cap="none" spc="0" normalizeH="0" baseline="0">
+                <a:solidFill>
+                  <a:schemeClr val="accent2">
+                    <a:lumMod val="10000"/>
+                    <a:lumOff val="90000"/>
+                  </a:schemeClr>
+                </a:solidFill>
+                <a:latin typeface="+mn-lt"/>
+                <a:ea typeface="+mn-ea"/>
+                <a:cs typeface="+mn-cs"/>
+              </a:defRPr>
+            </a:pPr>
+            <a:endParaRPr lang="en-US"/>
+          </a:p>
+        </c:txPr>
+        <c:crossAx val="782632952"/>
+        <c:crosses val="autoZero"/>
+        <c:auto val="1"/>
+        <c:lblAlgn val="ctr"/>
+        <c:lblOffset val="100"/>
+        <c:noMultiLvlLbl val="0"/>
+      </c:catAx>
+      <c:valAx>
+        <c:axId val="782632952"/>
+        <c:scaling>
+          <c:orientation val="minMax"/>
+        </c:scaling>
+        <c:delete val="0"/>
+        <c:axPos val="b"/>
+        <c:majorGridlines>
+          <c:spPr>
+            <a:ln w="9525" cap="flat" cmpd="sng" algn="ctr">
+              <a:solidFill>
+                <a:schemeClr val="tx1">
+                  <a:lumMod val="15000"/>
+                  <a:lumOff val="85000"/>
+                </a:schemeClr>
+              </a:solidFill>
+              <a:round/>
+            </a:ln>
+            <a:effectLst/>
+          </c:spPr>
+        </c:majorGridlines>
+        <c:minorGridlines>
+          <c:spPr>
+            <a:ln w="9525" cap="flat" cmpd="sng" algn="ctr">
+              <a:solidFill>
+                <a:schemeClr val="tx1">
+                  <a:lumMod val="5000"/>
+                  <a:lumOff val="95000"/>
+                </a:schemeClr>
+              </a:solidFill>
+              <a:round/>
+            </a:ln>
+            <a:effectLst/>
+          </c:spPr>
+        </c:minorGridlines>
+        <c:numFmt formatCode="General" sourceLinked="1"/>
+        <c:majorTickMark val="none"/>
+        <c:minorTickMark val="none"/>
+        <c:tickLblPos val="nextTo"/>
+        <c:spPr>
+          <a:noFill/>
+          <a:ln>
+            <a:noFill/>
+          </a:ln>
+          <a:effectLst/>
+        </c:spPr>
+        <c:txPr>
+          <a:bodyPr rot="-60000000" spcFirstLastPara="1" vertOverflow="ellipsis" vert="horz" wrap="square" anchor="ctr" anchorCtr="1"/>
+          <a:lstStyle/>
+          <a:p>
+            <a:pPr>
+              <a:defRPr sz="1197" b="0" i="0" u="none" strike="noStrike" kern="1200" baseline="0">
+                <a:solidFill>
+                  <a:schemeClr val="accent2">
+                    <a:lumMod val="10000"/>
+                    <a:lumOff val="90000"/>
+                  </a:schemeClr>
+                </a:solidFill>
+                <a:latin typeface="+mn-lt"/>
+                <a:ea typeface="+mn-ea"/>
+                <a:cs typeface="+mn-cs"/>
+              </a:defRPr>
+            </a:pPr>
+            <a:endParaRPr lang="en-US"/>
+          </a:p>
+        </c:txPr>
+        <c:crossAx val="782632592"/>
+        <c:crosses val="autoZero"/>
+        <c:crossBetween val="between"/>
+        <c:dispUnits>
+          <c:builtInUnit val="millions"/>
+          <c:dispUnitsLbl>
+            <c:layout>
+              <c:manualLayout>
+                <c:xMode val="edge"/>
+                <c:yMode val="edge"/>
+                <c:x val="0.45167692283668487"/>
+                <c:y val="0.83229867181340778"/>
+              </c:manualLayout>
+            </c:layout>
+            <c:tx>
+              <c:rich>
+                <a:bodyPr rot="0" spcFirstLastPara="1" vertOverflow="ellipsis" vert="horz" wrap="square" anchor="ctr" anchorCtr="1"/>
+                <a:lstStyle/>
+                <a:p>
+                  <a:pPr>
+                    <a:defRPr sz="1197" b="0" i="0" u="none" strike="noStrike" kern="1200" cap="all" baseline="0">
+                      <a:solidFill>
+                        <a:schemeClr val="accent2">
+                          <a:lumMod val="10000"/>
+                          <a:lumOff val="90000"/>
+                        </a:schemeClr>
+                      </a:solidFill>
+                      <a:latin typeface="+mn-lt"/>
+                      <a:ea typeface="+mn-ea"/>
+                      <a:cs typeface="+mn-cs"/>
+                    </a:defRPr>
+                  </a:pPr>
+                  <a:r>
+                    <a:rPr lang="en-US" dirty="0">
+                      <a:solidFill>
+                        <a:schemeClr val="accent2">
+                          <a:lumMod val="10000"/>
+                          <a:lumOff val="90000"/>
+                        </a:schemeClr>
+                      </a:solidFill>
+                    </a:rPr>
+                    <a:t>Visits (Millions)</a:t>
+                  </a:r>
+                </a:p>
+              </c:rich>
+            </c:tx>
+            <c:spPr>
+              <a:noFill/>
+              <a:ln>
+                <a:noFill/>
+              </a:ln>
+              <a:effectLst/>
+            </c:spPr>
+            <c:txPr>
+              <a:bodyPr rot="0" spcFirstLastPara="1" vertOverflow="ellipsis" vert="horz" wrap="square" anchor="ctr" anchorCtr="1"/>
+              <a:lstStyle/>
+              <a:p>
+                <a:pPr>
+                  <a:defRPr sz="1197" b="0" i="0" u="none" strike="noStrike" kern="1200" cap="all" baseline="0">
+                    <a:solidFill>
+                      <a:schemeClr val="accent2">
+                        <a:lumMod val="10000"/>
+                        <a:lumOff val="90000"/>
+                      </a:schemeClr>
+                    </a:solidFill>
+                    <a:latin typeface="+mn-lt"/>
+                    <a:ea typeface="+mn-ea"/>
+                    <a:cs typeface="+mn-cs"/>
+                  </a:defRPr>
+                </a:pPr>
+                <a:endParaRPr lang="en-US"/>
+              </a:p>
+            </c:txPr>
+          </c:dispUnitsLbl>
+        </c:dispUnits>
+      </c:valAx>
+      <c:spPr>
+        <a:noFill/>
+        <a:ln>
+          <a:noFill/>
+        </a:ln>
+        <a:effectLst/>
+      </c:spPr>
+    </c:plotArea>
+    <c:plotVisOnly val="1"/>
+    <c:dispBlanksAs val="gap"/>
+    <c:extLst>
+      <c:ext xmlns:c16r3="http://schemas.microsoft.com/office/drawing/2017/03/chart" uri="{56B9EC1D-385E-4148-901F-78D8002777C0}">
+        <c16r3:dataDisplayOptions16>
+          <c16r3:dispNaAsBlank val="1"/>
+        </c16r3:dataDisplayOptions16>
+      </c:ext>
+    </c:extLst>
+    <c:showDLblsOverMax val="0"/>
+  </c:chart>
+  <c:spPr>
+    <a:noFill/>
+    <a:ln>
+      <a:noFill/>
+    </a:ln>
+    <a:effectLst/>
+  </c:spPr>
+  <c:txPr>
+    <a:bodyPr/>
+    <a:lstStyle/>
+    <a:p>
+      <a:pPr>
+        <a:defRPr/>
+      </a:pPr>
+      <a:endParaRPr lang="en-US"/>
+    </a:p>
+  </c:txPr>
+  <c:externalData r:id="rId3">
+    <c:autoUpdate val="0"/>
+  </c:externalData>
+</c:chartSpace>
+</file>
+
+<file path=ppt/charts/chart2.xml><?xml version="1.0" encoding="utf-8"?>
+<c:chartSpace xmlns:c="http://schemas.openxmlformats.org/drawingml/2006/chart" xmlns:a="http://schemas.openxmlformats.org/drawingml/2006/main" xmlns:r="http://schemas.openxmlformats.org/officeDocument/2006/relationships" xmlns:c16r2="http://schemas.microsoft.com/office/drawing/2015/06/chart">
+  <c:date1904 val="0"/>
+  <c:lang val="en-US"/>
+  <c:roundedCorners val="0"/>
+  <mc:AlternateContent xmlns:mc="http://schemas.openxmlformats.org/markup-compatibility/2006">
+    <mc:Choice xmlns:c14="http://schemas.microsoft.com/office/drawing/2007/8/2/chart" Requires="c14">
+      <c14:style val="102"/>
+    </mc:Choice>
+    <mc:Fallback>
+      <c:style val="2"/>
+    </mc:Fallback>
+  </mc:AlternateContent>
+  <c:chart>
+    <c:autoTitleDeleted val="1"/>
+    <c:view3D>
+      <c:rotX val="15"/>
+      <c:rotY val="20"/>
+      <c:depthPercent val="100"/>
+      <c:rAngAx val="1"/>
+    </c:view3D>
+    <c:floor>
+      <c:thickness val="0"/>
+      <c:spPr>
+        <a:noFill/>
+        <a:ln>
+          <a:noFill/>
+        </a:ln>
+        <a:effectLst/>
+        <a:sp3d/>
+      </c:spPr>
+    </c:floor>
+    <c:sideWall>
+      <c:thickness val="0"/>
+      <c:spPr>
+        <a:noFill/>
+        <a:ln>
+          <a:noFill/>
+        </a:ln>
+        <a:effectLst/>
+        <a:sp3d/>
+      </c:spPr>
+    </c:sideWall>
+    <c:backWall>
+      <c:thickness val="0"/>
+      <c:spPr>
+        <a:noFill/>
+        <a:ln>
+          <a:noFill/>
+        </a:ln>
+        <a:effectLst/>
+        <a:sp3d/>
+      </c:spPr>
+    </c:backWall>
+    <c:plotArea>
+      <c:layout/>
+      <c:bar3DChart>
+        <c:barDir val="bar"/>
+        <c:grouping val="clustered"/>
+        <c:varyColors val="0"/>
+        <c:ser>
+          <c:idx val="0"/>
+          <c:order val="0"/>
+          <c:tx>
+            <c:strRef>
+              <c:f>nps_top_parks!$B$1</c:f>
+              <c:strCache>
+                <c:ptCount val="1"/>
+                <c:pt idx="0">
+                  <c:v>RecreationVisits</c:v>
+                </c:pt>
+              </c:strCache>
+            </c:strRef>
+          </c:tx>
+          <c:spPr>
+            <a:solidFill>
+              <a:schemeClr val="accent1"/>
+            </a:solidFill>
+            <a:ln>
+              <a:noFill/>
+            </a:ln>
+            <a:effectLst/>
+            <a:sp3d/>
+          </c:spPr>
+          <c:invertIfNegative val="0"/>
+          <c:dPt>
+            <c:idx val="0"/>
+            <c:invertIfNegative val="0"/>
+            <c:bubble3D val="0"/>
+            <c:spPr>
+              <a:solidFill>
+                <a:schemeClr val="accent3">
+                  <a:lumMod val="75000"/>
+                </a:schemeClr>
+              </a:solidFill>
+              <a:ln>
+                <a:noFill/>
+              </a:ln>
+              <a:effectLst/>
+              <a:sp3d/>
+            </c:spPr>
+            <c:extLst>
+              <c:ext xmlns:c16="http://schemas.microsoft.com/office/drawing/2014/chart" uri="{C3380CC4-5D6E-409C-BE32-E72D297353CC}">
+                <c16:uniqueId val="{00000005-00A7-494A-8AAB-86AF9DBD761F}"/>
+              </c:ext>
+            </c:extLst>
+          </c:dPt>
+          <c:dPt>
+            <c:idx val="1"/>
+            <c:invertIfNegative val="0"/>
+            <c:bubble3D val="0"/>
+            <c:spPr>
+              <a:solidFill>
+                <a:schemeClr val="accent2">
+                  <a:lumMod val="90000"/>
+                  <a:lumOff val="10000"/>
+                </a:schemeClr>
+              </a:solidFill>
+              <a:ln>
+                <a:noFill/>
+              </a:ln>
+              <a:effectLst/>
+              <a:sp3d/>
+            </c:spPr>
+            <c:extLst>
+              <c:ext xmlns:c16="http://schemas.microsoft.com/office/drawing/2014/chart" uri="{C3380CC4-5D6E-409C-BE32-E72D297353CC}">
+                <c16:uniqueId val="{00000004-00A7-494A-8AAB-86AF9DBD761F}"/>
+              </c:ext>
+            </c:extLst>
+          </c:dPt>
+          <c:dPt>
+            <c:idx val="2"/>
+            <c:invertIfNegative val="0"/>
+            <c:bubble3D val="0"/>
+            <c:spPr>
+              <a:solidFill>
+                <a:schemeClr val="accent5"/>
+              </a:solidFill>
+              <a:ln>
+                <a:noFill/>
+              </a:ln>
+              <a:effectLst/>
+              <a:sp3d/>
+            </c:spPr>
+            <c:extLst>
+              <c:ext xmlns:c16="http://schemas.microsoft.com/office/drawing/2014/chart" uri="{C3380CC4-5D6E-409C-BE32-E72D297353CC}">
+                <c16:uniqueId val="{00000003-00A7-494A-8AAB-86AF9DBD761F}"/>
+              </c:ext>
+            </c:extLst>
+          </c:dPt>
+          <c:dPt>
+            <c:idx val="3"/>
+            <c:invertIfNegative val="0"/>
+            <c:bubble3D val="0"/>
+            <c:spPr>
+              <a:solidFill>
+                <a:schemeClr val="accent6"/>
+              </a:solidFill>
+              <a:ln>
+                <a:noFill/>
+              </a:ln>
+              <a:effectLst/>
+              <a:sp3d/>
+            </c:spPr>
+            <c:extLst>
+              <c:ext xmlns:c16="http://schemas.microsoft.com/office/drawing/2014/chart" uri="{C3380CC4-5D6E-409C-BE32-E72D297353CC}">
+                <c16:uniqueId val="{00000002-00A7-494A-8AAB-86AF9DBD761F}"/>
+              </c:ext>
+            </c:extLst>
+          </c:dPt>
+          <c:dPt>
+            <c:idx val="4"/>
+            <c:invertIfNegative val="0"/>
+            <c:bubble3D val="0"/>
+            <c:spPr>
+              <a:solidFill>
+                <a:schemeClr val="accent2"/>
               </a:solidFill>
               <a:ln>
                 <a:noFill/>
@@ -13036,7 +15661,7 @@
             <a:pPr>
               <a:defRPr sz="900" b="0" i="0" u="none" strike="noStrike" kern="1200" baseline="0">
                 <a:solidFill>
-                  <a:schemeClr val="accent1"/>
+                  <a:schemeClr val="bg1"/>
                 </a:solidFill>
                 <a:latin typeface="+mn-lt"/>
                 <a:ea typeface="+mn-ea"/>
@@ -13086,7 +15711,7 @@
             <a:pPr>
               <a:defRPr sz="900" b="0" i="0" u="none" strike="noStrike" kern="1200" baseline="0">
                 <a:solidFill>
-                  <a:schemeClr val="accent1"/>
+                  <a:schemeClr val="bg1"/>
                 </a:solidFill>
                 <a:latin typeface="+mn-lt"/>
                 <a:ea typeface="+mn-ea"/>
@@ -13116,7 +15741,7 @@
                 <a:pPr>
                   <a:defRPr sz="1000" b="0" i="0" u="none" strike="noStrike" kern="1200" baseline="0">
                     <a:solidFill>
-                      <a:schemeClr val="accent1"/>
+                      <a:schemeClr val="bg1"/>
                     </a:solidFill>
                     <a:latin typeface="+mn-lt"/>
                     <a:ea typeface="+mn-ea"/>
@@ -13511,10 +16136,7 @@
             <a:pPr>
               <a:defRPr sz="1050" b="0" i="0" u="none" strike="noStrike" kern="1200" cap="none" spc="0" normalizeH="0" baseline="0">
                 <a:solidFill>
-                  <a:schemeClr val="accent2">
-                    <a:lumMod val="10000"/>
-                    <a:lumOff val="90000"/>
-                  </a:schemeClr>
+                  <a:schemeClr val="bg1"/>
                 </a:solidFill>
                 <a:latin typeface="+mn-lt"/>
                 <a:ea typeface="+mn-ea"/>
@@ -13584,10 +16206,7 @@
             <a:pPr>
               <a:defRPr sz="1197" b="0" i="0" u="none" strike="noStrike" kern="1200" baseline="0">
                 <a:solidFill>
-                  <a:schemeClr val="accent2">
-                    <a:lumMod val="10000"/>
-                    <a:lumOff val="90000"/>
-                  </a:schemeClr>
+                  <a:schemeClr val="bg1"/>
                 </a:solidFill>
                 <a:latin typeface="+mn-lt"/>
                 <a:ea typeface="+mn-ea"/>
@@ -13619,10 +16238,7 @@
                   <a:pPr>
                     <a:defRPr sz="1197" b="0" i="0" u="none" strike="noStrike" kern="1200" cap="all" baseline="0">
                       <a:solidFill>
-                        <a:schemeClr val="accent2">
-                          <a:lumMod val="10000"/>
-                          <a:lumOff val="90000"/>
-                        </a:schemeClr>
+                        <a:schemeClr val="bg1"/>
                       </a:solidFill>
                       <a:latin typeface="+mn-lt"/>
                       <a:ea typeface="+mn-ea"/>
@@ -13632,10 +16248,7 @@
                   <a:r>
                     <a:rPr lang="en-US" dirty="0">
                       <a:solidFill>
-                        <a:schemeClr val="accent2">
-                          <a:lumMod val="10000"/>
-                          <a:lumOff val="90000"/>
-                        </a:schemeClr>
+                        <a:schemeClr val="bg1"/>
                       </a:solidFill>
                     </a:rPr>
                     <a:t>Visits (Millions)</a:t>
@@ -13657,10 +16270,7 @@
                 <a:pPr>
                   <a:defRPr sz="1197" b="0" i="0" u="none" strike="noStrike" kern="1200" cap="all" baseline="0">
                     <a:solidFill>
-                      <a:schemeClr val="accent2">
-                        <a:lumMod val="10000"/>
-                        <a:lumOff val="90000"/>
-                      </a:schemeClr>
+                      <a:schemeClr val="bg1"/>
                     </a:solidFill>
                     <a:latin typeface="+mn-lt"/>
                     <a:ea typeface="+mn-ea"/>
@@ -15658,10 +18268,7 @@
             <a:pPr>
               <a:defRPr sz="900" b="0" i="0" u="none" strike="noStrike" kern="1200" baseline="0">
                 <a:solidFill>
-                  <a:schemeClr val="tx1">
-                    <a:lumMod val="65000"/>
-                    <a:lumOff val="35000"/>
-                  </a:schemeClr>
+                  <a:schemeClr val="accent1"/>
                 </a:solidFill>
                 <a:latin typeface="+mn-lt"/>
                 <a:ea typeface="+mn-ea"/>
@@ -15711,10 +18318,7 @@
             <a:pPr>
               <a:defRPr sz="900" b="0" i="0" u="none" strike="noStrike" kern="1200" baseline="0">
                 <a:solidFill>
-                  <a:schemeClr val="tx1">
-                    <a:lumMod val="65000"/>
-                    <a:lumOff val="35000"/>
-                  </a:schemeClr>
+                  <a:schemeClr val="accent1"/>
                 </a:solidFill>
                 <a:latin typeface="+mn-lt"/>
                 <a:ea typeface="+mn-ea"/>
@@ -15744,10 +18348,7 @@
                 <a:pPr>
                   <a:defRPr sz="1000" b="0" i="0" u="none" strike="noStrike" kern="1200" baseline="0">
                     <a:solidFill>
-                      <a:schemeClr val="tx1">
-                        <a:lumMod val="65000"/>
-                        <a:lumOff val="35000"/>
-                      </a:schemeClr>
+                      <a:schemeClr val="accent1"/>
                     </a:solidFill>
                     <a:latin typeface="+mn-lt"/>
                     <a:ea typeface="+mn-ea"/>
@@ -18688,6 +21289,86 @@
 </file>
 
 <file path=ppt/charts/colors14.xml><?xml version="1.0" encoding="utf-8"?>
+<cs:colorStyle xmlns:cs="http://schemas.microsoft.com/office/drawing/2012/chartStyle" xmlns:a="http://schemas.openxmlformats.org/drawingml/2006/main" meth="cycle" id="10">
+  <a:schemeClr val="accent1"/>
+  <a:schemeClr val="accent2"/>
+  <a:schemeClr val="accent3"/>
+  <a:schemeClr val="accent4"/>
+  <a:schemeClr val="accent5"/>
+  <a:schemeClr val="accent6"/>
+  <cs:variation/>
+  <cs:variation>
+    <a:lumMod val="60000"/>
+  </cs:variation>
+  <cs:variation>
+    <a:lumMod val="80000"/>
+    <a:lumOff val="20000"/>
+  </cs:variation>
+  <cs:variation>
+    <a:lumMod val="80000"/>
+  </cs:variation>
+  <cs:variation>
+    <a:lumMod val="60000"/>
+    <a:lumOff val="40000"/>
+  </cs:variation>
+  <cs:variation>
+    <a:lumMod val="50000"/>
+  </cs:variation>
+  <cs:variation>
+    <a:lumMod val="70000"/>
+    <a:lumOff val="30000"/>
+  </cs:variation>
+  <cs:variation>
+    <a:lumMod val="70000"/>
+  </cs:variation>
+  <cs:variation>
+    <a:lumMod val="50000"/>
+    <a:lumOff val="50000"/>
+  </cs:variation>
+</cs:colorStyle>
+</file>
+
+<file path=ppt/charts/colors15.xml><?xml version="1.0" encoding="utf-8"?>
+<cs:colorStyle xmlns:cs="http://schemas.microsoft.com/office/drawing/2012/chartStyle" xmlns:a="http://schemas.openxmlformats.org/drawingml/2006/main" meth="cycle" id="10">
+  <a:schemeClr val="accent1"/>
+  <a:schemeClr val="accent2"/>
+  <a:schemeClr val="accent3"/>
+  <a:schemeClr val="accent4"/>
+  <a:schemeClr val="accent5"/>
+  <a:schemeClr val="accent6"/>
+  <cs:variation/>
+  <cs:variation>
+    <a:lumMod val="60000"/>
+  </cs:variation>
+  <cs:variation>
+    <a:lumMod val="80000"/>
+    <a:lumOff val="20000"/>
+  </cs:variation>
+  <cs:variation>
+    <a:lumMod val="80000"/>
+  </cs:variation>
+  <cs:variation>
+    <a:lumMod val="60000"/>
+    <a:lumOff val="40000"/>
+  </cs:variation>
+  <cs:variation>
+    <a:lumMod val="50000"/>
+  </cs:variation>
+  <cs:variation>
+    <a:lumMod val="70000"/>
+    <a:lumOff val="30000"/>
+  </cs:variation>
+  <cs:variation>
+    <a:lumMod val="70000"/>
+  </cs:variation>
+  <cs:variation>
+    <a:lumMod val="50000"/>
+    <a:lumOff val="50000"/>
+  </cs:variation>
+</cs:colorStyle>
+</file>
+
+<file path=ppt/charts/colors16.xml><?xml version="1.0" encoding="utf-8"?>
 <cs:colorStyle xmlns:cs="http://schemas.microsoft.com/office/drawing/2012/chartStyle" xmlns:a="http://schemas.openxmlformats.org/drawingml/2006/main" meth="cycle" id="10">
   <a:schemeClr val="accent1"/>
   <a:schemeClr val="accent2"/>
@@ -21574,6 +24255,1011 @@
 </file>
 
 <file path=ppt/charts/style14.xml><?xml version="1.0" encoding="utf-8"?>
+<cs:chartStyle xmlns:cs="http://schemas.microsoft.com/office/drawing/2012/chartStyle" xmlns:a="http://schemas.openxmlformats.org/drawingml/2006/main" id="296">
+  <cs:axisTitle>
+    <cs:lnRef idx="0"/>
+    <cs:fillRef idx="0"/>
+    <cs:effectRef idx="0"/>
+    <cs:fontRef idx="minor">
+      <a:schemeClr val="tx1">
+        <a:lumMod val="65000"/>
+        <a:lumOff val="35000"/>
+      </a:schemeClr>
+    </cs:fontRef>
+    <cs:defRPr sz="1197" kern="1200" cap="all"/>
+  </cs:axisTitle>
+  <cs:categoryAxis>
+    <cs:lnRef idx="0"/>
+    <cs:fillRef idx="0"/>
+    <cs:effectRef idx="0"/>
+    <cs:fontRef idx="minor">
+      <a:schemeClr val="tx1">
+        <a:lumMod val="65000"/>
+        <a:lumOff val="35000"/>
+      </a:schemeClr>
+    </cs:fontRef>
+    <cs:defRPr sz="1197" b="0" kern="1200" cap="none" spc="0" normalizeH="0" baseline="0"/>
+  </cs:categoryAxis>
+  <cs:chartArea mods="allowNoFillOverride allowNoLineOverride">
+    <cs:lnRef idx="0"/>
+    <cs:fillRef idx="0"/>
+    <cs:effectRef idx="0"/>
+    <cs:fontRef idx="minor">
+      <a:schemeClr val="dk1"/>
+    </cs:fontRef>
+    <cs:spPr>
+      <a:solidFill>
+        <a:schemeClr val="bg1"/>
+      </a:solidFill>
+      <a:ln w="9525" cap="flat" cmpd="sng" algn="ctr">
+        <a:solidFill>
+          <a:schemeClr val="tx1">
+            <a:lumMod val="15000"/>
+            <a:lumOff val="85000"/>
+          </a:schemeClr>
+        </a:solidFill>
+        <a:round/>
+      </a:ln>
+    </cs:spPr>
+    <cs:defRPr sz="1197" kern="1200"/>
+  </cs:chartArea>
+  <cs:dataLabel>
+    <cs:lnRef idx="0"/>
+    <cs:fillRef idx="0"/>
+    <cs:effectRef idx="0"/>
+    <cs:fontRef idx="minor">
+      <a:schemeClr val="tx1">
+        <a:lumMod val="75000"/>
+        <a:lumOff val="25000"/>
+      </a:schemeClr>
+    </cs:fontRef>
+    <cs:defRPr sz="1197" kern="1200"/>
+  </cs:dataLabel>
+  <cs:dataLabelCallout>
+    <cs:lnRef idx="0"/>
+    <cs:fillRef idx="0"/>
+    <cs:effectRef idx="0"/>
+    <cs:fontRef idx="minor">
+      <a:schemeClr val="dk1">
+        <a:lumMod val="75000"/>
+        <a:lumOff val="25000"/>
+      </a:schemeClr>
+    </cs:fontRef>
+    <cs:spPr>
+      <a:solidFill>
+        <a:schemeClr val="dk1">
+          <a:lumMod val="15000"/>
+          <a:lumOff val="85000"/>
+        </a:schemeClr>
+      </a:solidFill>
+    </cs:spPr>
+    <cs:defRPr sz="1197" kern="1200"/>
+    <cs:bodyPr rot="0" spcFirstLastPara="1" vertOverflow="clip" horzOverflow="clip" vert="horz" wrap="square" lIns="36576" tIns="18288" rIns="36576" bIns="18288" anchor="ctr" anchorCtr="1">
+      <a:spAutoFit/>
+    </cs:bodyPr>
+  </cs:dataLabelCallout>
+  <cs:dataPoint>
+    <cs:lnRef idx="0"/>
+    <cs:fillRef idx="0">
+      <cs:styleClr val="auto"/>
+    </cs:fillRef>
+    <cs:effectRef idx="0"/>
+    <cs:fontRef idx="minor">
+      <a:schemeClr val="dk1"/>
+    </cs:fontRef>
+    <cs:spPr>
+      <a:solidFill>
+        <a:schemeClr val="phClr"/>
+      </a:solidFill>
+    </cs:spPr>
+  </cs:dataPoint>
+  <cs:dataPoint3D>
+    <cs:lnRef idx="0"/>
+    <cs:fillRef idx="0">
+      <cs:styleClr val="auto"/>
+    </cs:fillRef>
+    <cs:effectRef idx="0"/>
+    <cs:fontRef idx="minor">
+      <a:schemeClr val="dk1"/>
+    </cs:fontRef>
+    <cs:spPr>
+      <a:solidFill>
+        <a:schemeClr val="phClr"/>
+      </a:solidFill>
+    </cs:spPr>
+  </cs:dataPoint3D>
+  <cs:dataPointLine>
+    <cs:lnRef idx="0">
+      <cs:styleClr val="auto"/>
+    </cs:lnRef>
+    <cs:fillRef idx="0"/>
+    <cs:effectRef idx="0"/>
+    <cs:fontRef idx="minor">
+      <a:schemeClr val="dk1"/>
+    </cs:fontRef>
+    <cs:spPr>
+      <a:ln w="38100" cap="rnd">
+        <a:solidFill>
+          <a:schemeClr val="phClr"/>
+        </a:solidFill>
+        <a:round/>
+      </a:ln>
+    </cs:spPr>
+  </cs:dataPointLine>
+  <cs:dataPointMarker>
+    <cs:lnRef idx="0"/>
+    <cs:fillRef idx="0">
+      <cs:styleClr val="auto"/>
+    </cs:fillRef>
+    <cs:effectRef idx="0"/>
+    <cs:fontRef idx="minor">
+      <a:schemeClr val="dk1"/>
+    </cs:fontRef>
+    <cs:spPr>
+      <a:solidFill>
+        <a:schemeClr val="phClr"/>
+      </a:solidFill>
+    </cs:spPr>
+  </cs:dataPointMarker>
+  <cs:dataPointMarkerLayout symbol="circle" size="8"/>
+  <cs:dataPointWireframe>
+    <cs:lnRef idx="0">
+      <cs:styleClr val="auto"/>
+    </cs:lnRef>
+    <cs:fillRef idx="0"/>
+    <cs:effectRef idx="0"/>
+    <cs:fontRef idx="minor">
+      <a:schemeClr val="dk1"/>
+    </cs:fontRef>
+    <cs:spPr>
+      <a:ln w="9525" cap="rnd">
+        <a:solidFill>
+          <a:schemeClr val="phClr"/>
+        </a:solidFill>
+        <a:round/>
+      </a:ln>
+    </cs:spPr>
+  </cs:dataPointWireframe>
+  <cs:dataTable>
+    <cs:lnRef idx="0"/>
+    <cs:fillRef idx="0"/>
+    <cs:effectRef idx="0"/>
+    <cs:fontRef idx="minor">
+      <a:schemeClr val="tx1">
+        <a:lumMod val="65000"/>
+        <a:lumOff val="35000"/>
+      </a:schemeClr>
+    </cs:fontRef>
+    <cs:spPr>
+      <a:ln w="9525">
+        <a:solidFill>
+          <a:schemeClr val="tx1">
+            <a:lumMod val="15000"/>
+            <a:lumOff val="85000"/>
+          </a:schemeClr>
+        </a:solidFill>
+      </a:ln>
+    </cs:spPr>
+    <cs:defRPr sz="1197" kern="1200"/>
+  </cs:dataTable>
+  <cs:downBar>
+    <cs:lnRef idx="0"/>
+    <cs:fillRef idx="0"/>
+    <cs:effectRef idx="0"/>
+    <cs:fontRef idx="minor">
+      <a:schemeClr val="dk1"/>
+    </cs:fontRef>
+    <cs:spPr>
+      <a:solidFill>
+        <a:schemeClr val="dk1">
+          <a:lumMod val="75000"/>
+          <a:lumOff val="25000"/>
+        </a:schemeClr>
+      </a:solidFill>
+      <a:ln w="9525">
+        <a:solidFill>
+          <a:schemeClr val="tx1">
+            <a:lumMod val="50000"/>
+            <a:lumOff val="50000"/>
+          </a:schemeClr>
+        </a:solidFill>
+      </a:ln>
+    </cs:spPr>
+  </cs:downBar>
+  <cs:dropLine>
+    <cs:lnRef idx="0"/>
+    <cs:fillRef idx="0"/>
+    <cs:effectRef idx="0"/>
+    <cs:fontRef idx="minor">
+      <a:schemeClr val="dk1"/>
+    </cs:fontRef>
+    <cs:spPr>
+      <a:ln w="9525">
+        <a:solidFill>
+          <a:schemeClr val="tx1">
+            <a:lumMod val="50000"/>
+            <a:lumOff val="50000"/>
+          </a:schemeClr>
+        </a:solidFill>
+        <a:prstDash val="dash"/>
+      </a:ln>
+    </cs:spPr>
+  </cs:dropLine>
+  <cs:errorBar>
+    <cs:lnRef idx="0"/>
+    <cs:fillRef idx="0"/>
+    <cs:effectRef idx="0"/>
+    <cs:fontRef idx="minor">
+      <a:schemeClr val="dk1"/>
+    </cs:fontRef>
+    <cs:spPr>
+      <a:ln w="9525">
+        <a:solidFill>
+          <a:schemeClr val="tx1">
+            <a:lumMod val="50000"/>
+            <a:lumOff val="50000"/>
+          </a:schemeClr>
+        </a:solidFill>
+        <a:round/>
+      </a:ln>
+    </cs:spPr>
+  </cs:errorBar>
+  <cs:floor>
+    <cs:lnRef idx="0"/>
+    <cs:fillRef idx="0"/>
+    <cs:effectRef idx="0"/>
+    <cs:fontRef idx="minor">
+      <a:schemeClr val="dk1"/>
+    </cs:fontRef>
+  </cs:floor>
+  <cs:gridlineMajor>
+    <cs:lnRef idx="0"/>
+    <cs:fillRef idx="0"/>
+    <cs:effectRef idx="0"/>
+    <cs:fontRef idx="minor">
+      <a:schemeClr val="dk1"/>
+    </cs:fontRef>
+    <cs:spPr>
+      <a:ln w="9525" cap="flat" cmpd="sng" algn="ctr">
+        <a:solidFill>
+          <a:schemeClr val="tx1">
+            <a:lumMod val="15000"/>
+            <a:lumOff val="85000"/>
+          </a:schemeClr>
+        </a:solidFill>
+        <a:round/>
+      </a:ln>
+    </cs:spPr>
+  </cs:gridlineMajor>
+  <cs:gridlineMinor>
+    <cs:lnRef idx="0"/>
+    <cs:fillRef idx="0"/>
+    <cs:effectRef idx="0"/>
+    <cs:fontRef idx="minor">
+      <a:schemeClr val="dk1"/>
+    </cs:fontRef>
+    <cs:spPr>
+      <a:ln w="9525" cap="flat" cmpd="sng" algn="ctr">
+        <a:solidFill>
+          <a:schemeClr val="tx1">
+            <a:lumMod val="5000"/>
+            <a:lumOff val="95000"/>
+          </a:schemeClr>
+        </a:solidFill>
+        <a:round/>
+      </a:ln>
+    </cs:spPr>
+  </cs:gridlineMinor>
+  <cs:hiLoLine>
+    <cs:lnRef idx="0"/>
+    <cs:fillRef idx="0"/>
+    <cs:effectRef idx="0"/>
+    <cs:fontRef idx="minor">
+      <a:schemeClr val="dk1"/>
+    </cs:fontRef>
+    <cs:spPr>
+      <a:ln w="9525">
+        <a:solidFill>
+          <a:schemeClr val="tx1">
+            <a:lumMod val="50000"/>
+            <a:lumOff val="50000"/>
+          </a:schemeClr>
+        </a:solidFill>
+        <a:prstDash val="dash"/>
+      </a:ln>
+    </cs:spPr>
+  </cs:hiLoLine>
+  <cs:leaderLine>
+    <cs:lnRef idx="0"/>
+    <cs:fillRef idx="0"/>
+    <cs:effectRef idx="0"/>
+    <cs:fontRef idx="minor">
+      <a:schemeClr val="dk1"/>
+    </cs:fontRef>
+    <cs:spPr>
+      <a:ln w="9525">
+        <a:solidFill>
+          <a:schemeClr val="tx1">
+            <a:lumMod val="35000"/>
+            <a:lumOff val="65000"/>
+          </a:schemeClr>
+        </a:solidFill>
+      </a:ln>
+    </cs:spPr>
+  </cs:leaderLine>
+  <cs:legend>
+    <cs:lnRef idx="0"/>
+    <cs:fillRef idx="0"/>
+    <cs:effectRef idx="0"/>
+    <cs:fontRef idx="minor">
+      <a:schemeClr val="tx1">
+        <a:lumMod val="65000"/>
+        <a:lumOff val="35000"/>
+      </a:schemeClr>
+    </cs:fontRef>
+    <cs:defRPr sz="1197" kern="1200"/>
+  </cs:legend>
+  <cs:plotArea mods="allowNoFillOverride allowNoLineOverride">
+    <cs:lnRef idx="0"/>
+    <cs:fillRef idx="0"/>
+    <cs:effectRef idx="0"/>
+    <cs:fontRef idx="minor">
+      <a:schemeClr val="dk1"/>
+    </cs:fontRef>
+  </cs:plotArea>
+  <cs:plotArea3D mods="allowNoFillOverride allowNoLineOverride">
+    <cs:lnRef idx="0"/>
+    <cs:fillRef idx="0"/>
+    <cs:effectRef idx="0"/>
+    <cs:fontRef idx="minor">
+      <a:schemeClr val="dk1"/>
+    </cs:fontRef>
+  </cs:plotArea3D>
+  <cs:seriesAxis>
+    <cs:lnRef idx="0"/>
+    <cs:fillRef idx="0"/>
+    <cs:effectRef idx="0"/>
+    <cs:fontRef idx="minor">
+      <a:schemeClr val="tx1">
+        <a:lumMod val="65000"/>
+        <a:lumOff val="35000"/>
+      </a:schemeClr>
+    </cs:fontRef>
+    <cs:spPr>
+      <a:ln w="9525" cap="flat" cmpd="sng" algn="ctr">
+        <a:solidFill>
+          <a:schemeClr val="tx1">
+            <a:lumMod val="15000"/>
+            <a:lumOff val="85000"/>
+          </a:schemeClr>
+        </a:solidFill>
+        <a:round/>
+      </a:ln>
+    </cs:spPr>
+    <cs:defRPr sz="1197" kern="1200"/>
+  </cs:seriesAxis>
+  <cs:seriesLine>
+    <cs:lnRef idx="0"/>
+    <cs:fillRef idx="0"/>
+    <cs:effectRef idx="0"/>
+    <cs:fontRef idx="minor">
+      <a:schemeClr val="dk1"/>
+    </cs:fontRef>
+    <cs:spPr>
+      <a:ln w="9525">
+        <a:solidFill>
+          <a:schemeClr val="tx1">
+            <a:lumMod val="35000"/>
+            <a:lumOff val="65000"/>
+          </a:schemeClr>
+        </a:solidFill>
+        <a:round/>
+      </a:ln>
+    </cs:spPr>
+  </cs:seriesLine>
+  <cs:title>
+    <cs:lnRef idx="0"/>
+    <cs:fillRef idx="0"/>
+    <cs:effectRef idx="0"/>
+    <cs:fontRef idx="major">
+      <a:schemeClr val="tx1">
+        <a:lumMod val="65000"/>
+        <a:lumOff val="35000"/>
+      </a:schemeClr>
+    </cs:fontRef>
+    <cs:defRPr sz="2200" b="0" kern="1200" cap="none" spc="0" normalizeH="0" baseline="0"/>
+  </cs:title>
+  <cs:trendline>
+    <cs:lnRef idx="0">
+      <cs:styleClr val="auto"/>
+    </cs:lnRef>
+    <cs:fillRef idx="0"/>
+    <cs:effectRef idx="0"/>
+    <cs:fontRef idx="minor">
+      <a:schemeClr val="dk1"/>
+    </cs:fontRef>
+    <cs:spPr>
+      <a:ln w="19050" cap="rnd">
+        <a:solidFill>
+          <a:schemeClr val="phClr"/>
+        </a:solidFill>
+        <a:round/>
+      </a:ln>
+    </cs:spPr>
+  </cs:trendline>
+  <cs:trendlineLabel>
+    <cs:lnRef idx="0"/>
+    <cs:fillRef idx="0"/>
+    <cs:effectRef idx="0"/>
+    <cs:fontRef idx="minor">
+      <a:schemeClr val="tx1">
+        <a:lumMod val="65000"/>
+        <a:lumOff val="35000"/>
+      </a:schemeClr>
+    </cs:fontRef>
+    <cs:defRPr sz="1197" kern="1200"/>
+  </cs:trendlineLabel>
+  <cs:upBar>
+    <cs:lnRef idx="0"/>
+    <cs:fillRef idx="0"/>
+    <cs:effectRef idx="0"/>
+    <cs:fontRef idx="minor">
+      <a:schemeClr val="dk1"/>
+    </cs:fontRef>
+    <cs:spPr>
+      <a:solidFill>
+        <a:schemeClr val="lt1"/>
+      </a:solidFill>
+      <a:ln w="9525">
+        <a:solidFill>
+          <a:schemeClr val="tx1">
+            <a:lumMod val="50000"/>
+            <a:lumOff val="50000"/>
+          </a:schemeClr>
+        </a:solidFill>
+      </a:ln>
+    </cs:spPr>
+  </cs:upBar>
+  <cs:valueAxis>
+    <cs:lnRef idx="0"/>
+    <cs:fillRef idx="0"/>
+    <cs:effectRef idx="0"/>
+    <cs:fontRef idx="minor">
+      <a:schemeClr val="tx1">
+        <a:lumMod val="65000"/>
+        <a:lumOff val="35000"/>
+      </a:schemeClr>
+    </cs:fontRef>
+    <cs:defRPr sz="1197" kern="1200"/>
+  </cs:valueAxis>
+  <cs:wall>
+    <cs:lnRef idx="0"/>
+    <cs:fillRef idx="0"/>
+    <cs:effectRef idx="0"/>
+    <cs:fontRef idx="minor">
+      <a:schemeClr val="dk1"/>
+    </cs:fontRef>
+  </cs:wall>
+</cs:chartStyle>
+</file>
+
+<file path=ppt/charts/style15.xml><?xml version="1.0" encoding="utf-8"?>
+<cs:chartStyle xmlns:cs="http://schemas.microsoft.com/office/drawing/2012/chartStyle" xmlns:a="http://schemas.openxmlformats.org/drawingml/2006/main" id="227">
+  <cs:axisTitle>
+    <cs:lnRef idx="0"/>
+    <cs:fillRef idx="0"/>
+    <cs:effectRef idx="0"/>
+    <cs:fontRef idx="minor">
+      <a:schemeClr val="tx1">
+        <a:lumMod val="65000"/>
+        <a:lumOff val="35000"/>
+      </a:schemeClr>
+    </cs:fontRef>
+    <cs:defRPr sz="1000" kern="1200"/>
+  </cs:axisTitle>
+  <cs:categoryAxis>
+    <cs:lnRef idx="0"/>
+    <cs:fillRef idx="0"/>
+    <cs:effectRef idx="0"/>
+    <cs:fontRef idx="minor">
+      <a:schemeClr val="tx1">
+        <a:lumMod val="65000"/>
+        <a:lumOff val="35000"/>
+      </a:schemeClr>
+    </cs:fontRef>
+    <cs:spPr>
+      <a:ln w="9525" cap="flat" cmpd="sng" algn="ctr">
+        <a:solidFill>
+          <a:schemeClr val="tx1">
+            <a:lumMod val="15000"/>
+            <a:lumOff val="85000"/>
+          </a:schemeClr>
+        </a:solidFill>
+        <a:round/>
+      </a:ln>
+    </cs:spPr>
+    <cs:defRPr sz="900" kern="1200"/>
+  </cs:categoryAxis>
+  <cs:chartArea mods="allowNoFillOverride allowNoLineOverride">
+    <cs:lnRef idx="0"/>
+    <cs:fillRef idx="0"/>
+    <cs:effectRef idx="0"/>
+    <cs:fontRef idx="minor">
+      <a:schemeClr val="tx1"/>
+    </cs:fontRef>
+    <cs:spPr>
+      <a:solidFill>
+        <a:schemeClr val="bg1"/>
+      </a:solidFill>
+      <a:ln w="9525" cap="flat" cmpd="sng" algn="ctr">
+        <a:solidFill>
+          <a:schemeClr val="tx1">
+            <a:lumMod val="15000"/>
+            <a:lumOff val="85000"/>
+          </a:schemeClr>
+        </a:solidFill>
+        <a:round/>
+      </a:ln>
+    </cs:spPr>
+    <cs:defRPr sz="1000" kern="1200"/>
+  </cs:chartArea>
+  <cs:dataLabel>
+    <cs:lnRef idx="0"/>
+    <cs:fillRef idx="0"/>
+    <cs:effectRef idx="0"/>
+    <cs:fontRef idx="minor">
+      <a:schemeClr val="tx1">
+        <a:lumMod val="75000"/>
+        <a:lumOff val="25000"/>
+      </a:schemeClr>
+    </cs:fontRef>
+    <cs:defRPr sz="900" kern="1200"/>
+  </cs:dataLabel>
+  <cs:dataLabelCallout>
+    <cs:lnRef idx="0"/>
+    <cs:fillRef idx="0"/>
+    <cs:effectRef idx="0"/>
+    <cs:fontRef idx="minor">
+      <a:schemeClr val="dk1">
+        <a:lumMod val="65000"/>
+        <a:lumOff val="35000"/>
+      </a:schemeClr>
+    </cs:fontRef>
+    <cs:spPr>
+      <a:solidFill>
+        <a:schemeClr val="lt1"/>
+      </a:solidFill>
+      <a:ln>
+        <a:solidFill>
+          <a:schemeClr val="dk1">
+            <a:lumMod val="25000"/>
+            <a:lumOff val="75000"/>
+          </a:schemeClr>
+        </a:solidFill>
+      </a:ln>
+    </cs:spPr>
+    <cs:defRPr sz="900" kern="1200"/>
+    <cs:bodyPr rot="0" spcFirstLastPara="1" vertOverflow="clip" horzOverflow="clip" vert="horz" wrap="square" lIns="36576" tIns="18288" rIns="36576" bIns="18288" anchor="ctr" anchorCtr="1">
+      <a:spAutoFit/>
+    </cs:bodyPr>
+  </cs:dataLabelCallout>
+  <cs:dataPoint>
+    <cs:lnRef idx="0"/>
+    <cs:fillRef idx="1">
+      <cs:styleClr val="auto"/>
+    </cs:fillRef>
+    <cs:effectRef idx="0"/>
+    <cs:fontRef idx="minor">
+      <a:schemeClr val="tx1"/>
+    </cs:fontRef>
+    <cs:spPr>
+      <a:solidFill>
+        <a:schemeClr val="phClr"/>
+      </a:solidFill>
+    </cs:spPr>
+  </cs:dataPoint>
+  <cs:dataPoint3D>
+    <cs:lnRef idx="0"/>
+    <cs:fillRef idx="1">
+      <cs:styleClr val="auto"/>
+    </cs:fillRef>
+    <cs:effectRef idx="0"/>
+    <cs:fontRef idx="minor">
+      <a:schemeClr val="tx1"/>
+    </cs:fontRef>
+    <cs:spPr>
+      <a:solidFill>
+        <a:schemeClr val="phClr"/>
+      </a:solidFill>
+    </cs:spPr>
+  </cs:dataPoint3D>
+  <cs:dataPointLine>
+    <cs:lnRef idx="0">
+      <cs:styleClr val="auto"/>
+    </cs:lnRef>
+    <cs:fillRef idx="1"/>
+    <cs:effectRef idx="0"/>
+    <cs:fontRef idx="minor">
+      <a:schemeClr val="tx1"/>
+    </cs:fontRef>
+    <cs:spPr>
+      <a:ln w="28575" cap="rnd">
+        <a:solidFill>
+          <a:schemeClr val="phClr"/>
+        </a:solidFill>
+        <a:round/>
+      </a:ln>
+    </cs:spPr>
+  </cs:dataPointLine>
+  <cs:dataPointMarker>
+    <cs:lnRef idx="0">
+      <cs:styleClr val="auto"/>
+    </cs:lnRef>
+    <cs:fillRef idx="1">
+      <cs:styleClr val="auto"/>
+    </cs:fillRef>
+    <cs:effectRef idx="0"/>
+    <cs:fontRef idx="minor">
+      <a:schemeClr val="tx1"/>
+    </cs:fontRef>
+    <cs:spPr>
+      <a:solidFill>
+        <a:schemeClr val="phClr"/>
+      </a:solidFill>
+      <a:ln w="9525">
+        <a:solidFill>
+          <a:schemeClr val="phClr"/>
+        </a:solidFill>
+      </a:ln>
+    </cs:spPr>
+  </cs:dataPointMarker>
+  <cs:dataPointMarkerLayout symbol="circle" size="5"/>
+  <cs:dataPointWireframe>
+    <cs:lnRef idx="0">
+      <cs:styleClr val="auto"/>
+    </cs:lnRef>
+    <cs:fillRef idx="1"/>
+    <cs:effectRef idx="0"/>
+    <cs:fontRef idx="minor">
+      <a:schemeClr val="tx1"/>
+    </cs:fontRef>
+    <cs:spPr>
+      <a:ln w="9525" cap="rnd">
+        <a:solidFill>
+          <a:schemeClr val="phClr"/>
+        </a:solidFill>
+        <a:round/>
+      </a:ln>
+    </cs:spPr>
+  </cs:dataPointWireframe>
+  <cs:dataTable>
+    <cs:lnRef idx="0"/>
+    <cs:fillRef idx="0"/>
+    <cs:effectRef idx="0"/>
+    <cs:fontRef idx="minor">
+      <a:schemeClr val="tx1">
+        <a:lumMod val="65000"/>
+        <a:lumOff val="35000"/>
+      </a:schemeClr>
+    </cs:fontRef>
+    <cs:spPr>
+      <a:noFill/>
+      <a:ln w="9525" cap="flat" cmpd="sng" algn="ctr">
+        <a:solidFill>
+          <a:schemeClr val="tx1">
+            <a:lumMod val="15000"/>
+            <a:lumOff val="85000"/>
+          </a:schemeClr>
+        </a:solidFill>
+        <a:round/>
+      </a:ln>
+    </cs:spPr>
+    <cs:defRPr sz="900" kern="1200"/>
+  </cs:dataTable>
+  <cs:downBar>
+    <cs:lnRef idx="0"/>
+    <cs:fillRef idx="0"/>
+    <cs:effectRef idx="0"/>
+    <cs:fontRef idx="minor">
+      <a:schemeClr val="dk1"/>
+    </cs:fontRef>
+    <cs:spPr>
+      <a:solidFill>
+        <a:schemeClr val="dk1">
+          <a:lumMod val="65000"/>
+          <a:lumOff val="35000"/>
+        </a:schemeClr>
+      </a:solidFill>
+      <a:ln w="9525">
+        <a:solidFill>
+          <a:schemeClr val="tx1">
+            <a:lumMod val="65000"/>
+            <a:lumOff val="35000"/>
+          </a:schemeClr>
+        </a:solidFill>
+      </a:ln>
+    </cs:spPr>
+  </cs:downBar>
+  <cs:dropLine>
+    <cs:lnRef idx="0"/>
+    <cs:fillRef idx="0"/>
+    <cs:effectRef idx="0"/>
+    <cs:fontRef idx="minor">
+      <a:schemeClr val="tx1"/>
+    </cs:fontRef>
+    <cs:spPr>
+      <a:ln w="9525" cap="flat" cmpd="sng" algn="ctr">
+        <a:solidFill>
+          <a:schemeClr val="tx1">
+            <a:lumMod val="35000"/>
+            <a:lumOff val="65000"/>
+          </a:schemeClr>
+        </a:solidFill>
+        <a:round/>
+      </a:ln>
+    </cs:spPr>
+  </cs:dropLine>
+  <cs:errorBar>
+    <cs:lnRef idx="0"/>
+    <cs:fillRef idx="0"/>
+    <cs:effectRef idx="0"/>
+    <cs:fontRef idx="minor">
+      <a:schemeClr val="tx1"/>
+    </cs:fontRef>
+    <cs:spPr>
+      <a:ln w="9525" cap="flat" cmpd="sng" algn="ctr">
+        <a:solidFill>
+          <a:schemeClr val="tx1">
+            <a:lumMod val="65000"/>
+            <a:lumOff val="35000"/>
+          </a:schemeClr>
+        </a:solidFill>
+        <a:round/>
+      </a:ln>
+    </cs:spPr>
+  </cs:errorBar>
+  <cs:floor>
+    <cs:lnRef idx="0"/>
+    <cs:fillRef idx="0"/>
+    <cs:effectRef idx="0"/>
+    <cs:fontRef idx="minor">
+      <a:schemeClr val="tx1"/>
+    </cs:fontRef>
+    <cs:spPr>
+      <a:noFill/>
+      <a:ln>
+        <a:noFill/>
+      </a:ln>
+    </cs:spPr>
+  </cs:floor>
+  <cs:gridlineMajor>
+    <cs:lnRef idx="0"/>
+    <cs:fillRef idx="0"/>
+    <cs:effectRef idx="0"/>
+    <cs:fontRef idx="minor">
+      <a:schemeClr val="tx1"/>
+    </cs:fontRef>
+    <cs:spPr>
+      <a:ln w="9525" cap="flat" cmpd="sng" algn="ctr">
+        <a:solidFill>
+          <a:schemeClr val="tx1">
+            <a:lumMod val="15000"/>
+            <a:lumOff val="85000"/>
+          </a:schemeClr>
+        </a:solidFill>
+        <a:round/>
+      </a:ln>
+    </cs:spPr>
+  </cs:gridlineMajor>
+  <cs:gridlineMinor>
+    <cs:lnRef idx="0"/>
+    <cs:fillRef idx="0"/>
+    <cs:effectRef idx="0"/>
+    <cs:fontRef idx="minor">
+      <a:schemeClr val="tx1"/>
+    </cs:fontRef>
+    <cs:spPr>
+      <a:ln w="9525" cap="flat" cmpd="sng" algn="ctr">
+        <a:solidFill>
+          <a:schemeClr val="tx1">
+            <a:lumMod val="5000"/>
+            <a:lumOff val="95000"/>
+          </a:schemeClr>
+        </a:solidFill>
+        <a:round/>
+      </a:ln>
+    </cs:spPr>
+  </cs:gridlineMinor>
+  <cs:hiLoLine>
+    <cs:lnRef idx="0"/>
+    <cs:fillRef idx="0"/>
+    <cs:effectRef idx="0"/>
+    <cs:fontRef idx="minor">
+      <a:schemeClr val="tx1"/>
+    </cs:fontRef>
+    <cs:spPr>
+      <a:ln w="9525" cap="flat" cmpd="sng" algn="ctr">
+        <a:solidFill>
+          <a:schemeClr val="tx1">
+            <a:lumMod val="75000"/>
+            <a:lumOff val="25000"/>
+          </a:schemeClr>
+        </a:solidFill>
+        <a:round/>
+      </a:ln>
+    </cs:spPr>
+  </cs:hiLoLine>
+  <cs:leaderLine>
+    <cs:lnRef idx="0"/>
+    <cs:fillRef idx="0"/>
+    <cs:effectRef idx="0"/>
+    <cs:fontRef idx="minor">
+      <a:schemeClr val="tx1"/>
+    </cs:fontRef>
+    <cs:spPr>
+      <a:ln w="9525" cap="flat" cmpd="sng" algn="ctr">
+        <a:solidFill>
+          <a:schemeClr val="tx1">
+            <a:lumMod val="35000"/>
+            <a:lumOff val="65000"/>
+          </a:schemeClr>
+        </a:solidFill>
+        <a:round/>
+      </a:ln>
+    </cs:spPr>
+  </cs:leaderLine>
+  <cs:legend>
+    <cs:lnRef idx="0"/>
+    <cs:fillRef idx="0"/>
+    <cs:effectRef idx="0"/>
+    <cs:fontRef idx="minor">
+      <a:schemeClr val="tx1">
+        <a:lumMod val="65000"/>
+        <a:lumOff val="35000"/>
+      </a:schemeClr>
+    </cs:fontRef>
+    <cs:defRPr sz="900" kern="1200"/>
+  </cs:legend>
+  <cs:plotArea mods="allowNoFillOverride allowNoLineOverride">
+    <cs:lnRef idx="0"/>
+    <cs:fillRef idx="0"/>
+    <cs:effectRef idx="0"/>
+    <cs:fontRef idx="minor">
+      <a:schemeClr val="tx1"/>
+    </cs:fontRef>
+  </cs:plotArea>
+  <cs:plotArea3D mods="allowNoFillOverride allowNoLineOverride">
+    <cs:lnRef idx="0"/>
+    <cs:fillRef idx="0"/>
+    <cs:effectRef idx="0"/>
+    <cs:fontRef idx="minor">
+      <a:schemeClr val="tx1"/>
+    </cs:fontRef>
+  </cs:plotArea3D>
+  <cs:seriesAxis>
+    <cs:lnRef idx="0"/>
+    <cs:fillRef idx="0"/>
+    <cs:effectRef idx="0"/>
+    <cs:fontRef idx="minor">
+      <a:schemeClr val="tx1">
+        <a:lumMod val="65000"/>
+        <a:lumOff val="35000"/>
+      </a:schemeClr>
+    </cs:fontRef>
+    <cs:defRPr sz="900" kern="1200"/>
+  </cs:seriesAxis>
+  <cs:seriesLine>
+    <cs:lnRef idx="0"/>
+    <cs:fillRef idx="0"/>
+    <cs:effectRef idx="0"/>
+    <cs:fontRef idx="minor">
+      <a:schemeClr val="tx1"/>
+    </cs:fontRef>
+    <cs:spPr>
+      <a:ln w="9525" cap="flat" cmpd="sng" algn="ctr">
+        <a:solidFill>
+          <a:schemeClr val="tx1">
+            <a:lumMod val="35000"/>
+            <a:lumOff val="65000"/>
+          </a:schemeClr>
+        </a:solidFill>
+        <a:round/>
+      </a:ln>
+    </cs:spPr>
+  </cs:seriesLine>
+  <cs:title>
+    <cs:lnRef idx="0"/>
+    <cs:fillRef idx="0"/>
+    <cs:effectRef idx="0"/>
+    <cs:fontRef idx="minor">
+      <a:schemeClr val="tx1">
+        <a:lumMod val="65000"/>
+        <a:lumOff val="35000"/>
+      </a:schemeClr>
+    </cs:fontRef>
+    <cs:defRPr sz="1400" b="0" kern="1200" spc="0" baseline="0"/>
+  </cs:title>
+  <cs:trendline>
+    <cs:lnRef idx="0">
+      <cs:styleClr val="auto"/>
+    </cs:lnRef>
+    <cs:fillRef idx="0"/>
+    <cs:effectRef idx="0"/>
+    <cs:fontRef idx="minor">
+      <a:schemeClr val="tx1"/>
+    </cs:fontRef>
+    <cs:spPr>
+      <a:ln w="19050" cap="rnd">
+        <a:solidFill>
+          <a:schemeClr val="phClr"/>
+        </a:solidFill>
+        <a:prstDash val="sysDot"/>
+      </a:ln>
+    </cs:spPr>
+  </cs:trendline>
+  <cs:trendlineLabel>
+    <cs:lnRef idx="0"/>
+    <cs:fillRef idx="0"/>
+    <cs:effectRef idx="0"/>
+    <cs:fontRef idx="minor">
+      <a:schemeClr val="tx1">
+        <a:lumMod val="65000"/>
+        <a:lumOff val="35000"/>
+      </a:schemeClr>
+    </cs:fontRef>
+    <cs:defRPr sz="900" kern="1200"/>
+  </cs:trendlineLabel>
+  <cs:upBar>
+    <cs:lnRef idx="0"/>
+    <cs:fillRef idx="0"/>
+    <cs:effectRef idx="0"/>
+    <cs:fontRef idx="minor">
+      <a:schemeClr val="dk1"/>
+    </cs:fontRef>
+    <cs:spPr>
+      <a:solidFill>
+        <a:schemeClr val="lt1"/>
+      </a:solidFill>
+      <a:ln w="9525">
+        <a:solidFill>
+          <a:schemeClr val="tx1">
+            <a:lumMod val="15000"/>
+            <a:lumOff val="85000"/>
+          </a:schemeClr>
+        </a:solidFill>
+      </a:ln>
+    </cs:spPr>
+  </cs:upBar>
+  <cs:valueAxis>
+    <cs:lnRef idx="0"/>
+    <cs:fillRef idx="0"/>
+    <cs:effectRef idx="0"/>
+    <cs:fontRef idx="minor">
+      <a:schemeClr val="tx1">
+        <a:lumMod val="65000"/>
+        <a:lumOff val="35000"/>
+      </a:schemeClr>
+    </cs:fontRef>
+    <cs:defRPr sz="900" kern="1200"/>
+  </cs:valueAxis>
+  <cs:wall>
+    <cs:lnRef idx="0"/>
+    <cs:fillRef idx="0"/>
+    <cs:effectRef idx="0"/>
+    <cs:fontRef idx="minor">
+      <a:schemeClr val="tx1"/>
+    </cs:fontRef>
+    <cs:spPr>
+      <a:noFill/>
+      <a:ln>
+        <a:noFill/>
+      </a:ln>
+    </cs:spPr>
+  </cs:wall>
+</cs:chartStyle>
+</file>
+
+<file path=ppt/charts/style16.xml><?xml version="1.0" encoding="utf-8"?>
 <cs:chartStyle xmlns:cs="http://schemas.microsoft.com/office/drawing/2012/chartStyle" xmlns:a="http://schemas.openxmlformats.org/drawingml/2006/main" id="296">
   <cs:axisTitle>
     <cs:lnRef idx="0"/>
@@ -26176,7 +29862,7 @@
           <a:p>
             <a:fld id="{BD56B3A9-68BD-4D54-A0BB-B455B6E4AFF4}" type="datetimeFigureOut">
               <a:rPr lang="en-US" smtClean="0"/>
-              <a:t>7/11/2024</a:t>
+              <a:t>7/12/2024</a:t>
             </a:fld>
             <a:endParaRPr lang="en-US" dirty="0"/>
           </a:p>
@@ -26353,7 +30039,7 @@
           <a:p>
             <a:fld id="{C55816F1-3F18-45AF-B31A-ADFF417588A1}" type="datetimeFigureOut">
               <a:rPr lang="en-US" smtClean="0"/>
-              <a:t>7/11/2024</a:t>
+              <a:t>7/12/2024</a:t>
             </a:fld>
             <a:endParaRPr lang="en-US" dirty="0"/>
           </a:p>
@@ -27160,7 +30846,7 @@
           <a:p>
             <a:fld id="{A8FAED0E-297D-480F-9176-00B6D6CDE081}" type="datetimeFigureOut">
               <a:rPr lang="en-US" noProof="0" smtClean="0"/>
-              <a:t>7/11/2024</a:t>
+              <a:t>7/12/2024</a:t>
             </a:fld>
             <a:endParaRPr lang="en-US" noProof="0" dirty="0"/>
           </a:p>
@@ -27778,6 +31464,3728 @@
 </file>
 
 <file path=ppt/slides/slide1.xml><?xml version="1.0" encoding="utf-8"?>
+<p:sld xmlns:a="http://schemas.openxmlformats.org/drawingml/2006/main" xmlns:r="http://schemas.openxmlformats.org/officeDocument/2006/relationships" xmlns:p="http://schemas.openxmlformats.org/presentationml/2006/main">
+  <p:cSld>
+    <p:spTree>
+      <p:nvGrpSpPr>
+        <p:cNvPr id="1" name=""/>
+        <p:cNvGrpSpPr/>
+        <p:nvPr/>
+      </p:nvGrpSpPr>
+      <p:grpSpPr>
+        <a:xfrm>
+          <a:off x="0" y="0"/>
+          <a:ext cx="0" cy="0"/>
+          <a:chOff x="0" y="0"/>
+          <a:chExt cx="0" cy="0"/>
+        </a:xfrm>
+      </p:grpSpPr>
+      <p:pic>
+        <p:nvPicPr>
+          <p:cNvPr id="43" name="Picture 42">
+            <a:extLst>
+              <a:ext uri="{FF2B5EF4-FFF2-40B4-BE49-F238E27FC236}">
+                <a16:creationId xmlns:a16="http://schemas.microsoft.com/office/drawing/2014/main" id="{6A131570-FA92-F652-F2CF-393E58C6C7BB}"/>
+              </a:ext>
+            </a:extLst>
+          </p:cNvPr>
+          <p:cNvPicPr>
+            <a:picLocks noChangeAspect="1"/>
+          </p:cNvPicPr>
+          <p:nvPr/>
+        </p:nvPicPr>
+        <p:blipFill rotWithShape="1">
+          <a:blip r:embed="rId2"/>
+          <a:srcRect t="6782"/>
+          <a:stretch/>
+        </p:blipFill>
+        <p:spPr>
+          <a:xfrm>
+            <a:off x="3667366" y="1249361"/>
+            <a:ext cx="3863857" cy="3813301"/>
+          </a:xfrm>
+          <a:prstGeom prst="rect">
+            <a:avLst/>
+          </a:prstGeom>
+        </p:spPr>
+      </p:pic>
+      <p:pic>
+        <p:nvPicPr>
+          <p:cNvPr id="62" name="Picture 61">
+            <a:extLst>
+              <a:ext uri="{FF2B5EF4-FFF2-40B4-BE49-F238E27FC236}">
+                <a16:creationId xmlns:a16="http://schemas.microsoft.com/office/drawing/2014/main" id="{8A6CFBE3-C564-621E-D86F-8393D0918BE6}"/>
+              </a:ext>
+            </a:extLst>
+          </p:cNvPr>
+          <p:cNvPicPr>
+            <a:picLocks noChangeAspect="1"/>
+          </p:cNvPicPr>
+          <p:nvPr/>
+        </p:nvPicPr>
+        <p:blipFill>
+          <a:blip r:embed="rId3"/>
+          <a:stretch>
+            <a:fillRect/>
+          </a:stretch>
+        </p:blipFill>
+        <p:spPr>
+          <a:xfrm>
+            <a:off x="4290336" y="3268555"/>
+            <a:ext cx="872983" cy="695546"/>
+          </a:xfrm>
+          <a:prstGeom prst="rect">
+            <a:avLst/>
+          </a:prstGeom>
+        </p:spPr>
+      </p:pic>
+      <p:grpSp>
+        <p:nvGrpSpPr>
+          <p:cNvPr id="28" name="Group 27">
+            <a:extLst>
+              <a:ext uri="{FF2B5EF4-FFF2-40B4-BE49-F238E27FC236}">
+                <a16:creationId xmlns:a16="http://schemas.microsoft.com/office/drawing/2014/main" id="{C064FC18-EADC-0DE5-AB17-653DD2EFA37C}"/>
+              </a:ext>
+            </a:extLst>
+          </p:cNvPr>
+          <p:cNvGrpSpPr/>
+          <p:nvPr/>
+        </p:nvGrpSpPr>
+        <p:grpSpPr>
+          <a:xfrm>
+            <a:off x="4560967" y="3066113"/>
+            <a:ext cx="1357337" cy="1385340"/>
+            <a:chOff x="1979259" y="3440671"/>
+            <a:chExt cx="1357337" cy="1385340"/>
+          </a:xfrm>
+        </p:grpSpPr>
+        <p:sp>
+          <p:nvSpPr>
+            <p:cNvPr id="30" name="TextBox 29">
+              <a:extLst>
+                <a:ext uri="{FF2B5EF4-FFF2-40B4-BE49-F238E27FC236}">
+                  <a16:creationId xmlns:a16="http://schemas.microsoft.com/office/drawing/2014/main" id="{490DD995-58B4-9DBB-5A21-37942EE1A2FA}"/>
+                </a:ext>
+              </a:extLst>
+            </p:cNvPr>
+            <p:cNvSpPr txBox="1"/>
+            <p:nvPr/>
+          </p:nvSpPr>
+          <p:spPr>
+            <a:xfrm>
+              <a:off x="2059237" y="3440671"/>
+              <a:ext cx="1172583" cy="1001871"/>
+            </a:xfrm>
+            <a:prstGeom prst="rect">
+              <a:avLst/>
+            </a:prstGeom>
+            <a:noFill/>
+          </p:spPr>
+          <p:txBody>
+            <a:bodyPr wrap="square" lIns="0" tIns="0" rIns="0" bIns="0" rtlCol="0">
+              <a:noAutofit/>
+            </a:bodyPr>
+            <a:lstStyle/>
+            <a:p>
+              <a:pPr>
+                <a:lnSpc>
+                  <a:spcPts val="10500"/>
+                </a:lnSpc>
+              </a:pPr>
+              <a:r>
+                <a:rPr lang="en-US" sz="6600" b="1" spc="-150" dirty="0">
+                  <a:solidFill>
+                    <a:schemeClr val="accent2"/>
+                  </a:solidFill>
+                  <a:latin typeface="+mj-lt"/>
+                </a:rPr>
+                <a:t>82</a:t>
+              </a:r>
+              <a:r>
+                <a:rPr lang="en-US" sz="3200" b="1" spc="-150" dirty="0">
+                  <a:solidFill>
+                    <a:schemeClr val="accent2"/>
+                  </a:solidFill>
+                  <a:latin typeface="+mj-lt"/>
+                </a:rPr>
+                <a:t>k</a:t>
+              </a:r>
+              <a:r>
+                <a:rPr lang="en-US" sz="6600" b="1" spc="-150" dirty="0">
+                  <a:solidFill>
+                    <a:schemeClr val="accent2"/>
+                  </a:solidFill>
+                  <a:latin typeface="+mj-lt"/>
+                </a:rPr>
+                <a:t> </a:t>
+              </a:r>
+            </a:p>
+          </p:txBody>
+        </p:sp>
+        <p:sp>
+          <p:nvSpPr>
+            <p:cNvPr id="36" name="TextBox 35">
+              <a:extLst>
+                <a:ext uri="{FF2B5EF4-FFF2-40B4-BE49-F238E27FC236}">
+                  <a16:creationId xmlns:a16="http://schemas.microsoft.com/office/drawing/2014/main" id="{30D59C7A-0318-78B0-9283-163B722282EB}"/>
+                </a:ext>
+              </a:extLst>
+            </p:cNvPr>
+            <p:cNvSpPr txBox="1"/>
+            <p:nvPr/>
+          </p:nvSpPr>
+          <p:spPr>
+            <a:xfrm>
+              <a:off x="1979259" y="4364346"/>
+              <a:ext cx="1357337" cy="461665"/>
+            </a:xfrm>
+            <a:prstGeom prst="rect">
+              <a:avLst/>
+            </a:prstGeom>
+            <a:noFill/>
+          </p:spPr>
+          <p:txBody>
+            <a:bodyPr wrap="square">
+              <a:spAutoFit/>
+            </a:bodyPr>
+            <a:lstStyle/>
+            <a:p>
+              <a:pPr algn="ctr"/>
+              <a:r>
+                <a:rPr lang="en-US" sz="2400" b="1" spc="-150" dirty="0">
+                  <a:solidFill>
+                    <a:schemeClr val="accent2"/>
+                  </a:solidFill>
+                  <a:latin typeface="+mj-lt"/>
+                </a:rPr>
+                <a:t>Queries</a:t>
+              </a:r>
+              <a:endParaRPr lang="en-US" dirty="0"/>
+            </a:p>
+          </p:txBody>
+        </p:sp>
+      </p:grpSp>
+      <p:sp>
+        <p:nvSpPr>
+          <p:cNvPr id="27" name="Rectangle 26">
+            <a:extLst>
+              <a:ext uri="{FF2B5EF4-FFF2-40B4-BE49-F238E27FC236}">
+                <a16:creationId xmlns:a16="http://schemas.microsoft.com/office/drawing/2014/main" id="{54F71022-9A74-F378-D729-24A9829E6E74}"/>
+              </a:ext>
+            </a:extLst>
+          </p:cNvPr>
+          <p:cNvSpPr/>
+          <p:nvPr/>
+        </p:nvSpPr>
+        <p:spPr>
+          <a:xfrm>
+            <a:off x="1792135" y="3512062"/>
+            <a:ext cx="1828800" cy="1548353"/>
+          </a:xfrm>
+          <a:prstGeom prst="rect">
+            <a:avLst/>
+          </a:prstGeom>
+          <a:ln>
+            <a:noFill/>
+          </a:ln>
+        </p:spPr>
+        <p:style>
+          <a:lnRef idx="2">
+            <a:schemeClr val="accent1">
+              <a:shade val="15000"/>
+            </a:schemeClr>
+          </a:lnRef>
+          <a:fillRef idx="1">
+            <a:schemeClr val="accent1"/>
+          </a:fillRef>
+          <a:effectRef idx="0">
+            <a:schemeClr val="accent1"/>
+          </a:effectRef>
+          <a:fontRef idx="minor">
+            <a:schemeClr val="lt1"/>
+          </a:fontRef>
+        </p:style>
+        <p:txBody>
+          <a:bodyPr rtlCol="0" anchor="ctr"/>
+          <a:lstStyle/>
+          <a:p>
+            <a:pPr algn="ctr"/>
+            <a:endParaRPr lang="en-US"/>
+          </a:p>
+        </p:txBody>
+      </p:sp>
+      <p:sp>
+        <p:nvSpPr>
+          <p:cNvPr id="26" name="Rectangle 25">
+            <a:extLst>
+              <a:ext uri="{FF2B5EF4-FFF2-40B4-BE49-F238E27FC236}">
+                <a16:creationId xmlns:a16="http://schemas.microsoft.com/office/drawing/2014/main" id="{C3B407C3-F5FA-B7A1-1F16-046EAF8A08D3}"/>
+              </a:ext>
+            </a:extLst>
+          </p:cNvPr>
+          <p:cNvSpPr/>
+          <p:nvPr/>
+        </p:nvSpPr>
+        <p:spPr>
+          <a:xfrm rot="16200000">
+            <a:off x="5543648" y="5544048"/>
+            <a:ext cx="87714" cy="3888090"/>
+          </a:xfrm>
+          <a:prstGeom prst="rect">
+            <a:avLst/>
+          </a:prstGeom>
+          <a:solidFill>
+            <a:schemeClr val="accent1">
+              <a:lumMod val="50000"/>
+            </a:schemeClr>
+          </a:solidFill>
+          <a:ln>
+            <a:noFill/>
+          </a:ln>
+        </p:spPr>
+        <p:style>
+          <a:lnRef idx="2">
+            <a:schemeClr val="accent1">
+              <a:shade val="15000"/>
+            </a:schemeClr>
+          </a:lnRef>
+          <a:fillRef idx="1">
+            <a:schemeClr val="accent1"/>
+          </a:fillRef>
+          <a:effectRef idx="0">
+            <a:schemeClr val="accent1"/>
+          </a:effectRef>
+          <a:fontRef idx="minor">
+            <a:schemeClr val="lt1"/>
+          </a:fontRef>
+        </p:style>
+        <p:txBody>
+          <a:bodyPr rtlCol="0" anchor="ctr"/>
+          <a:lstStyle/>
+          <a:p>
+            <a:pPr algn="ctr"/>
+            <a:endParaRPr lang="en-US"/>
+          </a:p>
+        </p:txBody>
+      </p:sp>
+      <p:sp>
+        <p:nvSpPr>
+          <p:cNvPr id="16" name="Rectangle 15">
+            <a:extLst>
+              <a:ext uri="{FF2B5EF4-FFF2-40B4-BE49-F238E27FC236}">
+                <a16:creationId xmlns:a16="http://schemas.microsoft.com/office/drawing/2014/main" id="{607E32E9-8361-C08B-35ED-4C79EF679E63}"/>
+              </a:ext>
+            </a:extLst>
+          </p:cNvPr>
+          <p:cNvSpPr/>
+          <p:nvPr/>
+        </p:nvSpPr>
+        <p:spPr>
+          <a:xfrm>
+            <a:off x="235926" y="7496147"/>
+            <a:ext cx="3631941" cy="2315269"/>
+          </a:xfrm>
+          <a:prstGeom prst="rect">
+            <a:avLst/>
+          </a:prstGeom>
+          <a:ln>
+            <a:noFill/>
+          </a:ln>
+        </p:spPr>
+        <p:style>
+          <a:lnRef idx="2">
+            <a:schemeClr val="accent1">
+              <a:shade val="15000"/>
+            </a:schemeClr>
+          </a:lnRef>
+          <a:fillRef idx="1">
+            <a:schemeClr val="accent1"/>
+          </a:fillRef>
+          <a:effectRef idx="0">
+            <a:schemeClr val="accent1"/>
+          </a:effectRef>
+          <a:fontRef idx="minor">
+            <a:schemeClr val="lt1"/>
+          </a:fontRef>
+        </p:style>
+        <p:txBody>
+          <a:bodyPr rtlCol="0" anchor="ctr"/>
+          <a:lstStyle/>
+          <a:p>
+            <a:pPr algn="ctr"/>
+            <a:endParaRPr lang="en-US"/>
+          </a:p>
+        </p:txBody>
+      </p:sp>
+      <p:sp>
+        <p:nvSpPr>
+          <p:cNvPr id="102" name="TextBox 101">
+            <a:extLst>
+              <a:ext uri="{FF2B5EF4-FFF2-40B4-BE49-F238E27FC236}">
+                <a16:creationId xmlns:a16="http://schemas.microsoft.com/office/drawing/2014/main" id="{3FB461EB-8816-341C-6776-C446B3AD1C78}"/>
+              </a:ext>
+            </a:extLst>
+          </p:cNvPr>
+          <p:cNvSpPr txBox="1"/>
+          <p:nvPr/>
+        </p:nvSpPr>
+        <p:spPr>
+          <a:xfrm>
+            <a:off x="1797136" y="3076179"/>
+            <a:ext cx="1828800" cy="307777"/>
+          </a:xfrm>
+          <a:prstGeom prst="rect">
+            <a:avLst/>
+          </a:prstGeom>
+          <a:solidFill>
+            <a:srgbClr val="65914D"/>
+          </a:solidFill>
+        </p:spPr>
+        <p:txBody>
+          <a:bodyPr wrap="square" lIns="108000" rtlCol="0">
+            <a:spAutoFit/>
+          </a:bodyPr>
+          <a:lstStyle/>
+          <a:p>
+            <a:pPr algn="ctr"/>
+            <a:endParaRPr lang="en-US" sz="1400" dirty="0">
+              <a:solidFill>
+                <a:schemeClr val="accent1"/>
+              </a:solidFill>
+              <a:latin typeface="+mj-lt"/>
+            </a:endParaRPr>
+          </a:p>
+        </p:txBody>
+      </p:sp>
+      <p:grpSp>
+        <p:nvGrpSpPr>
+          <p:cNvPr id="41" name="Group 40">
+            <a:extLst>
+              <a:ext uri="{FF2B5EF4-FFF2-40B4-BE49-F238E27FC236}">
+                <a16:creationId xmlns:a16="http://schemas.microsoft.com/office/drawing/2014/main" id="{BCE3E5E6-573C-AC2D-3734-D764325C5830}"/>
+              </a:ext>
+            </a:extLst>
+          </p:cNvPr>
+          <p:cNvGrpSpPr/>
+          <p:nvPr/>
+        </p:nvGrpSpPr>
+        <p:grpSpPr>
+          <a:xfrm>
+            <a:off x="4317645" y="2709280"/>
+            <a:ext cx="1357337" cy="1385340"/>
+            <a:chOff x="1979259" y="3440671"/>
+            <a:chExt cx="1357337" cy="1385340"/>
+          </a:xfrm>
+        </p:grpSpPr>
+        <p:sp>
+          <p:nvSpPr>
+            <p:cNvPr id="115" name="TextBox 114">
+              <a:extLst>
+                <a:ext uri="{FF2B5EF4-FFF2-40B4-BE49-F238E27FC236}">
+                  <a16:creationId xmlns:a16="http://schemas.microsoft.com/office/drawing/2014/main" id="{F9D7F3CC-0927-4309-8780-07862B295094}"/>
+                </a:ext>
+              </a:extLst>
+            </p:cNvPr>
+            <p:cNvSpPr txBox="1"/>
+            <p:nvPr/>
+          </p:nvSpPr>
+          <p:spPr>
+            <a:xfrm>
+              <a:off x="2059237" y="3440671"/>
+              <a:ext cx="1172583" cy="1001871"/>
+            </a:xfrm>
+            <a:prstGeom prst="rect">
+              <a:avLst/>
+            </a:prstGeom>
+            <a:noFill/>
+          </p:spPr>
+          <p:txBody>
+            <a:bodyPr wrap="square" lIns="0" tIns="0" rIns="0" bIns="0" rtlCol="0">
+              <a:noAutofit/>
+            </a:bodyPr>
+            <a:lstStyle/>
+            <a:p>
+              <a:pPr>
+                <a:lnSpc>
+                  <a:spcPts val="10500"/>
+                </a:lnSpc>
+              </a:pPr>
+              <a:r>
+                <a:rPr lang="en-US" sz="6600" b="1" spc="-150" dirty="0">
+                  <a:solidFill>
+                    <a:schemeClr val="accent2"/>
+                  </a:solidFill>
+                  <a:latin typeface="+mj-lt"/>
+                </a:rPr>
+                <a:t>82</a:t>
+              </a:r>
+              <a:r>
+                <a:rPr lang="en-US" sz="3200" b="1" spc="-150" dirty="0">
+                  <a:solidFill>
+                    <a:schemeClr val="accent2"/>
+                  </a:solidFill>
+                  <a:latin typeface="+mj-lt"/>
+                </a:rPr>
+                <a:t>k</a:t>
+              </a:r>
+              <a:r>
+                <a:rPr lang="en-US" sz="6600" b="1" spc="-150" dirty="0">
+                  <a:solidFill>
+                    <a:schemeClr val="accent2"/>
+                  </a:solidFill>
+                  <a:latin typeface="+mj-lt"/>
+                </a:rPr>
+                <a:t> </a:t>
+              </a:r>
+            </a:p>
+          </p:txBody>
+        </p:sp>
+        <p:sp>
+          <p:nvSpPr>
+            <p:cNvPr id="38" name="TextBox 37">
+              <a:extLst>
+                <a:ext uri="{FF2B5EF4-FFF2-40B4-BE49-F238E27FC236}">
+                  <a16:creationId xmlns:a16="http://schemas.microsoft.com/office/drawing/2014/main" id="{54692157-A406-37E1-0BCE-5ED54D74D482}"/>
+                </a:ext>
+              </a:extLst>
+            </p:cNvPr>
+            <p:cNvSpPr txBox="1"/>
+            <p:nvPr/>
+          </p:nvSpPr>
+          <p:spPr>
+            <a:xfrm>
+              <a:off x="1979259" y="4364346"/>
+              <a:ext cx="1357337" cy="461665"/>
+            </a:xfrm>
+            <a:prstGeom prst="rect">
+              <a:avLst/>
+            </a:prstGeom>
+            <a:noFill/>
+          </p:spPr>
+          <p:txBody>
+            <a:bodyPr wrap="square">
+              <a:spAutoFit/>
+            </a:bodyPr>
+            <a:lstStyle/>
+            <a:p>
+              <a:pPr algn="ctr"/>
+              <a:r>
+                <a:rPr lang="en-US" sz="2400" b="1" spc="-150" dirty="0">
+                  <a:solidFill>
+                    <a:schemeClr val="accent2"/>
+                  </a:solidFill>
+                  <a:latin typeface="+mj-lt"/>
+                </a:rPr>
+                <a:t>Queries</a:t>
+              </a:r>
+              <a:endParaRPr lang="en-US" dirty="0"/>
+            </a:p>
+          </p:txBody>
+        </p:sp>
+      </p:grpSp>
+      <p:pic>
+        <p:nvPicPr>
+          <p:cNvPr id="33" name="Picture 32">
+            <a:extLst>
+              <a:ext uri="{FF2B5EF4-FFF2-40B4-BE49-F238E27FC236}">
+                <a16:creationId xmlns:a16="http://schemas.microsoft.com/office/drawing/2014/main" id="{EB385227-F6D0-ED84-9672-91E79BEECB33}"/>
+              </a:ext>
+            </a:extLst>
+          </p:cNvPr>
+          <p:cNvPicPr>
+            <a:picLocks noChangeAspect="1"/>
+          </p:cNvPicPr>
+          <p:nvPr/>
+        </p:nvPicPr>
+        <p:blipFill rotWithShape="1">
+          <a:blip r:embed="rId4"/>
+          <a:srcRect l="4612" r="1733"/>
+          <a:stretch/>
+        </p:blipFill>
+        <p:spPr>
+          <a:xfrm>
+            <a:off x="3725711" y="1298644"/>
+            <a:ext cx="2680132" cy="3679381"/>
+          </a:xfrm>
+          <a:prstGeom prst="roundRect">
+            <a:avLst>
+              <a:gd name="adj" fmla="val 8594"/>
+            </a:avLst>
+          </a:prstGeom>
+          <a:solidFill>
+            <a:srgbClr val="FFFFFF">
+              <a:shade val="85000"/>
+            </a:srgbClr>
+          </a:solidFill>
+          <a:ln>
+            <a:noFill/>
+          </a:ln>
+          <a:effectLst/>
+        </p:spPr>
+      </p:pic>
+      <p:sp>
+        <p:nvSpPr>
+          <p:cNvPr id="2" name="Title 1" hidden="1">
+            <a:extLst>
+              <a:ext uri="{FF2B5EF4-FFF2-40B4-BE49-F238E27FC236}">
+                <a16:creationId xmlns:a16="http://schemas.microsoft.com/office/drawing/2014/main" id="{FB3A6FDA-B378-498D-834A-AD13D56BA0C4}"/>
+              </a:ext>
+            </a:extLst>
+          </p:cNvPr>
+          <p:cNvSpPr>
+            <a:spLocks noGrp="1"/>
+          </p:cNvSpPr>
+          <p:nvPr>
+            <p:ph type="title"/>
+          </p:nvPr>
+        </p:nvSpPr>
+        <p:spPr/>
+        <p:txBody>
+          <a:bodyPr/>
+          <a:lstStyle/>
+          <a:p>
+            <a:r>
+              <a:rPr lang="en-US" dirty="0"/>
+              <a:t>Infographic Resume</a:t>
+            </a:r>
+          </a:p>
+        </p:txBody>
+      </p:sp>
+      <p:pic>
+        <p:nvPicPr>
+          <p:cNvPr id="137" name="Graphic 136" descr="Icon Map and Location">
+            <a:extLst>
+              <a:ext uri="{FF2B5EF4-FFF2-40B4-BE49-F238E27FC236}">
+                <a16:creationId xmlns:a16="http://schemas.microsoft.com/office/drawing/2014/main" id="{0960335E-DCB4-4825-B3B1-3C310CE24F45}"/>
+              </a:ext>
+            </a:extLst>
+          </p:cNvPr>
+          <p:cNvPicPr>
+            <a:picLocks noChangeAspect="1"/>
+          </p:cNvPicPr>
+          <p:nvPr/>
+        </p:nvPicPr>
+        <p:blipFill>
+          <a:blip r:embed="rId5">
+            <a:extLst>
+              <a:ext uri="{28A0092B-C50C-407E-A947-70E740481C1C}">
+                <a14:useLocalDpi xmlns:a14="http://schemas.microsoft.com/office/drawing/2010/main"/>
+              </a:ext>
+              <a:ext uri="{96DAC541-7B7A-43D3-8B79-37D633B846F1}">
+                <asvg:svgBlip xmlns:asvg="http://schemas.microsoft.com/office/drawing/2016/SVG/main" r:embed="rId6"/>
+              </a:ext>
+            </a:extLst>
+          </a:blip>
+          <a:stretch>
+            <a:fillRect/>
+          </a:stretch>
+        </p:blipFill>
+        <p:spPr>
+          <a:xfrm>
+            <a:off x="277949" y="3538048"/>
+            <a:ext cx="315208" cy="329116"/>
+          </a:xfrm>
+          <a:prstGeom prst="rect">
+            <a:avLst/>
+          </a:prstGeom>
+        </p:spPr>
+      </p:pic>
+      <p:sp>
+        <p:nvSpPr>
+          <p:cNvPr id="8" name="TextBox 7">
+            <a:extLst>
+              <a:ext uri="{FF2B5EF4-FFF2-40B4-BE49-F238E27FC236}">
+                <a16:creationId xmlns:a16="http://schemas.microsoft.com/office/drawing/2014/main" id="{A1196966-5C2E-478E-8624-ABDD09B3FB30}"/>
+              </a:ext>
+            </a:extLst>
+          </p:cNvPr>
+          <p:cNvSpPr txBox="1"/>
+          <p:nvPr/>
+        </p:nvSpPr>
+        <p:spPr>
+          <a:xfrm>
+            <a:off x="1548130" y="423351"/>
+            <a:ext cx="3977640" cy="461665"/>
+          </a:xfrm>
+          <a:prstGeom prst="rect">
+            <a:avLst/>
+          </a:prstGeom>
+          <a:noFill/>
+        </p:spPr>
+        <p:txBody>
+          <a:bodyPr wrap="square" lIns="0" tIns="0" rIns="0" bIns="0" rtlCol="0">
+            <a:spAutoFit/>
+          </a:bodyPr>
+          <a:lstStyle/>
+          <a:p>
+            <a:r>
+              <a:rPr lang="en-US" sz="3000" b="1" spc="-150" dirty="0">
+                <a:solidFill>
+                  <a:schemeClr val="accent1"/>
+                </a:solidFill>
+                <a:latin typeface="+mj-lt"/>
+              </a:rPr>
+              <a:t>Park Pal</a:t>
+            </a:r>
+          </a:p>
+        </p:txBody>
+      </p:sp>
+      <p:sp>
+        <p:nvSpPr>
+          <p:cNvPr id="10" name="TextBox 9">
+            <a:extLst>
+              <a:ext uri="{FF2B5EF4-FFF2-40B4-BE49-F238E27FC236}">
+                <a16:creationId xmlns:a16="http://schemas.microsoft.com/office/drawing/2014/main" id="{750231B0-CD8C-4D6D-A41F-A5F1F1414FC9}"/>
+              </a:ext>
+            </a:extLst>
+          </p:cNvPr>
+          <p:cNvSpPr txBox="1"/>
+          <p:nvPr/>
+        </p:nvSpPr>
+        <p:spPr>
+          <a:xfrm>
+            <a:off x="1548130" y="792871"/>
+            <a:ext cx="3977640" cy="276999"/>
+          </a:xfrm>
+          <a:prstGeom prst="rect">
+            <a:avLst/>
+          </a:prstGeom>
+          <a:noFill/>
+        </p:spPr>
+        <p:txBody>
+          <a:bodyPr wrap="square" lIns="0" tIns="0" rIns="0" bIns="0" rtlCol="0">
+            <a:spAutoFit/>
+          </a:bodyPr>
+          <a:lstStyle/>
+          <a:p>
+            <a:r>
+              <a:rPr lang="en-US" dirty="0">
+                <a:solidFill>
+                  <a:schemeClr val="accent1"/>
+                </a:solidFill>
+              </a:rPr>
+              <a:t>GPT Enabled Chatbot</a:t>
+            </a:r>
+          </a:p>
+        </p:txBody>
+      </p:sp>
+      <p:pic>
+        <p:nvPicPr>
+          <p:cNvPr id="9" name="Picture 8" descr="QR code">
+            <a:extLst>
+              <a:ext uri="{FF2B5EF4-FFF2-40B4-BE49-F238E27FC236}">
+                <a16:creationId xmlns:a16="http://schemas.microsoft.com/office/drawing/2014/main" id="{E1C55547-2FA2-4903-8FF8-1836E53DE198}"/>
+              </a:ext>
+            </a:extLst>
+          </p:cNvPr>
+          <p:cNvPicPr>
+            <a:picLocks noChangeAspect="1"/>
+          </p:cNvPicPr>
+          <p:nvPr/>
+        </p:nvPicPr>
+        <p:blipFill>
+          <a:blip r:embed="rId7">
+            <a:extLst>
+              <a:ext uri="{28A0092B-C50C-407E-A947-70E740481C1C}">
+                <a14:useLocalDpi xmlns:a14="http://schemas.microsoft.com/office/drawing/2010/main" val="0"/>
+              </a:ext>
+            </a:extLst>
+          </a:blip>
+          <a:stretch>
+            <a:fillRect/>
+          </a:stretch>
+        </p:blipFill>
+        <p:spPr>
+          <a:xfrm>
+            <a:off x="6616834" y="2188853"/>
+            <a:ext cx="695051" cy="695051"/>
+          </a:xfrm>
+          <a:prstGeom prst="rect">
+            <a:avLst/>
+          </a:prstGeom>
+        </p:spPr>
+      </p:pic>
+      <p:sp>
+        <p:nvSpPr>
+          <p:cNvPr id="17" name="TextBox 16">
+            <a:extLst>
+              <a:ext uri="{FF2B5EF4-FFF2-40B4-BE49-F238E27FC236}">
+                <a16:creationId xmlns:a16="http://schemas.microsoft.com/office/drawing/2014/main" id="{37A25968-C5DF-565A-F866-97DB5FFBB9AA}"/>
+              </a:ext>
+            </a:extLst>
+          </p:cNvPr>
+          <p:cNvSpPr txBox="1"/>
+          <p:nvPr/>
+        </p:nvSpPr>
+        <p:spPr>
+          <a:xfrm rot="1636630">
+            <a:off x="6429374" y="1354573"/>
+            <a:ext cx="1074781" cy="714107"/>
+          </a:xfrm>
+          <a:prstGeom prst="wedgeEllipseCallout">
+            <a:avLst>
+              <a:gd name="adj1" fmla="val -73765"/>
+              <a:gd name="adj2" fmla="val 14364"/>
+            </a:avLst>
+          </a:prstGeom>
+          <a:solidFill>
+            <a:schemeClr val="accent4">
+              <a:lumMod val="50000"/>
+              <a:alpha val="69804"/>
+            </a:schemeClr>
+          </a:solidFill>
+        </p:spPr>
+        <p:txBody>
+          <a:bodyPr wrap="square" lIns="108000" rtlCol="0">
+            <a:spAutoFit/>
+          </a:bodyPr>
+          <a:lstStyle/>
+          <a:p>
+            <a:pPr algn="ctr"/>
+            <a:r>
+              <a:rPr lang="en-US" sz="900" b="1" dirty="0">
+                <a:solidFill>
+                  <a:schemeClr val="bg2"/>
+                </a:solidFill>
+                <a:latin typeface="+mj-lt"/>
+              </a:rPr>
+              <a:t>Chat with </a:t>
+            </a:r>
+          </a:p>
+          <a:p>
+            <a:pPr algn="ctr"/>
+            <a:r>
+              <a:rPr lang="en-US" sz="900" b="1" dirty="0">
+                <a:solidFill>
+                  <a:schemeClr val="bg2"/>
+                </a:solidFill>
+                <a:latin typeface="+mj-lt"/>
+              </a:rPr>
+              <a:t>Park Pal Today!</a:t>
+            </a:r>
+            <a:endParaRPr lang="en-US" sz="1200" b="1" dirty="0">
+              <a:solidFill>
+                <a:schemeClr val="bg2"/>
+              </a:solidFill>
+              <a:latin typeface="+mj-lt"/>
+            </a:endParaRPr>
+          </a:p>
+        </p:txBody>
+      </p:sp>
+      <p:grpSp>
+        <p:nvGrpSpPr>
+          <p:cNvPr id="42" name="Group 41">
+            <a:extLst>
+              <a:ext uri="{FF2B5EF4-FFF2-40B4-BE49-F238E27FC236}">
+                <a16:creationId xmlns:a16="http://schemas.microsoft.com/office/drawing/2014/main" id="{46136F84-8816-BCD5-D55B-389718F4BCA8}"/>
+              </a:ext>
+            </a:extLst>
+          </p:cNvPr>
+          <p:cNvGrpSpPr/>
+          <p:nvPr/>
+        </p:nvGrpSpPr>
+        <p:grpSpPr>
+          <a:xfrm>
+            <a:off x="4597550" y="365865"/>
+            <a:ext cx="1713847" cy="782288"/>
+            <a:chOff x="85553" y="1620894"/>
+            <a:chExt cx="1713847" cy="782288"/>
+          </a:xfrm>
+        </p:grpSpPr>
+        <p:sp>
+          <p:nvSpPr>
+            <p:cNvPr id="23" name="TextBox 22">
+              <a:extLst>
+                <a:ext uri="{FF2B5EF4-FFF2-40B4-BE49-F238E27FC236}">
+                  <a16:creationId xmlns:a16="http://schemas.microsoft.com/office/drawing/2014/main" id="{9A199F04-619B-662C-B577-048A6E482974}"/>
+                </a:ext>
+              </a:extLst>
+            </p:cNvPr>
+            <p:cNvSpPr txBox="1"/>
+            <p:nvPr/>
+          </p:nvSpPr>
+          <p:spPr>
+            <a:xfrm>
+              <a:off x="246401" y="1620894"/>
+              <a:ext cx="1506771" cy="307777"/>
+            </a:xfrm>
+            <a:prstGeom prst="rect">
+              <a:avLst/>
+            </a:prstGeom>
+            <a:noFill/>
+          </p:spPr>
+          <p:txBody>
+            <a:bodyPr wrap="square">
+              <a:spAutoFit/>
+            </a:bodyPr>
+            <a:lstStyle/>
+            <a:p>
+              <a:pPr algn="ctr"/>
+              <a:r>
+                <a:rPr lang="en-US" sz="1400" b="1" dirty="0">
+                  <a:solidFill>
+                    <a:schemeClr val="accent1"/>
+                  </a:solidFill>
+                  <a:latin typeface="+mj-lt"/>
+                </a:rPr>
+                <a:t>Collaborators</a:t>
+              </a:r>
+            </a:p>
+          </p:txBody>
+        </p:sp>
+        <p:pic>
+          <p:nvPicPr>
+            <p:cNvPr id="7" name="Graphic 6" descr="Hiker icon">
+              <a:extLst>
+                <a:ext uri="{FF2B5EF4-FFF2-40B4-BE49-F238E27FC236}">
+                  <a16:creationId xmlns:a16="http://schemas.microsoft.com/office/drawing/2014/main" id="{197056E8-F093-46AB-89E7-7E26124ED8D5}"/>
+                </a:ext>
+              </a:extLst>
+            </p:cNvPr>
+            <p:cNvPicPr>
+              <a:picLocks noChangeAspect="1"/>
+            </p:cNvPicPr>
+            <p:nvPr/>
+          </p:nvPicPr>
+          <p:blipFill>
+            <a:blip r:embed="rId8">
+              <a:extLst>
+                <a:ext uri="{28A0092B-C50C-407E-A947-70E740481C1C}">
+                  <a14:useLocalDpi xmlns:a14="http://schemas.microsoft.com/office/drawing/2010/main" val="0"/>
+                </a:ext>
+                <a:ext uri="{96DAC541-7B7A-43D3-8B79-37D633B846F1}">
+                  <asvg:svgBlip xmlns:asvg="http://schemas.microsoft.com/office/drawing/2016/SVG/main" r:embed="rId9"/>
+                </a:ext>
+              </a:extLst>
+            </a:blip>
+            <a:stretch>
+              <a:fillRect/>
+            </a:stretch>
+          </p:blipFill>
+          <p:spPr>
+            <a:xfrm flipH="1">
+              <a:off x="85553" y="1626185"/>
+              <a:ext cx="281167" cy="281167"/>
+            </a:xfrm>
+            <a:prstGeom prst="rect">
+              <a:avLst/>
+            </a:prstGeom>
+          </p:spPr>
+        </p:pic>
+        <p:sp>
+          <p:nvSpPr>
+            <p:cNvPr id="29" name="TextBox 28">
+              <a:extLst>
+                <a:ext uri="{FF2B5EF4-FFF2-40B4-BE49-F238E27FC236}">
+                  <a16:creationId xmlns:a16="http://schemas.microsoft.com/office/drawing/2014/main" id="{5413694A-DB8C-C369-BEF5-36BE30E50A0C}"/>
+                </a:ext>
+              </a:extLst>
+            </p:cNvPr>
+            <p:cNvSpPr txBox="1"/>
+            <p:nvPr/>
+          </p:nvSpPr>
+          <p:spPr>
+            <a:xfrm>
+              <a:off x="379751" y="1895351"/>
+              <a:ext cx="1419649" cy="507831"/>
+            </a:xfrm>
+            <a:prstGeom prst="rect">
+              <a:avLst/>
+            </a:prstGeom>
+            <a:noFill/>
+          </p:spPr>
+          <p:txBody>
+            <a:bodyPr wrap="square" rtlCol="0">
+              <a:spAutoFit/>
+            </a:bodyPr>
+            <a:lstStyle/>
+            <a:p>
+              <a:r>
+                <a:rPr lang="en-US" sz="900" b="1" dirty="0">
+                  <a:solidFill>
+                    <a:schemeClr val="accent1"/>
+                  </a:solidFill>
+                </a:rPr>
+                <a:t>Nicole </a:t>
+              </a:r>
+              <a:r>
+                <a:rPr lang="en-US" sz="900" b="1" dirty="0" err="1">
+                  <a:solidFill>
+                    <a:schemeClr val="accent1"/>
+                  </a:solidFill>
+                </a:rPr>
+                <a:t>Blakkan-Esser</a:t>
+              </a:r>
+              <a:endParaRPr lang="en-US" sz="900" b="1" dirty="0">
+                <a:solidFill>
+                  <a:schemeClr val="accent1"/>
+                </a:solidFill>
+              </a:endParaRPr>
+            </a:p>
+            <a:p>
+              <a:r>
+                <a:rPr lang="en-US" sz="900" b="1" dirty="0" err="1">
+                  <a:solidFill>
+                    <a:schemeClr val="accent1"/>
+                  </a:solidFill>
+                </a:rPr>
+                <a:t>Lauralyn</a:t>
+              </a:r>
+              <a:r>
+                <a:rPr lang="en-US" sz="900" b="1" dirty="0">
+                  <a:solidFill>
+                    <a:schemeClr val="accent1"/>
+                  </a:solidFill>
+                </a:rPr>
+                <a:t> Curry-Leech Courtney Gibson</a:t>
+              </a:r>
+            </a:p>
+          </p:txBody>
+        </p:sp>
+      </p:grpSp>
+      <p:sp>
+        <p:nvSpPr>
+          <p:cNvPr id="32" name="TextBox 31">
+            <a:extLst>
+              <a:ext uri="{FF2B5EF4-FFF2-40B4-BE49-F238E27FC236}">
+                <a16:creationId xmlns:a16="http://schemas.microsoft.com/office/drawing/2014/main" id="{CA0269E9-7B45-B8C3-9854-AA26482ED34D}"/>
+              </a:ext>
+            </a:extLst>
+          </p:cNvPr>
+          <p:cNvSpPr txBox="1"/>
+          <p:nvPr/>
+        </p:nvSpPr>
+        <p:spPr>
+          <a:xfrm>
+            <a:off x="588208" y="3422519"/>
+            <a:ext cx="1172583" cy="584775"/>
+          </a:xfrm>
+          <a:prstGeom prst="rect">
+            <a:avLst/>
+          </a:prstGeom>
+          <a:noFill/>
+        </p:spPr>
+        <p:txBody>
+          <a:bodyPr wrap="square">
+            <a:spAutoFit/>
+          </a:bodyPr>
+          <a:lstStyle/>
+          <a:p>
+            <a:r>
+              <a:rPr lang="en-US" sz="1600" b="1" dirty="0">
+                <a:solidFill>
+                  <a:schemeClr val="accent4">
+                    <a:lumMod val="50000"/>
+                  </a:schemeClr>
+                </a:solidFill>
+                <a:latin typeface="+mj-lt"/>
+              </a:rPr>
+              <a:t>Project </a:t>
+            </a:r>
+          </a:p>
+          <a:p>
+            <a:pPr algn="ctr"/>
+            <a:r>
+              <a:rPr lang="en-US" sz="1600" b="1" dirty="0">
+                <a:solidFill>
+                  <a:schemeClr val="accent4">
+                    <a:lumMod val="50000"/>
+                  </a:schemeClr>
+                </a:solidFill>
+                <a:latin typeface="+mj-lt"/>
+              </a:rPr>
+              <a:t>Roadmap</a:t>
+            </a:r>
+          </a:p>
+        </p:txBody>
+      </p:sp>
+      <p:sp>
+        <p:nvSpPr>
+          <p:cNvPr id="50" name="Rectangle: Rounded Corners 49">
+            <a:extLst>
+              <a:ext uri="{FF2B5EF4-FFF2-40B4-BE49-F238E27FC236}">
+                <a16:creationId xmlns:a16="http://schemas.microsoft.com/office/drawing/2014/main" id="{0C1DA6E0-7BC1-E36D-6000-4D61CA2835BA}"/>
+              </a:ext>
+            </a:extLst>
+          </p:cNvPr>
+          <p:cNvSpPr/>
+          <p:nvPr/>
+        </p:nvSpPr>
+        <p:spPr>
+          <a:xfrm>
+            <a:off x="311669" y="6235158"/>
+            <a:ext cx="1373568" cy="1146155"/>
+          </a:xfrm>
+          <a:prstGeom prst="roundRect">
+            <a:avLst/>
+          </a:prstGeom>
+          <a:solidFill>
+            <a:schemeClr val="accent3">
+              <a:lumMod val="50000"/>
+              <a:alpha val="50000"/>
+            </a:schemeClr>
+          </a:solidFill>
+          <a:ln>
+            <a:noFill/>
+          </a:ln>
+        </p:spPr>
+        <p:style>
+          <a:lnRef idx="0">
+            <a:scrgbClr r="0" g="0" b="0"/>
+          </a:lnRef>
+          <a:fillRef idx="0">
+            <a:scrgbClr r="0" g="0" b="0"/>
+          </a:fillRef>
+          <a:effectRef idx="0">
+            <a:scrgbClr r="0" g="0" b="0"/>
+          </a:effectRef>
+          <a:fontRef idx="minor">
+            <a:schemeClr val="lt1"/>
+          </a:fontRef>
+        </p:style>
+        <p:txBody>
+          <a:bodyPr rtlCol="0" anchor="ctr"/>
+          <a:lstStyle/>
+          <a:p>
+            <a:pPr algn="ctr"/>
+            <a:r>
+              <a:rPr lang="en-US" sz="1050" b="1" dirty="0">
+                <a:solidFill>
+                  <a:schemeClr val="accent1"/>
+                </a:solidFill>
+                <a:latin typeface="+mj-lt"/>
+              </a:rPr>
+              <a:t>Host Park Pal</a:t>
+            </a:r>
+          </a:p>
+          <a:p>
+            <a:pPr algn="ctr"/>
+            <a:endParaRPr lang="en-US" sz="1050" dirty="0">
+              <a:solidFill>
+                <a:schemeClr val="accent1"/>
+              </a:solidFill>
+              <a:latin typeface="+mj-lt"/>
+            </a:endParaRPr>
+          </a:p>
+          <a:p>
+            <a:pPr algn="ctr"/>
+            <a:endParaRPr lang="en-US" sz="1050" dirty="0">
+              <a:solidFill>
+                <a:schemeClr val="accent1"/>
+              </a:solidFill>
+              <a:latin typeface="+mj-lt"/>
+            </a:endParaRPr>
+          </a:p>
+          <a:p>
+            <a:pPr algn="ctr"/>
+            <a:r>
+              <a:rPr lang="en-US" sz="1050" dirty="0">
+                <a:solidFill>
+                  <a:schemeClr val="accent1"/>
+                </a:solidFill>
+                <a:latin typeface="+mj-lt"/>
+              </a:rPr>
+              <a:t> </a:t>
+            </a:r>
+          </a:p>
+          <a:p>
+            <a:pPr algn="ctr"/>
+            <a:endParaRPr lang="en-US" sz="1050" dirty="0">
+              <a:solidFill>
+                <a:schemeClr val="accent1"/>
+              </a:solidFill>
+              <a:latin typeface="+mj-lt"/>
+            </a:endParaRPr>
+          </a:p>
+          <a:p>
+            <a:pPr algn="ctr"/>
+            <a:endParaRPr lang="en-US" sz="1050" dirty="0">
+              <a:solidFill>
+                <a:schemeClr val="accent1"/>
+              </a:solidFill>
+              <a:latin typeface="+mj-lt"/>
+            </a:endParaRPr>
+          </a:p>
+        </p:txBody>
+      </p:sp>
+      <p:sp>
+        <p:nvSpPr>
+          <p:cNvPr id="51" name="Rectangle: Rounded Corners 50">
+            <a:extLst>
+              <a:ext uri="{FF2B5EF4-FFF2-40B4-BE49-F238E27FC236}">
+                <a16:creationId xmlns:a16="http://schemas.microsoft.com/office/drawing/2014/main" id="{DEB9F799-8A60-4875-6208-0D17EDFEC954}"/>
+              </a:ext>
+            </a:extLst>
+          </p:cNvPr>
+          <p:cNvSpPr/>
+          <p:nvPr/>
+        </p:nvSpPr>
+        <p:spPr>
+          <a:xfrm>
+            <a:off x="311669" y="5119095"/>
+            <a:ext cx="1367189" cy="748824"/>
+          </a:xfrm>
+          <a:prstGeom prst="roundRect">
+            <a:avLst/>
+          </a:prstGeom>
+          <a:solidFill>
+            <a:schemeClr val="accent5">
+              <a:alpha val="50000"/>
+            </a:schemeClr>
+          </a:solidFill>
+          <a:ln>
+            <a:noFill/>
+          </a:ln>
+        </p:spPr>
+        <p:style>
+          <a:lnRef idx="0">
+            <a:scrgbClr r="0" g="0" b="0"/>
+          </a:lnRef>
+          <a:fillRef idx="0">
+            <a:scrgbClr r="0" g="0" b="0"/>
+          </a:fillRef>
+          <a:effectRef idx="0">
+            <a:scrgbClr r="0" g="0" b="0"/>
+          </a:effectRef>
+          <a:fontRef idx="minor">
+            <a:schemeClr val="lt1"/>
+          </a:fontRef>
+        </p:style>
+        <p:txBody>
+          <a:bodyPr rtlCol="0" anchor="ctr"/>
+          <a:lstStyle/>
+          <a:p>
+            <a:pPr algn="ctr"/>
+            <a:r>
+              <a:rPr lang="en-US" sz="1000" b="1" dirty="0">
+                <a:solidFill>
+                  <a:schemeClr val="accent1"/>
+                </a:solidFill>
+                <a:latin typeface="+mj-lt"/>
+              </a:rPr>
+              <a:t>Train LLM &amp; NLP Models</a:t>
+            </a:r>
+          </a:p>
+          <a:p>
+            <a:pPr algn="ctr"/>
+            <a:endParaRPr lang="en-US" sz="1050" dirty="0">
+              <a:solidFill>
+                <a:schemeClr val="accent1"/>
+              </a:solidFill>
+              <a:latin typeface="+mj-lt"/>
+            </a:endParaRPr>
+          </a:p>
+          <a:p>
+            <a:pPr algn="ctr"/>
+            <a:endParaRPr lang="en-US" sz="1050" dirty="0">
+              <a:solidFill>
+                <a:schemeClr val="accent1"/>
+              </a:solidFill>
+              <a:latin typeface="+mj-lt"/>
+            </a:endParaRPr>
+          </a:p>
+        </p:txBody>
+      </p:sp>
+      <p:sp>
+        <p:nvSpPr>
+          <p:cNvPr id="52" name="Rectangle: Rounded Corners 51">
+            <a:extLst>
+              <a:ext uri="{FF2B5EF4-FFF2-40B4-BE49-F238E27FC236}">
+                <a16:creationId xmlns:a16="http://schemas.microsoft.com/office/drawing/2014/main" id="{3FBE0CBE-AE2E-DEB1-3AA0-DEE67B48E556}"/>
+              </a:ext>
+            </a:extLst>
+          </p:cNvPr>
+          <p:cNvSpPr/>
+          <p:nvPr/>
+        </p:nvSpPr>
+        <p:spPr>
+          <a:xfrm>
+            <a:off x="317717" y="4119605"/>
+            <a:ext cx="1367188" cy="647700"/>
+          </a:xfrm>
+          <a:prstGeom prst="roundRect">
+            <a:avLst/>
+          </a:prstGeom>
+          <a:solidFill>
+            <a:schemeClr val="accent2">
+              <a:alpha val="50000"/>
+            </a:schemeClr>
+          </a:solidFill>
+          <a:ln>
+            <a:noFill/>
+          </a:ln>
+        </p:spPr>
+        <p:style>
+          <a:lnRef idx="0">
+            <a:scrgbClr r="0" g="0" b="0"/>
+          </a:lnRef>
+          <a:fillRef idx="0">
+            <a:scrgbClr r="0" g="0" b="0"/>
+          </a:fillRef>
+          <a:effectRef idx="0">
+            <a:scrgbClr r="0" g="0" b="0"/>
+          </a:effectRef>
+          <a:fontRef idx="minor">
+            <a:schemeClr val="lt1"/>
+          </a:fontRef>
+        </p:style>
+        <p:txBody>
+          <a:bodyPr rtlCol="0" anchor="ctr"/>
+          <a:lstStyle/>
+          <a:p>
+            <a:pPr algn="ctr"/>
+            <a:r>
+              <a:rPr lang="en-US" sz="1050" b="1" dirty="0">
+                <a:solidFill>
+                  <a:schemeClr val="accent1"/>
+                </a:solidFill>
+                <a:latin typeface="+mj-lt"/>
+              </a:rPr>
+              <a:t>Prepare </a:t>
+            </a:r>
+          </a:p>
+          <a:p>
+            <a:pPr algn="ctr"/>
+            <a:r>
+              <a:rPr lang="en-US" sz="1050" b="1" dirty="0">
+                <a:solidFill>
+                  <a:schemeClr val="accent1"/>
+                </a:solidFill>
+                <a:latin typeface="+mj-lt"/>
+              </a:rPr>
+              <a:t>Synthetic Data</a:t>
+            </a:r>
+          </a:p>
+          <a:p>
+            <a:pPr algn="ctr"/>
+            <a:endParaRPr lang="en-US" sz="1050" b="1" dirty="0">
+              <a:solidFill>
+                <a:schemeClr val="accent1"/>
+              </a:solidFill>
+              <a:latin typeface="+mj-lt"/>
+            </a:endParaRPr>
+          </a:p>
+          <a:p>
+            <a:pPr algn="ctr"/>
+            <a:endParaRPr lang="en-US" sz="1050" dirty="0">
+              <a:solidFill>
+                <a:schemeClr val="accent1"/>
+              </a:solidFill>
+              <a:latin typeface="+mj-lt"/>
+            </a:endParaRPr>
+          </a:p>
+        </p:txBody>
+      </p:sp>
+      <p:pic>
+        <p:nvPicPr>
+          <p:cNvPr id="53" name="Picture 10" descr="Python - Python Logo - CleanPNG / KissPNG">
+            <a:extLst>
+              <a:ext uri="{FF2B5EF4-FFF2-40B4-BE49-F238E27FC236}">
+                <a16:creationId xmlns:a16="http://schemas.microsoft.com/office/drawing/2014/main" id="{40DECA7E-C5A6-4913-16AC-DC7A115C81C9}"/>
+              </a:ext>
+            </a:extLst>
+          </p:cNvPr>
+          <p:cNvPicPr>
+            <a:picLocks noChangeAspect="1" noChangeArrowheads="1"/>
+          </p:cNvPicPr>
+          <p:nvPr/>
+        </p:nvPicPr>
+        <p:blipFill>
+          <a:blip r:embed="rId10">
+            <a:duotone>
+              <a:prstClr val="black"/>
+              <a:schemeClr val="accent5">
+                <a:tint val="45000"/>
+                <a:satMod val="400000"/>
+              </a:schemeClr>
+            </a:duotone>
+            <a:extLst>
+              <a:ext uri="{BEBA8EAE-BF5A-486C-A8C5-ECC9F3942E4B}">
+                <a14:imgProps xmlns:a14="http://schemas.microsoft.com/office/drawing/2010/main">
+                  <a14:imgLayer r:embed="rId11">
+                    <a14:imgEffect>
+                      <a14:backgroundRemoval t="7927" b="89024" l="9416" r="89610">
+                        <a14:foregroundMark x1="53571" y1="8537" x2="53571" y2="8537"/>
+                        <a14:foregroundMark x1="50649" y1="7927" x2="50649" y2="7927"/>
+                        <a14:backgroundMark x1="50000" y1="43293" x2="50000" y2="43293"/>
+                        <a14:backgroundMark x1="41558" y1="45732" x2="41558" y2="45732"/>
+                        <a14:backgroundMark x1="57143" y1="64634" x2="57143" y2="64634"/>
+                        <a14:backgroundMark x1="56494" y1="74390" x2="56494" y2="74390"/>
+                      </a14:backgroundRemoval>
+                    </a14:imgEffect>
+                  </a14:imgLayer>
+                </a14:imgProps>
+              </a:ext>
+              <a:ext uri="{28A0092B-C50C-407E-A947-70E740481C1C}">
+                <a14:useLocalDpi xmlns:a14="http://schemas.microsoft.com/office/drawing/2010/main" val="0"/>
+              </a:ext>
+            </a:extLst>
+          </a:blip>
+          <a:srcRect/>
+          <a:stretch>
+            <a:fillRect/>
+          </a:stretch>
+        </p:blipFill>
+        <p:spPr bwMode="auto">
+          <a:xfrm>
+            <a:off x="631146" y="4418055"/>
+            <a:ext cx="751427" cy="400110"/>
+          </a:xfrm>
+          <a:prstGeom prst="rect">
+            <a:avLst/>
+          </a:prstGeom>
+          <a:noFill/>
+          <a:extLst>
+            <a:ext uri="{909E8E84-426E-40DD-AFC4-6F175D3DCCD1}">
+              <a14:hiddenFill xmlns:a14="http://schemas.microsoft.com/office/drawing/2010/main">
+                <a:solidFill>
+                  <a:srgbClr val="FFFFFF"/>
+                </a:solidFill>
+              </a14:hiddenFill>
+            </a:ext>
+          </a:extLst>
+        </p:spPr>
+      </p:pic>
+      <p:pic>
+        <p:nvPicPr>
+          <p:cNvPr id="54" name="Picture 12" descr="Openai png images | PNGWing">
+            <a:extLst>
+              <a:ext uri="{FF2B5EF4-FFF2-40B4-BE49-F238E27FC236}">
+                <a16:creationId xmlns:a16="http://schemas.microsoft.com/office/drawing/2014/main" id="{9B033876-DBF8-6D71-DA81-F82F3E460F44}"/>
+              </a:ext>
+            </a:extLst>
+          </p:cNvPr>
+          <p:cNvPicPr>
+            <a:picLocks noChangeAspect="1" noChangeArrowheads="1"/>
+          </p:cNvPicPr>
+          <p:nvPr/>
+        </p:nvPicPr>
+        <p:blipFill rotWithShape="1">
+          <a:blip r:embed="rId12">
+            <a:clrChange>
+              <a:clrFrom>
+                <a:srgbClr val="000000">
+                  <a:alpha val="0"/>
+                </a:srgbClr>
+              </a:clrFrom>
+              <a:clrTo>
+                <a:srgbClr val="000000">
+                  <a:alpha val="0"/>
+                </a:srgbClr>
+              </a:clrTo>
+            </a:clrChange>
+            <a:duotone>
+              <a:schemeClr val="accent5">
+                <a:shade val="45000"/>
+                <a:satMod val="135000"/>
+              </a:schemeClr>
+              <a:prstClr val="white"/>
+            </a:duotone>
+            <a:alphaModFix amt="85000"/>
+            <a:extLst>
+              <a:ext uri="{BEBA8EAE-BF5A-486C-A8C5-ECC9F3942E4B}">
+                <a14:imgProps xmlns:a14="http://schemas.microsoft.com/office/drawing/2010/main">
+                  <a14:imgLayer r:embed="rId13">
+                    <a14:imgEffect>
+                      <a14:backgroundRemoval t="3667" b="95333" l="10000" r="90000">
+                        <a14:foregroundMark x1="49022" y1="3667" x2="49022" y2="3667"/>
+                        <a14:foregroundMark x1="48913" y1="95333" x2="48913" y2="95333"/>
+                      </a14:backgroundRemoval>
+                    </a14:imgEffect>
+                  </a14:imgLayer>
+                </a14:imgProps>
+              </a:ext>
+              <a:ext uri="{28A0092B-C50C-407E-A947-70E740481C1C}">
+                <a14:useLocalDpi xmlns:a14="http://schemas.microsoft.com/office/drawing/2010/main" val="0"/>
+              </a:ext>
+            </a:extLst>
+          </a:blip>
+          <a:srcRect l="33389" r="33222"/>
+          <a:stretch/>
+        </p:blipFill>
+        <p:spPr bwMode="auto">
+          <a:xfrm>
+            <a:off x="427620" y="5452735"/>
+            <a:ext cx="409562" cy="400110"/>
+          </a:xfrm>
+          <a:prstGeom prst="rect">
+            <a:avLst/>
+          </a:prstGeom>
+          <a:noFill/>
+          <a:extLst>
+            <a:ext uri="{909E8E84-426E-40DD-AFC4-6F175D3DCCD1}">
+              <a14:hiddenFill xmlns:a14="http://schemas.microsoft.com/office/drawing/2010/main">
+                <a:solidFill>
+                  <a:srgbClr val="FFFFFF"/>
+                </a:solidFill>
+              </a14:hiddenFill>
+            </a:ext>
+          </a:extLst>
+        </p:spPr>
+      </p:pic>
+      <p:pic>
+        <p:nvPicPr>
+          <p:cNvPr id="56" name="Picture 22" descr="Natural language processing - Free electronics icons">
+            <a:extLst>
+              <a:ext uri="{FF2B5EF4-FFF2-40B4-BE49-F238E27FC236}">
+                <a16:creationId xmlns:a16="http://schemas.microsoft.com/office/drawing/2014/main" id="{FB593177-AD76-B21C-7C67-E41E4050AEC7}"/>
+              </a:ext>
+            </a:extLst>
+          </p:cNvPr>
+          <p:cNvPicPr>
+            <a:picLocks noChangeAspect="1" noChangeArrowheads="1"/>
+          </p:cNvPicPr>
+          <p:nvPr/>
+        </p:nvPicPr>
+        <p:blipFill>
+          <a:blip r:embed="rId14">
+            <a:duotone>
+              <a:schemeClr val="accent5">
+                <a:shade val="45000"/>
+                <a:satMod val="135000"/>
+              </a:schemeClr>
+              <a:prstClr val="white"/>
+            </a:duotone>
+            <a:alphaModFix amt="85000"/>
+            <a:extLst>
+              <a:ext uri="{28A0092B-C50C-407E-A947-70E740481C1C}">
+                <a14:useLocalDpi xmlns:a14="http://schemas.microsoft.com/office/drawing/2010/main" val="0"/>
+              </a:ext>
+            </a:extLst>
+          </a:blip>
+          <a:srcRect/>
+          <a:stretch>
+            <a:fillRect/>
+          </a:stretch>
+        </p:blipFill>
+        <p:spPr bwMode="auto">
+          <a:xfrm>
+            <a:off x="1150432" y="5368649"/>
+            <a:ext cx="484840" cy="484840"/>
+          </a:xfrm>
+          <a:prstGeom prst="rect">
+            <a:avLst/>
+          </a:prstGeom>
+          <a:noFill/>
+          <a:extLst>
+            <a:ext uri="{909E8E84-426E-40DD-AFC4-6F175D3DCCD1}">
+              <a14:hiddenFill xmlns:a14="http://schemas.microsoft.com/office/drawing/2010/main">
+                <a:solidFill>
+                  <a:srgbClr val="FFFFFF"/>
+                </a:solidFill>
+              </a14:hiddenFill>
+            </a:ext>
+          </a:extLst>
+        </p:spPr>
+      </p:pic>
+      <p:pic>
+        <p:nvPicPr>
+          <p:cNvPr id="57" name="Picture 24" descr="Amazon aws logo, png | PNGWing">
+            <a:extLst>
+              <a:ext uri="{FF2B5EF4-FFF2-40B4-BE49-F238E27FC236}">
+                <a16:creationId xmlns:a16="http://schemas.microsoft.com/office/drawing/2014/main" id="{C20D14E9-7429-897E-3122-ADFF162BB15A}"/>
+              </a:ext>
+            </a:extLst>
+          </p:cNvPr>
+          <p:cNvPicPr>
+            <a:picLocks noChangeAspect="1" noChangeArrowheads="1"/>
+          </p:cNvPicPr>
+          <p:nvPr/>
+        </p:nvPicPr>
+        <p:blipFill rotWithShape="1">
+          <a:blip r:embed="rId15">
+            <a:duotone>
+              <a:schemeClr val="accent5">
+                <a:shade val="45000"/>
+                <a:satMod val="135000"/>
+              </a:schemeClr>
+              <a:prstClr val="white"/>
+            </a:duotone>
+            <a:alphaModFix amt="85000"/>
+            <a:extLst>
+              <a:ext uri="{BEBA8EAE-BF5A-486C-A8C5-ECC9F3942E4B}">
+                <a14:imgProps xmlns:a14="http://schemas.microsoft.com/office/drawing/2010/main">
+                  <a14:imgLayer r:embed="rId16">
+                    <a14:imgEffect>
+                      <a14:backgroundRemoval t="10000" b="90000" l="10000" r="90000">
+                        <a14:foregroundMark x1="32222" y1="38333" x2="32222" y2="38333"/>
+                        <a14:foregroundMark x1="69444" y1="36944" x2="69444" y2="36944"/>
+                        <a14:foregroundMark x1="70000" y1="65278" x2="70000" y2="65278"/>
+                        <a14:foregroundMark x1="81667" y1="59722" x2="81667" y2="59722"/>
+                      </a14:backgroundRemoval>
+                    </a14:imgEffect>
+                  </a14:imgLayer>
+                </a14:imgProps>
+              </a:ext>
+              <a:ext uri="{28A0092B-C50C-407E-A947-70E740481C1C}">
+                <a14:useLocalDpi xmlns:a14="http://schemas.microsoft.com/office/drawing/2010/main" val="0"/>
+              </a:ext>
+            </a:extLst>
+          </a:blip>
+          <a:srcRect l="13111" t="27364" r="13750" b="25334"/>
+          <a:stretch/>
+        </p:blipFill>
+        <p:spPr bwMode="auto">
+          <a:xfrm>
+            <a:off x="776034" y="6576558"/>
+            <a:ext cx="480696" cy="310894"/>
+          </a:xfrm>
+          <a:prstGeom prst="rect">
+            <a:avLst/>
+          </a:prstGeom>
+          <a:noFill/>
+          <a:extLst>
+            <a:ext uri="{909E8E84-426E-40DD-AFC4-6F175D3DCCD1}">
+              <a14:hiddenFill xmlns:a14="http://schemas.microsoft.com/office/drawing/2010/main">
+                <a:solidFill>
+                  <a:srgbClr val="FFFFFF"/>
+                </a:solidFill>
+              </a14:hiddenFill>
+            </a:ext>
+          </a:extLst>
+        </p:spPr>
+      </p:pic>
+      <p:pic>
+        <p:nvPicPr>
+          <p:cNvPr id="58" name="Picture 26" descr="Aws Lambda - Amazon Logo - CleanPNG / KissPNG">
+            <a:extLst>
+              <a:ext uri="{FF2B5EF4-FFF2-40B4-BE49-F238E27FC236}">
+                <a16:creationId xmlns:a16="http://schemas.microsoft.com/office/drawing/2014/main" id="{DB904853-EF70-BD4C-B4E5-95B405F3218B}"/>
+              </a:ext>
+            </a:extLst>
+          </p:cNvPr>
+          <p:cNvPicPr>
+            <a:picLocks noChangeAspect="1" noChangeArrowheads="1"/>
+          </p:cNvPicPr>
+          <p:nvPr/>
+        </p:nvPicPr>
+        <p:blipFill>
+          <a:blip r:embed="rId17">
+            <a:duotone>
+              <a:prstClr val="black"/>
+              <a:schemeClr val="accent5">
+                <a:tint val="45000"/>
+                <a:satMod val="400000"/>
+              </a:schemeClr>
+            </a:duotone>
+            <a:extLst>
+              <a:ext uri="{BEBA8EAE-BF5A-486C-A8C5-ECC9F3942E4B}">
+                <a14:imgProps xmlns:a14="http://schemas.microsoft.com/office/drawing/2010/main">
+                  <a14:imgLayer r:embed="rId18">
+                    <a14:imgEffect>
+                      <a14:backgroundRemoval t="10000" b="90000" l="9111" r="92667">
+                        <a14:foregroundMark x1="92667" y1="82396" x2="92667" y2="82396"/>
+                        <a14:foregroundMark x1="9111" y1="86667" x2="9111" y2="86667"/>
+                      </a14:backgroundRemoval>
+                    </a14:imgEffect>
+                  </a14:imgLayer>
+                </a14:imgProps>
+              </a:ext>
+              <a:ext uri="{28A0092B-C50C-407E-A947-70E740481C1C}">
+                <a14:useLocalDpi xmlns:a14="http://schemas.microsoft.com/office/drawing/2010/main" val="0"/>
+              </a:ext>
+            </a:extLst>
+          </a:blip>
+          <a:srcRect/>
+          <a:stretch>
+            <a:fillRect/>
+          </a:stretch>
+        </p:blipFill>
+        <p:spPr bwMode="auto">
+          <a:xfrm>
+            <a:off x="331462" y="6853868"/>
+            <a:ext cx="505719" cy="512703"/>
+          </a:xfrm>
+          <a:prstGeom prst="rect">
+            <a:avLst/>
+          </a:prstGeom>
+          <a:noFill/>
+          <a:extLst>
+            <a:ext uri="{909E8E84-426E-40DD-AFC4-6F175D3DCCD1}">
+              <a14:hiddenFill xmlns:a14="http://schemas.microsoft.com/office/drawing/2010/main">
+                <a:solidFill>
+                  <a:srgbClr val="FFFFFF"/>
+                </a:solidFill>
+              </a14:hiddenFill>
+            </a:ext>
+          </a:extLst>
+        </p:spPr>
+      </p:pic>
+      <p:pic>
+        <p:nvPicPr>
+          <p:cNvPr id="59" name="Picture 28" descr="Amazon S3 - Amazon Logo - CleanPNG / KissPNG">
+            <a:extLst>
+              <a:ext uri="{FF2B5EF4-FFF2-40B4-BE49-F238E27FC236}">
+                <a16:creationId xmlns:a16="http://schemas.microsoft.com/office/drawing/2014/main" id="{7E50DEDD-A22A-E87A-72C9-636543609C29}"/>
+              </a:ext>
+            </a:extLst>
+          </p:cNvPr>
+          <p:cNvPicPr>
+            <a:picLocks noChangeAspect="1" noChangeArrowheads="1"/>
+          </p:cNvPicPr>
+          <p:nvPr/>
+        </p:nvPicPr>
+        <p:blipFill rotWithShape="1">
+          <a:blip r:embed="rId19">
+            <a:duotone>
+              <a:schemeClr val="accent5">
+                <a:shade val="45000"/>
+                <a:satMod val="135000"/>
+              </a:schemeClr>
+              <a:prstClr val="white"/>
+            </a:duotone>
+            <a:extLst>
+              <a:ext uri="{BEBA8EAE-BF5A-486C-A8C5-ECC9F3942E4B}">
+                <a14:imgProps xmlns:a14="http://schemas.microsoft.com/office/drawing/2010/main">
+                  <a14:imgLayer r:embed="rId20">
+                    <a14:imgEffect>
+                      <a14:backgroundRemoval t="10000" b="90000" l="10000" r="90000"/>
+                    </a14:imgEffect>
+                  </a14:imgLayer>
+                </a14:imgProps>
+              </a:ext>
+              <a:ext uri="{28A0092B-C50C-407E-A947-70E740481C1C}">
+                <a14:useLocalDpi xmlns:a14="http://schemas.microsoft.com/office/drawing/2010/main" val="0"/>
+              </a:ext>
+            </a:extLst>
+          </a:blip>
+          <a:srcRect l="31789" t="11824" r="31078" b="13349"/>
+          <a:stretch/>
+        </p:blipFill>
+        <p:spPr bwMode="auto">
+          <a:xfrm>
+            <a:off x="1256773" y="6875133"/>
+            <a:ext cx="430905" cy="501735"/>
+          </a:xfrm>
+          <a:prstGeom prst="rect">
+            <a:avLst/>
+          </a:prstGeom>
+          <a:noFill/>
+          <a:extLst>
+            <a:ext uri="{909E8E84-426E-40DD-AFC4-6F175D3DCCD1}">
+              <a14:hiddenFill xmlns:a14="http://schemas.microsoft.com/office/drawing/2010/main">
+                <a:solidFill>
+                  <a:srgbClr val="FFFFFF"/>
+                </a:solidFill>
+              </a14:hiddenFill>
+            </a:ext>
+          </a:extLst>
+        </p:spPr>
+      </p:pic>
+      <p:sp>
+        <p:nvSpPr>
+          <p:cNvPr id="60" name="Arrow: Down 59">
+            <a:extLst>
+              <a:ext uri="{FF2B5EF4-FFF2-40B4-BE49-F238E27FC236}">
+                <a16:creationId xmlns:a16="http://schemas.microsoft.com/office/drawing/2014/main" id="{EBC73530-B553-F636-D15B-F36E5D1138FC}"/>
+              </a:ext>
+            </a:extLst>
+          </p:cNvPr>
+          <p:cNvSpPr/>
+          <p:nvPr/>
+        </p:nvSpPr>
+        <p:spPr>
+          <a:xfrm>
+            <a:off x="814621" y="4786384"/>
+            <a:ext cx="373380" cy="319734"/>
+          </a:xfrm>
+          <a:prstGeom prst="downArrow">
+            <a:avLst/>
+          </a:prstGeom>
+          <a:solidFill>
+            <a:schemeClr val="dk1">
+              <a:alpha val="50000"/>
+            </a:schemeClr>
+          </a:solidFill>
+          <a:ln>
+            <a:noFill/>
+          </a:ln>
+        </p:spPr>
+        <p:style>
+          <a:lnRef idx="0">
+            <a:scrgbClr r="0" g="0" b="0"/>
+          </a:lnRef>
+          <a:fillRef idx="0">
+            <a:scrgbClr r="0" g="0" b="0"/>
+          </a:fillRef>
+          <a:effectRef idx="0">
+            <a:scrgbClr r="0" g="0" b="0"/>
+          </a:effectRef>
+          <a:fontRef idx="minor">
+            <a:schemeClr val="lt1"/>
+          </a:fontRef>
+        </p:style>
+        <p:txBody>
+          <a:bodyPr rtlCol="0" anchor="ctr"/>
+          <a:lstStyle/>
+          <a:p>
+            <a:pPr algn="ctr"/>
+            <a:endParaRPr lang="en-US" sz="1050">
+              <a:solidFill>
+                <a:schemeClr val="accent1"/>
+              </a:solidFill>
+              <a:latin typeface="+mj-lt"/>
+            </a:endParaRPr>
+          </a:p>
+        </p:txBody>
+      </p:sp>
+      <p:sp>
+        <p:nvSpPr>
+          <p:cNvPr id="61" name="Arrow: Down 60">
+            <a:extLst>
+              <a:ext uri="{FF2B5EF4-FFF2-40B4-BE49-F238E27FC236}">
+                <a16:creationId xmlns:a16="http://schemas.microsoft.com/office/drawing/2014/main" id="{F22ABF95-6D82-AC88-30D0-54A8E916E3FB}"/>
+              </a:ext>
+            </a:extLst>
+          </p:cNvPr>
+          <p:cNvSpPr/>
+          <p:nvPr/>
+        </p:nvSpPr>
+        <p:spPr>
+          <a:xfrm>
+            <a:off x="826054" y="5888921"/>
+            <a:ext cx="373380" cy="319734"/>
+          </a:xfrm>
+          <a:prstGeom prst="downArrow">
+            <a:avLst/>
+          </a:prstGeom>
+          <a:solidFill>
+            <a:schemeClr val="dk1">
+              <a:alpha val="50000"/>
+            </a:schemeClr>
+          </a:solidFill>
+          <a:ln>
+            <a:noFill/>
+          </a:ln>
+        </p:spPr>
+        <p:style>
+          <a:lnRef idx="0">
+            <a:scrgbClr r="0" g="0" b="0"/>
+          </a:lnRef>
+          <a:fillRef idx="0">
+            <a:scrgbClr r="0" g="0" b="0"/>
+          </a:fillRef>
+          <a:effectRef idx="0">
+            <a:scrgbClr r="0" g="0" b="0"/>
+          </a:effectRef>
+          <a:fontRef idx="minor">
+            <a:schemeClr val="lt1"/>
+          </a:fontRef>
+        </p:style>
+        <p:txBody>
+          <a:bodyPr rtlCol="0" anchor="ctr"/>
+          <a:lstStyle/>
+          <a:p>
+            <a:pPr algn="ctr"/>
+            <a:endParaRPr lang="en-US" sz="1050">
+              <a:solidFill>
+                <a:schemeClr val="accent1"/>
+              </a:solidFill>
+              <a:latin typeface="+mj-lt"/>
+            </a:endParaRPr>
+          </a:p>
+        </p:txBody>
+      </p:sp>
+      <p:cxnSp>
+        <p:nvCxnSpPr>
+          <p:cNvPr id="63" name="Straight Arrow Connector 62">
+            <a:extLst>
+              <a:ext uri="{FF2B5EF4-FFF2-40B4-BE49-F238E27FC236}">
+                <a16:creationId xmlns:a16="http://schemas.microsoft.com/office/drawing/2014/main" id="{55BBFEFF-A39B-B1E9-8443-1BE779E8B45B}"/>
+              </a:ext>
+            </a:extLst>
+          </p:cNvPr>
+          <p:cNvCxnSpPr>
+            <a:cxnSpLocks/>
+            <a:stCxn id="57" idx="2"/>
+            <a:endCxn id="59" idx="1"/>
+          </p:cNvCxnSpPr>
+          <p:nvPr/>
+        </p:nvCxnSpPr>
+        <p:spPr>
+          <a:xfrm>
+            <a:off x="1016382" y="6887452"/>
+            <a:ext cx="240391" cy="238549"/>
+          </a:xfrm>
+          <a:prstGeom prst="straightConnector1">
+            <a:avLst/>
+          </a:prstGeom>
+          <a:ln>
+            <a:solidFill>
+              <a:srgbClr val="5C3E00">
+                <a:alpha val="69804"/>
+              </a:srgbClr>
+            </a:solidFill>
+            <a:tailEnd type="triangle"/>
+          </a:ln>
+        </p:spPr>
+        <p:style>
+          <a:lnRef idx="3">
+            <a:schemeClr val="dk1"/>
+          </a:lnRef>
+          <a:fillRef idx="0">
+            <a:schemeClr val="dk1"/>
+          </a:fillRef>
+          <a:effectRef idx="2">
+            <a:schemeClr val="dk1"/>
+          </a:effectRef>
+          <a:fontRef idx="minor">
+            <a:schemeClr val="tx1"/>
+          </a:fontRef>
+        </p:style>
+      </p:cxnSp>
+      <p:cxnSp>
+        <p:nvCxnSpPr>
+          <p:cNvPr id="123" name="Straight Arrow Connector 122">
+            <a:extLst>
+              <a:ext uri="{FF2B5EF4-FFF2-40B4-BE49-F238E27FC236}">
+                <a16:creationId xmlns:a16="http://schemas.microsoft.com/office/drawing/2014/main" id="{F5661005-45AF-9CE2-C26F-0B25E8693CBD}"/>
+              </a:ext>
+            </a:extLst>
+          </p:cNvPr>
+          <p:cNvCxnSpPr>
+            <a:cxnSpLocks/>
+          </p:cNvCxnSpPr>
+          <p:nvPr/>
+        </p:nvCxnSpPr>
+        <p:spPr>
+          <a:xfrm flipH="1">
+            <a:off x="736229" y="6885822"/>
+            <a:ext cx="275783" cy="237744"/>
+          </a:xfrm>
+          <a:prstGeom prst="straightConnector1">
+            <a:avLst/>
+          </a:prstGeom>
+          <a:ln>
+            <a:solidFill>
+              <a:srgbClr val="5C3E00">
+                <a:alpha val="69804"/>
+              </a:srgbClr>
+            </a:solidFill>
+            <a:tailEnd type="triangle"/>
+          </a:ln>
+        </p:spPr>
+        <p:style>
+          <a:lnRef idx="3">
+            <a:schemeClr val="dk1"/>
+          </a:lnRef>
+          <a:fillRef idx="0">
+            <a:schemeClr val="dk1"/>
+          </a:fillRef>
+          <a:effectRef idx="2">
+            <a:schemeClr val="dk1"/>
+          </a:effectRef>
+          <a:fontRef idx="minor">
+            <a:schemeClr val="tx1"/>
+          </a:fontRef>
+        </p:style>
+      </p:cxnSp>
+      <p:sp>
+        <p:nvSpPr>
+          <p:cNvPr id="22" name="TextBox 21">
+            <a:extLst>
+              <a:ext uri="{FF2B5EF4-FFF2-40B4-BE49-F238E27FC236}">
+                <a16:creationId xmlns:a16="http://schemas.microsoft.com/office/drawing/2014/main" id="{F38C92AA-E76F-5FA1-25EB-FA3D999972D0}"/>
+              </a:ext>
+            </a:extLst>
+          </p:cNvPr>
+          <p:cNvSpPr txBox="1"/>
+          <p:nvPr/>
+        </p:nvSpPr>
+        <p:spPr>
+          <a:xfrm>
+            <a:off x="243652" y="3268555"/>
+            <a:ext cx="1505705" cy="4185761"/>
+          </a:xfrm>
+          <a:prstGeom prst="rect">
+            <a:avLst/>
+          </a:prstGeom>
+          <a:solidFill>
+            <a:schemeClr val="accent1"/>
+          </a:solidFill>
+        </p:spPr>
+        <p:txBody>
+          <a:bodyPr wrap="square" lIns="108000" rtlCol="0">
+            <a:spAutoFit/>
+          </a:bodyPr>
+          <a:lstStyle/>
+          <a:p>
+            <a:pPr algn="ctr"/>
+            <a:endParaRPr lang="en-US" sz="1400" dirty="0">
+              <a:solidFill>
+                <a:srgbClr val="DBE8D4"/>
+              </a:solidFill>
+              <a:latin typeface="+mj-lt"/>
+            </a:endParaRPr>
+          </a:p>
+          <a:p>
+            <a:pPr algn="ctr"/>
+            <a:endParaRPr lang="en-US" sz="1400" dirty="0">
+              <a:solidFill>
+                <a:srgbClr val="DBE8D4"/>
+              </a:solidFill>
+              <a:latin typeface="+mj-lt"/>
+            </a:endParaRPr>
+          </a:p>
+          <a:p>
+            <a:pPr algn="ctr"/>
+            <a:endParaRPr lang="en-US" sz="1400" dirty="0">
+              <a:solidFill>
+                <a:srgbClr val="DBE8D4"/>
+              </a:solidFill>
+              <a:latin typeface="+mj-lt"/>
+            </a:endParaRPr>
+          </a:p>
+          <a:p>
+            <a:pPr algn="ctr"/>
+            <a:endParaRPr lang="en-US" sz="1400" dirty="0">
+              <a:solidFill>
+                <a:srgbClr val="DBE8D4"/>
+              </a:solidFill>
+              <a:latin typeface="+mj-lt"/>
+            </a:endParaRPr>
+          </a:p>
+          <a:p>
+            <a:pPr algn="ctr"/>
+            <a:endParaRPr lang="en-US" sz="1400" dirty="0">
+              <a:solidFill>
+                <a:srgbClr val="DBE8D4"/>
+              </a:solidFill>
+              <a:latin typeface="+mj-lt"/>
+            </a:endParaRPr>
+          </a:p>
+          <a:p>
+            <a:pPr algn="ctr"/>
+            <a:endParaRPr lang="en-US" sz="1400" dirty="0">
+              <a:solidFill>
+                <a:srgbClr val="DBE8D4"/>
+              </a:solidFill>
+              <a:latin typeface="+mj-lt"/>
+            </a:endParaRPr>
+          </a:p>
+          <a:p>
+            <a:pPr algn="ctr"/>
+            <a:endParaRPr lang="en-US" sz="1400" dirty="0">
+              <a:solidFill>
+                <a:srgbClr val="DBE8D4"/>
+              </a:solidFill>
+              <a:latin typeface="+mj-lt"/>
+            </a:endParaRPr>
+          </a:p>
+          <a:p>
+            <a:pPr algn="ctr"/>
+            <a:endParaRPr lang="en-US" sz="1400" dirty="0">
+              <a:solidFill>
+                <a:srgbClr val="DBE8D4"/>
+              </a:solidFill>
+              <a:latin typeface="+mj-lt"/>
+            </a:endParaRPr>
+          </a:p>
+          <a:p>
+            <a:pPr algn="ctr"/>
+            <a:endParaRPr lang="en-US" sz="1400" dirty="0">
+              <a:solidFill>
+                <a:srgbClr val="DBE8D4"/>
+              </a:solidFill>
+              <a:latin typeface="+mj-lt"/>
+            </a:endParaRPr>
+          </a:p>
+          <a:p>
+            <a:pPr algn="ctr"/>
+            <a:endParaRPr lang="en-US" sz="1400" dirty="0">
+              <a:solidFill>
+                <a:srgbClr val="DBE8D4"/>
+              </a:solidFill>
+              <a:latin typeface="+mj-lt"/>
+            </a:endParaRPr>
+          </a:p>
+          <a:p>
+            <a:pPr algn="ctr"/>
+            <a:endParaRPr lang="en-US" sz="1400" dirty="0">
+              <a:solidFill>
+                <a:srgbClr val="DBE8D4"/>
+              </a:solidFill>
+              <a:latin typeface="+mj-lt"/>
+            </a:endParaRPr>
+          </a:p>
+          <a:p>
+            <a:pPr algn="ctr"/>
+            <a:endParaRPr lang="en-US" sz="1400" dirty="0">
+              <a:solidFill>
+                <a:srgbClr val="DBE8D4"/>
+              </a:solidFill>
+              <a:latin typeface="+mj-lt"/>
+            </a:endParaRPr>
+          </a:p>
+          <a:p>
+            <a:pPr algn="ctr"/>
+            <a:endParaRPr lang="en-US" sz="1400" dirty="0">
+              <a:solidFill>
+                <a:srgbClr val="DBE8D4"/>
+              </a:solidFill>
+              <a:latin typeface="+mj-lt"/>
+            </a:endParaRPr>
+          </a:p>
+          <a:p>
+            <a:pPr algn="ctr"/>
+            <a:endParaRPr lang="en-US" sz="1400" dirty="0">
+              <a:solidFill>
+                <a:srgbClr val="DBE8D4"/>
+              </a:solidFill>
+              <a:latin typeface="+mj-lt"/>
+            </a:endParaRPr>
+          </a:p>
+          <a:p>
+            <a:pPr algn="ctr"/>
+            <a:endParaRPr lang="en-US" sz="1400" dirty="0">
+              <a:solidFill>
+                <a:srgbClr val="DBE8D4"/>
+              </a:solidFill>
+              <a:latin typeface="+mj-lt"/>
+            </a:endParaRPr>
+          </a:p>
+          <a:p>
+            <a:pPr algn="ctr"/>
+            <a:endParaRPr lang="en-US" sz="1400" dirty="0">
+              <a:solidFill>
+                <a:srgbClr val="DBE8D4"/>
+              </a:solidFill>
+              <a:latin typeface="+mj-lt"/>
+            </a:endParaRPr>
+          </a:p>
+          <a:p>
+            <a:pPr algn="ctr"/>
+            <a:endParaRPr lang="en-US" sz="1400" dirty="0">
+              <a:solidFill>
+                <a:srgbClr val="DBE8D4"/>
+              </a:solidFill>
+              <a:latin typeface="+mj-lt"/>
+            </a:endParaRPr>
+          </a:p>
+          <a:p>
+            <a:pPr algn="ctr"/>
+            <a:endParaRPr lang="en-US" sz="1400" dirty="0">
+              <a:solidFill>
+                <a:srgbClr val="DBE8D4"/>
+              </a:solidFill>
+              <a:latin typeface="+mj-lt"/>
+            </a:endParaRPr>
+          </a:p>
+          <a:p>
+            <a:pPr algn="ctr"/>
+            <a:endParaRPr lang="en-US" sz="1400" dirty="0">
+              <a:solidFill>
+                <a:srgbClr val="DBE8D4"/>
+              </a:solidFill>
+              <a:latin typeface="+mj-lt"/>
+            </a:endParaRPr>
+          </a:p>
+        </p:txBody>
+      </p:sp>
+      <p:sp>
+        <p:nvSpPr>
+          <p:cNvPr id="96" name="TextBox 95">
+            <a:extLst>
+              <a:ext uri="{FF2B5EF4-FFF2-40B4-BE49-F238E27FC236}">
+                <a16:creationId xmlns:a16="http://schemas.microsoft.com/office/drawing/2014/main" id="{9DFAE1DC-3EAF-8F59-EA31-C15C50BFA33F}"/>
+              </a:ext>
+            </a:extLst>
+          </p:cNvPr>
+          <p:cNvSpPr txBox="1"/>
+          <p:nvPr/>
+        </p:nvSpPr>
+        <p:spPr>
+          <a:xfrm>
+            <a:off x="240986" y="3171290"/>
+            <a:ext cx="3408822" cy="307777"/>
+          </a:xfrm>
+          <a:prstGeom prst="rect">
+            <a:avLst/>
+          </a:prstGeom>
+          <a:solidFill>
+            <a:srgbClr val="65914D"/>
+          </a:solidFill>
+        </p:spPr>
+        <p:txBody>
+          <a:bodyPr wrap="square" lIns="108000" rtlCol="0">
+            <a:spAutoFit/>
+          </a:bodyPr>
+          <a:lstStyle/>
+          <a:p>
+            <a:pPr algn="ctr"/>
+            <a:endParaRPr lang="en-US" sz="1400" dirty="0">
+              <a:solidFill>
+                <a:schemeClr val="accent1"/>
+              </a:solidFill>
+              <a:latin typeface="+mj-lt"/>
+            </a:endParaRPr>
+          </a:p>
+        </p:txBody>
+      </p:sp>
+      <p:sp>
+        <p:nvSpPr>
+          <p:cNvPr id="55" name="TextBox 54">
+            <a:extLst>
+              <a:ext uri="{FF2B5EF4-FFF2-40B4-BE49-F238E27FC236}">
+                <a16:creationId xmlns:a16="http://schemas.microsoft.com/office/drawing/2014/main" id="{5A89F32A-A554-4958-3EC8-E20C2450FC0B}"/>
+              </a:ext>
+            </a:extLst>
+          </p:cNvPr>
+          <p:cNvSpPr txBox="1"/>
+          <p:nvPr/>
+        </p:nvSpPr>
+        <p:spPr>
+          <a:xfrm>
+            <a:off x="1911129" y="3541610"/>
+            <a:ext cx="1700299" cy="590643"/>
+          </a:xfrm>
+          <a:prstGeom prst="rect">
+            <a:avLst/>
+          </a:prstGeom>
+          <a:noFill/>
+        </p:spPr>
+        <p:txBody>
+          <a:bodyPr wrap="square" lIns="0" tIns="0" rIns="0" bIns="0" rtlCol="0">
+            <a:noAutofit/>
+          </a:bodyPr>
+          <a:lstStyle/>
+          <a:p>
+            <a:r>
+              <a:rPr lang="en-US" sz="900" dirty="0">
+                <a:solidFill>
+                  <a:schemeClr val="bg1"/>
+                </a:solidFill>
+              </a:rPr>
+              <a:t>Synthetic queries were developed to represent questions that users may ask in association with five NPS API endpoint. </a:t>
+            </a:r>
+          </a:p>
+          <a:p>
+            <a:endParaRPr lang="en-US" sz="900" dirty="0">
+              <a:solidFill>
+                <a:schemeClr val="bg1"/>
+              </a:solidFill>
+            </a:endParaRPr>
+          </a:p>
+          <a:p>
+            <a:endParaRPr lang="en-US" sz="900" dirty="0">
+              <a:solidFill>
+                <a:schemeClr val="bg1"/>
+              </a:solidFill>
+            </a:endParaRPr>
+          </a:p>
+          <a:p>
+            <a:endParaRPr lang="en-US" sz="900" dirty="0">
+              <a:solidFill>
+                <a:schemeClr val="bg1"/>
+              </a:solidFill>
+            </a:endParaRPr>
+          </a:p>
+          <a:p>
+            <a:endParaRPr lang="en-US" sz="900" noProof="1">
+              <a:solidFill>
+                <a:schemeClr val="bg1"/>
+              </a:solidFill>
+            </a:endParaRPr>
+          </a:p>
+        </p:txBody>
+      </p:sp>
+      <p:sp>
+        <p:nvSpPr>
+          <p:cNvPr id="46" name="TextBox 45">
+            <a:extLst>
+              <a:ext uri="{FF2B5EF4-FFF2-40B4-BE49-F238E27FC236}">
+                <a16:creationId xmlns:a16="http://schemas.microsoft.com/office/drawing/2014/main" id="{79F938FD-6A13-C577-E29D-3145BACE8D41}"/>
+              </a:ext>
+            </a:extLst>
+          </p:cNvPr>
+          <p:cNvSpPr txBox="1"/>
+          <p:nvPr/>
+        </p:nvSpPr>
+        <p:spPr>
+          <a:xfrm>
+            <a:off x="1824738" y="4022585"/>
+            <a:ext cx="1060365" cy="784830"/>
+          </a:xfrm>
+          <a:prstGeom prst="rect">
+            <a:avLst/>
+          </a:prstGeom>
+          <a:noFill/>
+        </p:spPr>
+        <p:txBody>
+          <a:bodyPr wrap="square" rtlCol="0">
+            <a:spAutoFit/>
+          </a:bodyPr>
+          <a:lstStyle/>
+          <a:p>
+            <a:r>
+              <a:rPr lang="en-US" sz="900" dirty="0">
+                <a:solidFill>
+                  <a:schemeClr val="bg1"/>
+                </a:solidFill>
+              </a:rPr>
+              <a:t>The team used an 80/20 split to create test &amp; validation data. Separate queries</a:t>
+            </a:r>
+            <a:endParaRPr lang="en-US" dirty="0"/>
+          </a:p>
+        </p:txBody>
+      </p:sp>
+      <p:sp>
+        <p:nvSpPr>
+          <p:cNvPr id="48" name="TextBox 47">
+            <a:extLst>
+              <a:ext uri="{FF2B5EF4-FFF2-40B4-BE49-F238E27FC236}">
+                <a16:creationId xmlns:a16="http://schemas.microsoft.com/office/drawing/2014/main" id="{DF4C6C33-D5C6-3910-64CA-5A3DB139DEFA}"/>
+              </a:ext>
+            </a:extLst>
+          </p:cNvPr>
+          <p:cNvSpPr txBox="1"/>
+          <p:nvPr/>
+        </p:nvSpPr>
+        <p:spPr>
+          <a:xfrm>
+            <a:off x="1824739" y="4705315"/>
+            <a:ext cx="1796266" cy="369332"/>
+          </a:xfrm>
+          <a:prstGeom prst="rect">
+            <a:avLst/>
+          </a:prstGeom>
+          <a:noFill/>
+        </p:spPr>
+        <p:txBody>
+          <a:bodyPr wrap="square">
+            <a:spAutoFit/>
+          </a:bodyPr>
+          <a:lstStyle/>
+          <a:p>
+            <a:r>
+              <a:rPr lang="en-US" sz="900" dirty="0">
+                <a:solidFill>
+                  <a:schemeClr val="bg1"/>
+                </a:solidFill>
+              </a:rPr>
+              <a:t>were developed for evaluating the models to prevent data leakage.</a:t>
+            </a:r>
+          </a:p>
+        </p:txBody>
+      </p:sp>
+      <p:sp>
+        <p:nvSpPr>
+          <p:cNvPr id="99" name="TextBox 98">
+            <a:extLst>
+              <a:ext uri="{FF2B5EF4-FFF2-40B4-BE49-F238E27FC236}">
+                <a16:creationId xmlns:a16="http://schemas.microsoft.com/office/drawing/2014/main" id="{42743997-3378-A0A7-A67F-A2B17CA854DA}"/>
+              </a:ext>
+            </a:extLst>
+          </p:cNvPr>
+          <p:cNvSpPr txBox="1"/>
+          <p:nvPr/>
+        </p:nvSpPr>
+        <p:spPr>
+          <a:xfrm>
+            <a:off x="1779340" y="3221005"/>
+            <a:ext cx="1845625" cy="307777"/>
+          </a:xfrm>
+          <a:prstGeom prst="rect">
+            <a:avLst/>
+          </a:prstGeom>
+          <a:solidFill>
+            <a:schemeClr val="accent2"/>
+          </a:solidFill>
+        </p:spPr>
+        <p:txBody>
+          <a:bodyPr wrap="square" lIns="108000" rtlCol="0">
+            <a:spAutoFit/>
+          </a:bodyPr>
+          <a:lstStyle/>
+          <a:p>
+            <a:pPr algn="ctr"/>
+            <a:r>
+              <a:rPr lang="en-US" sz="1400" dirty="0">
+                <a:solidFill>
+                  <a:schemeClr val="accent2">
+                    <a:lumMod val="10000"/>
+                    <a:lumOff val="90000"/>
+                  </a:schemeClr>
+                </a:solidFill>
+                <a:latin typeface="+mj-lt"/>
+              </a:rPr>
+              <a:t>Synthetic Data</a:t>
+            </a:r>
+          </a:p>
+        </p:txBody>
+      </p:sp>
+      <p:sp>
+        <p:nvSpPr>
+          <p:cNvPr id="154" name="TextBox 153">
+            <a:extLst>
+              <a:ext uri="{FF2B5EF4-FFF2-40B4-BE49-F238E27FC236}">
+                <a16:creationId xmlns:a16="http://schemas.microsoft.com/office/drawing/2014/main" id="{3A0518D1-D37C-415C-A198-CC8AD3DD187F}"/>
+              </a:ext>
+            </a:extLst>
+          </p:cNvPr>
+          <p:cNvSpPr txBox="1"/>
+          <p:nvPr/>
+        </p:nvSpPr>
+        <p:spPr>
+          <a:xfrm>
+            <a:off x="1797137" y="5102383"/>
+            <a:ext cx="1832550" cy="584775"/>
+          </a:xfrm>
+          <a:prstGeom prst="rect">
+            <a:avLst/>
+          </a:prstGeom>
+          <a:solidFill>
+            <a:schemeClr val="accent2"/>
+          </a:solidFill>
+        </p:spPr>
+        <p:txBody>
+          <a:bodyPr wrap="square" rtlCol="0">
+            <a:spAutoFit/>
+          </a:bodyPr>
+          <a:lstStyle/>
+          <a:p>
+            <a:r>
+              <a:rPr lang="en-US" sz="1600" dirty="0">
+                <a:solidFill>
+                  <a:schemeClr val="accent2">
+                    <a:lumMod val="10000"/>
+                    <a:lumOff val="90000"/>
+                  </a:schemeClr>
+                </a:solidFill>
+                <a:latin typeface="+mj-lt"/>
+              </a:rPr>
+              <a:t>Model</a:t>
+            </a:r>
+            <a:r>
+              <a:rPr lang="en-US" sz="1600" b="1" dirty="0">
+                <a:solidFill>
+                  <a:schemeClr val="accent2">
+                    <a:lumMod val="10000"/>
+                    <a:lumOff val="90000"/>
+                  </a:schemeClr>
+                </a:solidFill>
+                <a:latin typeface="+mj-lt"/>
+              </a:rPr>
+              <a:t> Evaluation</a:t>
+            </a:r>
+          </a:p>
+        </p:txBody>
+      </p:sp>
+      <p:grpSp>
+        <p:nvGrpSpPr>
+          <p:cNvPr id="110" name="Group 109">
+            <a:extLst>
+              <a:ext uri="{FF2B5EF4-FFF2-40B4-BE49-F238E27FC236}">
+                <a16:creationId xmlns:a16="http://schemas.microsoft.com/office/drawing/2014/main" id="{8F0C7440-58BE-6D58-EFC7-993A33702130}"/>
+              </a:ext>
+            </a:extLst>
+          </p:cNvPr>
+          <p:cNvGrpSpPr/>
+          <p:nvPr/>
+        </p:nvGrpSpPr>
+        <p:grpSpPr>
+          <a:xfrm>
+            <a:off x="6219909" y="364648"/>
+            <a:ext cx="1514391" cy="776181"/>
+            <a:chOff x="6200915" y="3647347"/>
+            <a:chExt cx="1514391" cy="776181"/>
+          </a:xfrm>
+        </p:grpSpPr>
+        <p:sp>
+          <p:nvSpPr>
+            <p:cNvPr id="107" name="TextBox 106">
+              <a:extLst>
+                <a:ext uri="{FF2B5EF4-FFF2-40B4-BE49-F238E27FC236}">
+                  <a16:creationId xmlns:a16="http://schemas.microsoft.com/office/drawing/2014/main" id="{947B5AD9-4F0D-7A02-67B4-F9E23F7900DF}"/>
+                </a:ext>
+              </a:extLst>
+            </p:cNvPr>
+            <p:cNvSpPr txBox="1"/>
+            <p:nvPr/>
+          </p:nvSpPr>
+          <p:spPr>
+            <a:xfrm>
+              <a:off x="6200915" y="3647347"/>
+              <a:ext cx="1514391" cy="307777"/>
+            </a:xfrm>
+            <a:prstGeom prst="rect">
+              <a:avLst/>
+            </a:prstGeom>
+            <a:noFill/>
+          </p:spPr>
+          <p:txBody>
+            <a:bodyPr wrap="square">
+              <a:spAutoFit/>
+            </a:bodyPr>
+            <a:lstStyle/>
+            <a:p>
+              <a:pPr algn="ctr"/>
+              <a:r>
+                <a:rPr lang="en-US" sz="1400" b="1" dirty="0">
+                  <a:solidFill>
+                    <a:schemeClr val="accent1"/>
+                  </a:solidFill>
+                  <a:latin typeface="+mj-lt"/>
+                </a:rPr>
+                <a:t>GitHub</a:t>
+              </a:r>
+              <a:endParaRPr lang="en-US" sz="1100" dirty="0">
+                <a:solidFill>
+                  <a:schemeClr val="accent1"/>
+                </a:solidFill>
+                <a:latin typeface="+mj-lt"/>
+              </a:endParaRPr>
+            </a:p>
+          </p:txBody>
+        </p:sp>
+        <p:sp>
+          <p:nvSpPr>
+            <p:cNvPr id="108" name="TextBox 107">
+              <a:extLst>
+                <a:ext uri="{FF2B5EF4-FFF2-40B4-BE49-F238E27FC236}">
+                  <a16:creationId xmlns:a16="http://schemas.microsoft.com/office/drawing/2014/main" id="{9EF03004-FE29-7AD9-0A5B-6D14A212130E}"/>
+                </a:ext>
+              </a:extLst>
+            </p:cNvPr>
+            <p:cNvSpPr txBox="1"/>
+            <p:nvPr/>
+          </p:nvSpPr>
+          <p:spPr>
+            <a:xfrm>
+              <a:off x="6360932" y="3915697"/>
+              <a:ext cx="1177172" cy="507831"/>
+            </a:xfrm>
+            <a:prstGeom prst="rect">
+              <a:avLst/>
+            </a:prstGeom>
+            <a:noFill/>
+          </p:spPr>
+          <p:txBody>
+            <a:bodyPr wrap="square" rtlCol="0">
+              <a:spAutoFit/>
+            </a:bodyPr>
+            <a:lstStyle/>
+            <a:p>
+              <a:r>
+                <a:rPr lang="en-US" sz="900" b="1" dirty="0">
+                  <a:solidFill>
+                    <a:schemeClr val="accent1"/>
+                  </a:solidFill>
+                </a:rPr>
+                <a:t>https://github.com/nblakkanesser/MADS_Capstone</a:t>
+              </a:r>
+              <a:endParaRPr lang="en-US" sz="1000" b="1" dirty="0">
+                <a:solidFill>
+                  <a:schemeClr val="accent1"/>
+                </a:solidFill>
+              </a:endParaRPr>
+            </a:p>
+          </p:txBody>
+        </p:sp>
+        <p:pic>
+          <p:nvPicPr>
+            <p:cNvPr id="109" name="Picture 8" descr="Github - Github Icon - CleanPNG / KissPNG">
+              <a:extLst>
+                <a:ext uri="{FF2B5EF4-FFF2-40B4-BE49-F238E27FC236}">
+                  <a16:creationId xmlns:a16="http://schemas.microsoft.com/office/drawing/2014/main" id="{6B576ABB-8976-4B60-C09A-1AF49D11062C}"/>
+                </a:ext>
+              </a:extLst>
+            </p:cNvPr>
+            <p:cNvPicPr>
+              <a:picLocks noChangeAspect="1" noChangeArrowheads="1"/>
+            </p:cNvPicPr>
+            <p:nvPr/>
+          </p:nvPicPr>
+          <p:blipFill rotWithShape="1">
+            <a:blip r:embed="rId21">
+              <a:duotone>
+                <a:schemeClr val="accent1">
+                  <a:shade val="45000"/>
+                  <a:satMod val="135000"/>
+                </a:schemeClr>
+                <a:prstClr val="white"/>
+              </a:duotone>
+              <a:extLst>
+                <a:ext uri="{BEBA8EAE-BF5A-486C-A8C5-ECC9F3942E4B}">
+                  <a14:imgProps xmlns:a14="http://schemas.microsoft.com/office/drawing/2010/main">
+                    <a14:imgLayer r:embed="rId22">
+                      <a14:imgEffect>
+                        <a14:backgroundRemoval t="6731" b="95385" l="10000" r="90000">
+                          <a14:foregroundMark x1="46444" y1="6923" x2="46444" y2="6923"/>
+                          <a14:foregroundMark x1="40889" y1="90962" x2="40889" y2="90962"/>
+                          <a14:foregroundMark x1="61444" y1="93077" x2="61444" y2="93077"/>
+                          <a14:foregroundMark x1="41556" y1="95192" x2="41556" y2="95192"/>
+                          <a14:foregroundMark x1="58222" y1="95385" x2="58222" y2="95385"/>
+                          <a14:backgroundMark x1="39889" y1="82115" x2="39889" y2="82115"/>
+                        </a14:backgroundRemoval>
+                      </a14:imgEffect>
+                    </a14:imgLayer>
+                  </a14:imgProps>
+                </a:ext>
+                <a:ext uri="{28A0092B-C50C-407E-A947-70E740481C1C}">
+                  <a14:useLocalDpi xmlns:a14="http://schemas.microsoft.com/office/drawing/2010/main" val="0"/>
+                </a:ext>
+              </a:extLst>
+            </a:blip>
+            <a:srcRect l="21423" r="16391"/>
+            <a:stretch/>
+          </p:blipFill>
+          <p:spPr bwMode="auto">
+            <a:xfrm>
+              <a:off x="6280184" y="3667884"/>
+              <a:ext cx="270159" cy="254489"/>
+            </a:xfrm>
+            <a:prstGeom prst="rect">
+              <a:avLst/>
+            </a:prstGeom>
+            <a:noFill/>
+            <a:extLst>
+              <a:ext uri="{909E8E84-426E-40DD-AFC4-6F175D3DCCD1}">
+                <a14:hiddenFill xmlns:a14="http://schemas.microsoft.com/office/drawing/2010/main">
+                  <a:solidFill>
+                    <a:srgbClr val="FFFFFF"/>
+                  </a:solidFill>
+                </a14:hiddenFill>
+              </a:ext>
+            </a:extLst>
+          </p:spPr>
+        </p:pic>
+      </p:grpSp>
+      <p:sp>
+        <p:nvSpPr>
+          <p:cNvPr id="4" name="Rectangle 3">
+            <a:extLst>
+              <a:ext uri="{FF2B5EF4-FFF2-40B4-BE49-F238E27FC236}">
+                <a16:creationId xmlns:a16="http://schemas.microsoft.com/office/drawing/2014/main" id="{15C2D46F-F76B-CC20-CDE5-0DB388E193B2}"/>
+              </a:ext>
+            </a:extLst>
+          </p:cNvPr>
+          <p:cNvSpPr/>
+          <p:nvPr/>
+        </p:nvSpPr>
+        <p:spPr>
+          <a:xfrm>
+            <a:off x="3875489" y="7492423"/>
+            <a:ext cx="222302" cy="2322980"/>
+          </a:xfrm>
+          <a:prstGeom prst="rect">
+            <a:avLst/>
+          </a:prstGeom>
+          <a:solidFill>
+            <a:schemeClr val="accent1">
+              <a:lumMod val="50000"/>
+            </a:schemeClr>
+          </a:solidFill>
+          <a:ln>
+            <a:noFill/>
+          </a:ln>
+        </p:spPr>
+        <p:style>
+          <a:lnRef idx="2">
+            <a:schemeClr val="accent1">
+              <a:shade val="15000"/>
+            </a:schemeClr>
+          </a:lnRef>
+          <a:fillRef idx="1">
+            <a:schemeClr val="accent1"/>
+          </a:fillRef>
+          <a:effectRef idx="0">
+            <a:schemeClr val="accent1"/>
+          </a:effectRef>
+          <a:fontRef idx="minor">
+            <a:schemeClr val="lt1"/>
+          </a:fontRef>
+        </p:style>
+        <p:txBody>
+          <a:bodyPr rtlCol="0" anchor="ctr"/>
+          <a:lstStyle/>
+          <a:p>
+            <a:pPr algn="ctr"/>
+            <a:endParaRPr lang="en-US"/>
+          </a:p>
+        </p:txBody>
+      </p:sp>
+      <p:sp>
+        <p:nvSpPr>
+          <p:cNvPr id="3" name="Rectangle 2">
+            <a:extLst>
+              <a:ext uri="{FF2B5EF4-FFF2-40B4-BE49-F238E27FC236}">
+                <a16:creationId xmlns:a16="http://schemas.microsoft.com/office/drawing/2014/main" id="{3DD28959-5D5C-7FE2-3078-443E8684F75E}"/>
+              </a:ext>
+            </a:extLst>
+          </p:cNvPr>
+          <p:cNvSpPr/>
+          <p:nvPr/>
+        </p:nvSpPr>
+        <p:spPr>
+          <a:xfrm>
+            <a:off x="3915607" y="7498151"/>
+            <a:ext cx="3617238" cy="2317251"/>
+          </a:xfrm>
+          <a:prstGeom prst="rect">
+            <a:avLst/>
+          </a:prstGeom>
+          <a:ln>
+            <a:noFill/>
+          </a:ln>
+        </p:spPr>
+        <p:style>
+          <a:lnRef idx="2">
+            <a:schemeClr val="accent1">
+              <a:shade val="15000"/>
+            </a:schemeClr>
+          </a:lnRef>
+          <a:fillRef idx="1">
+            <a:schemeClr val="accent1"/>
+          </a:fillRef>
+          <a:effectRef idx="0">
+            <a:schemeClr val="accent1"/>
+          </a:effectRef>
+          <a:fontRef idx="minor">
+            <a:schemeClr val="lt1"/>
+          </a:fontRef>
+        </p:style>
+        <p:txBody>
+          <a:bodyPr rtlCol="0" anchor="ctr"/>
+          <a:lstStyle/>
+          <a:p>
+            <a:pPr algn="ctr"/>
+            <a:endParaRPr lang="en-US"/>
+          </a:p>
+        </p:txBody>
+      </p:sp>
+      <p:grpSp>
+        <p:nvGrpSpPr>
+          <p:cNvPr id="45" name="Group 44">
+            <a:extLst>
+              <a:ext uri="{FF2B5EF4-FFF2-40B4-BE49-F238E27FC236}">
+                <a16:creationId xmlns:a16="http://schemas.microsoft.com/office/drawing/2014/main" id="{89801E58-97C1-1BA9-CE8A-3DC0125B291F}"/>
+              </a:ext>
+            </a:extLst>
+          </p:cNvPr>
+          <p:cNvGrpSpPr/>
+          <p:nvPr/>
+        </p:nvGrpSpPr>
+        <p:grpSpPr>
+          <a:xfrm>
+            <a:off x="3915608" y="7492422"/>
+            <a:ext cx="1835549" cy="2298762"/>
+            <a:chOff x="1797523" y="3036239"/>
+            <a:chExt cx="1835549" cy="2298762"/>
+          </a:xfrm>
+        </p:grpSpPr>
+        <p:sp>
+          <p:nvSpPr>
+            <p:cNvPr id="98" name="TextBox 97">
+              <a:extLst>
+                <a:ext uri="{FF2B5EF4-FFF2-40B4-BE49-F238E27FC236}">
+                  <a16:creationId xmlns:a16="http://schemas.microsoft.com/office/drawing/2014/main" id="{21B91271-2857-BF00-2301-54308BFE8EB9}"/>
+                </a:ext>
+              </a:extLst>
+            </p:cNvPr>
+            <p:cNvSpPr txBox="1"/>
+            <p:nvPr/>
+          </p:nvSpPr>
+          <p:spPr>
+            <a:xfrm>
+              <a:off x="1797523" y="3036239"/>
+              <a:ext cx="1835549" cy="307777"/>
+            </a:xfrm>
+            <a:prstGeom prst="rect">
+              <a:avLst/>
+            </a:prstGeom>
+            <a:solidFill>
+              <a:schemeClr val="accent2"/>
+            </a:solidFill>
+          </p:spPr>
+          <p:txBody>
+            <a:bodyPr wrap="square" lIns="108000" rtlCol="0">
+              <a:spAutoFit/>
+            </a:bodyPr>
+            <a:lstStyle/>
+            <a:p>
+              <a:pPr algn="ctr"/>
+              <a:r>
+                <a:rPr lang="en-US" sz="1400" dirty="0">
+                  <a:solidFill>
+                    <a:schemeClr val="accent1"/>
+                  </a:solidFill>
+                  <a:latin typeface="+mj-lt"/>
+                </a:rPr>
+                <a:t>Fine-Tuned GPT</a:t>
+              </a:r>
+            </a:p>
+          </p:txBody>
+        </p:sp>
+        <p:sp>
+          <p:nvSpPr>
+            <p:cNvPr id="12" name="TextBox 11">
+              <a:extLst>
+                <a:ext uri="{FF2B5EF4-FFF2-40B4-BE49-F238E27FC236}">
+                  <a16:creationId xmlns:a16="http://schemas.microsoft.com/office/drawing/2014/main" id="{0A8789F0-685D-54F3-AD6D-FB9F654AD541}"/>
+                </a:ext>
+              </a:extLst>
+            </p:cNvPr>
+            <p:cNvSpPr txBox="1"/>
+            <p:nvPr/>
+          </p:nvSpPr>
+          <p:spPr>
+            <a:xfrm>
+              <a:off x="1861386" y="3427802"/>
+              <a:ext cx="1751065" cy="1755488"/>
+            </a:xfrm>
+            <a:prstGeom prst="rect">
+              <a:avLst/>
+            </a:prstGeom>
+            <a:noFill/>
+          </p:spPr>
+          <p:txBody>
+            <a:bodyPr wrap="square" lIns="0" tIns="0" rIns="0" bIns="0" rtlCol="0">
+              <a:noAutofit/>
+            </a:bodyPr>
+            <a:lstStyle/>
+            <a:p>
+              <a:r>
+                <a:rPr lang="en-US" sz="900" dirty="0">
+                  <a:solidFill>
+                    <a:schemeClr val="bg1"/>
+                  </a:solidFill>
+                </a:rPr>
+                <a:t>The NPS API documentation and URL structure did not lend itself to easy interpretation by typical chatbot models. The team explored fine-tuning GPT models to create the parameters for NPS API calls based on a user query. </a:t>
+              </a:r>
+            </a:p>
+            <a:p>
+              <a:endParaRPr lang="en-US" sz="900" dirty="0">
+                <a:solidFill>
+                  <a:schemeClr val="bg1"/>
+                </a:solidFill>
+              </a:endParaRPr>
+            </a:p>
+            <a:p>
+              <a:endParaRPr lang="en-US" sz="900" dirty="0">
+                <a:solidFill>
+                  <a:schemeClr val="bg1"/>
+                </a:solidFill>
+              </a:endParaRPr>
+            </a:p>
+            <a:p>
+              <a:endParaRPr lang="en-US" sz="900" noProof="1">
+                <a:solidFill>
+                  <a:schemeClr val="bg1"/>
+                </a:solidFill>
+              </a:endParaRPr>
+            </a:p>
+          </p:txBody>
+        </p:sp>
+        <p:pic>
+          <p:nvPicPr>
+            <p:cNvPr id="35" name="Picture 34">
+              <a:extLst>
+                <a:ext uri="{FF2B5EF4-FFF2-40B4-BE49-F238E27FC236}">
+                  <a16:creationId xmlns:a16="http://schemas.microsoft.com/office/drawing/2014/main" id="{F0DBF6B8-8F8E-D524-FCFB-E5A1FABA0B9E}"/>
+                </a:ext>
+              </a:extLst>
+            </p:cNvPr>
+            <p:cNvPicPr>
+              <a:picLocks noChangeAspect="1"/>
+            </p:cNvPicPr>
+            <p:nvPr/>
+          </p:nvPicPr>
+          <p:blipFill>
+            <a:blip r:embed="rId23"/>
+            <a:stretch>
+              <a:fillRect/>
+            </a:stretch>
+          </p:blipFill>
+          <p:spPr>
+            <a:xfrm>
+              <a:off x="1812721" y="4388793"/>
+              <a:ext cx="1799729" cy="946208"/>
+            </a:xfrm>
+            <a:prstGeom prst="rect">
+              <a:avLst/>
+            </a:prstGeom>
+          </p:spPr>
+        </p:pic>
+      </p:grpSp>
+      <p:sp>
+        <p:nvSpPr>
+          <p:cNvPr id="139" name="TextBox 138">
+            <a:extLst>
+              <a:ext uri="{FF2B5EF4-FFF2-40B4-BE49-F238E27FC236}">
+                <a16:creationId xmlns:a16="http://schemas.microsoft.com/office/drawing/2014/main" id="{FB8C4578-58A6-447F-A5FF-C37752CCAE55}"/>
+              </a:ext>
+            </a:extLst>
+          </p:cNvPr>
+          <p:cNvSpPr txBox="1"/>
+          <p:nvPr/>
+        </p:nvSpPr>
+        <p:spPr>
+          <a:xfrm>
+            <a:off x="5739591" y="7495649"/>
+            <a:ext cx="1793253" cy="307777"/>
+          </a:xfrm>
+          <a:prstGeom prst="rect">
+            <a:avLst/>
+          </a:prstGeom>
+          <a:solidFill>
+            <a:schemeClr val="accent2"/>
+          </a:solidFill>
+        </p:spPr>
+        <p:txBody>
+          <a:bodyPr wrap="square" lIns="108000" rtlCol="0">
+            <a:spAutoFit/>
+          </a:bodyPr>
+          <a:lstStyle/>
+          <a:p>
+            <a:pPr algn="ctr"/>
+            <a:r>
+              <a:rPr lang="en-US" sz="1400" dirty="0" err="1">
+                <a:solidFill>
+                  <a:schemeClr val="accent1"/>
+                </a:solidFill>
+                <a:latin typeface="+mj-lt"/>
+              </a:rPr>
+              <a:t>SpaCy</a:t>
+            </a:r>
+            <a:r>
+              <a:rPr lang="en-US" sz="1400" dirty="0">
+                <a:solidFill>
+                  <a:schemeClr val="accent1"/>
+                </a:solidFill>
+                <a:latin typeface="+mj-lt"/>
+              </a:rPr>
+              <a:t> &amp; NLTK</a:t>
+            </a:r>
+          </a:p>
+        </p:txBody>
+      </p:sp>
+      <p:sp>
+        <p:nvSpPr>
+          <p:cNvPr id="11" name="Rectangle 10">
+            <a:extLst>
+              <a:ext uri="{FF2B5EF4-FFF2-40B4-BE49-F238E27FC236}">
+                <a16:creationId xmlns:a16="http://schemas.microsoft.com/office/drawing/2014/main" id="{A8503C55-AC76-E4A9-F64C-05698A8D17B3}"/>
+              </a:ext>
+            </a:extLst>
+          </p:cNvPr>
+          <p:cNvSpPr/>
+          <p:nvPr/>
+        </p:nvSpPr>
+        <p:spPr>
+          <a:xfrm>
+            <a:off x="5733819" y="7469612"/>
+            <a:ext cx="45719" cy="2348292"/>
+          </a:xfrm>
+          <a:prstGeom prst="rect">
+            <a:avLst/>
+          </a:prstGeom>
+          <a:solidFill>
+            <a:schemeClr val="accent1">
+              <a:lumMod val="50000"/>
+            </a:schemeClr>
+          </a:solidFill>
+          <a:ln>
+            <a:noFill/>
+          </a:ln>
+        </p:spPr>
+        <p:style>
+          <a:lnRef idx="2">
+            <a:schemeClr val="accent1">
+              <a:shade val="15000"/>
+            </a:schemeClr>
+          </a:lnRef>
+          <a:fillRef idx="1">
+            <a:schemeClr val="accent1"/>
+          </a:fillRef>
+          <a:effectRef idx="0">
+            <a:schemeClr val="accent1"/>
+          </a:effectRef>
+          <a:fontRef idx="minor">
+            <a:schemeClr val="lt1"/>
+          </a:fontRef>
+        </p:style>
+        <p:txBody>
+          <a:bodyPr rtlCol="0" anchor="ctr"/>
+          <a:lstStyle/>
+          <a:p>
+            <a:pPr algn="ctr"/>
+            <a:endParaRPr lang="en-US"/>
+          </a:p>
+        </p:txBody>
+      </p:sp>
+      <p:grpSp>
+        <p:nvGrpSpPr>
+          <p:cNvPr id="20" name="Group 19">
+            <a:extLst>
+              <a:ext uri="{FF2B5EF4-FFF2-40B4-BE49-F238E27FC236}">
+                <a16:creationId xmlns:a16="http://schemas.microsoft.com/office/drawing/2014/main" id="{D65829BE-EC75-A76A-FA6F-87C98FA8D6A3}"/>
+              </a:ext>
+            </a:extLst>
+          </p:cNvPr>
+          <p:cNvGrpSpPr/>
+          <p:nvPr/>
+        </p:nvGrpSpPr>
+        <p:grpSpPr>
+          <a:xfrm>
+            <a:off x="3653814" y="4653808"/>
+            <a:ext cx="3864094" cy="2798656"/>
+            <a:chOff x="3653814" y="4653808"/>
+            <a:chExt cx="3864094" cy="2798656"/>
+          </a:xfrm>
+        </p:grpSpPr>
+        <p:sp>
+          <p:nvSpPr>
+            <p:cNvPr id="19" name="Rectangle: Rounded Corners 18">
+              <a:extLst>
+                <a:ext uri="{FF2B5EF4-FFF2-40B4-BE49-F238E27FC236}">
+                  <a16:creationId xmlns:a16="http://schemas.microsoft.com/office/drawing/2014/main" id="{26217BCB-F42D-A7CB-AD9A-E3DBE5847A96}"/>
+                </a:ext>
+              </a:extLst>
+            </p:cNvPr>
+            <p:cNvSpPr/>
+            <p:nvPr/>
+          </p:nvSpPr>
+          <p:spPr>
+            <a:xfrm>
+              <a:off x="6347929" y="4773034"/>
+              <a:ext cx="1169979" cy="1014288"/>
+            </a:xfrm>
+            <a:prstGeom prst="roundRect">
+              <a:avLst/>
+            </a:prstGeom>
+            <a:solidFill>
+              <a:srgbClr val="DBE8D4"/>
+            </a:solidFill>
+            <a:ln>
+              <a:noFill/>
+            </a:ln>
+          </p:spPr>
+          <p:style>
+            <a:lnRef idx="2">
+              <a:schemeClr val="accent1">
+                <a:shade val="15000"/>
+              </a:schemeClr>
+            </a:lnRef>
+            <a:fillRef idx="1">
+              <a:schemeClr val="accent1"/>
+            </a:fillRef>
+            <a:effectRef idx="0">
+              <a:schemeClr val="accent1"/>
+            </a:effectRef>
+            <a:fontRef idx="minor">
+              <a:schemeClr val="lt1"/>
+            </a:fontRef>
+          </p:style>
+          <p:txBody>
+            <a:bodyPr rtlCol="0" anchor="ctr"/>
+            <a:lstStyle/>
+            <a:p>
+              <a:pPr algn="ctr"/>
+              <a:endParaRPr lang="en-US">
+                <a:ln>
+                  <a:solidFill>
+                    <a:schemeClr val="accent6">
+                      <a:lumMod val="60000"/>
+                      <a:lumOff val="40000"/>
+                    </a:schemeClr>
+                  </a:solidFill>
+                </a:ln>
+              </a:endParaRPr>
+            </a:p>
+          </p:txBody>
+        </p:sp>
+        <p:grpSp>
+          <p:nvGrpSpPr>
+            <p:cNvPr id="100" name="Group 99">
+              <a:extLst>
+                <a:ext uri="{FF2B5EF4-FFF2-40B4-BE49-F238E27FC236}">
+                  <a16:creationId xmlns:a16="http://schemas.microsoft.com/office/drawing/2014/main" id="{49800B09-6E59-1B5E-8C78-343E56BA6C72}"/>
+                </a:ext>
+              </a:extLst>
+            </p:cNvPr>
+            <p:cNvGrpSpPr/>
+            <p:nvPr/>
+          </p:nvGrpSpPr>
+          <p:grpSpPr>
+            <a:xfrm>
+              <a:off x="3653814" y="4653808"/>
+              <a:ext cx="3861205" cy="2798656"/>
+              <a:chOff x="3343880" y="3886901"/>
+              <a:chExt cx="3861205" cy="2798656"/>
+            </a:xfrm>
+          </p:grpSpPr>
+          <p:grpSp>
+            <p:nvGrpSpPr>
+              <p:cNvPr id="34" name="Group 33">
+                <a:extLst>
+                  <a:ext uri="{FF2B5EF4-FFF2-40B4-BE49-F238E27FC236}">
+                    <a16:creationId xmlns:a16="http://schemas.microsoft.com/office/drawing/2014/main" id="{721F412C-52E1-41CC-9338-529ED7464434}"/>
+                  </a:ext>
+                </a:extLst>
+              </p:cNvPr>
+              <p:cNvGrpSpPr/>
+              <p:nvPr/>
+            </p:nvGrpSpPr>
+            <p:grpSpPr>
+              <a:xfrm>
+                <a:off x="3343880" y="3886901"/>
+                <a:ext cx="3861205" cy="2798656"/>
+                <a:chOff x="3343880" y="-151699"/>
+                <a:chExt cx="3861205" cy="2798656"/>
+              </a:xfrm>
+            </p:grpSpPr>
+            <p:sp>
+              <p:nvSpPr>
+                <p:cNvPr id="18" name="Rectangle: Rounded Corners 17">
+                  <a:extLst>
+                    <a:ext uri="{FF2B5EF4-FFF2-40B4-BE49-F238E27FC236}">
+                      <a16:creationId xmlns:a16="http://schemas.microsoft.com/office/drawing/2014/main" id="{652101FE-8FCB-B3F5-954F-EF6F125E8744}"/>
+                    </a:ext>
+                  </a:extLst>
+                </p:cNvPr>
+                <p:cNvSpPr/>
+                <p:nvPr/>
+              </p:nvSpPr>
+              <p:spPr>
+                <a:xfrm>
+                  <a:off x="6035106" y="-32473"/>
+                  <a:ext cx="1169979" cy="1014288"/>
+                </a:xfrm>
+                <a:prstGeom prst="roundRect">
+                  <a:avLst/>
+                </a:prstGeom>
+                <a:solidFill>
+                  <a:srgbClr val="5C3E00">
+                    <a:alpha val="69804"/>
+                  </a:srgbClr>
+                </a:solidFill>
+                <a:ln>
+                  <a:noFill/>
+                </a:ln>
+              </p:spPr>
+              <p:style>
+                <a:lnRef idx="2">
+                  <a:schemeClr val="accent1">
+                    <a:shade val="15000"/>
+                  </a:schemeClr>
+                </a:lnRef>
+                <a:fillRef idx="1">
+                  <a:schemeClr val="accent1"/>
+                </a:fillRef>
+                <a:effectRef idx="0">
+                  <a:schemeClr val="accent1"/>
+                </a:effectRef>
+                <a:fontRef idx="minor">
+                  <a:schemeClr val="lt1"/>
+                </a:fontRef>
+              </p:style>
+              <p:txBody>
+                <a:bodyPr rtlCol="0" anchor="ctr"/>
+                <a:lstStyle/>
+                <a:p>
+                  <a:pPr algn="ctr"/>
+                  <a:endParaRPr lang="en-US">
+                    <a:ln>
+                      <a:solidFill>
+                        <a:schemeClr val="accent6">
+                          <a:lumMod val="60000"/>
+                          <a:lumOff val="40000"/>
+                        </a:schemeClr>
+                      </a:solidFill>
+                    </a:ln>
+                  </a:endParaRPr>
+                </a:p>
+              </p:txBody>
+            </p:sp>
+            <p:graphicFrame>
+              <p:nvGraphicFramePr>
+                <p:cNvPr id="15" name="Chart 14">
+                  <a:extLst>
+                    <a:ext uri="{FF2B5EF4-FFF2-40B4-BE49-F238E27FC236}">
+                      <a16:creationId xmlns:a16="http://schemas.microsoft.com/office/drawing/2014/main" id="{800FAAB9-4B4A-9FD5-E4E0-FEB8D5D07866}"/>
+                    </a:ext>
+                  </a:extLst>
+                </p:cNvPr>
+                <p:cNvGraphicFramePr>
+                  <a:graphicFrameLocks/>
+                </p:cNvGraphicFramePr>
+                <p:nvPr>
+                  <p:extLst>
+                    <p:ext uri="{D42A27DB-BD31-4B8C-83A1-F6EECF244321}">
+                      <p14:modId xmlns:p14="http://schemas.microsoft.com/office/powerpoint/2010/main" val="724586276"/>
+                    </p:ext>
+                  </p:extLst>
+                </p:nvPr>
+              </p:nvGraphicFramePr>
+              <p:xfrm>
+                <a:off x="3343880" y="-151699"/>
+                <a:ext cx="3853589" cy="2798656"/>
+              </p:xfrm>
+              <a:graphic>
+                <a:graphicData uri="http://schemas.openxmlformats.org/drawingml/2006/chart">
+                  <c:chart xmlns:c="http://schemas.openxmlformats.org/drawingml/2006/chart" xmlns:r="http://schemas.openxmlformats.org/officeDocument/2006/relationships" r:id="rId24"/>
+                </a:graphicData>
+              </a:graphic>
+            </p:graphicFrame>
+          </p:grpSp>
+          <p:sp>
+            <p:nvSpPr>
+              <p:cNvPr id="13" name="TextBox 12">
+                <a:extLst>
+                  <a:ext uri="{FF2B5EF4-FFF2-40B4-BE49-F238E27FC236}">
+                    <a16:creationId xmlns:a16="http://schemas.microsoft.com/office/drawing/2014/main" id="{CEAF40BF-6CAB-4F00-BD96-FA6E64E38665}"/>
+                  </a:ext>
+                </a:extLst>
+              </p:cNvPr>
+              <p:cNvSpPr txBox="1"/>
+              <p:nvPr/>
+            </p:nvSpPr>
+            <p:spPr>
+              <a:xfrm>
+                <a:off x="3381980" y="4347078"/>
+                <a:ext cx="3162590" cy="307777"/>
+              </a:xfrm>
+              <a:prstGeom prst="rect">
+                <a:avLst/>
+              </a:prstGeom>
+              <a:noFill/>
+            </p:spPr>
+            <p:txBody>
+              <a:bodyPr wrap="square" rtlCol="0">
+                <a:spAutoFit/>
+              </a:bodyPr>
+              <a:lstStyle/>
+              <a:p>
+                <a:r>
+                  <a:rPr lang="en-US" sz="1400" dirty="0">
+                    <a:solidFill>
+                      <a:schemeClr val="bg1"/>
+                    </a:solidFill>
+                    <a:latin typeface="+mj-lt"/>
+                  </a:rPr>
+                  <a:t>Recreational Visits 2023</a:t>
+                </a:r>
+              </a:p>
+            </p:txBody>
+          </p:sp>
+        </p:grpSp>
+      </p:grpSp>
+      <p:sp>
+        <p:nvSpPr>
+          <p:cNvPr id="111" name="TextBox 110">
+            <a:extLst>
+              <a:ext uri="{FF2B5EF4-FFF2-40B4-BE49-F238E27FC236}">
+                <a16:creationId xmlns:a16="http://schemas.microsoft.com/office/drawing/2014/main" id="{0C35CCC5-1431-E880-A8AA-C2F7B72C8CBA}"/>
+              </a:ext>
+            </a:extLst>
+          </p:cNvPr>
+          <p:cNvSpPr txBox="1"/>
+          <p:nvPr/>
+        </p:nvSpPr>
+        <p:spPr>
+          <a:xfrm>
+            <a:off x="5995436" y="7962214"/>
+            <a:ext cx="1404000" cy="275837"/>
+          </a:xfrm>
+          <a:prstGeom prst="rect">
+            <a:avLst/>
+          </a:prstGeom>
+          <a:noFill/>
+        </p:spPr>
+        <p:txBody>
+          <a:bodyPr wrap="square" lIns="0" tIns="0" rIns="0" bIns="0" rtlCol="0">
+            <a:noAutofit/>
+          </a:bodyPr>
+          <a:lstStyle/>
+          <a:p>
+            <a:r>
+              <a:rPr lang="en-US" sz="900" b="1" dirty="0">
+                <a:solidFill>
+                  <a:schemeClr val="bg1"/>
+                </a:solidFill>
+                <a:latin typeface="+mj-lt"/>
+              </a:rPr>
+              <a:t>2012</a:t>
+            </a:r>
+          </a:p>
+          <a:p>
+            <a:r>
+              <a:rPr lang="en-US" sz="1000" b="1" dirty="0">
+                <a:solidFill>
+                  <a:schemeClr val="accent2"/>
+                </a:solidFill>
+              </a:rPr>
+              <a:t>Studying at ABC</a:t>
+            </a:r>
+            <a:br>
+              <a:rPr lang="en-US" sz="900" dirty="0">
+                <a:solidFill>
+                  <a:schemeClr val="bg1"/>
+                </a:solidFill>
+              </a:rPr>
+            </a:br>
+            <a:r>
+              <a:rPr lang="en-US" sz="900" noProof="1">
+                <a:solidFill>
+                  <a:schemeClr val="bg1"/>
+                </a:solidFill>
+              </a:rPr>
+              <a:t>Choose Change Graphic from the options.</a:t>
+            </a:r>
+          </a:p>
+          <a:p>
+            <a:endParaRPr lang="en-US" sz="900" b="1" noProof="1">
+              <a:solidFill>
+                <a:schemeClr val="bg1"/>
+              </a:solidFill>
+              <a:latin typeface="+mj-lt"/>
+            </a:endParaRPr>
+          </a:p>
+        </p:txBody>
+      </p:sp>
+      <p:sp>
+        <p:nvSpPr>
+          <p:cNvPr id="155" name="TextBox 154">
+            <a:extLst>
+              <a:ext uri="{FF2B5EF4-FFF2-40B4-BE49-F238E27FC236}">
+                <a16:creationId xmlns:a16="http://schemas.microsoft.com/office/drawing/2014/main" id="{F72E8BDC-963B-4314-A5C6-F387147AE54C}"/>
+              </a:ext>
+            </a:extLst>
+          </p:cNvPr>
+          <p:cNvSpPr txBox="1"/>
+          <p:nvPr/>
+        </p:nvSpPr>
+        <p:spPr>
+          <a:xfrm>
+            <a:off x="1866667" y="5713903"/>
+            <a:ext cx="1403610" cy="1615105"/>
+          </a:xfrm>
+          <a:prstGeom prst="rect">
+            <a:avLst/>
+          </a:prstGeom>
+          <a:noFill/>
+        </p:spPr>
+        <p:txBody>
+          <a:bodyPr wrap="square" lIns="0" tIns="0" rIns="0" bIns="0" rtlCol="0">
+            <a:noAutofit/>
+          </a:bodyPr>
+          <a:lstStyle/>
+          <a:p>
+            <a:r>
+              <a:rPr lang="en-US" sz="900" b="1" dirty="0">
+                <a:solidFill>
+                  <a:schemeClr val="bg1"/>
+                </a:solidFill>
+              </a:rPr>
+              <a:t>Evaluation methodology</a:t>
+            </a:r>
+          </a:p>
+          <a:p>
+            <a:endParaRPr lang="en-US" sz="900" noProof="1">
+              <a:solidFill>
+                <a:schemeClr val="bg1"/>
+              </a:solidFill>
+            </a:endParaRPr>
+          </a:p>
+        </p:txBody>
+      </p:sp>
+      <p:sp>
+        <p:nvSpPr>
+          <p:cNvPr id="147" name="TextBox 146">
+            <a:extLst>
+              <a:ext uri="{FF2B5EF4-FFF2-40B4-BE49-F238E27FC236}">
+                <a16:creationId xmlns:a16="http://schemas.microsoft.com/office/drawing/2014/main" id="{10EAA1AA-ACD2-4264-8772-16CBB14395ED}"/>
+              </a:ext>
+            </a:extLst>
+          </p:cNvPr>
+          <p:cNvSpPr txBox="1"/>
+          <p:nvPr/>
+        </p:nvSpPr>
+        <p:spPr>
+          <a:xfrm>
+            <a:off x="5959333" y="8737147"/>
+            <a:ext cx="1404000" cy="504000"/>
+          </a:xfrm>
+          <a:prstGeom prst="rect">
+            <a:avLst/>
+          </a:prstGeom>
+          <a:noFill/>
+        </p:spPr>
+        <p:txBody>
+          <a:bodyPr wrap="square" lIns="0" tIns="0" rIns="0" bIns="0" rtlCol="0">
+            <a:noAutofit/>
+          </a:bodyPr>
+          <a:lstStyle/>
+          <a:p>
+            <a:r>
+              <a:rPr lang="en-US" sz="900" b="1" dirty="0">
+                <a:solidFill>
+                  <a:schemeClr val="bg1"/>
+                </a:solidFill>
+                <a:latin typeface="+mj-lt"/>
+              </a:rPr>
+              <a:t>2012</a:t>
+            </a:r>
+          </a:p>
+          <a:p>
+            <a:r>
+              <a:rPr lang="en-US" sz="1000" b="1" dirty="0">
+                <a:solidFill>
+                  <a:schemeClr val="accent2"/>
+                </a:solidFill>
+              </a:rPr>
+              <a:t>Studying at ABC</a:t>
+            </a:r>
+            <a:br>
+              <a:rPr lang="en-US" sz="900" dirty="0">
+                <a:solidFill>
+                  <a:schemeClr val="bg1"/>
+                </a:solidFill>
+              </a:rPr>
+            </a:br>
+            <a:r>
+              <a:rPr lang="en-US" sz="900" noProof="1">
+                <a:solidFill>
+                  <a:schemeClr val="bg1"/>
+                </a:solidFill>
+              </a:rPr>
+              <a:t>Choose Change Graphic from the options.</a:t>
+            </a:r>
+          </a:p>
+          <a:p>
+            <a:endParaRPr lang="en-US" sz="900" b="1" noProof="1">
+              <a:solidFill>
+                <a:schemeClr val="bg1"/>
+              </a:solidFill>
+              <a:latin typeface="+mj-lt"/>
+            </a:endParaRPr>
+          </a:p>
+        </p:txBody>
+      </p:sp>
+      <p:sp>
+        <p:nvSpPr>
+          <p:cNvPr id="24" name="Rectangle 23">
+            <a:extLst>
+              <a:ext uri="{FF2B5EF4-FFF2-40B4-BE49-F238E27FC236}">
+                <a16:creationId xmlns:a16="http://schemas.microsoft.com/office/drawing/2014/main" id="{A5C25272-5E17-F105-1658-8D56E4BF21E1}"/>
+              </a:ext>
+            </a:extLst>
+          </p:cNvPr>
+          <p:cNvSpPr/>
+          <p:nvPr/>
+        </p:nvSpPr>
+        <p:spPr>
+          <a:xfrm>
+            <a:off x="235926" y="7497695"/>
+            <a:ext cx="3635675" cy="2320209"/>
+          </a:xfrm>
+          <a:prstGeom prst="rect">
+            <a:avLst/>
+          </a:prstGeom>
+          <a:solidFill>
+            <a:schemeClr val="accent1">
+              <a:lumMod val="75000"/>
+            </a:schemeClr>
+          </a:solidFill>
+          <a:ln>
+            <a:noFill/>
+          </a:ln>
+        </p:spPr>
+        <p:style>
+          <a:lnRef idx="2">
+            <a:schemeClr val="accent1">
+              <a:shade val="15000"/>
+            </a:schemeClr>
+          </a:lnRef>
+          <a:fillRef idx="1">
+            <a:schemeClr val="accent1"/>
+          </a:fillRef>
+          <a:effectRef idx="0">
+            <a:schemeClr val="accent1"/>
+          </a:effectRef>
+          <a:fontRef idx="minor">
+            <a:schemeClr val="lt1"/>
+          </a:fontRef>
+        </p:style>
+        <p:txBody>
+          <a:bodyPr rtlCol="0" anchor="ctr"/>
+          <a:lstStyle/>
+          <a:p>
+            <a:pPr algn="ctr"/>
+            <a:endParaRPr lang="en-US" dirty="0"/>
+          </a:p>
+        </p:txBody>
+      </p:sp>
+      <p:grpSp>
+        <p:nvGrpSpPr>
+          <p:cNvPr id="106" name="Group 105">
+            <a:extLst>
+              <a:ext uri="{FF2B5EF4-FFF2-40B4-BE49-F238E27FC236}">
+                <a16:creationId xmlns:a16="http://schemas.microsoft.com/office/drawing/2014/main" id="{42157EB8-8FBB-72AD-F327-1FB5D87C2048}"/>
+              </a:ext>
+            </a:extLst>
+          </p:cNvPr>
+          <p:cNvGrpSpPr/>
+          <p:nvPr/>
+        </p:nvGrpSpPr>
+        <p:grpSpPr>
+          <a:xfrm>
+            <a:off x="139841" y="7469612"/>
+            <a:ext cx="4162535" cy="2491176"/>
+            <a:chOff x="5085692" y="6609453"/>
+            <a:chExt cx="4162535" cy="2491176"/>
+          </a:xfrm>
+        </p:grpSpPr>
+        <p:graphicFrame>
+          <p:nvGraphicFramePr>
+            <p:cNvPr id="31" name="Chart 30">
+              <a:extLst>
+                <a:ext uri="{FF2B5EF4-FFF2-40B4-BE49-F238E27FC236}">
+                  <a16:creationId xmlns:a16="http://schemas.microsoft.com/office/drawing/2014/main" id="{361831A2-AE36-A0DE-755E-CA3F84184158}"/>
+                </a:ext>
+              </a:extLst>
+            </p:cNvPr>
+            <p:cNvGraphicFramePr>
+              <a:graphicFrameLocks/>
+            </p:cNvGraphicFramePr>
+            <p:nvPr>
+              <p:extLst>
+                <p:ext uri="{D42A27DB-BD31-4B8C-83A1-F6EECF244321}">
+                  <p14:modId xmlns:p14="http://schemas.microsoft.com/office/powerpoint/2010/main" val="1515885975"/>
+                </p:ext>
+              </p:extLst>
+            </p:nvPr>
+          </p:nvGraphicFramePr>
+          <p:xfrm>
+            <a:off x="5085692" y="6779419"/>
+            <a:ext cx="4162535" cy="2321210"/>
+          </p:xfrm>
+          <a:graphic>
+            <a:graphicData uri="http://schemas.openxmlformats.org/drawingml/2006/chart">
+              <c:chart xmlns:c="http://schemas.openxmlformats.org/drawingml/2006/chart" xmlns:r="http://schemas.openxmlformats.org/officeDocument/2006/relationships" r:id="rId25"/>
+            </a:graphicData>
+          </a:graphic>
+        </p:graphicFrame>
+        <p:sp>
+          <p:nvSpPr>
+            <p:cNvPr id="44" name="TextBox 43">
+              <a:extLst>
+                <a:ext uri="{FF2B5EF4-FFF2-40B4-BE49-F238E27FC236}">
+                  <a16:creationId xmlns:a16="http://schemas.microsoft.com/office/drawing/2014/main" id="{CCCC5E7E-38DF-4597-9D6B-6061E22EFA2E}"/>
+                </a:ext>
+              </a:extLst>
+            </p:cNvPr>
+            <p:cNvSpPr txBox="1"/>
+            <p:nvPr/>
+          </p:nvSpPr>
+          <p:spPr>
+            <a:xfrm>
+              <a:off x="5122020" y="6609453"/>
+              <a:ext cx="3162590" cy="307777"/>
+            </a:xfrm>
+            <a:prstGeom prst="rect">
+              <a:avLst/>
+            </a:prstGeom>
+            <a:noFill/>
+          </p:spPr>
+          <p:txBody>
+            <a:bodyPr wrap="square" rtlCol="0">
+              <a:spAutoFit/>
+            </a:bodyPr>
+            <a:lstStyle/>
+            <a:p>
+              <a:r>
+                <a:rPr lang="en-US" sz="1400" dirty="0">
+                  <a:solidFill>
+                    <a:schemeClr val="bg1"/>
+                  </a:solidFill>
+                  <a:latin typeface="+mj-lt"/>
+                </a:rPr>
+                <a:t>Top 5 National Parks 2023</a:t>
+              </a:r>
+            </a:p>
+          </p:txBody>
+        </p:sp>
+      </p:grpSp>
+      <p:pic>
+        <p:nvPicPr>
+          <p:cNvPr id="39" name="Picture 38">
+            <a:extLst>
+              <a:ext uri="{FF2B5EF4-FFF2-40B4-BE49-F238E27FC236}">
+                <a16:creationId xmlns:a16="http://schemas.microsoft.com/office/drawing/2014/main" id="{45089DF9-04ED-86AB-944F-1434F44DBAEA}"/>
+              </a:ext>
+            </a:extLst>
+          </p:cNvPr>
+          <p:cNvPicPr>
+            <a:picLocks noChangeAspect="1"/>
+          </p:cNvPicPr>
+          <p:nvPr/>
+        </p:nvPicPr>
+        <p:blipFill>
+          <a:blip r:embed="rId26"/>
+          <a:stretch>
+            <a:fillRect/>
+          </a:stretch>
+        </p:blipFill>
+        <p:spPr>
+          <a:xfrm>
+            <a:off x="2754259" y="4066686"/>
+            <a:ext cx="858530" cy="682422"/>
+          </a:xfrm>
+          <a:prstGeom prst="rect">
+            <a:avLst/>
+          </a:prstGeom>
+        </p:spPr>
+      </p:pic>
+      <p:pic>
+        <p:nvPicPr>
+          <p:cNvPr id="114" name="Picture 113">
+            <a:extLst>
+              <a:ext uri="{FF2B5EF4-FFF2-40B4-BE49-F238E27FC236}">
+                <a16:creationId xmlns:a16="http://schemas.microsoft.com/office/drawing/2014/main" id="{9F266DA4-7424-920A-51DC-266BECBDDD96}"/>
+              </a:ext>
+            </a:extLst>
+          </p:cNvPr>
+          <p:cNvPicPr>
+            <a:picLocks noChangeAspect="1"/>
+          </p:cNvPicPr>
+          <p:nvPr/>
+        </p:nvPicPr>
+        <p:blipFill>
+          <a:blip r:embed="rId27"/>
+          <a:stretch>
+            <a:fillRect/>
+          </a:stretch>
+        </p:blipFill>
+        <p:spPr>
+          <a:xfrm>
+            <a:off x="251166" y="1241844"/>
+            <a:ext cx="3375502" cy="1946335"/>
+          </a:xfrm>
+          <a:prstGeom prst="rect">
+            <a:avLst/>
+          </a:prstGeom>
+        </p:spPr>
+      </p:pic>
+      <p:pic>
+        <p:nvPicPr>
+          <p:cNvPr id="117" name="Picture 116">
+            <a:extLst>
+              <a:ext uri="{FF2B5EF4-FFF2-40B4-BE49-F238E27FC236}">
+                <a16:creationId xmlns:a16="http://schemas.microsoft.com/office/drawing/2014/main" id="{44F4009F-5DC7-C900-4F76-BF06A72ADA74}"/>
+              </a:ext>
+            </a:extLst>
+          </p:cNvPr>
+          <p:cNvPicPr>
+            <a:picLocks noChangeAspect="1"/>
+          </p:cNvPicPr>
+          <p:nvPr/>
+        </p:nvPicPr>
+        <p:blipFill>
+          <a:blip r:embed="rId28"/>
+          <a:stretch>
+            <a:fillRect/>
+          </a:stretch>
+        </p:blipFill>
+        <p:spPr>
+          <a:xfrm>
+            <a:off x="235926" y="3221065"/>
+            <a:ext cx="1514264" cy="4215553"/>
+          </a:xfrm>
+          <a:prstGeom prst="rect">
+            <a:avLst/>
+          </a:prstGeom>
+        </p:spPr>
+      </p:pic>
+      <p:pic>
+        <p:nvPicPr>
+          <p:cNvPr id="6" name="Picture 5">
+            <a:extLst>
+              <a:ext uri="{FF2B5EF4-FFF2-40B4-BE49-F238E27FC236}">
+                <a16:creationId xmlns:a16="http://schemas.microsoft.com/office/drawing/2014/main" id="{18CCA4B1-814C-1E41-6AD0-32BE979E73CB}"/>
+              </a:ext>
+            </a:extLst>
+          </p:cNvPr>
+          <p:cNvPicPr>
+            <a:picLocks noChangeAspect="1"/>
+          </p:cNvPicPr>
+          <p:nvPr/>
+        </p:nvPicPr>
+        <p:blipFill rotWithShape="1">
+          <a:blip r:embed="rId29"/>
+          <a:srcRect t="4129"/>
+          <a:stretch/>
+        </p:blipFill>
+        <p:spPr>
+          <a:xfrm>
+            <a:off x="242583" y="1252255"/>
+            <a:ext cx="3378352" cy="1934702"/>
+          </a:xfrm>
+          <a:prstGeom prst="rect">
+            <a:avLst/>
+          </a:prstGeom>
+        </p:spPr>
+      </p:pic>
+      <p:pic>
+        <p:nvPicPr>
+          <p:cNvPr id="1028" name="Picture 4" descr="National Park Service">
+            <a:extLst>
+              <a:ext uri="{FF2B5EF4-FFF2-40B4-BE49-F238E27FC236}">
+                <a16:creationId xmlns:a16="http://schemas.microsoft.com/office/drawing/2014/main" id="{50BAFCDE-27F8-6F4B-B2C8-FB67A4579B04}"/>
+              </a:ext>
+            </a:extLst>
+          </p:cNvPr>
+          <p:cNvPicPr>
+            <a:picLocks noChangeAspect="1" noChangeArrowheads="1"/>
+          </p:cNvPicPr>
+          <p:nvPr/>
+        </p:nvPicPr>
+        <p:blipFill rotWithShape="1">
+          <a:blip r:embed="rId30">
+            <a:extLst>
+              <a:ext uri="{28A0092B-C50C-407E-A947-70E740481C1C}">
+                <a14:useLocalDpi xmlns:a14="http://schemas.microsoft.com/office/drawing/2010/main" val="0"/>
+              </a:ext>
+            </a:extLst>
+          </a:blip>
+          <a:srcRect l="12500" r="12500"/>
+          <a:stretch/>
+        </p:blipFill>
+        <p:spPr bwMode="auto">
+          <a:xfrm>
+            <a:off x="266579" y="246984"/>
+            <a:ext cx="1215081" cy="1215081"/>
+          </a:xfrm>
+          <a:prstGeom prst="ellipse">
+            <a:avLst/>
+          </a:prstGeom>
+          <a:noFill/>
+          <a:extLst>
+            <a:ext uri="{909E8E84-426E-40DD-AFC4-6F175D3DCCD1}">
+              <a14:hiddenFill xmlns:a14="http://schemas.microsoft.com/office/drawing/2010/main">
+                <a:solidFill>
+                  <a:srgbClr val="FFFFFF"/>
+                </a:solidFill>
+              </a14:hiddenFill>
+            </a:ext>
+          </a:extLst>
+        </p:spPr>
+      </p:pic>
+    </p:spTree>
+    <p:extLst>
+      <p:ext uri="{BB962C8B-B14F-4D97-AF65-F5344CB8AC3E}">
+        <p14:creationId xmlns:p14="http://schemas.microsoft.com/office/powerpoint/2010/main" val="2203572961"/>
+      </p:ext>
+    </p:extLst>
+  </p:cSld>
+  <p:clrMapOvr>
+    <a:masterClrMapping/>
+  </p:clrMapOvr>
+</p:sld>
+</file>
+
+<file path=ppt/slides/slide2.xml><?xml version="1.0" encoding="utf-8"?>
 <p:sld xmlns:a="http://schemas.openxmlformats.org/drawingml/2006/main" xmlns:r="http://schemas.openxmlformats.org/officeDocument/2006/relationships" xmlns:p="http://schemas.openxmlformats.org/presentationml/2006/main">
   <p:cSld>
     <p:spTree>
@@ -30868,13 +38276,7 @@
               <p:cNvGraphicFramePr>
                 <a:graphicFrameLocks/>
               </p:cNvGraphicFramePr>
-              <p:nvPr>
-                <p:extLst>
-                  <p:ext uri="{D42A27DB-BD31-4B8C-83A1-F6EECF244321}">
-                    <p14:modId xmlns:p14="http://schemas.microsoft.com/office/powerpoint/2010/main" val="1528337323"/>
-                  </p:ext>
-                </p:extLst>
-              </p:nvPr>
+              <p:nvPr/>
             </p:nvGraphicFramePr>
             <p:xfrm>
               <a:off x="3669287" y="657225"/>
@@ -31206,13 +38608,7 @@
             <p:cNvGraphicFramePr>
               <a:graphicFrameLocks/>
             </p:cNvGraphicFramePr>
-            <p:nvPr>
-              <p:extLst>
-                <p:ext uri="{D42A27DB-BD31-4B8C-83A1-F6EECF244321}">
-                  <p14:modId xmlns:p14="http://schemas.microsoft.com/office/powerpoint/2010/main" val="216246423"/>
-                </p:ext>
-              </p:extLst>
-            </p:nvPr>
+            <p:nvPr/>
           </p:nvGraphicFramePr>
           <p:xfrm>
             <a:off x="5085692" y="6779419"/>
@@ -31403,7 +38799,7 @@
     </p:spTree>
     <p:extLst>
       <p:ext uri="{BB962C8B-B14F-4D97-AF65-F5344CB8AC3E}">
-        <p14:creationId xmlns:p14="http://schemas.microsoft.com/office/powerpoint/2010/main" val="2203572961"/>
+        <p14:creationId xmlns:p14="http://schemas.microsoft.com/office/powerpoint/2010/main" val="1887018488"/>
       </p:ext>
     </p:extLst>
   </p:cSld>
@@ -31413,7 +38809,7 @@
 </p:sld>
 </file>
 
-<file path=ppt/slides/slide2.xml><?xml version="1.0" encoding="utf-8"?>
+<file path=ppt/slides/slide3.xml><?xml version="1.0" encoding="utf-8"?>
 <p:sld xmlns:a="http://schemas.openxmlformats.org/drawingml/2006/main" xmlns:r="http://schemas.openxmlformats.org/officeDocument/2006/relationships" xmlns:p="http://schemas.openxmlformats.org/presentationml/2006/main">
   <p:cSld>
     <p:spTree>
@@ -35041,7 +42437,7 @@
 </p:sld>
 </file>
 
-<file path=ppt/slides/slide3.xml><?xml version="1.0" encoding="utf-8"?>
+<file path=ppt/slides/slide4.xml><?xml version="1.0" encoding="utf-8"?>
 <p:sld xmlns:a="http://schemas.openxmlformats.org/drawingml/2006/main" xmlns:r="http://schemas.openxmlformats.org/officeDocument/2006/relationships" xmlns:p="http://schemas.openxmlformats.org/presentationml/2006/main">
   <p:cSld>
     <p:spTree>
@@ -38616,7 +46012,7 @@
 </p:sld>
 </file>
 
-<file path=ppt/slides/slide4.xml><?xml version="1.0" encoding="utf-8"?>
+<file path=ppt/slides/slide5.xml><?xml version="1.0" encoding="utf-8"?>
 <p:sld xmlns:a="http://schemas.openxmlformats.org/drawingml/2006/main" xmlns:r="http://schemas.openxmlformats.org/officeDocument/2006/relationships" xmlns:p="http://schemas.openxmlformats.org/presentationml/2006/main">
   <p:cSld>
     <p:spTree>
@@ -42183,7 +49579,7 @@
 </p:sld>
 </file>
 
-<file path=ppt/slides/slide5.xml><?xml version="1.0" encoding="utf-8"?>
+<file path=ppt/slides/slide6.xml><?xml version="1.0" encoding="utf-8"?>
 <p:sld xmlns:a="http://schemas.openxmlformats.org/drawingml/2006/main" xmlns:r="http://schemas.openxmlformats.org/officeDocument/2006/relationships" xmlns:p="http://schemas.openxmlformats.org/presentationml/2006/main">
   <p:cSld>
     <p:spTree>
@@ -45758,7 +53154,7 @@
 </p:sld>
 </file>
 
-<file path=ppt/slides/slide6.xml><?xml version="1.0" encoding="utf-8"?>
+<file path=ppt/slides/slide7.xml><?xml version="1.0" encoding="utf-8"?>
 <p:sld xmlns:a="http://schemas.openxmlformats.org/drawingml/2006/main" xmlns:r="http://schemas.openxmlformats.org/officeDocument/2006/relationships" xmlns:p="http://schemas.openxmlformats.org/presentationml/2006/main">
   <p:cSld>
     <p:spTree>
@@ -49330,7 +56726,7 @@
 </p:sld>
 </file>
 
-<file path=ppt/slides/slide7.xml><?xml version="1.0" encoding="utf-8"?>
+<file path=ppt/slides/slide8.xml><?xml version="1.0" encoding="utf-8"?>
 <p:sld xmlns:a="http://schemas.openxmlformats.org/drawingml/2006/main" xmlns:r="http://schemas.openxmlformats.org/officeDocument/2006/relationships" xmlns:p="http://schemas.openxmlformats.org/presentationml/2006/main">
   <p:cSld>
     <p:spTree>

--- a/01_documentation/nps_poster.pptx
+++ b/01_documentation/nps_poster.pptx
@@ -2146,7 +2146,7 @@
               <a:lstStyle/>
               <a:p>
                 <a:pPr>
-                  <a:defRPr sz="1000" b="0" i="0" u="none" strike="noStrike" kern="1200" baseline="0">
+                  <a:defRPr lang="en-US" sz="1000" b="0" i="0" u="none" strike="noStrike" kern="1200" baseline="0">
                     <a:solidFill>
                       <a:schemeClr val="bg1"/>
                     </a:solidFill>
@@ -10655,48 +10655,9 @@
   </mc:AlternateContent>
   <c:chart>
     <c:autoTitleDeleted val="1"/>
-    <c:view3D>
-      <c:rotX val="15"/>
-      <c:rotY val="20"/>
-      <c:depthPercent val="100"/>
-      <c:rAngAx val="1"/>
-    </c:view3D>
-    <c:floor>
-      <c:thickness val="0"/>
-      <c:spPr>
-        <a:noFill/>
-        <a:ln>
-          <a:noFill/>
-        </a:ln>
-        <a:effectLst/>
-        <a:sp3d/>
-      </c:spPr>
-    </c:floor>
-    <c:sideWall>
-      <c:thickness val="0"/>
-      <c:spPr>
-        <a:noFill/>
-        <a:ln>
-          <a:noFill/>
-        </a:ln>
-        <a:effectLst/>
-        <a:sp3d/>
-      </c:spPr>
-    </c:sideWall>
-    <c:backWall>
-      <c:thickness val="0"/>
-      <c:spPr>
-        <a:noFill/>
-        <a:ln>
-          <a:noFill/>
-        </a:ln>
-        <a:effectLst/>
-        <a:sp3d/>
-      </c:spPr>
-    </c:backWall>
     <c:plotArea>
       <c:layout/>
-      <c:bar3DChart>
+      <c:barChart>
         <c:barDir val="bar"/>
         <c:grouping val="clustered"/>
         <c:varyColors val="0"/>
@@ -10705,181 +10666,193 @@
           <c:order val="0"/>
           <c:tx>
             <c:strRef>
-              <c:f>nps_top_parks!$B$1</c:f>
+              <c:f>Sheet1!$A$2</c:f>
               <c:strCache>
                 <c:ptCount val="1"/>
                 <c:pt idx="0">
-                  <c:v>RecreationVisits</c:v>
+                  <c:v>NLTK</c:v>
                 </c:pt>
               </c:strCache>
             </c:strRef>
           </c:tx>
           <c:spPr>
             <a:solidFill>
-              <a:schemeClr val="accent1"/>
+              <a:schemeClr val="accent6"/>
             </a:solidFill>
             <a:ln>
               <a:noFill/>
             </a:ln>
             <a:effectLst/>
-            <a:sp3d/>
           </c:spPr>
           <c:invertIfNegative val="0"/>
-          <c:dPt>
-            <c:idx val="0"/>
-            <c:invertIfNegative val="0"/>
-            <c:bubble3D val="0"/>
-            <c:spPr>
-              <a:solidFill>
-                <a:schemeClr val="accent3">
-                  <a:lumMod val="75000"/>
-                </a:schemeClr>
-              </a:solidFill>
-              <a:ln>
-                <a:noFill/>
-              </a:ln>
-              <a:effectLst/>
-              <a:sp3d/>
-            </c:spPr>
-            <c:extLst>
-              <c:ext xmlns:c16="http://schemas.microsoft.com/office/drawing/2014/chart" uri="{C3380CC4-5D6E-409C-BE32-E72D297353CC}">
-                <c16:uniqueId val="{00000005-00A7-494A-8AAB-86AF9DBD761F}"/>
-              </c:ext>
-            </c:extLst>
-          </c:dPt>
-          <c:dPt>
-            <c:idx val="1"/>
-            <c:invertIfNegative val="0"/>
-            <c:bubble3D val="0"/>
-            <c:spPr>
-              <a:solidFill>
-                <a:schemeClr val="accent2">
-                  <a:lumMod val="90000"/>
-                  <a:lumOff val="10000"/>
-                </a:schemeClr>
-              </a:solidFill>
-              <a:ln>
-                <a:noFill/>
-              </a:ln>
-              <a:effectLst/>
-              <a:sp3d/>
-            </c:spPr>
-            <c:extLst>
-              <c:ext xmlns:c16="http://schemas.microsoft.com/office/drawing/2014/chart" uri="{C3380CC4-5D6E-409C-BE32-E72D297353CC}">
-                <c16:uniqueId val="{00000004-00A7-494A-8AAB-86AF9DBD761F}"/>
-              </c:ext>
-            </c:extLst>
-          </c:dPt>
-          <c:dPt>
-            <c:idx val="2"/>
-            <c:invertIfNegative val="0"/>
-            <c:bubble3D val="0"/>
-            <c:spPr>
-              <a:solidFill>
-                <a:schemeClr val="accent5"/>
-              </a:solidFill>
-              <a:ln>
-                <a:noFill/>
-              </a:ln>
-              <a:effectLst/>
-              <a:sp3d/>
-            </c:spPr>
-            <c:extLst>
-              <c:ext xmlns:c16="http://schemas.microsoft.com/office/drawing/2014/chart" uri="{C3380CC4-5D6E-409C-BE32-E72D297353CC}">
-                <c16:uniqueId val="{00000003-00A7-494A-8AAB-86AF9DBD761F}"/>
-              </c:ext>
-            </c:extLst>
-          </c:dPt>
-          <c:dPt>
-            <c:idx val="3"/>
-            <c:invertIfNegative val="0"/>
-            <c:bubble3D val="0"/>
-            <c:spPr>
-              <a:solidFill>
-                <a:schemeClr val="accent6"/>
-              </a:solidFill>
-              <a:ln>
-                <a:noFill/>
-              </a:ln>
-              <a:effectLst/>
-              <a:sp3d/>
-            </c:spPr>
-            <c:extLst>
-              <c:ext xmlns:c16="http://schemas.microsoft.com/office/drawing/2014/chart" uri="{C3380CC4-5D6E-409C-BE32-E72D297353CC}">
-                <c16:uniqueId val="{00000002-00A7-494A-8AAB-86AF9DBD761F}"/>
-              </c:ext>
-            </c:extLst>
-          </c:dPt>
-          <c:dPt>
-            <c:idx val="4"/>
-            <c:invertIfNegative val="0"/>
-            <c:bubble3D val="0"/>
-            <c:spPr>
-              <a:solidFill>
-                <a:schemeClr val="accent2"/>
-              </a:solidFill>
-              <a:ln>
-                <a:noFill/>
-              </a:ln>
-              <a:effectLst/>
-              <a:sp3d/>
-            </c:spPr>
-            <c:extLst>
-              <c:ext xmlns:c16="http://schemas.microsoft.com/office/drawing/2014/chart" uri="{C3380CC4-5D6E-409C-BE32-E72D297353CC}">
-                <c16:uniqueId val="{00000001-00A7-494A-8AAB-86AF9DBD761F}"/>
-              </c:ext>
-            </c:extLst>
-          </c:dPt>
           <c:cat>
             <c:strRef>
-              <c:f>nps_top_parks!$A$2:$A$6</c:f>
+              <c:f>Sheet1!$B$1:$D$1</c:f>
               <c:strCache>
-                <c:ptCount val="5"/>
+                <c:ptCount val="3"/>
                 <c:pt idx="0">
-                  <c:v>Rocky Mountain</c:v>
+                  <c:v>Intent</c:v>
                 </c:pt>
                 <c:pt idx="1">
-                  <c:v>Yellowstone</c:v>
+                  <c:v>Endpoint</c:v>
                 </c:pt>
                 <c:pt idx="2">
-                  <c:v>Zion</c:v>
-                </c:pt>
-                <c:pt idx="3">
-                  <c:v>Grand Canyon</c:v>
-                </c:pt>
-                <c:pt idx="4">
-                  <c:v>Great Smoky Mountains</c:v>
+                  <c:v>Parkcode</c:v>
                 </c:pt>
               </c:strCache>
             </c:strRef>
           </c:cat>
           <c:val>
             <c:numRef>
-              <c:f>nps_top_parks!$B$2:$B$6</c:f>
+              <c:f>Sheet1!$B$2:$D$2</c:f>
               <c:numCache>
-                <c:formatCode>General</c:formatCode>
-                <c:ptCount val="5"/>
+                <c:formatCode>0%</c:formatCode>
+                <c:ptCount val="3"/>
                 <c:pt idx="0">
-                  <c:v>4115837</c:v>
+                  <c:v>0.02</c:v>
                 </c:pt>
                 <c:pt idx="1">
-                  <c:v>4501382</c:v>
+                  <c:v>0.27</c:v>
                 </c:pt>
                 <c:pt idx="2">
-                  <c:v>4623238</c:v>
-                </c:pt>
-                <c:pt idx="3">
-                  <c:v>4733705</c:v>
-                </c:pt>
-                <c:pt idx="4">
-                  <c:v>13297647</c:v>
+                  <c:v>0.46</c:v>
                 </c:pt>
               </c:numCache>
             </c:numRef>
           </c:val>
           <c:extLst>
             <c:ext xmlns:c16="http://schemas.microsoft.com/office/drawing/2014/chart" uri="{C3380CC4-5D6E-409C-BE32-E72D297353CC}">
-              <c16:uniqueId val="{00000000-D440-44AA-B150-AEBB373228E8}"/>
+              <c16:uniqueId val="{00000000-7D65-4019-9A02-D97277BBC9D4}"/>
+            </c:ext>
+          </c:extLst>
+        </c:ser>
+        <c:ser>
+          <c:idx val="1"/>
+          <c:order val="1"/>
+          <c:tx>
+            <c:strRef>
+              <c:f>Sheet1!$A$3</c:f>
+              <c:strCache>
+                <c:ptCount val="1"/>
+                <c:pt idx="0">
+                  <c:v>SpaCy</c:v>
+                </c:pt>
+              </c:strCache>
+            </c:strRef>
+          </c:tx>
+          <c:spPr>
+            <a:solidFill>
+              <a:schemeClr val="accent5"/>
+            </a:solidFill>
+            <a:ln>
+              <a:noFill/>
+            </a:ln>
+            <a:effectLst/>
+          </c:spPr>
+          <c:invertIfNegative val="0"/>
+          <c:cat>
+            <c:strRef>
+              <c:f>Sheet1!$B$1:$D$1</c:f>
+              <c:strCache>
+                <c:ptCount val="3"/>
+                <c:pt idx="0">
+                  <c:v>Intent</c:v>
+                </c:pt>
+                <c:pt idx="1">
+                  <c:v>Endpoint</c:v>
+                </c:pt>
+                <c:pt idx="2">
+                  <c:v>Parkcode</c:v>
+                </c:pt>
+              </c:strCache>
+            </c:strRef>
+          </c:cat>
+          <c:val>
+            <c:numRef>
+              <c:f>Sheet1!$B$3:$D$3</c:f>
+              <c:numCache>
+                <c:formatCode>0%</c:formatCode>
+                <c:ptCount val="3"/>
+                <c:pt idx="0">
+                  <c:v>0.02</c:v>
+                </c:pt>
+                <c:pt idx="1">
+                  <c:v>0.27</c:v>
+                </c:pt>
+                <c:pt idx="2">
+                  <c:v>0.56999999999999995</c:v>
+                </c:pt>
+              </c:numCache>
+            </c:numRef>
+          </c:val>
+          <c:extLst>
+            <c:ext xmlns:c16="http://schemas.microsoft.com/office/drawing/2014/chart" uri="{C3380CC4-5D6E-409C-BE32-E72D297353CC}">
+              <c16:uniqueId val="{00000001-7D65-4019-9A02-D97277BBC9D4}"/>
+            </c:ext>
+          </c:extLst>
+        </c:ser>
+        <c:ser>
+          <c:idx val="2"/>
+          <c:order val="2"/>
+          <c:tx>
+            <c:strRef>
+              <c:f>Sheet1!$A$4</c:f>
+              <c:strCache>
+                <c:ptCount val="1"/>
+                <c:pt idx="0">
+                  <c:v>GPT</c:v>
+                </c:pt>
+              </c:strCache>
+            </c:strRef>
+          </c:tx>
+          <c:spPr>
+            <a:solidFill>
+              <a:schemeClr val="accent2"/>
+            </a:solidFill>
+            <a:ln>
+              <a:noFill/>
+            </a:ln>
+            <a:effectLst/>
+          </c:spPr>
+          <c:invertIfNegative val="0"/>
+          <c:cat>
+            <c:strRef>
+              <c:f>Sheet1!$B$1:$D$1</c:f>
+              <c:strCache>
+                <c:ptCount val="3"/>
+                <c:pt idx="0">
+                  <c:v>Intent</c:v>
+                </c:pt>
+                <c:pt idx="1">
+                  <c:v>Endpoint</c:v>
+                </c:pt>
+                <c:pt idx="2">
+                  <c:v>Parkcode</c:v>
+                </c:pt>
+              </c:strCache>
+            </c:strRef>
+          </c:cat>
+          <c:val>
+            <c:numRef>
+              <c:f>Sheet1!$B$4:$D$4</c:f>
+              <c:numCache>
+                <c:formatCode>0%</c:formatCode>
+                <c:ptCount val="3"/>
+                <c:pt idx="0">
+                  <c:v>1</c:v>
+                </c:pt>
+                <c:pt idx="1">
+                  <c:v>0.91</c:v>
+                </c:pt>
+                <c:pt idx="2">
+                  <c:v>0.98</c:v>
+                </c:pt>
+              </c:numCache>
+            </c:numRef>
+          </c:val>
+          <c:extLst>
+            <c:ext xmlns:c16="http://schemas.microsoft.com/office/drawing/2014/chart" uri="{C3380CC4-5D6E-409C-BE32-E72D297353CC}">
+              <c16:uniqueId val="{00000002-7D65-4019-9A02-D97277BBC9D4}"/>
             </c:ext>
           </c:extLst>
         </c:ser>
@@ -10891,27 +10864,32 @@
           <c:showPercent val="0"/>
           <c:showBubbleSize val="0"/>
         </c:dLbls>
-        <c:gapWidth val="150"/>
-        <c:shape val="box"/>
-        <c:axId val="782632592"/>
-        <c:axId val="782632952"/>
-        <c:axId val="0"/>
-      </c:bar3DChart>
+        <c:gapWidth val="100"/>
+        <c:overlap val="-16"/>
+        <c:axId val="468199712"/>
+        <c:axId val="534505448"/>
+      </c:barChart>
       <c:catAx>
-        <c:axId val="782632592"/>
+        <c:axId val="468199712"/>
         <c:scaling>
           <c:orientation val="minMax"/>
         </c:scaling>
         <c:delete val="0"/>
         <c:axPos val="l"/>
         <c:numFmt formatCode="General" sourceLinked="1"/>
-        <c:majorTickMark val="none"/>
+        <c:majorTickMark val="out"/>
         <c:minorTickMark val="none"/>
         <c:tickLblPos val="nextTo"/>
         <c:spPr>
           <a:noFill/>
-          <a:ln>
-            <a:noFill/>
+          <a:ln w="9525" cap="flat" cmpd="sng" algn="ctr">
+            <a:solidFill>
+              <a:schemeClr val="tx1">
+                <a:lumMod val="15000"/>
+                <a:lumOff val="85000"/>
+              </a:schemeClr>
+            </a:solidFill>
+            <a:round/>
           </a:ln>
           <a:effectLst/>
         </c:spPr>
@@ -10920,7 +10898,7 @@
           <a:lstStyle/>
           <a:p>
             <a:pPr>
-              <a:defRPr sz="1050" b="0" i="0" u="none" strike="noStrike" kern="1200" cap="none" spc="0" normalizeH="0" baseline="0">
+              <a:defRPr sz="900" b="0" i="0" u="none" strike="noStrike" kern="1200" cap="none" spc="0" normalizeH="0" baseline="0">
                 <a:solidFill>
                   <a:schemeClr val="bg1"/>
                 </a:solidFill>
@@ -10932,7 +10910,7 @@
             <a:endParaRPr lang="en-US"/>
           </a:p>
         </c:txPr>
-        <c:crossAx val="782632952"/>
+        <c:crossAx val="534505448"/>
         <c:crosses val="autoZero"/>
         <c:auto val="1"/>
         <c:lblAlgn val="ctr"/>
@@ -10940,9 +10918,10 @@
         <c:noMultiLvlLbl val="0"/>
       </c:catAx>
       <c:valAx>
-        <c:axId val="782632952"/>
+        <c:axId val="534505448"/>
         <c:scaling>
           <c:orientation val="minMax"/>
+          <c:max val="1"/>
         </c:scaling>
         <c:delete val="0"/>
         <c:axPos val="b"/>
@@ -10974,7 +10953,7 @@
             <a:effectLst/>
           </c:spPr>
         </c:minorGridlines>
-        <c:numFmt formatCode="General" sourceLinked="1"/>
+        <c:numFmt formatCode="0%" sourceLinked="1"/>
         <c:majorTickMark val="none"/>
         <c:minorTickMark val="none"/>
         <c:tickLblPos val="nextTo"/>
@@ -10990,7 +10969,7 @@
           <a:lstStyle/>
           <a:p>
             <a:pPr>
-              <a:defRPr sz="1197" b="0" i="0" u="none" strike="noStrike" kern="1200" baseline="0">
+              <a:defRPr sz="900" b="0" i="0" u="none" strike="noStrike" kern="1200" baseline="0">
                 <a:solidFill>
                   <a:schemeClr val="bg1"/>
                 </a:solidFill>
@@ -11002,72 +10981,9 @@
             <a:endParaRPr lang="en-US"/>
           </a:p>
         </c:txPr>
-        <c:crossAx val="782632592"/>
+        <c:crossAx val="468199712"/>
         <c:crosses val="autoZero"/>
         <c:crossBetween val="between"/>
-        <c:dispUnits>
-          <c:builtInUnit val="millions"/>
-          <c:dispUnitsLbl>
-            <c:layout>
-              <c:manualLayout>
-                <c:xMode val="edge"/>
-                <c:yMode val="edge"/>
-                <c:x val="0.45167692283668487"/>
-                <c:y val="0.83229867181340778"/>
-              </c:manualLayout>
-            </c:layout>
-            <c:tx>
-              <c:rich>
-                <a:bodyPr rot="0" spcFirstLastPara="1" vertOverflow="ellipsis" vert="horz" wrap="square" anchor="ctr" anchorCtr="1"/>
-                <a:lstStyle/>
-                <a:p>
-                  <a:pPr>
-                    <a:defRPr sz="1197" b="0" i="0" u="none" strike="noStrike" kern="1200" cap="all" baseline="0">
-                      <a:solidFill>
-                        <a:schemeClr val="bg1"/>
-                      </a:solidFill>
-                      <a:latin typeface="+mn-lt"/>
-                      <a:ea typeface="+mn-ea"/>
-                      <a:cs typeface="+mn-cs"/>
-                    </a:defRPr>
-                  </a:pPr>
-                  <a:r>
-                    <a:rPr lang="en-US" dirty="0">
-                      <a:solidFill>
-                        <a:schemeClr val="bg1"/>
-                      </a:solidFill>
-                    </a:rPr>
-                    <a:t>Visits (Millions)</a:t>
-                  </a:r>
-                </a:p>
-              </c:rich>
-            </c:tx>
-            <c:spPr>
-              <a:noFill/>
-              <a:ln>
-                <a:noFill/>
-              </a:ln>
-              <a:effectLst/>
-            </c:spPr>
-            <c:txPr>
-              <a:bodyPr rot="0" spcFirstLastPara="1" vertOverflow="ellipsis" vert="horz" wrap="square" anchor="ctr" anchorCtr="1"/>
-              <a:lstStyle/>
-              <a:p>
-                <a:pPr>
-                  <a:defRPr sz="1197" b="0" i="0" u="none" strike="noStrike" kern="1200" cap="all" baseline="0">
-                    <a:solidFill>
-                      <a:schemeClr val="bg1"/>
-                    </a:solidFill>
-                    <a:latin typeface="+mn-lt"/>
-                    <a:ea typeface="+mn-ea"/>
-                    <a:cs typeface="+mn-cs"/>
-                  </a:defRPr>
-                </a:pPr>
-                <a:endParaRPr lang="en-US"/>
-              </a:p>
-            </c:txPr>
-          </c:dispUnitsLbl>
-        </c:dispUnits>
       </c:valAx>
       <c:spPr>
         <a:noFill/>
@@ -11077,6 +10993,47 @@
         <a:effectLst/>
       </c:spPr>
     </c:plotArea>
+    <c:legend>
+      <c:legendPos val="t"/>
+      <c:layout>
+        <c:manualLayout>
+          <c:xMode val="edge"/>
+          <c:yMode val="edge"/>
+          <c:x val="0.56734603853487464"/>
+          <c:y val="3.2047108249050354E-2"/>
+          <c:w val="0.35566197987555592"/>
+          <c:h val="0.11682086375761527"/>
+        </c:manualLayout>
+      </c:layout>
+      <c:overlay val="0"/>
+      <c:spPr>
+        <a:noFill/>
+        <a:ln>
+          <a:noFill/>
+        </a:ln>
+        <a:effectLst/>
+      </c:spPr>
+      <c:txPr>
+        <a:bodyPr rot="0" spcFirstLastPara="1" vertOverflow="ellipsis" vert="horz" wrap="square" anchor="ctr" anchorCtr="1"/>
+        <a:lstStyle/>
+        <a:p>
+          <a:pPr>
+            <a:defRPr sz="900" b="0" i="0" u="none" strike="noStrike" kern="1200" baseline="0">
+              <a:solidFill>
+                <a:schemeClr val="tx1">
+                  <a:lumMod val="65000"/>
+                  <a:lumOff val="35000"/>
+                </a:schemeClr>
+              </a:solidFill>
+              <a:latin typeface="+mn-lt"/>
+              <a:ea typeface="+mn-ea"/>
+              <a:cs typeface="+mn-cs"/>
+            </a:defRPr>
+          </a:pPr>
+          <a:endParaRPr lang="en-US"/>
+        </a:p>
+      </c:txPr>
+    </c:legend>
     <c:plotVisOnly val="1"/>
     <c:dispBlanksAs val="gap"/>
     <c:extLst>
@@ -25749,7 +25706,7 @@
 </file>
 
 <file path=ppt/charts/style2.xml><?xml version="1.0" encoding="utf-8"?>
-<cs:chartStyle xmlns:cs="http://schemas.microsoft.com/office/drawing/2012/chartStyle" xmlns:a="http://schemas.openxmlformats.org/drawingml/2006/main" id="296">
+<cs:chartStyle xmlns:cs="http://schemas.microsoft.com/office/drawing/2012/chartStyle" xmlns:a="http://schemas.openxmlformats.org/drawingml/2006/main" id="225">
   <cs:axisTitle>
     <cs:lnRef idx="0"/>
     <cs:fillRef idx="0"/>
@@ -25760,7 +25717,7 @@
         <a:lumOff val="35000"/>
       </a:schemeClr>
     </cs:fontRef>
-    <cs:defRPr sz="1197" kern="1200" cap="all"/>
+    <cs:defRPr sz="900" kern="1200" cap="all"/>
   </cs:axisTitle>
   <cs:categoryAxis>
     <cs:lnRef idx="0"/>
@@ -25772,7 +25729,18 @@
         <a:lumOff val="35000"/>
       </a:schemeClr>
     </cs:fontRef>
-    <cs:defRPr sz="1197" b="0" kern="1200" cap="none" spc="0" normalizeH="0" baseline="0"/>
+    <cs:spPr>
+      <a:ln w="9525" cap="flat" cmpd="sng" algn="ctr">
+        <a:solidFill>
+          <a:schemeClr val="tx1">
+            <a:lumMod val="15000"/>
+            <a:lumOff val="85000"/>
+          </a:schemeClr>
+        </a:solidFill>
+        <a:round/>
+      </a:ln>
+    </cs:spPr>
+    <cs:defRPr sz="900" b="0" kern="1200" cap="none" spc="0" normalizeH="0" baseline="0"/>
   </cs:categoryAxis>
   <cs:chartArea mods="allowNoFillOverride allowNoLineOverride">
     <cs:lnRef idx="0"/>
@@ -25795,7 +25763,7 @@
         <a:round/>
       </a:ln>
     </cs:spPr>
-    <cs:defRPr sz="1197" kern="1200"/>
+    <cs:defRPr sz="900" kern="1200"/>
   </cs:chartArea>
   <cs:dataLabel>
     <cs:lnRef idx="0"/>
@@ -25807,7 +25775,7 @@
         <a:lumOff val="25000"/>
       </a:schemeClr>
     </cs:fontRef>
-    <cs:defRPr sz="1197" kern="1200"/>
+    <cs:defRPr sz="900" kern="1200"/>
   </cs:dataLabel>
   <cs:dataLabelCallout>
     <cs:lnRef idx="0"/>
@@ -25827,7 +25795,7 @@
         </a:schemeClr>
       </a:solidFill>
     </cs:spPr>
-    <cs:defRPr sz="1197" kern="1200"/>
+    <cs:defRPr sz="900" kern="1200"/>
     <cs:bodyPr rot="0" spcFirstLastPara="1" vertOverflow="clip" horzOverflow="clip" vert="horz" wrap="square" lIns="36576" tIns="18288" rIns="36576" bIns="18288" anchor="ctr" anchorCtr="1">
       <a:spAutoFit/>
     </cs:bodyPr>
@@ -25934,7 +25902,7 @@
         </a:solidFill>
       </a:ln>
     </cs:spPr>
-    <cs:defRPr sz="1197" kern="1200"/>
+    <cs:defRPr sz="900" kern="1200"/>
   </cs:dataTable>
   <cs:downBar>
     <cs:lnRef idx="0"/>
@@ -26091,7 +26059,7 @@
         <a:lumOff val="35000"/>
       </a:schemeClr>
     </cs:fontRef>
-    <cs:defRPr sz="1197" kern="1200"/>
+    <cs:defRPr sz="900" kern="1200"/>
   </cs:legend>
   <cs:plotArea mods="allowNoFillOverride allowNoLineOverride">
     <cs:lnRef idx="0"/>
@@ -26130,7 +26098,7 @@
         <a:round/>
       </a:ln>
     </cs:spPr>
-    <cs:defRPr sz="1197" kern="1200"/>
+    <cs:defRPr sz="900" kern="1200"/>
   </cs:seriesAxis>
   <cs:seriesLine>
     <cs:lnRef idx="0"/>
@@ -26161,7 +26129,7 @@
         <a:lumOff val="35000"/>
       </a:schemeClr>
     </cs:fontRef>
-    <cs:defRPr sz="2200" b="0" kern="1200" cap="none" spc="0" normalizeH="0" baseline="0"/>
+    <cs:defRPr sz="2000" b="0" kern="1200" cap="none" spc="0" normalizeH="0" baseline="0"/>
   </cs:title>
   <cs:trendline>
     <cs:lnRef idx="0">
@@ -26191,7 +26159,7 @@
         <a:lumOff val="35000"/>
       </a:schemeClr>
     </cs:fontRef>
-    <cs:defRPr sz="1197" kern="1200"/>
+    <cs:defRPr sz="900" kern="1200"/>
   </cs:trendlineLabel>
   <cs:upBar>
     <cs:lnRef idx="0"/>
@@ -26224,7 +26192,7 @@
         <a:lumOff val="35000"/>
       </a:schemeClr>
     </cs:fontRef>
-    <cs:defRPr sz="1197" kern="1200"/>
+    <cs:defRPr sz="900" kern="1200"/>
   </cs:valueAxis>
   <cs:wall>
     <cs:lnRef idx="0"/>
@@ -29862,7 +29830,7 @@
           <a:p>
             <a:fld id="{BD56B3A9-68BD-4D54-A0BB-B455B6E4AFF4}" type="datetimeFigureOut">
               <a:rPr lang="en-US" smtClean="0"/>
-              <a:t>7/12/2024</a:t>
+              <a:t>7/16/2024</a:t>
             </a:fld>
             <a:endParaRPr lang="en-US" dirty="0"/>
           </a:p>
@@ -30039,7 +30007,7 @@
           <a:p>
             <a:fld id="{C55816F1-3F18-45AF-B31A-ADFF417588A1}" type="datetimeFigureOut">
               <a:rPr lang="en-US" smtClean="0"/>
-              <a:t>7/12/2024</a:t>
+              <a:t>7/16/2024</a:t>
             </a:fld>
             <a:endParaRPr lang="en-US" dirty="0"/>
           </a:p>
@@ -30846,7 +30814,7 @@
           <a:p>
             <a:fld id="{A8FAED0E-297D-480F-9176-00B6D6CDE081}" type="datetimeFigureOut">
               <a:rPr lang="en-US" noProof="0" smtClean="0"/>
-              <a:t>7/12/2024</a:t>
+              <a:t>7/16/2024</a:t>
             </a:fld>
             <a:endParaRPr lang="en-US" noProof="0" dirty="0"/>
           </a:p>
@@ -31770,55 +31738,6 @@
       </p:sp>
       <p:sp>
         <p:nvSpPr>
-          <p:cNvPr id="16" name="Rectangle 15">
-            <a:extLst>
-              <a:ext uri="{FF2B5EF4-FFF2-40B4-BE49-F238E27FC236}">
-                <a16:creationId xmlns:a16="http://schemas.microsoft.com/office/drawing/2014/main" id="{607E32E9-8361-C08B-35ED-4C79EF679E63}"/>
-              </a:ext>
-            </a:extLst>
-          </p:cNvPr>
-          <p:cNvSpPr/>
-          <p:nvPr/>
-        </p:nvSpPr>
-        <p:spPr>
-          <a:xfrm>
-            <a:off x="235926" y="7496147"/>
-            <a:ext cx="3631941" cy="2315269"/>
-          </a:xfrm>
-          <a:prstGeom prst="rect">
-            <a:avLst/>
-          </a:prstGeom>
-          <a:ln>
-            <a:noFill/>
-          </a:ln>
-        </p:spPr>
-        <p:style>
-          <a:lnRef idx="2">
-            <a:schemeClr val="accent1">
-              <a:shade val="15000"/>
-            </a:schemeClr>
-          </a:lnRef>
-          <a:fillRef idx="1">
-            <a:schemeClr val="accent1"/>
-          </a:fillRef>
-          <a:effectRef idx="0">
-            <a:schemeClr val="accent1"/>
-          </a:effectRef>
-          <a:fontRef idx="minor">
-            <a:schemeClr val="lt1"/>
-          </a:fontRef>
-        </p:style>
-        <p:txBody>
-          <a:bodyPr rtlCol="0" anchor="ctr"/>
-          <a:lstStyle/>
-          <a:p>
-            <a:pPr algn="ctr"/>
-            <a:endParaRPr lang="en-US"/>
-          </a:p>
-        </p:txBody>
-      </p:sp>
-      <p:sp>
-        <p:nvSpPr>
           <p:cNvPr id="102" name="TextBox 101">
             <a:extLst>
               <a:ext uri="{FF2B5EF4-FFF2-40B4-BE49-F238E27FC236}">
@@ -34340,22 +34259,13 @@
           <a:p>
             <a:pPr algn="ctr"/>
             <a:r>
-              <a:rPr lang="en-US" sz="1400" dirty="0" err="1">
-                <a:solidFill>
-                  <a:schemeClr val="accent1"/>
-                </a:solidFill>
-                <a:latin typeface="+mj-lt"/>
-              </a:rPr>
-              <a:t>SpaCy</a:t>
-            </a:r>
-            <a:r>
               <a:rPr lang="en-US" sz="1400" dirty="0">
                 <a:solidFill>
                   <a:schemeClr val="accent1"/>
                 </a:solidFill>
                 <a:latin typeface="+mj-lt"/>
               </a:rPr>
-              <a:t> &amp; NLTK</a:t>
+              <a:t>FLAN-T5</a:t>
             </a:r>
           </a:p>
         </p:txBody>
@@ -34613,7 +34523,7 @@
                 <p:nvPr>
                   <p:extLst>
                     <p:ext uri="{D42A27DB-BD31-4B8C-83A1-F6EECF244321}">
-                      <p14:modId xmlns:p14="http://schemas.microsoft.com/office/powerpoint/2010/main" val="724586276"/>
+                      <p14:modId xmlns:p14="http://schemas.microsoft.com/office/powerpoint/2010/main" val="1688637758"/>
                     </p:ext>
                   </p:extLst>
                 </p:nvPr>
@@ -34877,7 +34787,7 @@
         </p:nvSpPr>
         <p:spPr>
           <a:xfrm>
-            <a:off x="235926" y="7497695"/>
+            <a:off x="242276" y="7497695"/>
             <a:ext cx="3635675" cy="2320209"/>
           </a:xfrm>
           <a:prstGeom prst="rect">
@@ -34917,97 +34827,6 @@
           </a:p>
         </p:txBody>
       </p:sp>
-      <p:grpSp>
-        <p:nvGrpSpPr>
-          <p:cNvPr id="106" name="Group 105">
-            <a:extLst>
-              <a:ext uri="{FF2B5EF4-FFF2-40B4-BE49-F238E27FC236}">
-                <a16:creationId xmlns:a16="http://schemas.microsoft.com/office/drawing/2014/main" id="{42157EB8-8FBB-72AD-F327-1FB5D87C2048}"/>
-              </a:ext>
-            </a:extLst>
-          </p:cNvPr>
-          <p:cNvGrpSpPr/>
-          <p:nvPr/>
-        </p:nvGrpSpPr>
-        <p:grpSpPr>
-          <a:xfrm>
-            <a:off x="139841" y="7469612"/>
-            <a:ext cx="4162535" cy="2491176"/>
-            <a:chOff x="5085692" y="6609453"/>
-            <a:chExt cx="4162535" cy="2491176"/>
-          </a:xfrm>
-        </p:grpSpPr>
-        <p:graphicFrame>
-          <p:nvGraphicFramePr>
-            <p:cNvPr id="31" name="Chart 30">
-              <a:extLst>
-                <a:ext uri="{FF2B5EF4-FFF2-40B4-BE49-F238E27FC236}">
-                  <a16:creationId xmlns:a16="http://schemas.microsoft.com/office/drawing/2014/main" id="{361831A2-AE36-A0DE-755E-CA3F84184158}"/>
-                </a:ext>
-              </a:extLst>
-            </p:cNvPr>
-            <p:cNvGraphicFramePr>
-              <a:graphicFrameLocks/>
-            </p:cNvGraphicFramePr>
-            <p:nvPr>
-              <p:extLst>
-                <p:ext uri="{D42A27DB-BD31-4B8C-83A1-F6EECF244321}">
-                  <p14:modId xmlns:p14="http://schemas.microsoft.com/office/powerpoint/2010/main" val="1515885975"/>
-                </p:ext>
-              </p:extLst>
-            </p:nvPr>
-          </p:nvGraphicFramePr>
-          <p:xfrm>
-            <a:off x="5085692" y="6779419"/>
-            <a:ext cx="4162535" cy="2321210"/>
-          </p:xfrm>
-          <a:graphic>
-            <a:graphicData uri="http://schemas.openxmlformats.org/drawingml/2006/chart">
-              <c:chart xmlns:c="http://schemas.openxmlformats.org/drawingml/2006/chart" xmlns:r="http://schemas.openxmlformats.org/officeDocument/2006/relationships" r:id="rId25"/>
-            </a:graphicData>
-          </a:graphic>
-        </p:graphicFrame>
-        <p:sp>
-          <p:nvSpPr>
-            <p:cNvPr id="44" name="TextBox 43">
-              <a:extLst>
-                <a:ext uri="{FF2B5EF4-FFF2-40B4-BE49-F238E27FC236}">
-                  <a16:creationId xmlns:a16="http://schemas.microsoft.com/office/drawing/2014/main" id="{CCCC5E7E-38DF-4597-9D6B-6061E22EFA2E}"/>
-                </a:ext>
-              </a:extLst>
-            </p:cNvPr>
-            <p:cNvSpPr txBox="1"/>
-            <p:nvPr/>
-          </p:nvSpPr>
-          <p:spPr>
-            <a:xfrm>
-              <a:off x="5122020" y="6609453"/>
-              <a:ext cx="3162590" cy="307777"/>
-            </a:xfrm>
-            <a:prstGeom prst="rect">
-              <a:avLst/>
-            </a:prstGeom>
-            <a:noFill/>
-          </p:spPr>
-          <p:txBody>
-            <a:bodyPr wrap="square" rtlCol="0">
-              <a:spAutoFit/>
-            </a:bodyPr>
-            <a:lstStyle/>
-            <a:p>
-              <a:r>
-                <a:rPr lang="en-US" sz="1400" dirty="0">
-                  <a:solidFill>
-                    <a:schemeClr val="bg1"/>
-                  </a:solidFill>
-                  <a:latin typeface="+mj-lt"/>
-                </a:rPr>
-                <a:t>Top 5 National Parks 2023</a:t>
-              </a:r>
-            </a:p>
-          </p:txBody>
-        </p:sp>
-      </p:grpSp>
       <p:pic>
         <p:nvPicPr>
           <p:cNvPr id="39" name="Picture 38">
@@ -35023,7 +34842,7 @@
           <p:nvPr/>
         </p:nvPicPr>
         <p:blipFill>
-          <a:blip r:embed="rId26"/>
+          <a:blip r:embed="rId25"/>
           <a:stretch>
             <a:fillRect/>
           </a:stretch>
@@ -35053,7 +34872,7 @@
           <p:nvPr/>
         </p:nvPicPr>
         <p:blipFill>
-          <a:blip r:embed="rId27"/>
+          <a:blip r:embed="rId26"/>
           <a:stretch>
             <a:fillRect/>
           </a:stretch>
@@ -35083,14 +34902,14 @@
           <p:nvPr/>
         </p:nvPicPr>
         <p:blipFill>
-          <a:blip r:embed="rId28"/>
+          <a:blip r:embed="rId27"/>
           <a:stretch>
             <a:fillRect/>
           </a:stretch>
         </p:blipFill>
         <p:spPr>
           <a:xfrm>
-            <a:off x="235926" y="3221065"/>
+            <a:off x="243546" y="3221065"/>
             <a:ext cx="1514264" cy="4215553"/>
           </a:xfrm>
           <a:prstGeom prst="rect">
@@ -35113,7 +34932,7 @@
           <p:nvPr/>
         </p:nvPicPr>
         <p:blipFill rotWithShape="1">
-          <a:blip r:embed="rId29"/>
+          <a:blip r:embed="rId28"/>
           <a:srcRect t="4129"/>
           <a:stretch/>
         </p:blipFill>
@@ -35142,7 +34961,7 @@
           <p:nvPr/>
         </p:nvPicPr>
         <p:blipFill rotWithShape="1">
-          <a:blip r:embed="rId30">
+          <a:blip r:embed="rId29">
             <a:extLst>
               <a:ext uri="{28A0092B-C50C-407E-A947-70E740481C1C}">
                 <a14:useLocalDpi xmlns:a14="http://schemas.microsoft.com/office/drawing/2010/main" val="0"/>
@@ -35170,6 +34989,168 @@
               </a14:hiddenFill>
             </a:ext>
           </a:extLst>
+        </p:spPr>
+      </p:pic>
+      <p:sp>
+        <p:nvSpPr>
+          <p:cNvPr id="14" name="TextBox 13">
+            <a:extLst>
+              <a:ext uri="{FF2B5EF4-FFF2-40B4-BE49-F238E27FC236}">
+                <a16:creationId xmlns:a16="http://schemas.microsoft.com/office/drawing/2014/main" id="{544C2F9E-CCF0-A046-04DC-DB3B52649CD1}"/>
+              </a:ext>
+            </a:extLst>
+          </p:cNvPr>
+          <p:cNvSpPr txBox="1"/>
+          <p:nvPr/>
+        </p:nvSpPr>
+        <p:spPr>
+          <a:xfrm>
+            <a:off x="198045" y="7459588"/>
+            <a:ext cx="3162590" cy="492443"/>
+          </a:xfrm>
+          <a:prstGeom prst="rect">
+            <a:avLst/>
+          </a:prstGeom>
+          <a:noFill/>
+        </p:spPr>
+        <p:txBody>
+          <a:bodyPr wrap="square" rtlCol="0">
+            <a:spAutoFit/>
+          </a:bodyPr>
+          <a:lstStyle/>
+          <a:p>
+            <a:r>
+              <a:rPr lang="en-US" sz="1400" dirty="0">
+                <a:solidFill>
+                  <a:schemeClr val="bg1"/>
+                </a:solidFill>
+                <a:latin typeface="+mj-lt"/>
+              </a:rPr>
+              <a:t>API Parameter </a:t>
+            </a:r>
+            <a:endParaRPr lang="en-US" sz="1200" dirty="0">
+              <a:solidFill>
+                <a:schemeClr val="bg1"/>
+              </a:solidFill>
+              <a:latin typeface="+mj-lt"/>
+            </a:endParaRPr>
+          </a:p>
+          <a:p>
+            <a:r>
+              <a:rPr lang="en-US" sz="1200" dirty="0">
+                <a:solidFill>
+                  <a:schemeClr val="bg1"/>
+                </a:solidFill>
+                <a:latin typeface="+mj-lt"/>
+              </a:rPr>
+              <a:t>Prediction Accuracy</a:t>
+            </a:r>
+          </a:p>
+        </p:txBody>
+      </p:sp>
+      <p:graphicFrame>
+        <p:nvGraphicFramePr>
+          <p:cNvPr id="25" name="Chart 24">
+            <a:extLst>
+              <a:ext uri="{FF2B5EF4-FFF2-40B4-BE49-F238E27FC236}">
+                <a16:creationId xmlns:a16="http://schemas.microsoft.com/office/drawing/2014/main" id="{C3476443-D81B-17AA-5EC4-F6E1729BBE8B}"/>
+              </a:ext>
+            </a:extLst>
+          </p:cNvPr>
+          <p:cNvGraphicFramePr>
+            <a:graphicFrameLocks/>
+          </p:cNvGraphicFramePr>
+          <p:nvPr>
+            <p:extLst>
+              <p:ext uri="{D42A27DB-BD31-4B8C-83A1-F6EECF244321}">
+                <p14:modId xmlns:p14="http://schemas.microsoft.com/office/powerpoint/2010/main" val="727034699"/>
+              </p:ext>
+            </p:extLst>
+          </p:nvPr>
+        </p:nvGraphicFramePr>
+        <p:xfrm>
+          <a:off x="167263" y="7532332"/>
+          <a:ext cx="3844777" cy="2349822"/>
+        </p:xfrm>
+        <a:graphic>
+          <a:graphicData uri="http://schemas.openxmlformats.org/drawingml/2006/chart">
+            <c:chart xmlns:c="http://schemas.openxmlformats.org/drawingml/2006/chart" xmlns:r="http://schemas.openxmlformats.org/officeDocument/2006/relationships" r:id="rId30"/>
+          </a:graphicData>
+        </a:graphic>
+      </p:graphicFrame>
+      <p:sp>
+        <p:nvSpPr>
+          <p:cNvPr id="40" name="AutoShape 4" descr="Brand assets - Hugging Face">
+            <a:extLst>
+              <a:ext uri="{FF2B5EF4-FFF2-40B4-BE49-F238E27FC236}">
+                <a16:creationId xmlns:a16="http://schemas.microsoft.com/office/drawing/2014/main" id="{CF06C507-8735-58A4-F705-0A1A72608D9F}"/>
+              </a:ext>
+            </a:extLst>
+          </p:cNvPr>
+          <p:cNvSpPr>
+            <a:spLocks noChangeAspect="1" noChangeArrowheads="1"/>
+          </p:cNvSpPr>
+          <p:nvPr/>
+        </p:nvSpPr>
+        <p:spPr bwMode="auto">
+          <a:xfrm>
+            <a:off x="3733800" y="4876800"/>
+            <a:ext cx="304800" cy="304800"/>
+          </a:xfrm>
+          <a:prstGeom prst="rect">
+            <a:avLst/>
+          </a:prstGeom>
+          <a:noFill/>
+          <a:extLst>
+            <a:ext uri="{909E8E84-426E-40DD-AFC4-6F175D3DCCD1}">
+              <a14:hiddenFill xmlns:a14="http://schemas.microsoft.com/office/drawing/2010/main">
+                <a:solidFill>
+                  <a:srgbClr val="FFFFFF"/>
+                </a:solidFill>
+              </a14:hiddenFill>
+            </a:ext>
+          </a:extLst>
+        </p:spPr>
+        <p:txBody>
+          <a:bodyPr vert="horz" wrap="square" lIns="91440" tIns="45720" rIns="91440" bIns="45720" numCol="1" anchor="t" anchorCtr="0" compatLnSpc="1">
+            <a:prstTxWarp prst="textNoShape">
+              <a:avLst/>
+            </a:prstTxWarp>
+          </a:bodyPr>
+          <a:lstStyle/>
+          <a:p>
+            <a:endParaRPr lang="en-US"/>
+          </a:p>
+        </p:txBody>
+      </p:sp>
+      <p:pic>
+        <p:nvPicPr>
+          <p:cNvPr id="104" name="Picture 103">
+            <a:extLst>
+              <a:ext uri="{FF2B5EF4-FFF2-40B4-BE49-F238E27FC236}">
+                <a16:creationId xmlns:a16="http://schemas.microsoft.com/office/drawing/2014/main" id="{E0E9059C-C0DC-6D6C-71DA-70F08AE2A804}"/>
+              </a:ext>
+            </a:extLst>
+          </p:cNvPr>
+          <p:cNvPicPr>
+            <a:picLocks noChangeAspect="1"/>
+          </p:cNvPicPr>
+          <p:nvPr/>
+        </p:nvPicPr>
+        <p:blipFill>
+          <a:blip r:embed="rId31"/>
+          <a:stretch>
+            <a:fillRect/>
+          </a:stretch>
+        </p:blipFill>
+        <p:spPr>
+          <a:xfrm>
+            <a:off x="241777" y="3223516"/>
+            <a:ext cx="1507863" cy="4236072"/>
+          </a:xfrm>
+          <a:prstGeom prst="rect">
+            <a:avLst/>
+          </a:prstGeom>
         </p:spPr>
       </p:pic>
     </p:spTree>
@@ -61090,6 +61071,35 @@
 </file>
 
 <file path=customXml/item1.xml><?xml version="1.0" encoding="utf-8"?>
+<?mso-contentType ?>
+<FormTemplates xmlns="http://schemas.microsoft.com/sharepoint/v3/contenttype/forms">
+  <Display>DocumentLibraryForm</Display>
+  <Edit>DocumentLibraryForm</Edit>
+  <New>DocumentLibraryForm</New>
+</FormTemplates>
+</file>
+
+<file path=customXml/item2.xml><?xml version="1.0" encoding="utf-8"?>
+<p:properties xmlns:p="http://schemas.microsoft.com/office/2006/metadata/properties" xmlns:xsi="http://www.w3.org/2001/XMLSchema-instance" xmlns:pc="http://schemas.microsoft.com/office/infopath/2007/PartnerControls">
+  <documentManagement>
+    <_ip_UnifiedCompliancePolicyUIAction xmlns="http://schemas.microsoft.com/sharepoint/v3" xsi:nil="true"/>
+    <Image xmlns="71af3243-3dd4-4a8d-8c0d-dd76da1f02a5">
+      <Url xsi:nil="true"/>
+      <Description xsi:nil="true"/>
+    </Image>
+    <Status xmlns="71af3243-3dd4-4a8d-8c0d-dd76da1f02a5">Not started</Status>
+    <Background xmlns="71af3243-3dd4-4a8d-8c0d-dd76da1f02a5">false</Background>
+    <_ip_UnifiedCompliancePolicyProperties xmlns="http://schemas.microsoft.com/sharepoint/v3" xsi:nil="true"/>
+    <ImageTagsTaxHTField xmlns="71af3243-3dd4-4a8d-8c0d-dd76da1f02a5">
+      <Terms xmlns="http://schemas.microsoft.com/office/infopath/2007/PartnerControls"/>
+    </ImageTagsTaxHTField>
+    <TaxCatchAll xmlns="230e9df3-be65-4c73-a93b-d1236ebd677e" xsi:nil="true"/>
+    <MediaServiceKeyPoints xmlns="71af3243-3dd4-4a8d-8c0d-dd76da1f02a5" xsi:nil="true"/>
+  </documentManagement>
+</p:properties>
+</file>
+
+<file path=customXml/item3.xml><?xml version="1.0" encoding="utf-8"?>
 <ct:contentTypeSchema xmlns:ct="http://schemas.microsoft.com/office/2006/metadata/contentType" xmlns:ma="http://schemas.microsoft.com/office/2006/metadata/properties/metaAttributes" ct:_="" ma:_="" ma:contentTypeName="Document" ma:contentTypeID="0x01010079F111ED35F8CC479449609E8A0923A6" ma:contentTypeVersion="24" ma:contentTypeDescription="Create a new document." ma:contentTypeScope="" ma:versionID="2d714a3296df14eba7a100bb665443ca">
   <xsd:schema xmlns:xsd="http://www.w3.org/2001/XMLSchema" xmlns:xs="http://www.w3.org/2001/XMLSchema" xmlns:p="http://schemas.microsoft.com/office/2006/metadata/properties" xmlns:ns1="http://schemas.microsoft.com/sharepoint/v3" xmlns:ns2="71af3243-3dd4-4a8d-8c0d-dd76da1f02a5" xmlns:ns3="16c05727-aa75-4e4a-9b5f-8a80a1165891" xmlns:ns4="230e9df3-be65-4c73-a93b-d1236ebd677e" targetNamespace="http://schemas.microsoft.com/office/2006/metadata/properties" ma:root="true" ma:fieldsID="49549bf45bfbbfb6cffed527380e77e1" ns1:_="" ns2:_="" ns3:_="" ns4:_="">
     <xsd:import namespace="http://schemas.microsoft.com/sharepoint/v3"/>
@@ -61377,36 +61387,27 @@
 </ct:contentTypeSchema>
 </file>
 
-<file path=customXml/item2.xml><?xml version="1.0" encoding="utf-8"?>
-<p:properties xmlns:p="http://schemas.microsoft.com/office/2006/metadata/properties" xmlns:xsi="http://www.w3.org/2001/XMLSchema-instance" xmlns:pc="http://schemas.microsoft.com/office/infopath/2007/PartnerControls">
-  <documentManagement>
-    <_ip_UnifiedCompliancePolicyUIAction xmlns="http://schemas.microsoft.com/sharepoint/v3" xsi:nil="true"/>
-    <Image xmlns="71af3243-3dd4-4a8d-8c0d-dd76da1f02a5">
-      <Url xsi:nil="true"/>
-      <Description xsi:nil="true"/>
-    </Image>
-    <Status xmlns="71af3243-3dd4-4a8d-8c0d-dd76da1f02a5">Not started</Status>
-    <Background xmlns="71af3243-3dd4-4a8d-8c0d-dd76da1f02a5">false</Background>
-    <_ip_UnifiedCompliancePolicyProperties xmlns="http://schemas.microsoft.com/sharepoint/v3" xsi:nil="true"/>
-    <ImageTagsTaxHTField xmlns="71af3243-3dd4-4a8d-8c0d-dd76da1f02a5">
-      <Terms xmlns="http://schemas.microsoft.com/office/infopath/2007/PartnerControls"/>
-    </ImageTagsTaxHTField>
-    <TaxCatchAll xmlns="230e9df3-be65-4c73-a93b-d1236ebd677e" xsi:nil="true"/>
-    <MediaServiceKeyPoints xmlns="71af3243-3dd4-4a8d-8c0d-dd76da1f02a5" xsi:nil="true"/>
-  </documentManagement>
-</p:properties>
+<file path=customXml/itemProps1.xml><?xml version="1.0" encoding="utf-8"?>
+<ds:datastoreItem xmlns:ds="http://schemas.openxmlformats.org/officeDocument/2006/customXml" ds:itemID="{ED504F61-D355-45F4-88A1-A506DA0E4DAD}">
+  <ds:schemaRefs>
+    <ds:schemaRef ds:uri="http://schemas.microsoft.com/sharepoint/v3/contenttype/forms"/>
+  </ds:schemaRefs>
+</ds:datastoreItem>
 </file>
 
-<file path=customXml/item3.xml><?xml version="1.0" encoding="utf-8"?>
-<?mso-contentType ?>
-<FormTemplates xmlns="http://schemas.microsoft.com/sharepoint/v3/contenttype/forms">
-  <Display>DocumentLibraryForm</Display>
-  <Edit>DocumentLibraryForm</Edit>
-  <New>DocumentLibraryForm</New>
-</FormTemplates>
+<file path=customXml/itemProps2.xml><?xml version="1.0" encoding="utf-8"?>
+<ds:datastoreItem xmlns:ds="http://schemas.openxmlformats.org/officeDocument/2006/customXml" ds:itemID="{903CCD5C-1585-4363-9EFD-3AF69BA56376}">
+  <ds:schemaRefs>
+    <ds:schemaRef ds:uri="http://schemas.microsoft.com/office/2006/metadata/properties"/>
+    <ds:schemaRef ds:uri="http://schemas.microsoft.com/office/infopath/2007/PartnerControls"/>
+    <ds:schemaRef ds:uri="http://schemas.microsoft.com/sharepoint/v3"/>
+    <ds:schemaRef ds:uri="71af3243-3dd4-4a8d-8c0d-dd76da1f02a5"/>
+    <ds:schemaRef ds:uri="230e9df3-be65-4c73-a93b-d1236ebd677e"/>
+  </ds:schemaRefs>
+</ds:datastoreItem>
 </file>
 
-<file path=customXml/itemProps1.xml><?xml version="1.0" encoding="utf-8"?>
+<file path=customXml/itemProps3.xml><?xml version="1.0" encoding="utf-8"?>
 <ds:datastoreItem xmlns:ds="http://schemas.openxmlformats.org/officeDocument/2006/customXml" ds:itemID="{8966904C-BAED-4465-825E-748ECDB3F628}">
   <ds:schemaRefs>
     <ds:schemaRef ds:uri="http://schemas.microsoft.com/office/2006/metadata/contentType"/>
@@ -61425,24 +61426,4 @@
     <ds:schemaRef ds:uri="http://schemas.microsoft.com/internal/obd"/>
   </ds:schemaRefs>
 </ds:datastoreItem>
-</file>
-
-<file path=customXml/itemProps2.xml><?xml version="1.0" encoding="utf-8"?>
-<ds:datastoreItem xmlns:ds="http://schemas.openxmlformats.org/officeDocument/2006/customXml" ds:itemID="{903CCD5C-1585-4363-9EFD-3AF69BA56376}">
-  <ds:schemaRefs>
-    <ds:schemaRef ds:uri="http://schemas.microsoft.com/office/2006/metadata/properties"/>
-    <ds:schemaRef ds:uri="http://schemas.microsoft.com/office/infopath/2007/PartnerControls"/>
-    <ds:schemaRef ds:uri="http://schemas.microsoft.com/sharepoint/v3"/>
-    <ds:schemaRef ds:uri="71af3243-3dd4-4a8d-8c0d-dd76da1f02a5"/>
-    <ds:schemaRef ds:uri="230e9df3-be65-4c73-a93b-d1236ebd677e"/>
-  </ds:schemaRefs>
-</ds:datastoreItem>
-</file>
-
-<file path=customXml/itemProps3.xml><?xml version="1.0" encoding="utf-8"?>
-<ds:datastoreItem xmlns:ds="http://schemas.openxmlformats.org/officeDocument/2006/customXml" ds:itemID="{ED504F61-D355-45F4-88A1-A506DA0E4DAD}">
-  <ds:schemaRefs>
-    <ds:schemaRef ds:uri="http://schemas.microsoft.com/sharepoint/v3/contenttype/forms"/>
-  </ds:schemaRefs>
-</ds:datastoreItem>
 </file>
--- a/01_documentation/nps_poster.pptx
+++ b/01_documentation/nps_poster.pptx
@@ -10670,7 +10670,7 @@
               <c:strCache>
                 <c:ptCount val="1"/>
                 <c:pt idx="0">
-                  <c:v>NLTK</c:v>
+                  <c:v>SpaCy</c:v>
                 </c:pt>
               </c:strCache>
             </c:strRef>
@@ -10715,7 +10715,7 @@
                   <c:v>0.27</c:v>
                 </c:pt>
                 <c:pt idx="2">
-                  <c:v>0.46</c:v>
+                  <c:v>0.56999999999999995</c:v>
                 </c:pt>
               </c:numCache>
             </c:numRef>
@@ -10735,7 +10735,7 @@
               <c:strCache>
                 <c:ptCount val="1"/>
                 <c:pt idx="0">
-                  <c:v>SpaCy</c:v>
+                  <c:v>TF-IDF</c:v>
                 </c:pt>
               </c:strCache>
             </c:strRef>
@@ -10774,13 +10774,13 @@
                 <c:formatCode>0%</c:formatCode>
                 <c:ptCount val="3"/>
                 <c:pt idx="0">
-                  <c:v>0.02</c:v>
+                  <c:v>0.93</c:v>
                 </c:pt>
                 <c:pt idx="1">
-                  <c:v>0.27</c:v>
+                  <c:v>0.86</c:v>
                 </c:pt>
                 <c:pt idx="2">
-                  <c:v>0.56999999999999995</c:v>
+                  <c:v>1</c:v>
                 </c:pt>
               </c:numCache>
             </c:numRef>
@@ -32083,7 +32083,7 @@
                   <a:schemeClr val="accent1"/>
                 </a:solidFill>
               </a:rPr>
-              <a:t>GPT Enabled Chatbot</a:t>
+              <a:t>NPS Chatbot</a:t>
             </a:r>
           </a:p>
         </p:txBody>
@@ -35063,7 +35063,7 @@
           <p:nvPr>
             <p:extLst>
               <p:ext uri="{D42A27DB-BD31-4B8C-83A1-F6EECF244321}">
-                <p14:modId xmlns:p14="http://schemas.microsoft.com/office/powerpoint/2010/main" val="727034699"/>
+                <p14:modId xmlns:p14="http://schemas.microsoft.com/office/powerpoint/2010/main" val="2767445339"/>
               </p:ext>
             </p:extLst>
           </p:nvPr>
@@ -61071,35 +61071,6 @@
 </file>
 
 <file path=customXml/item1.xml><?xml version="1.0" encoding="utf-8"?>
-<?mso-contentType ?>
-<FormTemplates xmlns="http://schemas.microsoft.com/sharepoint/v3/contenttype/forms">
-  <Display>DocumentLibraryForm</Display>
-  <Edit>DocumentLibraryForm</Edit>
-  <New>DocumentLibraryForm</New>
-</FormTemplates>
-</file>
-
-<file path=customXml/item2.xml><?xml version="1.0" encoding="utf-8"?>
-<p:properties xmlns:p="http://schemas.microsoft.com/office/2006/metadata/properties" xmlns:xsi="http://www.w3.org/2001/XMLSchema-instance" xmlns:pc="http://schemas.microsoft.com/office/infopath/2007/PartnerControls">
-  <documentManagement>
-    <_ip_UnifiedCompliancePolicyUIAction xmlns="http://schemas.microsoft.com/sharepoint/v3" xsi:nil="true"/>
-    <Image xmlns="71af3243-3dd4-4a8d-8c0d-dd76da1f02a5">
-      <Url xsi:nil="true"/>
-      <Description xsi:nil="true"/>
-    </Image>
-    <Status xmlns="71af3243-3dd4-4a8d-8c0d-dd76da1f02a5">Not started</Status>
-    <Background xmlns="71af3243-3dd4-4a8d-8c0d-dd76da1f02a5">false</Background>
-    <_ip_UnifiedCompliancePolicyProperties xmlns="http://schemas.microsoft.com/sharepoint/v3" xsi:nil="true"/>
-    <ImageTagsTaxHTField xmlns="71af3243-3dd4-4a8d-8c0d-dd76da1f02a5">
-      <Terms xmlns="http://schemas.microsoft.com/office/infopath/2007/PartnerControls"/>
-    </ImageTagsTaxHTField>
-    <TaxCatchAll xmlns="230e9df3-be65-4c73-a93b-d1236ebd677e" xsi:nil="true"/>
-    <MediaServiceKeyPoints xmlns="71af3243-3dd4-4a8d-8c0d-dd76da1f02a5" xsi:nil="true"/>
-  </documentManagement>
-</p:properties>
-</file>
-
-<file path=customXml/item3.xml><?xml version="1.0" encoding="utf-8"?>
 <ct:contentTypeSchema xmlns:ct="http://schemas.microsoft.com/office/2006/metadata/contentType" xmlns:ma="http://schemas.microsoft.com/office/2006/metadata/properties/metaAttributes" ct:_="" ma:_="" ma:contentTypeName="Document" ma:contentTypeID="0x01010079F111ED35F8CC479449609E8A0923A6" ma:contentTypeVersion="24" ma:contentTypeDescription="Create a new document." ma:contentTypeScope="" ma:versionID="2d714a3296df14eba7a100bb665443ca">
   <xsd:schema xmlns:xsd="http://www.w3.org/2001/XMLSchema" xmlns:xs="http://www.w3.org/2001/XMLSchema" xmlns:p="http://schemas.microsoft.com/office/2006/metadata/properties" xmlns:ns1="http://schemas.microsoft.com/sharepoint/v3" xmlns:ns2="71af3243-3dd4-4a8d-8c0d-dd76da1f02a5" xmlns:ns3="16c05727-aa75-4e4a-9b5f-8a80a1165891" xmlns:ns4="230e9df3-be65-4c73-a93b-d1236ebd677e" targetNamespace="http://schemas.microsoft.com/office/2006/metadata/properties" ma:root="true" ma:fieldsID="49549bf45bfbbfb6cffed527380e77e1" ns1:_="" ns2:_="" ns3:_="" ns4:_="">
     <xsd:import namespace="http://schemas.microsoft.com/sharepoint/v3"/>
@@ -61387,27 +61358,36 @@
 </ct:contentTypeSchema>
 </file>
 
-<file path=customXml/itemProps1.xml><?xml version="1.0" encoding="utf-8"?>
-<ds:datastoreItem xmlns:ds="http://schemas.openxmlformats.org/officeDocument/2006/customXml" ds:itemID="{ED504F61-D355-45F4-88A1-A506DA0E4DAD}">
-  <ds:schemaRefs>
-    <ds:schemaRef ds:uri="http://schemas.microsoft.com/sharepoint/v3/contenttype/forms"/>
-  </ds:schemaRefs>
-</ds:datastoreItem>
+<file path=customXml/item2.xml><?xml version="1.0" encoding="utf-8"?>
+<p:properties xmlns:p="http://schemas.microsoft.com/office/2006/metadata/properties" xmlns:xsi="http://www.w3.org/2001/XMLSchema-instance" xmlns:pc="http://schemas.microsoft.com/office/infopath/2007/PartnerControls">
+  <documentManagement>
+    <_ip_UnifiedCompliancePolicyUIAction xmlns="http://schemas.microsoft.com/sharepoint/v3" xsi:nil="true"/>
+    <Image xmlns="71af3243-3dd4-4a8d-8c0d-dd76da1f02a5">
+      <Url xsi:nil="true"/>
+      <Description xsi:nil="true"/>
+    </Image>
+    <Status xmlns="71af3243-3dd4-4a8d-8c0d-dd76da1f02a5">Not started</Status>
+    <Background xmlns="71af3243-3dd4-4a8d-8c0d-dd76da1f02a5">false</Background>
+    <_ip_UnifiedCompliancePolicyProperties xmlns="http://schemas.microsoft.com/sharepoint/v3" xsi:nil="true"/>
+    <ImageTagsTaxHTField xmlns="71af3243-3dd4-4a8d-8c0d-dd76da1f02a5">
+      <Terms xmlns="http://schemas.microsoft.com/office/infopath/2007/PartnerControls"/>
+    </ImageTagsTaxHTField>
+    <TaxCatchAll xmlns="230e9df3-be65-4c73-a93b-d1236ebd677e" xsi:nil="true"/>
+    <MediaServiceKeyPoints xmlns="71af3243-3dd4-4a8d-8c0d-dd76da1f02a5" xsi:nil="true"/>
+  </documentManagement>
+</p:properties>
 </file>
 
-<file path=customXml/itemProps2.xml><?xml version="1.0" encoding="utf-8"?>
-<ds:datastoreItem xmlns:ds="http://schemas.openxmlformats.org/officeDocument/2006/customXml" ds:itemID="{903CCD5C-1585-4363-9EFD-3AF69BA56376}">
-  <ds:schemaRefs>
-    <ds:schemaRef ds:uri="http://schemas.microsoft.com/office/2006/metadata/properties"/>
-    <ds:schemaRef ds:uri="http://schemas.microsoft.com/office/infopath/2007/PartnerControls"/>
-    <ds:schemaRef ds:uri="http://schemas.microsoft.com/sharepoint/v3"/>
-    <ds:schemaRef ds:uri="71af3243-3dd4-4a8d-8c0d-dd76da1f02a5"/>
-    <ds:schemaRef ds:uri="230e9df3-be65-4c73-a93b-d1236ebd677e"/>
-  </ds:schemaRefs>
-</ds:datastoreItem>
+<file path=customXml/item3.xml><?xml version="1.0" encoding="utf-8"?>
+<?mso-contentType ?>
+<FormTemplates xmlns="http://schemas.microsoft.com/sharepoint/v3/contenttype/forms">
+  <Display>DocumentLibraryForm</Display>
+  <Edit>DocumentLibraryForm</Edit>
+  <New>DocumentLibraryForm</New>
+</FormTemplates>
 </file>
 
-<file path=customXml/itemProps3.xml><?xml version="1.0" encoding="utf-8"?>
+<file path=customXml/itemProps1.xml><?xml version="1.0" encoding="utf-8"?>
 <ds:datastoreItem xmlns:ds="http://schemas.openxmlformats.org/officeDocument/2006/customXml" ds:itemID="{8966904C-BAED-4465-825E-748ECDB3F628}">
   <ds:schemaRefs>
     <ds:schemaRef ds:uri="http://schemas.microsoft.com/office/2006/metadata/contentType"/>
@@ -61426,4 +61406,24 @@
     <ds:schemaRef ds:uri="http://schemas.microsoft.com/internal/obd"/>
   </ds:schemaRefs>
 </ds:datastoreItem>
+</file>
+
+<file path=customXml/itemProps2.xml><?xml version="1.0" encoding="utf-8"?>
+<ds:datastoreItem xmlns:ds="http://schemas.openxmlformats.org/officeDocument/2006/customXml" ds:itemID="{903CCD5C-1585-4363-9EFD-3AF69BA56376}">
+  <ds:schemaRefs>
+    <ds:schemaRef ds:uri="http://schemas.microsoft.com/office/2006/metadata/properties"/>
+    <ds:schemaRef ds:uri="http://schemas.microsoft.com/office/infopath/2007/PartnerControls"/>
+    <ds:schemaRef ds:uri="http://schemas.microsoft.com/sharepoint/v3"/>
+    <ds:schemaRef ds:uri="71af3243-3dd4-4a8d-8c0d-dd76da1f02a5"/>
+    <ds:schemaRef ds:uri="230e9df3-be65-4c73-a93b-d1236ebd677e"/>
+  </ds:schemaRefs>
+</ds:datastoreItem>
+</file>
+
+<file path=customXml/itemProps3.xml><?xml version="1.0" encoding="utf-8"?>
+<ds:datastoreItem xmlns:ds="http://schemas.openxmlformats.org/officeDocument/2006/customXml" ds:itemID="{ED504F61-D355-45F4-88A1-A506DA0E4DAD}">
+  <ds:schemaRefs>
+    <ds:schemaRef ds:uri="http://schemas.microsoft.com/sharepoint/v3/contenttype/forms"/>
+  </ds:schemaRefs>
+</ds:datastoreItem>
 </file>